--- a/واقعیت مجازی ( Virtual Reality ).pptx
+++ b/واقعیت مجازی ( Virtual Reality ).pptx
@@ -5,20 +5,32 @@
     <p:sldMasterId id="2147483648" r:id="rId1"/>
   </p:sldMasterIdLst>
   <p:notesMasterIdLst>
-    <p:notesMasterId r:id="rId13"/>
+    <p:notesMasterId r:id="rId25"/>
   </p:notesMasterIdLst>
   <p:sldIdLst>
     <p:sldId id="256" r:id="rId2"/>
     <p:sldId id="257" r:id="rId3"/>
     <p:sldId id="258" r:id="rId4"/>
-    <p:sldId id="259" r:id="rId5"/>
-    <p:sldId id="260" r:id="rId6"/>
-    <p:sldId id="261" r:id="rId7"/>
-    <p:sldId id="262" r:id="rId8"/>
-    <p:sldId id="263" r:id="rId9"/>
-    <p:sldId id="264" r:id="rId10"/>
-    <p:sldId id="265" r:id="rId11"/>
-    <p:sldId id="266" r:id="rId12"/>
+    <p:sldId id="267" r:id="rId5"/>
+    <p:sldId id="259" r:id="rId6"/>
+    <p:sldId id="260" r:id="rId7"/>
+    <p:sldId id="261" r:id="rId8"/>
+    <p:sldId id="268" r:id="rId9"/>
+    <p:sldId id="270" r:id="rId10"/>
+    <p:sldId id="269" r:id="rId11"/>
+    <p:sldId id="271" r:id="rId12"/>
+    <p:sldId id="272" r:id="rId13"/>
+    <p:sldId id="273" r:id="rId14"/>
+    <p:sldId id="274" r:id="rId15"/>
+    <p:sldId id="275" r:id="rId16"/>
+    <p:sldId id="276" r:id="rId17"/>
+    <p:sldId id="262" r:id="rId18"/>
+    <p:sldId id="278" r:id="rId19"/>
+    <p:sldId id="277" r:id="rId20"/>
+    <p:sldId id="263" r:id="rId21"/>
+    <p:sldId id="264" r:id="rId22"/>
+    <p:sldId id="265" r:id="rId23"/>
+    <p:sldId id="266" r:id="rId24"/>
   </p:sldIdLst>
   <p:sldSz cx="9144000" cy="6858000" type="screen4x3"/>
   <p:notesSz cx="6858000" cy="9144000"/>
@@ -232,7 +244,7 @@
           <a:p>
             <a:fld id="{9077D2A7-0790-485D-A062-99A142C9CC43}" type="datetimeFigureOut">
               <a:rPr lang="fa-IR" smtClean="0"/>
-              <a:t>05/06/1437</a:t>
+              <a:t>17/06/1437</a:t>
             </a:fld>
             <a:endParaRPr lang="fa-IR"/>
           </a:p>
@@ -6240,7 +6252,15 @@
           <a:bodyPr/>
           <a:lstStyle/>
           <a:p>
-            <a:endParaRPr lang="fa-IR"/>
+            <a:r>
+              <a:rPr lang="ar-SA" b="1" dirty="0"/>
+              <a:t>تفاوت واقعیت مجازی و واقعیت </a:t>
+            </a:r>
+            <a:r>
+              <a:rPr lang="ar-SA" b="1" dirty="0" smtClean="0"/>
+              <a:t>افزوده</a:t>
+            </a:r>
+            <a:endParaRPr lang="fa-IR" dirty="0"/>
           </a:p>
         </p:txBody>
       </p:sp>
@@ -6259,52 +6279,61 @@
           <a:bodyPr/>
           <a:lstStyle/>
           <a:p>
-            <a:pPr>
-              <a:lnSpc>
-                <a:spcPct val="150000"/>
-              </a:lnSpc>
-            </a:pPr>
-            <a:r>
-              <a:rPr lang="fa-IR" dirty="0"/>
-              <a:t>در ششم خرداد ماه ۹۴ اولین هدست واقعیت مجازی مبتنی بر پلتفورم موبایل ساخته شده در ایران طی مراسمی در دانشگاه تهران رونمایی </a:t>
+            <a:r>
+              <a:rPr lang="ar-SA" dirty="0"/>
+              <a:t>واقعیت افزوده فناوری ای است که در آن تصویر سه بعدی یا اطلاعاتی به صورت متن یا تصویر بر روی تصویر زنده ای که از طریق دوربین موبایل یا تبلت در حال نمایش است نشان داده می </a:t>
+            </a:r>
+            <a:r>
+              <a:rPr lang="ar-SA" dirty="0" smtClean="0"/>
+              <a:t>شود</a:t>
             </a:r>
             <a:r>
               <a:rPr lang="fa-IR" dirty="0" smtClean="0"/>
-              <a:t>شد. </a:t>
-            </a:r>
-            <a:r>
-              <a:rPr lang="fa-IR" dirty="0"/>
-              <a:t>این هدست با نام « فونیکس پلاس » دارای تمامی قابلیت‌های لازم برای نمایش تصاویر و اپلیکیشن‌های واقعیت مجازی بوده و امکان تنظیم </a:t>
-            </a:r>
+              <a:t> </a:t>
+            </a:r>
+            <a:r>
+              <a:rPr lang="ar-SA" dirty="0" smtClean="0"/>
+              <a:t>.</a:t>
+            </a:r>
+            <a:endParaRPr lang="fa-IR" dirty="0" smtClean="0"/>
+          </a:p>
+          <a:p>
+            <a:endParaRPr lang="fa-IR" dirty="0"/>
+          </a:p>
+          <a:p>
             <a:r>
               <a:rPr lang="fa-IR" dirty="0" smtClean="0"/>
-              <a:t>فاصله ی </a:t>
-            </a:r>
-            <a:r>
-              <a:rPr lang="fa-IR" dirty="0"/>
-              <a:t>عدسی‌ها برای سنین مختلف را </a:t>
+              <a:t>در واقعیت مجازی </a:t>
+            </a:r>
+            <a:r>
+              <a:rPr lang="ar-SA" dirty="0"/>
+              <a:t>محیطی مجازی در جلوی چشمان کاربر قرار می گیرد و براساس حرکت سر و بدن آن محیط مجازی تعامل برقرار می </a:t>
+            </a:r>
+            <a:r>
+              <a:rPr lang="ar-SA" dirty="0" smtClean="0"/>
+              <a:t>کند</a:t>
             </a:r>
             <a:r>
               <a:rPr lang="fa-IR" dirty="0" smtClean="0"/>
-              <a:t>دارد . </a:t>
-            </a:r>
-            <a:r>
-              <a:rPr lang="fa-IR" dirty="0"/>
-              <a:t>علاوه بر آن دارای سیستم هدایت و کنترل نرم‌افزارها از طریق مگنت که در سمت چپ دستگاه تعبیه شده را دارا </a:t>
+              <a:t> ، </a:t>
+            </a:r>
+            <a:r>
+              <a:rPr lang="ar-SA" dirty="0"/>
+              <a:t>برخی از اين محیط ها بصورت گرافیک رايانه ای و سه بعدی هستند و برخی ديگر نیز ويدئوها يا تصاويری های واقعی هستند که از قبل فیلمبرداری شده </a:t>
+            </a:r>
+            <a:r>
+              <a:rPr lang="ar-SA" dirty="0" smtClean="0"/>
+              <a:t>اند</a:t>
             </a:r>
             <a:r>
               <a:rPr lang="fa-IR" dirty="0" smtClean="0"/>
-              <a:t>می‌باشد . این </a:t>
-            </a:r>
-            <a:r>
-              <a:rPr lang="fa-IR" dirty="0"/>
-              <a:t>هدست نسخه پلاستیکی هدست گوگل است و تنها تحت پلتفورم موبایل قابل استفاده </a:t>
-            </a:r>
-            <a:r>
-              <a:rPr lang="fa-IR" dirty="0" smtClean="0"/>
-              <a:t>می‌باشد .</a:t>
-            </a:r>
-            <a:endParaRPr lang="fa-IR" dirty="0"/>
+              <a:t> </a:t>
+            </a:r>
+            <a:r>
+              <a:rPr lang="ar-SA" dirty="0" smtClean="0"/>
+              <a:t>.</a:t>
+            </a:r>
+            <a:endParaRPr lang="fa-IR" dirty="0" smtClean="0"/>
           </a:p>
         </p:txBody>
       </p:sp>
@@ -6366,7 +6395,7 @@
     </p:spTree>
     <p:extLst>
       <p:ext uri="{BB962C8B-B14F-4D97-AF65-F5344CB8AC3E}">
-        <p14:creationId xmlns:p14="http://schemas.microsoft.com/office/powerpoint/2010/main" val="580077082"/>
+        <p14:creationId xmlns:p14="http://schemas.microsoft.com/office/powerpoint/2010/main" val="1157839024"/>
       </p:ext>
     </p:extLst>
   </p:cSld>
@@ -6427,7 +6456,11 @@
           <a:bodyPr/>
           <a:lstStyle/>
           <a:p>
-            <a:endParaRPr lang="fa-IR"/>
+            <a:r>
+              <a:rPr lang="fa-IR" dirty="0" smtClean="0"/>
+              <a:t>کاربردها</a:t>
+            </a:r>
+            <a:endParaRPr lang="fa-IR" dirty="0"/>
           </a:p>
         </p:txBody>
       </p:sp>
@@ -6441,18 +6474,31 @@
             <p:ph idx="1"/>
           </p:nvPr>
         </p:nvSpPr>
-        <p:spPr/>
+        <p:spPr>
+          <a:xfrm>
+            <a:off x="1547664" y="1340768"/>
+            <a:ext cx="7139136" cy="4785395"/>
+          </a:xfrm>
+        </p:spPr>
         <p:txBody>
           <a:bodyPr/>
           <a:lstStyle/>
           <a:p>
+            <a:r>
+              <a:rPr lang="ar-SA" dirty="0" smtClean="0">
+                <a:solidFill>
+                  <a:srgbClr val="00B0F0"/>
+                </a:solidFill>
+              </a:rPr>
+              <a:t>صنعت توریسم</a:t>
+            </a:r>
             <a:r>
               <a:rPr lang="fa-IR" dirty="0">
                 <a:solidFill>
                   <a:srgbClr val="00B0F0"/>
                 </a:solidFill>
               </a:rPr>
-              <a:t>واقعیت </a:t>
+              <a:t> </a:t>
             </a:r>
             <a:r>
               <a:rPr lang="fa-IR" dirty="0" smtClean="0">
@@ -6460,67 +6506,34 @@
                   <a:srgbClr val="00B0F0"/>
                 </a:solidFill>
               </a:rPr>
-              <a:t>مجازی</a:t>
-            </a:r>
-            <a:r>
-              <a:rPr lang="en-US" dirty="0" smtClean="0">
-                <a:solidFill>
-                  <a:srgbClr val="00B0F0"/>
-                </a:solidFill>
-              </a:rPr>
-              <a:t> </a:t>
-            </a:r>
-            <a:r>
-              <a:rPr lang="en-US" dirty="0" smtClean="0">
-                <a:solidFill>
-                  <a:srgbClr val="00B0F0"/>
-                </a:solidFill>
-                <a:latin typeface="Comic Sans MS" panose="030F0702030302020204" pitchFamily="66" charset="0"/>
-              </a:rPr>
-              <a:t>SM </a:t>
-            </a:r>
-            <a:r>
-              <a:rPr lang="en-US" dirty="0">
-                <a:solidFill>
-                  <a:srgbClr val="00B0F0"/>
-                </a:solidFill>
-                <a:latin typeface="Comic Sans MS" panose="030F0702030302020204" pitchFamily="66" charset="0"/>
-              </a:rPr>
-              <a:t>VR </a:t>
-            </a:r>
-            <a:r>
-              <a:rPr lang="fa-IR" dirty="0"/>
-              <a:t>سازنده عینک مقوایی واقعیت مجازی (الهام گرفته شده از گوگل کاردبرد) در ایران می‌باشد که اولین سری از محصولات خود را شهریور ماه سال ۹۴ وارد بازار ایران نموده </a:t>
+              <a:t>: </a:t>
+            </a:r>
+            <a:endParaRPr lang="en-US" dirty="0">
+              <a:solidFill>
+                <a:srgbClr val="00B0F0"/>
+              </a:solidFill>
+            </a:endParaRPr>
+          </a:p>
+          <a:p>
+            <a:pPr marL="0" indent="0">
+              <a:buNone/>
+            </a:pPr>
+            <a:r>
+              <a:rPr lang="ar-SA" dirty="0" smtClean="0"/>
+              <a:t>ویدئوها </a:t>
+            </a:r>
+            <a:r>
+              <a:rPr lang="ar-SA" dirty="0"/>
+              <a:t>و یا تصاویری 360 درجه و با کیفیت بالا از مکان های توریستی و مهم تهیه می </a:t>
+            </a:r>
+            <a:r>
+              <a:rPr lang="ar-SA" dirty="0" smtClean="0"/>
+              <a:t>شود</a:t>
             </a:r>
             <a:r>
               <a:rPr lang="fa-IR" dirty="0" smtClean="0"/>
-              <a:t>است ، </a:t>
-            </a:r>
-            <a:r>
-              <a:rPr lang="fa-IR" dirty="0"/>
-              <a:t>که مجهز به تگ </a:t>
-            </a:r>
-            <a:r>
-              <a:rPr lang="en-US" dirty="0" smtClean="0"/>
-              <a:t> </a:t>
-            </a:r>
-            <a:r>
-              <a:rPr lang="en-US" dirty="0" smtClean="0">
-                <a:latin typeface="Comic Sans MS" panose="030F0702030302020204" pitchFamily="66" charset="0"/>
-              </a:rPr>
-              <a:t>NFC</a:t>
-            </a:r>
-            <a:r>
-              <a:rPr lang="fa-IR" dirty="0" smtClean="0"/>
-              <a:t>نیز می‌باشد </a:t>
-            </a:r>
-            <a:r>
-              <a:rPr lang="fa-IR" dirty="0" smtClean="0"/>
-              <a:t>.</a:t>
-            </a:r>
-          </a:p>
-          <a:p>
-            <a:endParaRPr lang="fa-IR" dirty="0" smtClean="0"/>
+              <a:t> . </a:t>
+            </a:r>
           </a:p>
           <a:p>
             <a:r>
@@ -6529,73 +6542,43 @@
                   <a:srgbClr val="00B0F0"/>
                 </a:solidFill>
               </a:rPr>
-              <a:t>شرکت کدکم ایران ( </a:t>
-            </a:r>
-            <a:r>
-              <a:rPr lang="en-US" dirty="0" err="1">
-                <a:solidFill>
-                  <a:srgbClr val="00B0F0"/>
-                </a:solidFill>
-                <a:latin typeface="Comic Sans MS" panose="030F0702030302020204" pitchFamily="66" charset="0"/>
-              </a:rPr>
-              <a:t>CadCam</a:t>
-            </a:r>
-            <a:r>
-              <a:rPr lang="en-US" dirty="0">
-                <a:solidFill>
-                  <a:srgbClr val="00B0F0"/>
-                </a:solidFill>
-                <a:latin typeface="Comic Sans MS" panose="030F0702030302020204" pitchFamily="66" charset="0"/>
-              </a:rPr>
+              <a:t>مشاوره املاک : </a:t>
+            </a:r>
+          </a:p>
+          <a:p>
+            <a:pPr marL="0" indent="0">
+              <a:buNone/>
+            </a:pPr>
+            <a:r>
+              <a:rPr lang="ar-SA" dirty="0" smtClean="0"/>
+              <a:t>نمایش </a:t>
+            </a:r>
+            <a:r>
+              <a:rPr lang="ar-SA" dirty="0"/>
+              <a:t>همه جهته و کامل فضای داخلی و بیرونی مکان هایی است که برای فروش یا اجاره قرار گرفته </a:t>
+            </a:r>
+            <a:r>
+              <a:rPr lang="ar-SA" dirty="0" smtClean="0"/>
+              <a:t>اند</a:t>
+            </a:r>
+            <a:r>
+              <a:rPr lang="fa-IR" dirty="0" smtClean="0"/>
               <a:t> </a:t>
             </a:r>
             <a:r>
-              <a:rPr lang="en-US" dirty="0" smtClean="0">
-                <a:solidFill>
-                  <a:srgbClr val="00B0F0"/>
-                </a:solidFill>
-                <a:latin typeface="Comic Sans MS" panose="030F0702030302020204" pitchFamily="66" charset="0"/>
-              </a:rPr>
-              <a:t>Iran</a:t>
-            </a:r>
-            <a:r>
-              <a:rPr lang="fa-IR" dirty="0" smtClean="0">
-                <a:solidFill>
-                  <a:srgbClr val="00B0F0"/>
-                </a:solidFill>
-                <a:latin typeface="Comic Sans MS" panose="030F0702030302020204" pitchFamily="66" charset="0"/>
-              </a:rPr>
-              <a:t> ) </a:t>
+              <a:rPr lang="ar-SA" dirty="0" smtClean="0"/>
+              <a:t>.</a:t>
             </a:r>
             <a:r>
               <a:rPr lang="fa-IR" dirty="0" smtClean="0"/>
-              <a:t>در </a:t>
-            </a:r>
-            <a:r>
-              <a:rPr lang="fa-IR" dirty="0"/>
-              <a:t>سال ۱۳۸۹ اولین مرکز واقعیت مجازی ایران را در مدیریت اکتشاف </a:t>
-            </a:r>
-            <a:r>
-              <a:rPr lang="fa-IR" dirty="0" smtClean="0"/>
-              <a:t>- شرکت </a:t>
-            </a:r>
-            <a:r>
-              <a:rPr lang="fa-IR" dirty="0"/>
-              <a:t>ملی نفت ایران طراحی و پیاده‌سازی </a:t>
-            </a:r>
-            <a:r>
-              <a:rPr lang="fa-IR" dirty="0" smtClean="0"/>
-              <a:t>نمود . </a:t>
-            </a:r>
-            <a:r>
-              <a:rPr lang="fa-IR" dirty="0"/>
-              <a:t>این شرکت در حال حاضر (۱۳۹۴) سرگرم ایجاد چنین مرکزی در مرکز تحقیقات و نوآوری صنایع خودرو سایپا </a:t>
-            </a:r>
-            <a:r>
-              <a:rPr lang="fa-IR" dirty="0" smtClean="0"/>
-              <a:t>می‌باشد . </a:t>
-            </a:r>
-            <a:endParaRPr lang="fa-IR" dirty="0"/>
+              <a:t> همچنین پیش نمایش طرح های داخلی . </a:t>
+            </a:r>
+          </a:p>
+          <a:p>
+            <a:pPr marL="0" indent="0">
+              <a:buNone/>
+            </a:pPr>
+            <a:endParaRPr lang="fa-IR" dirty="0" smtClean="0"/>
           </a:p>
         </p:txBody>
       </p:sp>
@@ -6654,10 +6637,3155 @@
           </a:p>
         </p:txBody>
       </p:sp>
+      <p:pic>
+        <p:nvPicPr>
+          <p:cNvPr id="6" name="Picture 5"/>
+          <p:cNvPicPr>
+            <a:picLocks noChangeAspect="1"/>
+          </p:cNvPicPr>
+          <p:nvPr/>
+        </p:nvPicPr>
+        <p:blipFill>
+          <a:blip r:embed="rId2">
+            <a:extLst>
+              <a:ext uri="{BEBA8EAE-BF5A-486C-A8C5-ECC9F3942E4B}">
+                <a14:imgProps xmlns:a14="http://schemas.microsoft.com/office/drawing/2010/main">
+                  <a14:imgLayer r:embed="rId3">
+                    <a14:imgEffect>
+                      <a14:sharpenSoften amount="25000"/>
+                    </a14:imgEffect>
+                  </a14:imgLayer>
+                </a14:imgProps>
+              </a:ext>
+              <a:ext uri="{28A0092B-C50C-407E-A947-70E740481C1C}">
+                <a14:useLocalDpi xmlns:a14="http://schemas.microsoft.com/office/drawing/2010/main" val="0"/>
+              </a:ext>
+            </a:extLst>
+          </a:blip>
+          <a:stretch>
+            <a:fillRect/>
+          </a:stretch>
+        </p:blipFill>
+        <p:spPr>
+          <a:xfrm>
+            <a:off x="2051720" y="3693029"/>
+            <a:ext cx="6624736" cy="2208246"/>
+          </a:xfrm>
+          <a:prstGeom prst="rect">
+            <a:avLst/>
+          </a:prstGeom>
+          <a:ln>
+            <a:noFill/>
+          </a:ln>
+          <a:effectLst>
+            <a:softEdge rad="112500"/>
+          </a:effectLst>
+        </p:spPr>
+      </p:pic>
     </p:spTree>
     <p:extLst>
       <p:ext uri="{BB962C8B-B14F-4D97-AF65-F5344CB8AC3E}">
-        <p14:creationId xmlns:p14="http://schemas.microsoft.com/office/powerpoint/2010/main" val="142985503"/>
+        <p14:creationId xmlns:p14="http://schemas.microsoft.com/office/powerpoint/2010/main" val="3716676833"/>
+      </p:ext>
+    </p:extLst>
+  </p:cSld>
+  <p:clrMapOvr>
+    <a:masterClrMapping/>
+  </p:clrMapOvr>
+  <mc:AlternateContent xmlns:mc="http://schemas.openxmlformats.org/markup-compatibility/2006" xmlns:p14="http://schemas.microsoft.com/office/powerpoint/2010/main">
+    <mc:Choice Requires="p14">
+      <p:transition spd="slow" p14:dur="800">
+        <p:diamond/>
+      </p:transition>
+    </mc:Choice>
+    <mc:Fallback xmlns="">
+      <p:transition spd="slow">
+        <p:diamond/>
+      </p:transition>
+    </mc:Fallback>
+  </mc:AlternateContent>
+  <p:timing>
+    <p:tnLst>
+      <p:par>
+        <p:cTn id="1" dur="indefinite" restart="never" nodeType="tmRoot">
+          <p:childTnLst>
+            <p:seq concurrent="1" nextAc="seek">
+              <p:cTn id="2" dur="indefinite" nodeType="mainSeq">
+                <p:childTnLst>
+                  <p:par>
+                    <p:cTn id="3" fill="hold">
+                      <p:stCondLst>
+                        <p:cond delay="indefinite"/>
+                        <p:cond evt="onBegin" delay="0">
+                          <p:tn val="2"/>
+                        </p:cond>
+                      </p:stCondLst>
+                      <p:childTnLst>
+                        <p:par>
+                          <p:cTn id="4" fill="hold">
+                            <p:stCondLst>
+                              <p:cond delay="0"/>
+                            </p:stCondLst>
+                            <p:childTnLst>
+                              <p:par>
+                                <p:cTn id="5" presetID="42" presetClass="entr" presetSubtype="0" fill="hold" nodeType="afterEffect">
+                                  <p:stCondLst>
+                                    <p:cond delay="1000"/>
+                                  </p:stCondLst>
+                                  <p:childTnLst>
+                                    <p:set>
+                                      <p:cBhvr>
+                                        <p:cTn id="6" dur="1" fill="hold">
+                                          <p:stCondLst>
+                                            <p:cond delay="0"/>
+                                          </p:stCondLst>
+                                        </p:cTn>
+                                        <p:tgtEl>
+                                          <p:spTgt spid="6"/>
+                                        </p:tgtEl>
+                                        <p:attrNameLst>
+                                          <p:attrName>style.visibility</p:attrName>
+                                        </p:attrNameLst>
+                                      </p:cBhvr>
+                                      <p:to>
+                                        <p:strVal val="visible"/>
+                                      </p:to>
+                                    </p:set>
+                                    <p:animEffect transition="in" filter="fade">
+                                      <p:cBhvr>
+                                        <p:cTn id="7" dur="1000"/>
+                                        <p:tgtEl>
+                                          <p:spTgt spid="6"/>
+                                        </p:tgtEl>
+                                      </p:cBhvr>
+                                    </p:animEffect>
+                                    <p:anim calcmode="lin" valueType="num">
+                                      <p:cBhvr>
+                                        <p:cTn id="8" dur="1000" fill="hold"/>
+                                        <p:tgtEl>
+                                          <p:spTgt spid="6"/>
+                                        </p:tgtEl>
+                                        <p:attrNameLst>
+                                          <p:attrName>ppt_x</p:attrName>
+                                        </p:attrNameLst>
+                                      </p:cBhvr>
+                                      <p:tavLst>
+                                        <p:tav tm="0">
+                                          <p:val>
+                                            <p:strVal val="#ppt_x"/>
+                                          </p:val>
+                                        </p:tav>
+                                        <p:tav tm="100000">
+                                          <p:val>
+                                            <p:strVal val="#ppt_x"/>
+                                          </p:val>
+                                        </p:tav>
+                                      </p:tavLst>
+                                    </p:anim>
+                                    <p:anim calcmode="lin" valueType="num">
+                                      <p:cBhvr>
+                                        <p:cTn id="9" dur="1000" fill="hold"/>
+                                        <p:tgtEl>
+                                          <p:spTgt spid="6"/>
+                                        </p:tgtEl>
+                                        <p:attrNameLst>
+                                          <p:attrName>ppt_y</p:attrName>
+                                        </p:attrNameLst>
+                                      </p:cBhvr>
+                                      <p:tavLst>
+                                        <p:tav tm="0">
+                                          <p:val>
+                                            <p:strVal val="#ppt_y+.1"/>
+                                          </p:val>
+                                        </p:tav>
+                                        <p:tav tm="100000">
+                                          <p:val>
+                                            <p:strVal val="#ppt_y"/>
+                                          </p:val>
+                                        </p:tav>
+                                      </p:tavLst>
+                                    </p:anim>
+                                  </p:childTnLst>
+                                </p:cTn>
+                              </p:par>
+                            </p:childTnLst>
+                          </p:cTn>
+                        </p:par>
+                      </p:childTnLst>
+                    </p:cTn>
+                  </p:par>
+                </p:childTnLst>
+              </p:cTn>
+              <p:prevCondLst>
+                <p:cond evt="onPrev" delay="0">
+                  <p:tgtEl>
+                    <p:sldTgt/>
+                  </p:tgtEl>
+                </p:cond>
+              </p:prevCondLst>
+              <p:nextCondLst>
+                <p:cond evt="onNext" delay="0">
+                  <p:tgtEl>
+                    <p:sldTgt/>
+                  </p:tgtEl>
+                </p:cond>
+              </p:nextCondLst>
+            </p:seq>
+          </p:childTnLst>
+        </p:cTn>
+      </p:par>
+    </p:tnLst>
+  </p:timing>
+</p:sld>
+</file>
+
+<file path=ppt/slides/slide12.xml><?xml version="1.0" encoding="utf-8"?>
+<p:sld xmlns:a="http://schemas.openxmlformats.org/drawingml/2006/main" xmlns:r="http://schemas.openxmlformats.org/officeDocument/2006/relationships" xmlns:p="http://schemas.openxmlformats.org/presentationml/2006/main">
+  <p:cSld>
+    <p:spTree>
+      <p:nvGrpSpPr>
+        <p:cNvPr id="1" name=""/>
+        <p:cNvGrpSpPr/>
+        <p:nvPr/>
+      </p:nvGrpSpPr>
+      <p:grpSpPr>
+        <a:xfrm>
+          <a:off x="0" y="0"/>
+          <a:ext cx="0" cy="0"/>
+          <a:chOff x="0" y="0"/>
+          <a:chExt cx="0" cy="0"/>
+        </a:xfrm>
+      </p:grpSpPr>
+      <p:sp>
+        <p:nvSpPr>
+          <p:cNvPr id="3" name="Content Placeholder 2"/>
+          <p:cNvSpPr>
+            <a:spLocks noGrp="1"/>
+          </p:cNvSpPr>
+          <p:nvPr>
+            <p:ph idx="1"/>
+          </p:nvPr>
+        </p:nvSpPr>
+        <p:spPr>
+          <a:xfrm>
+            <a:off x="1547664" y="1052736"/>
+            <a:ext cx="7139136" cy="5073427"/>
+          </a:xfrm>
+        </p:spPr>
+        <p:txBody>
+          <a:bodyPr/>
+          <a:lstStyle/>
+          <a:p>
+            <a:r>
+              <a:rPr lang="fa-IR" dirty="0">
+                <a:solidFill>
+                  <a:srgbClr val="00B0F0"/>
+                </a:solidFill>
+              </a:rPr>
+              <a:t>سرگرمی : </a:t>
+            </a:r>
+          </a:p>
+          <a:p>
+            <a:pPr marL="0" indent="0">
+              <a:buNone/>
+            </a:pPr>
+            <a:r>
+              <a:rPr lang="ar-SA" dirty="0"/>
+              <a:t>استادیوم </a:t>
+            </a:r>
+            <a:r>
+              <a:rPr lang="fa-IR" dirty="0"/>
+              <a:t>های </a:t>
+            </a:r>
+            <a:r>
+              <a:rPr lang="ar-SA" dirty="0"/>
+              <a:t>مجازی</a:t>
+            </a:r>
+            <a:r>
+              <a:rPr lang="fa-IR" dirty="0"/>
+              <a:t> </a:t>
+            </a:r>
+            <a:r>
+              <a:rPr lang="ar-SA" dirty="0"/>
+              <a:t>که می‌توانید هیجان و تجربه حضور در روز مسابقه و بازی را با دوستان‌تان در آن شریک شوید</a:t>
+            </a:r>
+            <a:r>
+              <a:rPr lang="fa-IR" dirty="0"/>
+              <a:t> </a:t>
+            </a:r>
+            <a:r>
+              <a:rPr lang="ar-SA" dirty="0"/>
+              <a:t>، آن هم در راحتی کامل و از روی کاناپه اتاق‌تان</a:t>
+            </a:r>
+            <a:r>
+              <a:rPr lang="fa-IR" dirty="0"/>
+              <a:t> ! یا حضور در یک کنسرت . </a:t>
+            </a:r>
+            <a:endParaRPr lang="fa-IR" dirty="0">
+              <a:solidFill>
+                <a:srgbClr val="00B0F0"/>
+              </a:solidFill>
+            </a:endParaRPr>
+          </a:p>
+          <a:p>
+            <a:endParaRPr lang="fa-IR" dirty="0" smtClean="0">
+              <a:solidFill>
+                <a:srgbClr val="00B0F0"/>
+              </a:solidFill>
+            </a:endParaRPr>
+          </a:p>
+          <a:p>
+            <a:r>
+              <a:rPr lang="ar-SA" dirty="0" smtClean="0">
+                <a:solidFill>
+                  <a:srgbClr val="00B0F0"/>
+                </a:solidFill>
+              </a:rPr>
+              <a:t>بهداشت </a:t>
+            </a:r>
+            <a:r>
+              <a:rPr lang="ar-SA" dirty="0">
+                <a:solidFill>
+                  <a:srgbClr val="00B0F0"/>
+                </a:solidFill>
+              </a:rPr>
+              <a:t>و </a:t>
+            </a:r>
+            <a:r>
+              <a:rPr lang="ar-SA" dirty="0" smtClean="0">
+                <a:solidFill>
+                  <a:srgbClr val="00B0F0"/>
+                </a:solidFill>
+              </a:rPr>
+              <a:t>درمان</a:t>
+            </a:r>
+            <a:r>
+              <a:rPr lang="fa-IR" dirty="0" smtClean="0">
+                <a:solidFill>
+                  <a:srgbClr val="00B0F0"/>
+                </a:solidFill>
+              </a:rPr>
+              <a:t> : </a:t>
+            </a:r>
+          </a:p>
+          <a:p>
+            <a:pPr marL="0" indent="0">
+              <a:buNone/>
+            </a:pPr>
+            <a:r>
+              <a:rPr lang="ar-SA" dirty="0"/>
+              <a:t>شبیه‌سازی‌های واقعیت مجازی می‌توانند تصاویر تشخیصی درست و دقیقی را از اسکن‌ها و مدل‌های سه‌بعدی تهیه شده از آناتومی بیماران را ایجاد </a:t>
+            </a:r>
+            <a:r>
+              <a:rPr lang="ar-SA" dirty="0" smtClean="0"/>
+              <a:t>کنند</a:t>
+            </a:r>
+            <a:r>
+              <a:rPr lang="en-US" dirty="0" smtClean="0"/>
+              <a:t> </a:t>
+            </a:r>
+            <a:r>
+              <a:rPr lang="ar-SA" dirty="0" smtClean="0"/>
+              <a:t>. </a:t>
+            </a:r>
+            <a:endParaRPr lang="fa-IR" dirty="0" smtClean="0"/>
+          </a:p>
+          <a:p>
+            <a:pPr marL="0" indent="0">
+              <a:buNone/>
+            </a:pPr>
+            <a:r>
+              <a:rPr lang="ar-SA" dirty="0" smtClean="0"/>
+              <a:t>واقعیت </a:t>
+            </a:r>
+            <a:r>
+              <a:rPr lang="ar-SA" dirty="0"/>
+              <a:t>مجازی همچنین می‌تواند به عنوان یک ابزار موثر و مقرون به صرفه برای توانبخشی به‌کار برده </a:t>
+            </a:r>
+            <a:r>
+              <a:rPr lang="ar-SA" dirty="0" smtClean="0"/>
+              <a:t>شود</a:t>
+            </a:r>
+            <a:r>
+              <a:rPr lang="fa-IR" dirty="0" smtClean="0"/>
+              <a:t> </a:t>
+            </a:r>
+            <a:r>
+              <a:rPr lang="ar-SA" dirty="0" smtClean="0"/>
+              <a:t>.</a:t>
+            </a:r>
+            <a:endParaRPr lang="fa-IR" dirty="0"/>
+          </a:p>
+          <a:p>
+            <a:pPr marL="0" indent="0">
+              <a:buNone/>
+            </a:pPr>
+            <a:r>
+              <a:rPr lang="ar-SA" dirty="0" smtClean="0"/>
+              <a:t>در </a:t>
+            </a:r>
+            <a:r>
+              <a:rPr lang="ar-SA" dirty="0"/>
+              <a:t>یک تحقیق تازه برای کمک به معتادان به هروئین، بیماران به داخل یک «غار هروئین» مجازی برده </a:t>
+            </a:r>
+            <a:r>
+              <a:rPr lang="ar-SA" dirty="0" smtClean="0"/>
+              <a:t>می‌شوند</a:t>
+            </a:r>
+            <a:r>
+              <a:rPr lang="fa-IR" dirty="0" smtClean="0"/>
+              <a:t> </a:t>
+            </a:r>
+            <a:r>
+              <a:rPr lang="ar-SA" dirty="0" smtClean="0"/>
+              <a:t>.</a:t>
+            </a:r>
+            <a:endParaRPr lang="en-US" dirty="0">
+              <a:solidFill>
+                <a:srgbClr val="00B0F0"/>
+              </a:solidFill>
+            </a:endParaRPr>
+          </a:p>
+          <a:p>
+            <a:endParaRPr lang="fa-IR" dirty="0"/>
+          </a:p>
+        </p:txBody>
+      </p:sp>
+      <p:sp>
+        <p:nvSpPr>
+          <p:cNvPr id="4" name="Footer Placeholder 3"/>
+          <p:cNvSpPr>
+            <a:spLocks noGrp="1"/>
+          </p:cNvSpPr>
+          <p:nvPr>
+            <p:ph type="ftr" sz="quarter" idx="11"/>
+          </p:nvPr>
+        </p:nvSpPr>
+        <p:spPr/>
+        <p:txBody>
+          <a:bodyPr/>
+          <a:lstStyle/>
+          <a:p>
+            <a:pPr>
+              <a:defRPr/>
+            </a:pPr>
+            <a:r>
+              <a:rPr lang="fa-IR" altLang="fa-IR" smtClean="0"/>
+              <a:t>دانشگاه صنعتی اصفهان – دانشکده کامپیوتر</a:t>
+            </a:r>
+            <a:endParaRPr lang="es-ES" altLang="fa-IR" dirty="0"/>
+          </a:p>
+        </p:txBody>
+      </p:sp>
+      <p:sp>
+        <p:nvSpPr>
+          <p:cNvPr id="5" name="Slide Number Placeholder 4"/>
+          <p:cNvSpPr>
+            <a:spLocks noGrp="1"/>
+          </p:cNvSpPr>
+          <p:nvPr>
+            <p:ph type="sldNum" sz="quarter" idx="12"/>
+          </p:nvPr>
+        </p:nvSpPr>
+        <p:spPr/>
+        <p:txBody>
+          <a:bodyPr/>
+          <a:lstStyle/>
+          <a:p>
+            <a:pPr>
+              <a:defRPr/>
+            </a:pPr>
+            <a:fld id="{C5303A1E-C0C3-4A75-A42D-959ACBF920C8}" type="slidenum">
+              <a:rPr lang="es-ES" altLang="fa-IR" smtClean="0"/>
+              <a:pPr>
+                <a:defRPr/>
+              </a:pPr>
+              <a:t>12</a:t>
+            </a:fld>
+            <a:endParaRPr lang="es-ES" altLang="fa-IR" dirty="0"/>
+          </a:p>
+        </p:txBody>
+      </p:sp>
+    </p:spTree>
+    <p:extLst>
+      <p:ext uri="{BB962C8B-B14F-4D97-AF65-F5344CB8AC3E}">
+        <p14:creationId xmlns:p14="http://schemas.microsoft.com/office/powerpoint/2010/main" val="1259178800"/>
+      </p:ext>
+    </p:extLst>
+  </p:cSld>
+  <p:clrMapOvr>
+    <a:masterClrMapping/>
+  </p:clrMapOvr>
+  <mc:AlternateContent xmlns:mc="http://schemas.openxmlformats.org/markup-compatibility/2006" xmlns:p14="http://schemas.microsoft.com/office/powerpoint/2010/main">
+    <mc:Choice Requires="p14">
+      <p:transition spd="slow" p14:dur="800">
+        <p:diamond/>
+      </p:transition>
+    </mc:Choice>
+    <mc:Fallback xmlns="">
+      <p:transition spd="slow">
+        <p:diamond/>
+      </p:transition>
+    </mc:Fallback>
+  </mc:AlternateContent>
+  <p:timing>
+    <p:tnLst>
+      <p:par>
+        <p:cTn id="1" dur="indefinite" restart="never" nodeType="tmRoot"/>
+      </p:par>
+    </p:tnLst>
+  </p:timing>
+</p:sld>
+</file>
+
+<file path=ppt/slides/slide13.xml><?xml version="1.0" encoding="utf-8"?>
+<p:sld xmlns:a="http://schemas.openxmlformats.org/drawingml/2006/main" xmlns:r="http://schemas.openxmlformats.org/officeDocument/2006/relationships" xmlns:p="http://schemas.openxmlformats.org/presentationml/2006/main">
+  <p:cSld>
+    <p:spTree>
+      <p:nvGrpSpPr>
+        <p:cNvPr id="1" name=""/>
+        <p:cNvGrpSpPr/>
+        <p:nvPr/>
+      </p:nvGrpSpPr>
+      <p:grpSpPr>
+        <a:xfrm>
+          <a:off x="0" y="0"/>
+          <a:ext cx="0" cy="0"/>
+          <a:chOff x="0" y="0"/>
+          <a:chExt cx="0" cy="0"/>
+        </a:xfrm>
+      </p:grpSpPr>
+      <p:sp>
+        <p:nvSpPr>
+          <p:cNvPr id="3" name="Content Placeholder 2"/>
+          <p:cNvSpPr>
+            <a:spLocks noGrp="1"/>
+          </p:cNvSpPr>
+          <p:nvPr>
+            <p:ph idx="1"/>
+          </p:nvPr>
+        </p:nvSpPr>
+        <p:spPr>
+          <a:xfrm>
+            <a:off x="1547664" y="836712"/>
+            <a:ext cx="7139136" cy="5289451"/>
+          </a:xfrm>
+        </p:spPr>
+        <p:txBody>
+          <a:bodyPr/>
+          <a:lstStyle/>
+          <a:p>
+            <a:r>
+              <a:rPr lang="ar-SA" dirty="0" smtClean="0">
+                <a:solidFill>
+                  <a:srgbClr val="00B0F0"/>
+                </a:solidFill>
+              </a:rPr>
+              <a:t>فضانوردی</a:t>
+            </a:r>
+            <a:r>
+              <a:rPr lang="fa-IR" dirty="0" smtClean="0">
+                <a:solidFill>
+                  <a:srgbClr val="00B0F0"/>
+                </a:solidFill>
+              </a:rPr>
+              <a:t> : </a:t>
+            </a:r>
+          </a:p>
+          <a:p>
+            <a:pPr marL="0" indent="0">
+              <a:buNone/>
+            </a:pPr>
+            <a:r>
+              <a:rPr lang="ar-SA" dirty="0"/>
+              <a:t>جست‌وجوی زندگی در سیاره‌های </a:t>
+            </a:r>
+            <a:r>
+              <a:rPr lang="ar-SA" dirty="0" smtClean="0"/>
+              <a:t>دیگر</a:t>
+            </a:r>
+            <a:r>
+              <a:rPr lang="fa-IR" dirty="0" smtClean="0"/>
+              <a:t> . </a:t>
+            </a:r>
+            <a:r>
+              <a:rPr lang="ar-SA" dirty="0"/>
+              <a:t>این تکنولوژی در آینده‌ای نه چندان دور می‌تواند برای کنترل مریخ نوردها یا دیگر ابزارها از میلیون‌ها مایل دورتر به‌کار برده </a:t>
+            </a:r>
+            <a:r>
+              <a:rPr lang="ar-SA" dirty="0" smtClean="0"/>
+              <a:t>شود</a:t>
+            </a:r>
+            <a:r>
+              <a:rPr lang="fa-IR" dirty="0" smtClean="0"/>
+              <a:t> . </a:t>
+            </a:r>
+            <a:endParaRPr lang="en-US" dirty="0" smtClean="0"/>
+          </a:p>
+          <a:p>
+            <a:pPr marL="0" indent="0">
+              <a:buNone/>
+            </a:pPr>
+            <a:endParaRPr lang="en-US" dirty="0">
+              <a:solidFill>
+                <a:srgbClr val="00B0F0"/>
+              </a:solidFill>
+            </a:endParaRPr>
+          </a:p>
+          <a:p>
+            <a:r>
+              <a:rPr lang="ar-SA" dirty="0" smtClean="0">
+                <a:solidFill>
+                  <a:srgbClr val="00B0F0"/>
+                </a:solidFill>
+              </a:rPr>
+              <a:t>موزه‌ها</a:t>
+            </a:r>
+            <a:r>
+              <a:rPr lang="fa-IR" dirty="0" smtClean="0">
+                <a:solidFill>
+                  <a:srgbClr val="00B0F0"/>
+                </a:solidFill>
+              </a:rPr>
+              <a:t> : </a:t>
+            </a:r>
+            <a:endParaRPr lang="en-US" dirty="0">
+              <a:solidFill>
+                <a:srgbClr val="00B0F0"/>
+              </a:solidFill>
+            </a:endParaRPr>
+          </a:p>
+          <a:p>
+            <a:pPr marL="0" indent="0">
+              <a:buNone/>
+            </a:pPr>
+            <a:r>
+              <a:rPr lang="fa-IR" dirty="0" smtClean="0"/>
+              <a:t>پررنگ تر کردن علایق فرهنگی . </a:t>
+            </a:r>
+            <a:endParaRPr lang="en-US" dirty="0"/>
+          </a:p>
+          <a:p>
+            <a:endParaRPr lang="fa-IR" dirty="0"/>
+          </a:p>
+        </p:txBody>
+      </p:sp>
+      <p:sp>
+        <p:nvSpPr>
+          <p:cNvPr id="4" name="Footer Placeholder 3"/>
+          <p:cNvSpPr>
+            <a:spLocks noGrp="1"/>
+          </p:cNvSpPr>
+          <p:nvPr>
+            <p:ph type="ftr" sz="quarter" idx="11"/>
+          </p:nvPr>
+        </p:nvSpPr>
+        <p:spPr/>
+        <p:txBody>
+          <a:bodyPr/>
+          <a:lstStyle/>
+          <a:p>
+            <a:pPr>
+              <a:defRPr/>
+            </a:pPr>
+            <a:r>
+              <a:rPr lang="fa-IR" altLang="fa-IR" smtClean="0"/>
+              <a:t>دانشگاه صنعتی اصفهان – دانشکده کامپیوتر</a:t>
+            </a:r>
+            <a:endParaRPr lang="es-ES" altLang="fa-IR" dirty="0"/>
+          </a:p>
+        </p:txBody>
+      </p:sp>
+      <p:sp>
+        <p:nvSpPr>
+          <p:cNvPr id="5" name="Slide Number Placeholder 4"/>
+          <p:cNvSpPr>
+            <a:spLocks noGrp="1"/>
+          </p:cNvSpPr>
+          <p:nvPr>
+            <p:ph type="sldNum" sz="quarter" idx="12"/>
+          </p:nvPr>
+        </p:nvSpPr>
+        <p:spPr/>
+        <p:txBody>
+          <a:bodyPr/>
+          <a:lstStyle/>
+          <a:p>
+            <a:pPr>
+              <a:defRPr/>
+            </a:pPr>
+            <a:fld id="{C5303A1E-C0C3-4A75-A42D-959ACBF920C8}" type="slidenum">
+              <a:rPr lang="es-ES" altLang="fa-IR" smtClean="0"/>
+              <a:pPr>
+                <a:defRPr/>
+              </a:pPr>
+              <a:t>13</a:t>
+            </a:fld>
+            <a:endParaRPr lang="es-ES" altLang="fa-IR" dirty="0"/>
+          </a:p>
+        </p:txBody>
+      </p:sp>
+      <p:pic>
+        <p:nvPicPr>
+          <p:cNvPr id="1026" name="Picture 2" descr="C:\Users\asus\Desktop\museum.gif"/>
+          <p:cNvPicPr>
+            <a:picLocks noChangeAspect="1" noChangeArrowheads="1" noCrop="1"/>
+          </p:cNvPicPr>
+          <p:nvPr/>
+        </p:nvPicPr>
+        <p:blipFill>
+          <a:blip r:embed="rId2">
+            <a:extLst>
+              <a:ext uri="{28A0092B-C50C-407E-A947-70E740481C1C}">
+                <a14:useLocalDpi xmlns:a14="http://schemas.microsoft.com/office/drawing/2010/main" val="0"/>
+              </a:ext>
+            </a:extLst>
+          </a:blip>
+          <a:srcRect/>
+          <a:stretch>
+            <a:fillRect/>
+          </a:stretch>
+        </p:blipFill>
+        <p:spPr bwMode="auto">
+          <a:xfrm>
+            <a:off x="2535055" y="3645024"/>
+            <a:ext cx="4073890" cy="2294958"/>
+          </a:xfrm>
+          <a:prstGeom prst="rect">
+            <a:avLst/>
+          </a:prstGeom>
+          <a:noFill/>
+          <a:extLst>
+            <a:ext uri="{909E8E84-426E-40DD-AFC4-6F175D3DCCD1}">
+              <a14:hiddenFill xmlns:a14="http://schemas.microsoft.com/office/drawing/2010/main">
+                <a:solidFill>
+                  <a:srgbClr val="FFFFFF"/>
+                </a:solidFill>
+              </a14:hiddenFill>
+            </a:ext>
+          </a:extLst>
+        </p:spPr>
+      </p:pic>
+    </p:spTree>
+    <p:extLst>
+      <p:ext uri="{BB962C8B-B14F-4D97-AF65-F5344CB8AC3E}">
+        <p14:creationId xmlns:p14="http://schemas.microsoft.com/office/powerpoint/2010/main" val="1005973005"/>
+      </p:ext>
+    </p:extLst>
+  </p:cSld>
+  <p:clrMapOvr>
+    <a:masterClrMapping/>
+  </p:clrMapOvr>
+  <mc:AlternateContent xmlns:mc="http://schemas.openxmlformats.org/markup-compatibility/2006" xmlns:p14="http://schemas.microsoft.com/office/powerpoint/2010/main">
+    <mc:Choice Requires="p14">
+      <p:transition spd="slow" p14:dur="800">
+        <p:diamond/>
+      </p:transition>
+    </mc:Choice>
+    <mc:Fallback xmlns="">
+      <p:transition spd="slow">
+        <p:diamond/>
+      </p:transition>
+    </mc:Fallback>
+  </mc:AlternateContent>
+  <p:timing>
+    <p:tnLst>
+      <p:par>
+        <p:cTn id="1" dur="indefinite" restart="never" nodeType="tmRoot">
+          <p:childTnLst>
+            <p:seq concurrent="1" nextAc="seek">
+              <p:cTn id="2" dur="indefinite" nodeType="mainSeq">
+                <p:childTnLst>
+                  <p:par>
+                    <p:cTn id="3" fill="hold">
+                      <p:stCondLst>
+                        <p:cond delay="indefinite"/>
+                      </p:stCondLst>
+                      <p:childTnLst>
+                        <p:par>
+                          <p:cTn id="4" fill="hold">
+                            <p:stCondLst>
+                              <p:cond delay="0"/>
+                            </p:stCondLst>
+                            <p:childTnLst>
+                              <p:par>
+                                <p:cTn id="5" presetID="10" presetClass="entr" presetSubtype="0" fill="hold" nodeType="clickEffect">
+                                  <p:stCondLst>
+                                    <p:cond delay="0"/>
+                                  </p:stCondLst>
+                                  <p:childTnLst>
+                                    <p:set>
+                                      <p:cBhvr>
+                                        <p:cTn id="6" dur="1" fill="hold">
+                                          <p:stCondLst>
+                                            <p:cond delay="0"/>
+                                          </p:stCondLst>
+                                        </p:cTn>
+                                        <p:tgtEl>
+                                          <p:spTgt spid="1026"/>
+                                        </p:tgtEl>
+                                        <p:attrNameLst>
+                                          <p:attrName>style.visibility</p:attrName>
+                                        </p:attrNameLst>
+                                      </p:cBhvr>
+                                      <p:to>
+                                        <p:strVal val="visible"/>
+                                      </p:to>
+                                    </p:set>
+                                    <p:animEffect transition="in" filter="fade">
+                                      <p:cBhvr>
+                                        <p:cTn id="7" dur="500"/>
+                                        <p:tgtEl>
+                                          <p:spTgt spid="1026"/>
+                                        </p:tgtEl>
+                                      </p:cBhvr>
+                                    </p:animEffect>
+                                  </p:childTnLst>
+                                </p:cTn>
+                              </p:par>
+                            </p:childTnLst>
+                          </p:cTn>
+                        </p:par>
+                      </p:childTnLst>
+                    </p:cTn>
+                  </p:par>
+                </p:childTnLst>
+              </p:cTn>
+              <p:prevCondLst>
+                <p:cond evt="onPrev" delay="0">
+                  <p:tgtEl>
+                    <p:sldTgt/>
+                  </p:tgtEl>
+                </p:cond>
+              </p:prevCondLst>
+              <p:nextCondLst>
+                <p:cond evt="onNext" delay="0">
+                  <p:tgtEl>
+                    <p:sldTgt/>
+                  </p:tgtEl>
+                </p:cond>
+              </p:nextCondLst>
+            </p:seq>
+          </p:childTnLst>
+        </p:cTn>
+      </p:par>
+    </p:tnLst>
+  </p:timing>
+</p:sld>
+</file>
+
+<file path=ppt/slides/slide14.xml><?xml version="1.0" encoding="utf-8"?>
+<p:sld xmlns:a="http://schemas.openxmlformats.org/drawingml/2006/main" xmlns:r="http://schemas.openxmlformats.org/officeDocument/2006/relationships" xmlns:p="http://schemas.openxmlformats.org/presentationml/2006/main">
+  <p:cSld>
+    <p:spTree>
+      <p:nvGrpSpPr>
+        <p:cNvPr id="1" name=""/>
+        <p:cNvGrpSpPr/>
+        <p:nvPr/>
+      </p:nvGrpSpPr>
+      <p:grpSpPr>
+        <a:xfrm>
+          <a:off x="0" y="0"/>
+          <a:ext cx="0" cy="0"/>
+          <a:chOff x="0" y="0"/>
+          <a:chExt cx="0" cy="0"/>
+        </a:xfrm>
+      </p:grpSpPr>
+      <p:sp>
+        <p:nvSpPr>
+          <p:cNvPr id="3" name="Content Placeholder 2"/>
+          <p:cNvSpPr>
+            <a:spLocks noGrp="1"/>
+          </p:cNvSpPr>
+          <p:nvPr>
+            <p:ph idx="1"/>
+          </p:nvPr>
+        </p:nvSpPr>
+        <p:spPr/>
+        <p:txBody>
+          <a:bodyPr/>
+          <a:lstStyle/>
+          <a:p>
+            <a:r>
+              <a:rPr lang="ar-SA" dirty="0" smtClean="0">
+                <a:solidFill>
+                  <a:srgbClr val="00B0F0"/>
+                </a:solidFill>
+              </a:rPr>
+              <a:t>خودروسازی</a:t>
+            </a:r>
+            <a:r>
+              <a:rPr lang="fa-IR" dirty="0" smtClean="0">
+                <a:solidFill>
+                  <a:srgbClr val="00B0F0"/>
+                </a:solidFill>
+              </a:rPr>
+              <a:t> : </a:t>
+            </a:r>
+          </a:p>
+          <a:p>
+            <a:pPr marL="0" indent="0">
+              <a:buNone/>
+            </a:pPr>
+            <a:r>
+              <a:rPr lang="ar-SA" dirty="0"/>
+              <a:t>از فرآیند طراحی تا نمونه‌های اولیه </a:t>
+            </a:r>
+            <a:r>
+              <a:rPr lang="ar-SA" dirty="0" smtClean="0"/>
+              <a:t>مجازی</a:t>
+            </a:r>
+            <a:r>
+              <a:rPr lang="fa-IR" dirty="0" smtClean="0"/>
+              <a:t> </a:t>
+            </a:r>
+            <a:r>
+              <a:rPr lang="ar-SA" dirty="0" smtClean="0"/>
+              <a:t>، </a:t>
+            </a:r>
+            <a:r>
+              <a:rPr lang="ar-SA" dirty="0"/>
+              <a:t>خودروسازان هم دهه‌ها است که از شبیه‌سازی‌های تکنولوژیک بهره </a:t>
+            </a:r>
+            <a:r>
+              <a:rPr lang="ar-SA" dirty="0" smtClean="0"/>
+              <a:t>می‌برن</a:t>
+            </a:r>
+            <a:r>
+              <a:rPr lang="fa-IR" dirty="0" smtClean="0"/>
+              <a:t>د . </a:t>
+            </a:r>
+            <a:r>
+              <a:rPr lang="ar-SA" dirty="0"/>
+              <a:t>نمونه‌های اولیه مجازی به طراحان و مهندسان بخش‌های مختلف امکان بازرسی عناصر مختلف مانند موتور از نزدیک را داده تا بتوانند قبل از ورود خودرو به بازار مشکلات احتمالی آن را پیدا و رفع </a:t>
+            </a:r>
+            <a:r>
+              <a:rPr lang="ar-SA" dirty="0" smtClean="0"/>
+              <a:t>کنند</a:t>
+            </a:r>
+            <a:r>
+              <a:rPr lang="fa-IR" dirty="0" smtClean="0"/>
+              <a:t> . </a:t>
+            </a:r>
+            <a:endParaRPr lang="en-US" dirty="0">
+              <a:solidFill>
+                <a:srgbClr val="00B0F0"/>
+              </a:solidFill>
+            </a:endParaRPr>
+          </a:p>
+          <a:p>
+            <a:endParaRPr lang="fa-IR" dirty="0" smtClean="0"/>
+          </a:p>
+          <a:p>
+            <a:r>
+              <a:rPr lang="fa-IR" dirty="0" smtClean="0">
+                <a:solidFill>
+                  <a:srgbClr val="00B0F0"/>
+                </a:solidFill>
+              </a:rPr>
+              <a:t>آموزش : </a:t>
+            </a:r>
+          </a:p>
+          <a:p>
+            <a:pPr marL="0" indent="0">
+              <a:buNone/>
+            </a:pPr>
+            <a:r>
+              <a:rPr lang="fa-IR" dirty="0" smtClean="0"/>
+              <a:t>آموزش به نوجوانان و والدینشان درباره رفتار های پر خطر ؛ رانندگی ، اجتماعی ... </a:t>
+            </a:r>
+            <a:endParaRPr lang="fa-IR" dirty="0"/>
+          </a:p>
+        </p:txBody>
+      </p:sp>
+      <p:sp>
+        <p:nvSpPr>
+          <p:cNvPr id="4" name="Footer Placeholder 3"/>
+          <p:cNvSpPr>
+            <a:spLocks noGrp="1"/>
+          </p:cNvSpPr>
+          <p:nvPr>
+            <p:ph type="ftr" sz="quarter" idx="11"/>
+          </p:nvPr>
+        </p:nvSpPr>
+        <p:spPr/>
+        <p:txBody>
+          <a:bodyPr/>
+          <a:lstStyle/>
+          <a:p>
+            <a:pPr>
+              <a:defRPr/>
+            </a:pPr>
+            <a:r>
+              <a:rPr lang="fa-IR" altLang="fa-IR" smtClean="0"/>
+              <a:t>دانشگاه صنعتی اصفهان – دانشکده کامپیوتر</a:t>
+            </a:r>
+            <a:endParaRPr lang="es-ES" altLang="fa-IR" dirty="0"/>
+          </a:p>
+        </p:txBody>
+      </p:sp>
+      <p:sp>
+        <p:nvSpPr>
+          <p:cNvPr id="5" name="Slide Number Placeholder 4"/>
+          <p:cNvSpPr>
+            <a:spLocks noGrp="1"/>
+          </p:cNvSpPr>
+          <p:nvPr>
+            <p:ph type="sldNum" sz="quarter" idx="12"/>
+          </p:nvPr>
+        </p:nvSpPr>
+        <p:spPr/>
+        <p:txBody>
+          <a:bodyPr/>
+          <a:lstStyle/>
+          <a:p>
+            <a:pPr>
+              <a:defRPr/>
+            </a:pPr>
+            <a:fld id="{C5303A1E-C0C3-4A75-A42D-959ACBF920C8}" type="slidenum">
+              <a:rPr lang="es-ES" altLang="fa-IR" smtClean="0"/>
+              <a:pPr>
+                <a:defRPr/>
+              </a:pPr>
+              <a:t>14</a:t>
+            </a:fld>
+            <a:endParaRPr lang="es-ES" altLang="fa-IR" dirty="0"/>
+          </a:p>
+        </p:txBody>
+      </p:sp>
+    </p:spTree>
+    <p:extLst>
+      <p:ext uri="{BB962C8B-B14F-4D97-AF65-F5344CB8AC3E}">
+        <p14:creationId xmlns:p14="http://schemas.microsoft.com/office/powerpoint/2010/main" val="3278395648"/>
+      </p:ext>
+    </p:extLst>
+  </p:cSld>
+  <p:clrMapOvr>
+    <a:masterClrMapping/>
+  </p:clrMapOvr>
+  <mc:AlternateContent xmlns:mc="http://schemas.openxmlformats.org/markup-compatibility/2006" xmlns:p14="http://schemas.microsoft.com/office/powerpoint/2010/main">
+    <mc:Choice Requires="p14">
+      <p:transition spd="slow" p14:dur="800">
+        <p:diamond/>
+      </p:transition>
+    </mc:Choice>
+    <mc:Fallback xmlns="">
+      <p:transition spd="slow">
+        <p:diamond/>
+      </p:transition>
+    </mc:Fallback>
+  </mc:AlternateContent>
+  <p:timing>
+    <p:tnLst>
+      <p:par>
+        <p:cTn id="1" dur="indefinite" restart="never" nodeType="tmRoot"/>
+      </p:par>
+    </p:tnLst>
+  </p:timing>
+</p:sld>
+</file>
+
+<file path=ppt/slides/slide15.xml><?xml version="1.0" encoding="utf-8"?>
+<p:sld xmlns:a="http://schemas.openxmlformats.org/drawingml/2006/main" xmlns:r="http://schemas.openxmlformats.org/officeDocument/2006/relationships" xmlns:p="http://schemas.openxmlformats.org/presentationml/2006/main">
+  <p:cSld>
+    <p:spTree>
+      <p:nvGrpSpPr>
+        <p:cNvPr id="1" name=""/>
+        <p:cNvGrpSpPr/>
+        <p:nvPr/>
+      </p:nvGrpSpPr>
+      <p:grpSpPr>
+        <a:xfrm>
+          <a:off x="0" y="0"/>
+          <a:ext cx="0" cy="0"/>
+          <a:chOff x="0" y="0"/>
+          <a:chExt cx="0" cy="0"/>
+        </a:xfrm>
+      </p:grpSpPr>
+      <p:sp>
+        <p:nvSpPr>
+          <p:cNvPr id="2" name="Title 1"/>
+          <p:cNvSpPr>
+            <a:spLocks noGrp="1"/>
+          </p:cNvSpPr>
+          <p:nvPr>
+            <p:ph type="title"/>
+          </p:nvPr>
+        </p:nvSpPr>
+        <p:spPr/>
+        <p:txBody>
+          <a:bodyPr/>
+          <a:lstStyle/>
+          <a:p>
+            <a:endParaRPr lang="fa-IR"/>
+          </a:p>
+        </p:txBody>
+      </p:sp>
+      <p:sp>
+        <p:nvSpPr>
+          <p:cNvPr id="3" name="Content Placeholder 2"/>
+          <p:cNvSpPr>
+            <a:spLocks noGrp="1"/>
+          </p:cNvSpPr>
+          <p:nvPr>
+            <p:ph idx="1"/>
+          </p:nvPr>
+        </p:nvSpPr>
+        <p:spPr/>
+        <p:txBody>
+          <a:bodyPr/>
+          <a:lstStyle/>
+          <a:p>
+            <a:r>
+              <a:rPr lang="fa-IR" dirty="0" smtClean="0">
+                <a:solidFill>
+                  <a:srgbClr val="00B0F0"/>
+                </a:solidFill>
+              </a:rPr>
+              <a:t>دادگاه ها :</a:t>
+            </a:r>
+            <a:r>
+              <a:rPr lang="fa-IR" dirty="0" smtClean="0"/>
+              <a:t> </a:t>
+            </a:r>
+          </a:p>
+          <a:p>
+            <a:pPr marL="0" indent="0">
+              <a:buNone/>
+            </a:pPr>
+            <a:r>
+              <a:rPr lang="ar-SA" dirty="0"/>
+              <a:t>دیدن یک صحنه جرم به صورت سه‌بعدی می‌تواند به قضات برای تجسم اینکه افراد و اشیا به چه صورت بوده‌اند، کمک زیادی </a:t>
+            </a:r>
+            <a:r>
+              <a:rPr lang="ar-SA" dirty="0" smtClean="0"/>
+              <a:t>کند</a:t>
+            </a:r>
+            <a:r>
+              <a:rPr lang="fa-IR" dirty="0" smtClean="0"/>
+              <a:t> </a:t>
+            </a:r>
+            <a:r>
+              <a:rPr lang="ar-SA" dirty="0" smtClean="0"/>
+              <a:t>.</a:t>
+            </a:r>
+            <a:endParaRPr lang="en-US" dirty="0" smtClean="0"/>
+          </a:p>
+          <a:p>
+            <a:pPr marL="0" indent="0">
+              <a:buNone/>
+            </a:pPr>
+            <a:endParaRPr lang="en-US" dirty="0"/>
+          </a:p>
+          <a:p>
+            <a:r>
+              <a:rPr lang="fa-IR" dirty="0" smtClean="0">
+                <a:solidFill>
+                  <a:srgbClr val="00B0F0"/>
+                </a:solidFill>
+              </a:rPr>
+              <a:t>خرید : </a:t>
+            </a:r>
+          </a:p>
+          <a:p>
+            <a:pPr marL="0" indent="0">
+              <a:buNone/>
+            </a:pPr>
+            <a:r>
+              <a:rPr lang="fa-IR" dirty="0" smtClean="0"/>
+              <a:t>از قبل آشنایی با خرید آنلاین اما گام بعدی یک اپلیکیشن واقعیت مجازی و ایجاد </a:t>
+            </a:r>
+            <a:r>
+              <a:rPr lang="ar-SA" dirty="0" smtClean="0"/>
+              <a:t>یک </a:t>
+            </a:r>
+            <a:r>
+              <a:rPr lang="ar-SA" dirty="0"/>
+              <a:t>بازدید مجازی از تمام </a:t>
+            </a:r>
+            <a:r>
+              <a:rPr lang="ar-SA" dirty="0" smtClean="0"/>
+              <a:t>فروشگاه</a:t>
+            </a:r>
+            <a:r>
+              <a:rPr lang="fa-IR" dirty="0" smtClean="0"/>
+              <a:t> . </a:t>
+            </a:r>
+            <a:endParaRPr lang="fa-IR" dirty="0"/>
+          </a:p>
+        </p:txBody>
+      </p:sp>
+      <p:sp>
+        <p:nvSpPr>
+          <p:cNvPr id="4" name="Footer Placeholder 3"/>
+          <p:cNvSpPr>
+            <a:spLocks noGrp="1"/>
+          </p:cNvSpPr>
+          <p:nvPr>
+            <p:ph type="ftr" sz="quarter" idx="11"/>
+          </p:nvPr>
+        </p:nvSpPr>
+        <p:spPr/>
+        <p:txBody>
+          <a:bodyPr/>
+          <a:lstStyle/>
+          <a:p>
+            <a:pPr>
+              <a:defRPr/>
+            </a:pPr>
+            <a:r>
+              <a:rPr lang="fa-IR" altLang="fa-IR" smtClean="0"/>
+              <a:t>دانشگاه صنعتی اصفهان – دانشکده کامپیوتر</a:t>
+            </a:r>
+            <a:endParaRPr lang="es-ES" altLang="fa-IR" dirty="0"/>
+          </a:p>
+        </p:txBody>
+      </p:sp>
+      <p:sp>
+        <p:nvSpPr>
+          <p:cNvPr id="5" name="Slide Number Placeholder 4"/>
+          <p:cNvSpPr>
+            <a:spLocks noGrp="1"/>
+          </p:cNvSpPr>
+          <p:nvPr>
+            <p:ph type="sldNum" sz="quarter" idx="12"/>
+          </p:nvPr>
+        </p:nvSpPr>
+        <p:spPr/>
+        <p:txBody>
+          <a:bodyPr/>
+          <a:lstStyle/>
+          <a:p>
+            <a:pPr>
+              <a:defRPr/>
+            </a:pPr>
+            <a:fld id="{C5303A1E-C0C3-4A75-A42D-959ACBF920C8}" type="slidenum">
+              <a:rPr lang="es-ES" altLang="fa-IR" smtClean="0"/>
+              <a:pPr>
+                <a:defRPr/>
+              </a:pPr>
+              <a:t>15</a:t>
+            </a:fld>
+            <a:endParaRPr lang="es-ES" altLang="fa-IR" dirty="0"/>
+          </a:p>
+        </p:txBody>
+      </p:sp>
+      <p:pic>
+        <p:nvPicPr>
+          <p:cNvPr id="2050" name="Picture 2" descr="C:\Users\asus\Desktop\unnamed-1-750x432.png"/>
+          <p:cNvPicPr>
+            <a:picLocks noChangeAspect="1" noChangeArrowheads="1"/>
+          </p:cNvPicPr>
+          <p:nvPr/>
+        </p:nvPicPr>
+        <p:blipFill>
+          <a:blip r:embed="rId2" cstate="print">
+            <a:extLst>
+              <a:ext uri="{28A0092B-C50C-407E-A947-70E740481C1C}">
+                <a14:useLocalDpi xmlns:a14="http://schemas.microsoft.com/office/drawing/2010/main" val="0"/>
+              </a:ext>
+            </a:extLst>
+          </a:blip>
+          <a:srcRect/>
+          <a:stretch>
+            <a:fillRect/>
+          </a:stretch>
+        </p:blipFill>
+        <p:spPr bwMode="auto">
+          <a:xfrm>
+            <a:off x="1979712" y="4308024"/>
+            <a:ext cx="2705198" cy="1558194"/>
+          </a:xfrm>
+          <a:prstGeom prst="rect">
+            <a:avLst/>
+          </a:prstGeom>
+          <a:ln>
+            <a:noFill/>
+          </a:ln>
+          <a:effectLst>
+            <a:softEdge rad="112500"/>
+          </a:effectLst>
+          <a:extLst>
+            <a:ext uri="{909E8E84-426E-40DD-AFC4-6F175D3DCCD1}">
+              <a14:hiddenFill xmlns:a14="http://schemas.microsoft.com/office/drawing/2010/main">
+                <a:solidFill>
+                  <a:srgbClr val="FFFFFF"/>
+                </a:solidFill>
+              </a14:hiddenFill>
+            </a:ext>
+          </a:extLst>
+        </p:spPr>
+      </p:pic>
+      <p:pic>
+        <p:nvPicPr>
+          <p:cNvPr id="2051" name="Picture 3" descr="C:\Users\asus\Desktop\unnamed (1).png"/>
+          <p:cNvPicPr>
+            <a:picLocks noChangeAspect="1" noChangeArrowheads="1"/>
+          </p:cNvPicPr>
+          <p:nvPr/>
+        </p:nvPicPr>
+        <p:blipFill>
+          <a:blip r:embed="rId3" cstate="print">
+            <a:extLst>
+              <a:ext uri="{28A0092B-C50C-407E-A947-70E740481C1C}">
+                <a14:useLocalDpi xmlns:a14="http://schemas.microsoft.com/office/drawing/2010/main" val="0"/>
+              </a:ext>
+            </a:extLst>
+          </a:blip>
+          <a:srcRect/>
+          <a:stretch>
+            <a:fillRect/>
+          </a:stretch>
+        </p:blipFill>
+        <p:spPr bwMode="auto">
+          <a:xfrm>
+            <a:off x="5436096" y="4299316"/>
+            <a:ext cx="2765796" cy="1558194"/>
+          </a:xfrm>
+          <a:prstGeom prst="rect">
+            <a:avLst/>
+          </a:prstGeom>
+          <a:ln>
+            <a:noFill/>
+          </a:ln>
+          <a:effectLst>
+            <a:softEdge rad="112500"/>
+          </a:effectLst>
+          <a:extLst>
+            <a:ext uri="{909E8E84-426E-40DD-AFC4-6F175D3DCCD1}">
+              <a14:hiddenFill xmlns:a14="http://schemas.microsoft.com/office/drawing/2010/main">
+                <a:solidFill>
+                  <a:srgbClr val="FFFFFF"/>
+                </a:solidFill>
+              </a14:hiddenFill>
+            </a:ext>
+          </a:extLst>
+        </p:spPr>
+      </p:pic>
+    </p:spTree>
+    <p:extLst>
+      <p:ext uri="{BB962C8B-B14F-4D97-AF65-F5344CB8AC3E}">
+        <p14:creationId xmlns:p14="http://schemas.microsoft.com/office/powerpoint/2010/main" val="4215667908"/>
+      </p:ext>
+    </p:extLst>
+  </p:cSld>
+  <p:clrMapOvr>
+    <a:masterClrMapping/>
+  </p:clrMapOvr>
+  <mc:AlternateContent xmlns:mc="http://schemas.openxmlformats.org/markup-compatibility/2006" xmlns:p14="http://schemas.microsoft.com/office/powerpoint/2010/main">
+    <mc:Choice Requires="p14">
+      <p:transition spd="slow" p14:dur="800">
+        <p:diamond/>
+      </p:transition>
+    </mc:Choice>
+    <mc:Fallback xmlns="">
+      <p:transition spd="slow">
+        <p:diamond/>
+      </p:transition>
+    </mc:Fallback>
+  </mc:AlternateContent>
+  <p:timing>
+    <p:tnLst>
+      <p:par>
+        <p:cTn id="1" dur="indefinite" restart="never" nodeType="tmRoot">
+          <p:childTnLst>
+            <p:seq concurrent="1" nextAc="seek">
+              <p:cTn id="2" dur="indefinite" nodeType="mainSeq">
+                <p:childTnLst>
+                  <p:par>
+                    <p:cTn id="3" fill="hold">
+                      <p:stCondLst>
+                        <p:cond delay="indefinite"/>
+                      </p:stCondLst>
+                      <p:childTnLst>
+                        <p:par>
+                          <p:cTn id="4" fill="hold">
+                            <p:stCondLst>
+                              <p:cond delay="0"/>
+                            </p:stCondLst>
+                            <p:childTnLst>
+                              <p:par>
+                                <p:cTn id="5" presetID="42" presetClass="entr" presetSubtype="0" fill="hold" nodeType="clickEffect">
+                                  <p:stCondLst>
+                                    <p:cond delay="0"/>
+                                  </p:stCondLst>
+                                  <p:childTnLst>
+                                    <p:set>
+                                      <p:cBhvr>
+                                        <p:cTn id="6" dur="1" fill="hold">
+                                          <p:stCondLst>
+                                            <p:cond delay="0"/>
+                                          </p:stCondLst>
+                                        </p:cTn>
+                                        <p:tgtEl>
+                                          <p:spTgt spid="2050"/>
+                                        </p:tgtEl>
+                                        <p:attrNameLst>
+                                          <p:attrName>style.visibility</p:attrName>
+                                        </p:attrNameLst>
+                                      </p:cBhvr>
+                                      <p:to>
+                                        <p:strVal val="visible"/>
+                                      </p:to>
+                                    </p:set>
+                                    <p:animEffect transition="in" filter="fade">
+                                      <p:cBhvr>
+                                        <p:cTn id="7" dur="1000"/>
+                                        <p:tgtEl>
+                                          <p:spTgt spid="2050"/>
+                                        </p:tgtEl>
+                                      </p:cBhvr>
+                                    </p:animEffect>
+                                    <p:anim calcmode="lin" valueType="num">
+                                      <p:cBhvr>
+                                        <p:cTn id="8" dur="1000" fill="hold"/>
+                                        <p:tgtEl>
+                                          <p:spTgt spid="2050"/>
+                                        </p:tgtEl>
+                                        <p:attrNameLst>
+                                          <p:attrName>ppt_x</p:attrName>
+                                        </p:attrNameLst>
+                                      </p:cBhvr>
+                                      <p:tavLst>
+                                        <p:tav tm="0">
+                                          <p:val>
+                                            <p:strVal val="#ppt_x"/>
+                                          </p:val>
+                                        </p:tav>
+                                        <p:tav tm="100000">
+                                          <p:val>
+                                            <p:strVal val="#ppt_x"/>
+                                          </p:val>
+                                        </p:tav>
+                                      </p:tavLst>
+                                    </p:anim>
+                                    <p:anim calcmode="lin" valueType="num">
+                                      <p:cBhvr>
+                                        <p:cTn id="9" dur="1000" fill="hold"/>
+                                        <p:tgtEl>
+                                          <p:spTgt spid="2050"/>
+                                        </p:tgtEl>
+                                        <p:attrNameLst>
+                                          <p:attrName>ppt_y</p:attrName>
+                                        </p:attrNameLst>
+                                      </p:cBhvr>
+                                      <p:tavLst>
+                                        <p:tav tm="0">
+                                          <p:val>
+                                            <p:strVal val="#ppt_y+.1"/>
+                                          </p:val>
+                                        </p:tav>
+                                        <p:tav tm="100000">
+                                          <p:val>
+                                            <p:strVal val="#ppt_y"/>
+                                          </p:val>
+                                        </p:tav>
+                                      </p:tavLst>
+                                    </p:anim>
+                                  </p:childTnLst>
+                                </p:cTn>
+                              </p:par>
+                              <p:par>
+                                <p:cTn id="10" presetID="42" presetClass="entr" presetSubtype="0" fill="hold" nodeType="withEffect">
+                                  <p:stCondLst>
+                                    <p:cond delay="0"/>
+                                  </p:stCondLst>
+                                  <p:childTnLst>
+                                    <p:set>
+                                      <p:cBhvr>
+                                        <p:cTn id="11" dur="1" fill="hold">
+                                          <p:stCondLst>
+                                            <p:cond delay="0"/>
+                                          </p:stCondLst>
+                                        </p:cTn>
+                                        <p:tgtEl>
+                                          <p:spTgt spid="2051"/>
+                                        </p:tgtEl>
+                                        <p:attrNameLst>
+                                          <p:attrName>style.visibility</p:attrName>
+                                        </p:attrNameLst>
+                                      </p:cBhvr>
+                                      <p:to>
+                                        <p:strVal val="visible"/>
+                                      </p:to>
+                                    </p:set>
+                                    <p:animEffect transition="in" filter="fade">
+                                      <p:cBhvr>
+                                        <p:cTn id="12" dur="1000"/>
+                                        <p:tgtEl>
+                                          <p:spTgt spid="2051"/>
+                                        </p:tgtEl>
+                                      </p:cBhvr>
+                                    </p:animEffect>
+                                    <p:anim calcmode="lin" valueType="num">
+                                      <p:cBhvr>
+                                        <p:cTn id="13" dur="1000" fill="hold"/>
+                                        <p:tgtEl>
+                                          <p:spTgt spid="2051"/>
+                                        </p:tgtEl>
+                                        <p:attrNameLst>
+                                          <p:attrName>ppt_x</p:attrName>
+                                        </p:attrNameLst>
+                                      </p:cBhvr>
+                                      <p:tavLst>
+                                        <p:tav tm="0">
+                                          <p:val>
+                                            <p:strVal val="#ppt_x"/>
+                                          </p:val>
+                                        </p:tav>
+                                        <p:tav tm="100000">
+                                          <p:val>
+                                            <p:strVal val="#ppt_x"/>
+                                          </p:val>
+                                        </p:tav>
+                                      </p:tavLst>
+                                    </p:anim>
+                                    <p:anim calcmode="lin" valueType="num">
+                                      <p:cBhvr>
+                                        <p:cTn id="14" dur="1000" fill="hold"/>
+                                        <p:tgtEl>
+                                          <p:spTgt spid="2051"/>
+                                        </p:tgtEl>
+                                        <p:attrNameLst>
+                                          <p:attrName>ppt_y</p:attrName>
+                                        </p:attrNameLst>
+                                      </p:cBhvr>
+                                      <p:tavLst>
+                                        <p:tav tm="0">
+                                          <p:val>
+                                            <p:strVal val="#ppt_y+.1"/>
+                                          </p:val>
+                                        </p:tav>
+                                        <p:tav tm="100000">
+                                          <p:val>
+                                            <p:strVal val="#ppt_y"/>
+                                          </p:val>
+                                        </p:tav>
+                                      </p:tavLst>
+                                    </p:anim>
+                                  </p:childTnLst>
+                                </p:cTn>
+                              </p:par>
+                            </p:childTnLst>
+                          </p:cTn>
+                        </p:par>
+                      </p:childTnLst>
+                    </p:cTn>
+                  </p:par>
+                </p:childTnLst>
+              </p:cTn>
+              <p:prevCondLst>
+                <p:cond evt="onPrev" delay="0">
+                  <p:tgtEl>
+                    <p:sldTgt/>
+                  </p:tgtEl>
+                </p:cond>
+              </p:prevCondLst>
+              <p:nextCondLst>
+                <p:cond evt="onNext" delay="0">
+                  <p:tgtEl>
+                    <p:sldTgt/>
+                  </p:tgtEl>
+                </p:cond>
+              </p:nextCondLst>
+            </p:seq>
+          </p:childTnLst>
+        </p:cTn>
+      </p:par>
+    </p:tnLst>
+  </p:timing>
+</p:sld>
+</file>
+
+<file path=ppt/slides/slide16.xml><?xml version="1.0" encoding="utf-8"?>
+<p:sld xmlns:a="http://schemas.openxmlformats.org/drawingml/2006/main" xmlns:r="http://schemas.openxmlformats.org/officeDocument/2006/relationships" xmlns:p="http://schemas.openxmlformats.org/presentationml/2006/main">
+  <p:cSld>
+    <p:spTree>
+      <p:nvGrpSpPr>
+        <p:cNvPr id="1" name=""/>
+        <p:cNvGrpSpPr/>
+        <p:nvPr/>
+      </p:nvGrpSpPr>
+      <p:grpSpPr>
+        <a:xfrm>
+          <a:off x="0" y="0"/>
+          <a:ext cx="0" cy="0"/>
+          <a:chOff x="0" y="0"/>
+          <a:chExt cx="0" cy="0"/>
+        </a:xfrm>
+      </p:grpSpPr>
+      <p:sp>
+        <p:nvSpPr>
+          <p:cNvPr id="3" name="Content Placeholder 2"/>
+          <p:cNvSpPr>
+            <a:spLocks noGrp="1"/>
+          </p:cNvSpPr>
+          <p:nvPr>
+            <p:ph idx="1"/>
+          </p:nvPr>
+        </p:nvSpPr>
+        <p:spPr>
+          <a:xfrm>
+            <a:off x="1547664" y="764704"/>
+            <a:ext cx="7139136" cy="5361459"/>
+          </a:xfrm>
+        </p:spPr>
+        <p:txBody>
+          <a:bodyPr/>
+          <a:lstStyle/>
+          <a:p>
+            <a:r>
+              <a:rPr lang="ar-SA" dirty="0">
+                <a:solidFill>
+                  <a:srgbClr val="00B0F0"/>
+                </a:solidFill>
+              </a:rPr>
+              <a:t>صنایع </a:t>
+            </a:r>
+            <a:r>
+              <a:rPr lang="ar-SA" dirty="0" smtClean="0">
+                <a:solidFill>
+                  <a:srgbClr val="00B0F0"/>
+                </a:solidFill>
+              </a:rPr>
+              <a:t>نظامی</a:t>
+            </a:r>
+            <a:r>
+              <a:rPr lang="fa-IR" dirty="0" smtClean="0">
+                <a:solidFill>
+                  <a:srgbClr val="00B0F0"/>
+                </a:solidFill>
+              </a:rPr>
+              <a:t> : </a:t>
+            </a:r>
+            <a:endParaRPr lang="en-US" dirty="0">
+              <a:solidFill>
+                <a:srgbClr val="00B0F0"/>
+              </a:solidFill>
+            </a:endParaRPr>
+          </a:p>
+          <a:p>
+            <a:pPr marL="0" indent="0">
+              <a:buNone/>
+            </a:pPr>
+            <a:r>
+              <a:rPr lang="ar-SA" dirty="0"/>
+              <a:t>ارتش ایالات متحده آمریکا از شبیه‌سازهای واقعیت مجازی برای آموزش و تمرین سربازان قبل از به‌کار گرفتن آنها، استفاده </a:t>
+            </a:r>
+            <a:r>
+              <a:rPr lang="ar-SA" dirty="0" smtClean="0"/>
+              <a:t>می‌کند</a:t>
+            </a:r>
+            <a:r>
+              <a:rPr lang="fa-IR" dirty="0" smtClean="0"/>
+              <a:t> </a:t>
+            </a:r>
+            <a:r>
+              <a:rPr lang="ar-SA" dirty="0" smtClean="0"/>
+              <a:t>. </a:t>
+            </a:r>
+            <a:r>
+              <a:rPr lang="ar-SA" dirty="0"/>
+              <a:t>تمرکز و قدرت تصمیم‌گیری سربازان و نیروهای نظامی را تقویت </a:t>
+            </a:r>
+            <a:r>
+              <a:rPr lang="ar-SA" dirty="0" smtClean="0"/>
+              <a:t>می‌کند</a:t>
+            </a:r>
+            <a:r>
+              <a:rPr lang="fa-IR" dirty="0" smtClean="0"/>
+              <a:t> . </a:t>
+            </a:r>
+          </a:p>
+          <a:p>
+            <a:pPr marL="0" indent="0">
+              <a:buNone/>
+            </a:pPr>
+            <a:endParaRPr lang="fa-IR" dirty="0"/>
+          </a:p>
+          <a:p>
+            <a:r>
+              <a:rPr lang="en-US" dirty="0" smtClean="0">
+                <a:solidFill>
+                  <a:srgbClr val="00B0F0"/>
+                </a:solidFill>
+              </a:rPr>
+              <a:t> </a:t>
+            </a:r>
+            <a:r>
+              <a:rPr lang="en-US" dirty="0" smtClean="0">
+                <a:solidFill>
+                  <a:srgbClr val="00B0F0"/>
+                </a:solidFill>
+                <a:latin typeface="Comic Sans MS" panose="030F0702030302020204" pitchFamily="66" charset="0"/>
+              </a:rPr>
+              <a:t>Meditation</a:t>
+            </a:r>
+            <a:r>
+              <a:rPr lang="ar-SA" dirty="0" smtClean="0">
+                <a:solidFill>
+                  <a:srgbClr val="00B0F0"/>
+                </a:solidFill>
+              </a:rPr>
+              <a:t>و </a:t>
+            </a:r>
+            <a:r>
+              <a:rPr lang="ar-SA" dirty="0">
+                <a:solidFill>
+                  <a:srgbClr val="00B0F0"/>
+                </a:solidFill>
+              </a:rPr>
+              <a:t>سلامت </a:t>
+            </a:r>
+            <a:r>
+              <a:rPr lang="ar-SA" dirty="0" smtClean="0">
+                <a:solidFill>
+                  <a:srgbClr val="00B0F0"/>
+                </a:solidFill>
+              </a:rPr>
+              <a:t>روانی</a:t>
+            </a:r>
+            <a:r>
+              <a:rPr lang="fa-IR" dirty="0" smtClean="0">
+                <a:solidFill>
+                  <a:srgbClr val="00B0F0"/>
+                </a:solidFill>
+              </a:rPr>
+              <a:t> : </a:t>
+            </a:r>
+            <a:endParaRPr lang="en-US" dirty="0">
+              <a:solidFill>
+                <a:srgbClr val="00B0F0"/>
+              </a:solidFill>
+            </a:endParaRPr>
+          </a:p>
+          <a:p>
+            <a:pPr marL="0" indent="0">
+              <a:buNone/>
+            </a:pPr>
+            <a:r>
+              <a:rPr lang="ar-SA" dirty="0"/>
+              <a:t>کاربران می‌توانند مکان شادی مخصوص خودشان را پیدا کنند و به خوبی در یکی از محیط‌های قابل انتخاب از این طریق به مدیتیشن </a:t>
+            </a:r>
+            <a:r>
+              <a:rPr lang="ar-SA" dirty="0" smtClean="0"/>
+              <a:t>بپردازند</a:t>
+            </a:r>
+            <a:r>
+              <a:rPr lang="en-US" dirty="0" smtClean="0"/>
+              <a:t> </a:t>
+            </a:r>
+            <a:r>
+              <a:rPr lang="ar-SA" dirty="0" smtClean="0"/>
+              <a:t>. </a:t>
+            </a:r>
+            <a:endParaRPr lang="fa-IR" dirty="0"/>
+          </a:p>
+        </p:txBody>
+      </p:sp>
+      <p:sp>
+        <p:nvSpPr>
+          <p:cNvPr id="4" name="Footer Placeholder 3"/>
+          <p:cNvSpPr>
+            <a:spLocks noGrp="1"/>
+          </p:cNvSpPr>
+          <p:nvPr>
+            <p:ph type="ftr" sz="quarter" idx="11"/>
+          </p:nvPr>
+        </p:nvSpPr>
+        <p:spPr/>
+        <p:txBody>
+          <a:bodyPr/>
+          <a:lstStyle/>
+          <a:p>
+            <a:pPr>
+              <a:defRPr/>
+            </a:pPr>
+            <a:r>
+              <a:rPr lang="fa-IR" altLang="fa-IR" smtClean="0"/>
+              <a:t>دانشگاه صنعتی اصفهان – دانشکده کامپیوتر</a:t>
+            </a:r>
+            <a:endParaRPr lang="es-ES" altLang="fa-IR" dirty="0"/>
+          </a:p>
+        </p:txBody>
+      </p:sp>
+      <p:sp>
+        <p:nvSpPr>
+          <p:cNvPr id="5" name="Slide Number Placeholder 4"/>
+          <p:cNvSpPr>
+            <a:spLocks noGrp="1"/>
+          </p:cNvSpPr>
+          <p:nvPr>
+            <p:ph type="sldNum" sz="quarter" idx="12"/>
+          </p:nvPr>
+        </p:nvSpPr>
+        <p:spPr/>
+        <p:txBody>
+          <a:bodyPr/>
+          <a:lstStyle/>
+          <a:p>
+            <a:pPr>
+              <a:defRPr/>
+            </a:pPr>
+            <a:fld id="{C5303A1E-C0C3-4A75-A42D-959ACBF920C8}" type="slidenum">
+              <a:rPr lang="es-ES" altLang="fa-IR" smtClean="0"/>
+              <a:pPr>
+                <a:defRPr/>
+              </a:pPr>
+              <a:t>16</a:t>
+            </a:fld>
+            <a:endParaRPr lang="es-ES" altLang="fa-IR" dirty="0"/>
+          </a:p>
+        </p:txBody>
+      </p:sp>
+      <p:pic>
+        <p:nvPicPr>
+          <p:cNvPr id="3074" name="Picture 2" descr="C:\Users\asus\Desktop\maxresdefault (1).jpg"/>
+          <p:cNvPicPr>
+            <a:picLocks noChangeAspect="1" noChangeArrowheads="1"/>
+          </p:cNvPicPr>
+          <p:nvPr/>
+        </p:nvPicPr>
+        <p:blipFill>
+          <a:blip r:embed="rId2" cstate="print">
+            <a:extLst>
+              <a:ext uri="{28A0092B-C50C-407E-A947-70E740481C1C}">
+                <a14:useLocalDpi xmlns:a14="http://schemas.microsoft.com/office/drawing/2010/main" val="0"/>
+              </a:ext>
+            </a:extLst>
+          </a:blip>
+          <a:srcRect/>
+          <a:stretch>
+            <a:fillRect/>
+          </a:stretch>
+        </p:blipFill>
+        <p:spPr bwMode="auto">
+          <a:xfrm>
+            <a:off x="1875700" y="4106490"/>
+            <a:ext cx="3020044" cy="1698774"/>
+          </a:xfrm>
+          <a:prstGeom prst="rect">
+            <a:avLst/>
+          </a:prstGeom>
+          <a:ln>
+            <a:noFill/>
+          </a:ln>
+          <a:effectLst>
+            <a:softEdge rad="112500"/>
+          </a:effectLst>
+          <a:extLst>
+            <a:ext uri="{909E8E84-426E-40DD-AFC4-6F175D3DCCD1}">
+              <a14:hiddenFill xmlns:a14="http://schemas.microsoft.com/office/drawing/2010/main">
+                <a:solidFill>
+                  <a:srgbClr val="FFFFFF"/>
+                </a:solidFill>
+              </a14:hiddenFill>
+            </a:ext>
+          </a:extLst>
+        </p:spPr>
+      </p:pic>
+      <p:pic>
+        <p:nvPicPr>
+          <p:cNvPr id="3075" name="Picture 3" descr="C:\Users\asus\Desktop\Orig.src_.Susanne.Posel_.Daily_.News-norweigan.army_.zuckerberg.oculus.rift_occupycorporatism.jpg"/>
+          <p:cNvPicPr>
+            <a:picLocks noChangeAspect="1" noChangeArrowheads="1"/>
+          </p:cNvPicPr>
+          <p:nvPr/>
+        </p:nvPicPr>
+        <p:blipFill>
+          <a:blip r:embed="rId3" cstate="print">
+            <a:extLst>
+              <a:ext uri="{28A0092B-C50C-407E-A947-70E740481C1C}">
+                <a14:useLocalDpi xmlns:a14="http://schemas.microsoft.com/office/drawing/2010/main" val="0"/>
+              </a:ext>
+            </a:extLst>
+          </a:blip>
+          <a:srcRect/>
+          <a:stretch>
+            <a:fillRect/>
+          </a:stretch>
+        </p:blipFill>
+        <p:spPr bwMode="auto">
+          <a:xfrm>
+            <a:off x="5427446" y="4106490"/>
+            <a:ext cx="3079926" cy="1698774"/>
+          </a:xfrm>
+          <a:prstGeom prst="rect">
+            <a:avLst/>
+          </a:prstGeom>
+          <a:ln>
+            <a:noFill/>
+          </a:ln>
+          <a:effectLst>
+            <a:softEdge rad="112500"/>
+          </a:effectLst>
+          <a:extLst>
+            <a:ext uri="{909E8E84-426E-40DD-AFC4-6F175D3DCCD1}">
+              <a14:hiddenFill xmlns:a14="http://schemas.microsoft.com/office/drawing/2010/main">
+                <a:solidFill>
+                  <a:srgbClr val="FFFFFF"/>
+                </a:solidFill>
+              </a14:hiddenFill>
+            </a:ext>
+          </a:extLst>
+        </p:spPr>
+      </p:pic>
+    </p:spTree>
+    <p:extLst>
+      <p:ext uri="{BB962C8B-B14F-4D97-AF65-F5344CB8AC3E}">
+        <p14:creationId xmlns:p14="http://schemas.microsoft.com/office/powerpoint/2010/main" val="3550665792"/>
+      </p:ext>
+    </p:extLst>
+  </p:cSld>
+  <p:clrMapOvr>
+    <a:masterClrMapping/>
+  </p:clrMapOvr>
+  <mc:AlternateContent xmlns:mc="http://schemas.openxmlformats.org/markup-compatibility/2006" xmlns:p14="http://schemas.microsoft.com/office/powerpoint/2010/main">
+    <mc:Choice Requires="p14">
+      <p:transition spd="slow" p14:dur="800">
+        <p:diamond/>
+      </p:transition>
+    </mc:Choice>
+    <mc:Fallback xmlns="">
+      <p:transition spd="slow">
+        <p:diamond/>
+      </p:transition>
+    </mc:Fallback>
+  </mc:AlternateContent>
+  <p:timing>
+    <p:tnLst>
+      <p:par>
+        <p:cTn id="1" dur="indefinite" restart="never" nodeType="tmRoot">
+          <p:childTnLst>
+            <p:seq concurrent="1" nextAc="seek">
+              <p:cTn id="2" dur="indefinite" nodeType="mainSeq">
+                <p:childTnLst>
+                  <p:par>
+                    <p:cTn id="3" fill="hold">
+                      <p:stCondLst>
+                        <p:cond delay="indefinite"/>
+                      </p:stCondLst>
+                      <p:childTnLst>
+                        <p:par>
+                          <p:cTn id="4" fill="hold">
+                            <p:stCondLst>
+                              <p:cond delay="0"/>
+                            </p:stCondLst>
+                            <p:childTnLst>
+                              <p:par>
+                                <p:cTn id="5" presetID="42" presetClass="entr" presetSubtype="0" fill="hold" nodeType="clickEffect">
+                                  <p:stCondLst>
+                                    <p:cond delay="0"/>
+                                  </p:stCondLst>
+                                  <p:childTnLst>
+                                    <p:set>
+                                      <p:cBhvr>
+                                        <p:cTn id="6" dur="1" fill="hold">
+                                          <p:stCondLst>
+                                            <p:cond delay="0"/>
+                                          </p:stCondLst>
+                                        </p:cTn>
+                                        <p:tgtEl>
+                                          <p:spTgt spid="3074"/>
+                                        </p:tgtEl>
+                                        <p:attrNameLst>
+                                          <p:attrName>style.visibility</p:attrName>
+                                        </p:attrNameLst>
+                                      </p:cBhvr>
+                                      <p:to>
+                                        <p:strVal val="visible"/>
+                                      </p:to>
+                                    </p:set>
+                                    <p:animEffect transition="in" filter="fade">
+                                      <p:cBhvr>
+                                        <p:cTn id="7" dur="1000"/>
+                                        <p:tgtEl>
+                                          <p:spTgt spid="3074"/>
+                                        </p:tgtEl>
+                                      </p:cBhvr>
+                                    </p:animEffect>
+                                    <p:anim calcmode="lin" valueType="num">
+                                      <p:cBhvr>
+                                        <p:cTn id="8" dur="1000" fill="hold"/>
+                                        <p:tgtEl>
+                                          <p:spTgt spid="3074"/>
+                                        </p:tgtEl>
+                                        <p:attrNameLst>
+                                          <p:attrName>ppt_x</p:attrName>
+                                        </p:attrNameLst>
+                                      </p:cBhvr>
+                                      <p:tavLst>
+                                        <p:tav tm="0">
+                                          <p:val>
+                                            <p:strVal val="#ppt_x"/>
+                                          </p:val>
+                                        </p:tav>
+                                        <p:tav tm="100000">
+                                          <p:val>
+                                            <p:strVal val="#ppt_x"/>
+                                          </p:val>
+                                        </p:tav>
+                                      </p:tavLst>
+                                    </p:anim>
+                                    <p:anim calcmode="lin" valueType="num">
+                                      <p:cBhvr>
+                                        <p:cTn id="9" dur="1000" fill="hold"/>
+                                        <p:tgtEl>
+                                          <p:spTgt spid="3074"/>
+                                        </p:tgtEl>
+                                        <p:attrNameLst>
+                                          <p:attrName>ppt_y</p:attrName>
+                                        </p:attrNameLst>
+                                      </p:cBhvr>
+                                      <p:tavLst>
+                                        <p:tav tm="0">
+                                          <p:val>
+                                            <p:strVal val="#ppt_y+.1"/>
+                                          </p:val>
+                                        </p:tav>
+                                        <p:tav tm="100000">
+                                          <p:val>
+                                            <p:strVal val="#ppt_y"/>
+                                          </p:val>
+                                        </p:tav>
+                                      </p:tavLst>
+                                    </p:anim>
+                                  </p:childTnLst>
+                                </p:cTn>
+                              </p:par>
+                              <p:par>
+                                <p:cTn id="10" presetID="42" presetClass="entr" presetSubtype="0" fill="hold" nodeType="withEffect">
+                                  <p:stCondLst>
+                                    <p:cond delay="0"/>
+                                  </p:stCondLst>
+                                  <p:childTnLst>
+                                    <p:set>
+                                      <p:cBhvr>
+                                        <p:cTn id="11" dur="1" fill="hold">
+                                          <p:stCondLst>
+                                            <p:cond delay="0"/>
+                                          </p:stCondLst>
+                                        </p:cTn>
+                                        <p:tgtEl>
+                                          <p:spTgt spid="3075"/>
+                                        </p:tgtEl>
+                                        <p:attrNameLst>
+                                          <p:attrName>style.visibility</p:attrName>
+                                        </p:attrNameLst>
+                                      </p:cBhvr>
+                                      <p:to>
+                                        <p:strVal val="visible"/>
+                                      </p:to>
+                                    </p:set>
+                                    <p:animEffect transition="in" filter="fade">
+                                      <p:cBhvr>
+                                        <p:cTn id="12" dur="1000"/>
+                                        <p:tgtEl>
+                                          <p:spTgt spid="3075"/>
+                                        </p:tgtEl>
+                                      </p:cBhvr>
+                                    </p:animEffect>
+                                    <p:anim calcmode="lin" valueType="num">
+                                      <p:cBhvr>
+                                        <p:cTn id="13" dur="1000" fill="hold"/>
+                                        <p:tgtEl>
+                                          <p:spTgt spid="3075"/>
+                                        </p:tgtEl>
+                                        <p:attrNameLst>
+                                          <p:attrName>ppt_x</p:attrName>
+                                        </p:attrNameLst>
+                                      </p:cBhvr>
+                                      <p:tavLst>
+                                        <p:tav tm="0">
+                                          <p:val>
+                                            <p:strVal val="#ppt_x"/>
+                                          </p:val>
+                                        </p:tav>
+                                        <p:tav tm="100000">
+                                          <p:val>
+                                            <p:strVal val="#ppt_x"/>
+                                          </p:val>
+                                        </p:tav>
+                                      </p:tavLst>
+                                    </p:anim>
+                                    <p:anim calcmode="lin" valueType="num">
+                                      <p:cBhvr>
+                                        <p:cTn id="14" dur="1000" fill="hold"/>
+                                        <p:tgtEl>
+                                          <p:spTgt spid="3075"/>
+                                        </p:tgtEl>
+                                        <p:attrNameLst>
+                                          <p:attrName>ppt_y</p:attrName>
+                                        </p:attrNameLst>
+                                      </p:cBhvr>
+                                      <p:tavLst>
+                                        <p:tav tm="0">
+                                          <p:val>
+                                            <p:strVal val="#ppt_y+.1"/>
+                                          </p:val>
+                                        </p:tav>
+                                        <p:tav tm="100000">
+                                          <p:val>
+                                            <p:strVal val="#ppt_y"/>
+                                          </p:val>
+                                        </p:tav>
+                                      </p:tavLst>
+                                    </p:anim>
+                                  </p:childTnLst>
+                                </p:cTn>
+                              </p:par>
+                            </p:childTnLst>
+                          </p:cTn>
+                        </p:par>
+                      </p:childTnLst>
+                    </p:cTn>
+                  </p:par>
+                </p:childTnLst>
+              </p:cTn>
+              <p:prevCondLst>
+                <p:cond evt="onPrev" delay="0">
+                  <p:tgtEl>
+                    <p:sldTgt/>
+                  </p:tgtEl>
+                </p:cond>
+              </p:prevCondLst>
+              <p:nextCondLst>
+                <p:cond evt="onNext" delay="0">
+                  <p:tgtEl>
+                    <p:sldTgt/>
+                  </p:tgtEl>
+                </p:cond>
+              </p:nextCondLst>
+            </p:seq>
+          </p:childTnLst>
+        </p:cTn>
+      </p:par>
+    </p:tnLst>
+  </p:timing>
+</p:sld>
+</file>
+
+<file path=ppt/slides/slide17.xml><?xml version="1.0" encoding="utf-8"?>
+<p:sld xmlns:a="http://schemas.openxmlformats.org/drawingml/2006/main" xmlns:r="http://schemas.openxmlformats.org/officeDocument/2006/relationships" xmlns:p="http://schemas.openxmlformats.org/presentationml/2006/main">
+  <p:cSld>
+    <p:spTree>
+      <p:nvGrpSpPr>
+        <p:cNvPr id="1" name=""/>
+        <p:cNvGrpSpPr/>
+        <p:nvPr/>
+      </p:nvGrpSpPr>
+      <p:grpSpPr>
+        <a:xfrm>
+          <a:off x="0" y="0"/>
+          <a:ext cx="0" cy="0"/>
+          <a:chOff x="0" y="0"/>
+          <a:chExt cx="0" cy="0"/>
+        </a:xfrm>
+      </p:grpSpPr>
+      <p:sp>
+        <p:nvSpPr>
+          <p:cNvPr id="2" name="Title 1"/>
+          <p:cNvSpPr>
+            <a:spLocks noGrp="1"/>
+          </p:cNvSpPr>
+          <p:nvPr>
+            <p:ph type="title"/>
+          </p:nvPr>
+        </p:nvSpPr>
+        <p:spPr/>
+        <p:txBody>
+          <a:bodyPr/>
+          <a:lstStyle/>
+          <a:p>
+            <a:r>
+              <a:rPr lang="fa-IR" dirty="0" smtClean="0"/>
+              <a:t>نرم افزار های واقعیت مجازی</a:t>
+            </a:r>
+            <a:endParaRPr lang="fa-IR" dirty="0"/>
+          </a:p>
+        </p:txBody>
+      </p:sp>
+      <p:sp>
+        <p:nvSpPr>
+          <p:cNvPr id="3" name="Content Placeholder 2"/>
+          <p:cNvSpPr>
+            <a:spLocks noGrp="1"/>
+          </p:cNvSpPr>
+          <p:nvPr>
+            <p:ph idx="1"/>
+          </p:nvPr>
+        </p:nvSpPr>
+        <p:spPr/>
+        <p:txBody>
+          <a:bodyPr/>
+          <a:lstStyle/>
+          <a:p>
+            <a:r>
+              <a:rPr lang="fa-IR" dirty="0"/>
+              <a:t>تا ماه ژوئیه ۲۰۱۴ بیش از ۵۰۰ اپلیکیشن برای سیستم عامل اندروید و بیش از ۸۰ اپلیکیشن </a:t>
+            </a:r>
+            <a:r>
+              <a:rPr lang="en-US" dirty="0" smtClean="0">
+                <a:latin typeface="Comic Sans MS" panose="030F0702030302020204" pitchFamily="66" charset="0"/>
+              </a:rPr>
+              <a:t>iOS</a:t>
+            </a:r>
+            <a:r>
+              <a:rPr lang="fa-IR" dirty="0" smtClean="0"/>
+              <a:t> برای </a:t>
+            </a:r>
+            <a:r>
+              <a:rPr lang="fa-IR" dirty="0"/>
+              <a:t>استفاده در هدست‌های واقعیت مجازی تولید و عرضه شده‌اند که از طریق مارکت‌های معتبر و قابل دانلود </a:t>
+            </a:r>
+            <a:r>
+              <a:rPr lang="fa-IR" dirty="0" smtClean="0"/>
+              <a:t>می‌باشند .</a:t>
+            </a:r>
+            <a:endParaRPr lang="fa-IR" dirty="0"/>
+          </a:p>
+        </p:txBody>
+      </p:sp>
+      <p:sp>
+        <p:nvSpPr>
+          <p:cNvPr id="4" name="Footer Placeholder 3"/>
+          <p:cNvSpPr>
+            <a:spLocks noGrp="1"/>
+          </p:cNvSpPr>
+          <p:nvPr>
+            <p:ph type="ftr" sz="quarter" idx="11"/>
+          </p:nvPr>
+        </p:nvSpPr>
+        <p:spPr/>
+        <p:txBody>
+          <a:bodyPr/>
+          <a:lstStyle/>
+          <a:p>
+            <a:pPr>
+              <a:defRPr/>
+            </a:pPr>
+            <a:r>
+              <a:rPr lang="fa-IR" altLang="fa-IR" smtClean="0"/>
+              <a:t>دانشگاه صنعتی اصفهان – دانشکده کامپیوتر</a:t>
+            </a:r>
+            <a:endParaRPr lang="es-ES" altLang="fa-IR" dirty="0"/>
+          </a:p>
+        </p:txBody>
+      </p:sp>
+      <p:sp>
+        <p:nvSpPr>
+          <p:cNvPr id="5" name="Slide Number Placeholder 4"/>
+          <p:cNvSpPr>
+            <a:spLocks noGrp="1"/>
+          </p:cNvSpPr>
+          <p:nvPr>
+            <p:ph type="sldNum" sz="quarter" idx="12"/>
+          </p:nvPr>
+        </p:nvSpPr>
+        <p:spPr/>
+        <p:txBody>
+          <a:bodyPr/>
+          <a:lstStyle/>
+          <a:p>
+            <a:pPr>
+              <a:defRPr/>
+            </a:pPr>
+            <a:fld id="{C5303A1E-C0C3-4A75-A42D-959ACBF920C8}" type="slidenum">
+              <a:rPr lang="es-ES" altLang="fa-IR" smtClean="0"/>
+              <a:pPr>
+                <a:defRPr/>
+              </a:pPr>
+              <a:t>17</a:t>
+            </a:fld>
+            <a:endParaRPr lang="es-ES" altLang="fa-IR" dirty="0"/>
+          </a:p>
+        </p:txBody>
+      </p:sp>
+    </p:spTree>
+    <p:extLst>
+      <p:ext uri="{BB962C8B-B14F-4D97-AF65-F5344CB8AC3E}">
+        <p14:creationId xmlns:p14="http://schemas.microsoft.com/office/powerpoint/2010/main" val="573298909"/>
+      </p:ext>
+    </p:extLst>
+  </p:cSld>
+  <p:clrMapOvr>
+    <a:masterClrMapping/>
+  </p:clrMapOvr>
+  <mc:AlternateContent xmlns:mc="http://schemas.openxmlformats.org/markup-compatibility/2006" xmlns:p14="http://schemas.microsoft.com/office/powerpoint/2010/main">
+    <mc:Choice Requires="p14">
+      <p:transition spd="slow" p14:dur="800">
+        <p:diamond/>
+      </p:transition>
+    </mc:Choice>
+    <mc:Fallback xmlns="">
+      <p:transition spd="slow">
+        <p:diamond/>
+      </p:transition>
+    </mc:Fallback>
+  </mc:AlternateContent>
+  <p:timing>
+    <p:tnLst>
+      <p:par>
+        <p:cTn id="1" dur="indefinite" restart="never" nodeType="tmRoot"/>
+      </p:par>
+    </p:tnLst>
+  </p:timing>
+</p:sld>
+</file>
+
+<file path=ppt/slides/slide18.xml><?xml version="1.0" encoding="utf-8"?>
+<p:sld xmlns:a="http://schemas.openxmlformats.org/drawingml/2006/main" xmlns:r="http://schemas.openxmlformats.org/officeDocument/2006/relationships" xmlns:p="http://schemas.openxmlformats.org/presentationml/2006/main">
+  <p:cSld>
+    <p:spTree>
+      <p:nvGrpSpPr>
+        <p:cNvPr id="1" name=""/>
+        <p:cNvGrpSpPr/>
+        <p:nvPr/>
+      </p:nvGrpSpPr>
+      <p:grpSpPr>
+        <a:xfrm>
+          <a:off x="0" y="0"/>
+          <a:ext cx="0" cy="0"/>
+          <a:chOff x="0" y="0"/>
+          <a:chExt cx="0" cy="0"/>
+        </a:xfrm>
+      </p:grpSpPr>
+      <p:sp>
+        <p:nvSpPr>
+          <p:cNvPr id="2" name="Title 1"/>
+          <p:cNvSpPr>
+            <a:spLocks noGrp="1"/>
+          </p:cNvSpPr>
+          <p:nvPr>
+            <p:ph type="title"/>
+          </p:nvPr>
+        </p:nvSpPr>
+        <p:spPr/>
+        <p:txBody>
+          <a:bodyPr/>
+          <a:lstStyle/>
+          <a:p>
+            <a:r>
+              <a:rPr lang="fa-IR" dirty="0"/>
+              <a:t>جدول تطابق پذیری گوشی های موبایل با نرم افزارهای واقعیت مجازی</a:t>
+            </a:r>
+            <a:endParaRPr lang="fa-IR" dirty="0"/>
+          </a:p>
+        </p:txBody>
+      </p:sp>
+      <p:graphicFrame>
+        <p:nvGraphicFramePr>
+          <p:cNvPr id="6" name="Content Placeholder 5"/>
+          <p:cNvGraphicFramePr>
+            <a:graphicFrameLocks noGrp="1"/>
+          </p:cNvGraphicFramePr>
+          <p:nvPr>
+            <p:ph idx="1"/>
+            <p:extLst>
+              <p:ext uri="{D42A27DB-BD31-4B8C-83A1-F6EECF244321}">
+                <p14:modId xmlns:p14="http://schemas.microsoft.com/office/powerpoint/2010/main" val="1782237186"/>
+              </p:ext>
+            </p:extLst>
+          </p:nvPr>
+        </p:nvGraphicFramePr>
+        <p:xfrm>
+          <a:off x="1979712" y="1600200"/>
+          <a:ext cx="6707088" cy="4058920"/>
+        </p:xfrm>
+        <a:graphic>
+          <a:graphicData uri="http://schemas.openxmlformats.org/drawingml/2006/table">
+            <a:tbl>
+              <a:tblPr rtl="1" firstRow="1" bandRow="1">
+                <a:tableStyleId>{21E4AEA4-8DFA-4A89-87EB-49C32662AFE0}</a:tableStyleId>
+              </a:tblPr>
+              <a:tblGrid>
+                <a:gridCol w="1676772"/>
+                <a:gridCol w="1676772"/>
+                <a:gridCol w="1676772"/>
+                <a:gridCol w="1676772"/>
+              </a:tblGrid>
+              <a:tr h="370840">
+                <a:tc>
+                  <a:txBody>
+                    <a:bodyPr/>
+                    <a:lstStyle/>
+                    <a:p>
+                      <a:pPr algn="ctr" rtl="1"/>
+                      <a:r>
+                        <a:rPr lang="fa-IR" dirty="0" smtClean="0">
+                          <a:solidFill>
+                            <a:schemeClr val="bg1"/>
+                          </a:solidFill>
+                          <a:cs typeface="B Zar" panose="00000400000000000000" pitchFamily="2" charset="-78"/>
+                        </a:rPr>
+                        <a:t>قابلیت</a:t>
+                      </a:r>
+                      <a:endParaRPr lang="fa-IR" dirty="0">
+                        <a:solidFill>
+                          <a:schemeClr val="bg1"/>
+                        </a:solidFill>
+                        <a:cs typeface="B Zar" panose="00000400000000000000" pitchFamily="2" charset="-78"/>
+                      </a:endParaRPr>
+                    </a:p>
+                  </a:txBody>
+                  <a:tcPr/>
+                </a:tc>
+                <a:tc>
+                  <a:txBody>
+                    <a:bodyPr/>
+                    <a:lstStyle/>
+                    <a:p>
+                      <a:pPr algn="ctr" rtl="1"/>
+                      <a:r>
+                        <a:rPr lang="fa-IR" dirty="0" smtClean="0">
+                          <a:solidFill>
+                            <a:schemeClr val="bg1"/>
+                          </a:solidFill>
+                          <a:cs typeface="B Zar" panose="00000400000000000000" pitchFamily="2" charset="-78"/>
+                        </a:rPr>
+                        <a:t>بهترین</a:t>
+                      </a:r>
+                      <a:endParaRPr lang="fa-IR" dirty="0">
+                        <a:solidFill>
+                          <a:schemeClr val="bg1"/>
+                        </a:solidFill>
+                        <a:cs typeface="B Zar" panose="00000400000000000000" pitchFamily="2" charset="-78"/>
+                      </a:endParaRPr>
+                    </a:p>
+                  </a:txBody>
+                  <a:tcPr/>
+                </a:tc>
+                <a:tc>
+                  <a:txBody>
+                    <a:bodyPr/>
+                    <a:lstStyle/>
+                    <a:p>
+                      <a:pPr algn="ctr" rtl="1"/>
+                      <a:r>
+                        <a:rPr lang="fa-IR" dirty="0" smtClean="0">
+                          <a:solidFill>
+                            <a:schemeClr val="bg1"/>
+                          </a:solidFill>
+                          <a:cs typeface="B Zar" panose="00000400000000000000" pitchFamily="2" charset="-78"/>
+                        </a:rPr>
+                        <a:t>قابل استفاده</a:t>
+                      </a:r>
+                      <a:endParaRPr lang="fa-IR" dirty="0">
+                        <a:solidFill>
+                          <a:schemeClr val="bg1"/>
+                        </a:solidFill>
+                        <a:cs typeface="B Zar" panose="00000400000000000000" pitchFamily="2" charset="-78"/>
+                      </a:endParaRPr>
+                    </a:p>
+                  </a:txBody>
+                  <a:tcPr/>
+                </a:tc>
+                <a:tc>
+                  <a:txBody>
+                    <a:bodyPr/>
+                    <a:lstStyle/>
+                    <a:p>
+                      <a:pPr algn="ctr" rtl="1"/>
+                      <a:r>
+                        <a:rPr lang="fa-IR" dirty="0" smtClean="0">
+                          <a:solidFill>
+                            <a:schemeClr val="bg1"/>
+                          </a:solidFill>
+                          <a:cs typeface="B Zar" panose="00000400000000000000" pitchFamily="2" charset="-78"/>
+                        </a:rPr>
+                        <a:t>حداقل</a:t>
+                      </a:r>
+                      <a:r>
+                        <a:rPr lang="fa-IR" baseline="0" dirty="0" smtClean="0">
+                          <a:solidFill>
+                            <a:schemeClr val="bg1"/>
+                          </a:solidFill>
+                          <a:cs typeface="B Zar" panose="00000400000000000000" pitchFamily="2" charset="-78"/>
+                        </a:rPr>
+                        <a:t> مقادیر</a:t>
+                      </a:r>
+                      <a:endParaRPr lang="fa-IR" dirty="0">
+                        <a:solidFill>
+                          <a:schemeClr val="bg1"/>
+                        </a:solidFill>
+                        <a:cs typeface="B Zar" panose="00000400000000000000" pitchFamily="2" charset="-78"/>
+                      </a:endParaRPr>
+                    </a:p>
+                  </a:txBody>
+                  <a:tcPr/>
+                </a:tc>
+              </a:tr>
+              <a:tr h="370840">
+                <a:tc>
+                  <a:txBody>
+                    <a:bodyPr/>
+                    <a:lstStyle/>
+                    <a:p>
+                      <a:pPr algn="ctr" rtl="1"/>
+                      <a:r>
+                        <a:rPr lang="fa-IR" sz="1800" b="0" i="0" kern="1200" dirty="0" smtClean="0">
+                          <a:solidFill>
+                            <a:schemeClr val="dk1"/>
+                          </a:solidFill>
+                          <a:effectLst/>
+                          <a:latin typeface="+mn-lt"/>
+                          <a:ea typeface="+mn-ea"/>
+                          <a:cs typeface="B Zar" panose="00000400000000000000" pitchFamily="2" charset="-78"/>
+                        </a:rPr>
+                        <a:t>اندازه صفحه نمایش (به اینچ)</a:t>
+                      </a:r>
+                      <a:endParaRPr lang="fa-IR" dirty="0">
+                        <a:solidFill>
+                          <a:schemeClr val="tx1"/>
+                        </a:solidFill>
+                        <a:cs typeface="B Zar" panose="00000400000000000000" pitchFamily="2" charset="-78"/>
+                      </a:endParaRPr>
+                    </a:p>
+                  </a:txBody>
+                  <a:tcPr/>
+                </a:tc>
+                <a:tc>
+                  <a:txBody>
+                    <a:bodyPr/>
+                    <a:lstStyle/>
+                    <a:p>
+                      <a:pPr algn="ctr" fontAlgn="ctr"/>
+                      <a:r>
+                        <a:rPr lang="fa-IR">
+                          <a:effectLst/>
+                          <a:latin typeface="Comic Sans MS" panose="030F0702030302020204" pitchFamily="66" charset="0"/>
+                          <a:cs typeface="B Zar" panose="00000400000000000000" pitchFamily="2" charset="-78"/>
+                        </a:rPr>
+                        <a:t>5”</a:t>
+                      </a:r>
+                    </a:p>
+                  </a:txBody>
+                  <a:tcPr marL="38100" marR="38100" marT="38100" marB="38100" anchor="ctr"/>
+                </a:tc>
+                <a:tc>
+                  <a:txBody>
+                    <a:bodyPr/>
+                    <a:lstStyle/>
+                    <a:p>
+                      <a:pPr algn="ctr" fontAlgn="ctr"/>
+                      <a:r>
+                        <a:rPr lang="fa-IR">
+                          <a:effectLst/>
+                          <a:latin typeface="Comic Sans MS" panose="030F0702030302020204" pitchFamily="66" charset="0"/>
+                          <a:cs typeface="B Zar" panose="00000400000000000000" pitchFamily="2" charset="-78"/>
+                        </a:rPr>
+                        <a:t>از  4.5” تا  6”</a:t>
+                      </a:r>
+                    </a:p>
+                  </a:txBody>
+                  <a:tcPr marL="38100" marR="38100" marT="38100" marB="38100" anchor="ctr"/>
+                </a:tc>
+                <a:tc>
+                  <a:txBody>
+                    <a:bodyPr/>
+                    <a:lstStyle/>
+                    <a:p>
+                      <a:pPr algn="ctr" fontAlgn="ctr"/>
+                      <a:r>
+                        <a:rPr lang="fa-IR" dirty="0">
+                          <a:effectLst/>
+                          <a:latin typeface="Comic Sans MS" panose="030F0702030302020204" pitchFamily="66" charset="0"/>
+                          <a:cs typeface="B Zar" panose="00000400000000000000" pitchFamily="2" charset="-78"/>
+                        </a:rPr>
+                        <a:t>بین 4.5” تا 6”</a:t>
+                      </a:r>
+                    </a:p>
+                  </a:txBody>
+                  <a:tcPr marL="38100" marR="38100" marT="38100" marB="38100" anchor="ctr"/>
+                </a:tc>
+              </a:tr>
+              <a:tr h="370840">
+                <a:tc>
+                  <a:txBody>
+                    <a:bodyPr/>
+                    <a:lstStyle/>
+                    <a:p>
+                      <a:pPr algn="ctr" fontAlgn="ctr"/>
+                      <a:r>
+                        <a:rPr lang="fa-IR" dirty="0">
+                          <a:effectLst/>
+                          <a:cs typeface="B Zar" panose="00000400000000000000" pitchFamily="2" charset="-78"/>
+                        </a:rPr>
+                        <a:t>دقت (رزولوشن) صفحه نمایش</a:t>
+                      </a:r>
+                    </a:p>
+                  </a:txBody>
+                  <a:tcPr marL="38100" marR="38100" marT="38100" marB="38100" anchor="ctr"/>
+                </a:tc>
+                <a:tc>
+                  <a:txBody>
+                    <a:bodyPr/>
+                    <a:lstStyle/>
+                    <a:p>
+                      <a:pPr algn="ctr" fontAlgn="ctr"/>
+                      <a:r>
+                        <a:rPr lang="en-US" dirty="0">
+                          <a:effectLst/>
+                          <a:latin typeface="Comic Sans MS" panose="030F0702030302020204" pitchFamily="66" charset="0"/>
+                        </a:rPr>
+                        <a:t>Full HD (1080×1920) </a:t>
+                      </a:r>
+                      <a:r>
+                        <a:rPr lang="fa-IR" dirty="0">
+                          <a:effectLst/>
+                          <a:latin typeface="Comic Sans MS" panose="030F0702030302020204" pitchFamily="66" charset="0"/>
+                          <a:cs typeface="B Zar" panose="00000400000000000000" pitchFamily="2" charset="-78"/>
+                        </a:rPr>
+                        <a:t>یا بالاتر</a:t>
+                      </a:r>
+                    </a:p>
+                  </a:txBody>
+                  <a:tcPr marL="38100" marR="38100" marT="38100" marB="38100" anchor="ctr"/>
+                </a:tc>
+                <a:tc>
+                  <a:txBody>
+                    <a:bodyPr/>
+                    <a:lstStyle/>
+                    <a:p>
+                      <a:pPr algn="ctr" fontAlgn="ctr"/>
+                      <a:r>
+                        <a:rPr lang="en-US" dirty="0">
+                          <a:effectLst/>
+                          <a:latin typeface="Comic Sans MS" panose="030F0702030302020204" pitchFamily="66" charset="0"/>
+                        </a:rPr>
+                        <a:t>HD (720×1280)</a:t>
+                      </a:r>
+                    </a:p>
+                  </a:txBody>
+                  <a:tcPr marL="38100" marR="38100" marT="38100" marB="38100" anchor="ctr"/>
+                </a:tc>
+                <a:tc>
+                  <a:txBody>
+                    <a:bodyPr/>
+                    <a:lstStyle/>
+                    <a:p>
+                      <a:pPr algn="ctr" fontAlgn="ctr"/>
+                      <a:r>
+                        <a:rPr lang="fa-IR" dirty="0">
+                          <a:effectLst/>
+                          <a:latin typeface="Comic Sans MS" panose="030F0702030302020204" pitchFamily="66" charset="0"/>
+                        </a:rPr>
+                        <a:t>&lt; 480×800</a:t>
+                      </a:r>
+                    </a:p>
+                  </a:txBody>
+                  <a:tcPr marL="38100" marR="38100" marT="38100" marB="38100" anchor="ctr"/>
+                </a:tc>
+              </a:tr>
+              <a:tr h="370840">
+                <a:tc>
+                  <a:txBody>
+                    <a:bodyPr/>
+                    <a:lstStyle/>
+                    <a:p>
+                      <a:pPr algn="ctr" rtl="1"/>
+                      <a:r>
+                        <a:rPr lang="fa-IR" dirty="0" smtClean="0">
+                          <a:solidFill>
+                            <a:schemeClr val="tx1"/>
+                          </a:solidFill>
+                          <a:cs typeface="B Zar" panose="00000400000000000000" pitchFamily="2" charset="-78"/>
+                        </a:rPr>
+                        <a:t>پردازنده</a:t>
+                      </a:r>
+                      <a:endParaRPr lang="fa-IR" dirty="0">
+                        <a:solidFill>
+                          <a:schemeClr val="tx1"/>
+                        </a:solidFill>
+                        <a:cs typeface="B Zar" panose="00000400000000000000" pitchFamily="2" charset="-78"/>
+                      </a:endParaRPr>
+                    </a:p>
+                  </a:txBody>
+                  <a:tcPr/>
+                </a:tc>
+                <a:tc>
+                  <a:txBody>
+                    <a:bodyPr/>
+                    <a:lstStyle/>
+                    <a:p>
+                      <a:pPr algn="ctr" fontAlgn="ctr"/>
+                      <a:r>
+                        <a:rPr lang="en-US" dirty="0">
+                          <a:effectLst/>
+                          <a:latin typeface="Comic Sans MS" panose="030F0702030302020204" pitchFamily="66" charset="0"/>
+                        </a:rPr>
+                        <a:t>Quad Core </a:t>
+                      </a:r>
+                      <a:r>
+                        <a:rPr lang="en-US" dirty="0" smtClean="0">
+                          <a:effectLst/>
+                          <a:latin typeface="Comic Sans MS" panose="030F0702030302020204" pitchFamily="66" charset="0"/>
+                        </a:rPr>
+                        <a:t>1.6 GHz</a:t>
+                      </a:r>
+                      <a:r>
+                        <a:rPr lang="en-US" dirty="0">
+                          <a:effectLst/>
+                        </a:rPr>
+                        <a:t> </a:t>
+                      </a:r>
+                      <a:r>
+                        <a:rPr lang="fa-IR" dirty="0" smtClean="0">
+                          <a:effectLst/>
+                        </a:rPr>
+                        <a:t> </a:t>
+                      </a:r>
+                      <a:r>
+                        <a:rPr lang="fa-IR" dirty="0" smtClean="0">
+                          <a:effectLst/>
+                          <a:cs typeface="B Zar" panose="00000400000000000000" pitchFamily="2" charset="-78"/>
+                        </a:rPr>
+                        <a:t>یا </a:t>
+                      </a:r>
+                      <a:r>
+                        <a:rPr lang="fa-IR" dirty="0">
+                          <a:effectLst/>
+                          <a:cs typeface="B Zar" panose="00000400000000000000" pitchFamily="2" charset="-78"/>
+                        </a:rPr>
+                        <a:t>بالاتر</a:t>
+                      </a:r>
+                    </a:p>
+                  </a:txBody>
+                  <a:tcPr marL="38100" marR="38100" marT="38100" marB="38100" anchor="ctr"/>
+                </a:tc>
+                <a:tc gridSpan="2">
+                  <a:txBody>
+                    <a:bodyPr/>
+                    <a:lstStyle/>
+                    <a:p>
+                      <a:pPr algn="ctr" fontAlgn="ctr"/>
+                      <a:r>
+                        <a:rPr lang="fa-IR" dirty="0">
+                          <a:effectLst/>
+                          <a:cs typeface="B Zar" panose="00000400000000000000" pitchFamily="2" charset="-78"/>
+                        </a:rPr>
+                        <a:t>در صورتی که کمتر از این مقدار است لطفاً قبل از خرید، یکی از اپلیکیشن های واقعیت مجازی را روی گوشی تست کنید.</a:t>
+                      </a:r>
+                    </a:p>
+                  </a:txBody>
+                  <a:tcPr marL="38100" marR="38100" marT="38100" marB="38100" anchor="ctr"/>
+                </a:tc>
+                <a:tc hMerge="1">
+                  <a:txBody>
+                    <a:bodyPr/>
+                    <a:lstStyle/>
+                    <a:p>
+                      <a:pPr rtl="1"/>
+                      <a:endParaRPr lang="fa-IR" dirty="0"/>
+                    </a:p>
+                  </a:txBody>
+                  <a:tcPr/>
+                </a:tc>
+              </a:tr>
+              <a:tr h="370840">
+                <a:tc>
+                  <a:txBody>
+                    <a:bodyPr/>
+                    <a:lstStyle/>
+                    <a:p>
+                      <a:pPr algn="ctr" fontAlgn="ctr"/>
+                      <a:r>
+                        <a:rPr lang="fa-IR" dirty="0">
+                          <a:effectLst/>
+                          <a:cs typeface="B Zar" panose="00000400000000000000" pitchFamily="2" charset="-78"/>
+                        </a:rPr>
+                        <a:t>سنسورهای حرکتی</a:t>
+                      </a:r>
+                    </a:p>
+                  </a:txBody>
+                  <a:tcPr marL="38100" marR="38100" marT="38100" marB="38100" anchor="ctr"/>
+                </a:tc>
+                <a:tc>
+                  <a:txBody>
+                    <a:bodyPr/>
+                    <a:lstStyle/>
+                    <a:p>
+                      <a:pPr algn="ctr" fontAlgn="ctr"/>
+                      <a:r>
+                        <a:rPr lang="fa-IR">
+                          <a:effectLst/>
+                          <a:cs typeface="B Zar" panose="00000400000000000000" pitchFamily="2" charset="-78"/>
+                        </a:rPr>
+                        <a:t>شتاب سنج، ژیروسکوپ</a:t>
+                      </a:r>
+                    </a:p>
+                  </a:txBody>
+                  <a:tcPr marL="38100" marR="38100" marT="38100" marB="38100" anchor="ctr"/>
+                </a:tc>
+                <a:tc gridSpan="2">
+                  <a:txBody>
+                    <a:bodyPr/>
+                    <a:lstStyle/>
+                    <a:p>
+                      <a:pPr algn="ctr" fontAlgn="ctr"/>
+                      <a:r>
+                        <a:rPr lang="fa-IR" dirty="0">
+                          <a:effectLst/>
+                          <a:cs typeface="B Zar" panose="00000400000000000000" pitchFamily="2" charset="-78"/>
+                        </a:rPr>
+                        <a:t>در صورت نداشتن این سنسورها، بازی ها و اپ های سه بعدی کار نمی کنند</a:t>
+                      </a:r>
+                    </a:p>
+                  </a:txBody>
+                  <a:tcPr marL="38100" marR="38100" marT="38100" marB="38100" anchor="ctr"/>
+                </a:tc>
+                <a:tc hMerge="1">
+                  <a:txBody>
+                    <a:bodyPr/>
+                    <a:lstStyle/>
+                    <a:p>
+                      <a:pPr rtl="1"/>
+                      <a:endParaRPr lang="fa-IR" dirty="0"/>
+                    </a:p>
+                  </a:txBody>
+                  <a:tcPr/>
+                </a:tc>
+              </a:tr>
+              <a:tr h="370840">
+                <a:tc>
+                  <a:txBody>
+                    <a:bodyPr/>
+                    <a:lstStyle/>
+                    <a:p>
+                      <a:pPr algn="ctr" fontAlgn="ctr"/>
+                      <a:r>
+                        <a:rPr lang="fa-IR" dirty="0">
+                          <a:effectLst/>
+                          <a:cs typeface="B Zar" panose="00000400000000000000" pitchFamily="2" charset="-78"/>
+                        </a:rPr>
+                        <a:t>سیستم عامل</a:t>
+                      </a:r>
+                    </a:p>
+                  </a:txBody>
+                  <a:tcPr marL="38100" marR="38100" marT="38100" marB="38100" anchor="ctr"/>
+                </a:tc>
+                <a:tc>
+                  <a:txBody>
+                    <a:bodyPr/>
+                    <a:lstStyle/>
+                    <a:p>
+                      <a:pPr algn="ctr" fontAlgn="ctr"/>
+                      <a:r>
+                        <a:rPr lang="en-US" dirty="0">
+                          <a:effectLst/>
+                          <a:latin typeface="Comic Sans MS" panose="030F0702030302020204" pitchFamily="66" charset="0"/>
+                          <a:cs typeface="B Zar" panose="00000400000000000000" pitchFamily="2" charset="-78"/>
+                        </a:rPr>
+                        <a:t>Android / iOS</a:t>
+                      </a:r>
+                    </a:p>
+                  </a:txBody>
+                  <a:tcPr marL="38100" marR="38100" marT="38100" marB="38100" anchor="ctr"/>
+                </a:tc>
+                <a:tc gridSpan="2">
+                  <a:txBody>
+                    <a:bodyPr/>
+                    <a:lstStyle/>
+                    <a:p>
+                      <a:pPr algn="ctr" fontAlgn="ctr"/>
+                      <a:r>
+                        <a:rPr lang="en-US" dirty="0">
+                          <a:effectLst/>
+                          <a:latin typeface="Comic Sans MS" panose="030F0702030302020204" pitchFamily="66" charset="0"/>
+                          <a:cs typeface="B Zar" panose="00000400000000000000" pitchFamily="2" charset="-78"/>
+                        </a:rPr>
+                        <a:t>Windows </a:t>
+                      </a:r>
+                      <a:r>
+                        <a:rPr lang="en-US" dirty="0" smtClean="0">
+                          <a:effectLst/>
+                          <a:latin typeface="Comic Sans MS" panose="030F0702030302020204" pitchFamily="66" charset="0"/>
+                          <a:cs typeface="B Zar" panose="00000400000000000000" pitchFamily="2" charset="-78"/>
+                        </a:rPr>
+                        <a:t>phone</a:t>
+                      </a:r>
+                      <a:r>
+                        <a:rPr lang="fa-IR" dirty="0" smtClean="0">
+                          <a:effectLst/>
+                          <a:latin typeface="Comic Sans MS" panose="030F0702030302020204" pitchFamily="66" charset="0"/>
+                          <a:cs typeface="B Zar" panose="00000400000000000000" pitchFamily="2" charset="-78"/>
+                        </a:rPr>
+                        <a:t> ( </a:t>
+                      </a:r>
+                      <a:r>
+                        <a:rPr lang="fa-IR" dirty="0" smtClean="0">
+                          <a:effectLst/>
+                          <a:cs typeface="B Zar" panose="00000400000000000000" pitchFamily="2" charset="-78"/>
+                        </a:rPr>
+                        <a:t>تعداد </a:t>
+                      </a:r>
+                      <a:r>
+                        <a:rPr lang="fa-IR" dirty="0">
+                          <a:effectLst/>
+                          <a:cs typeface="B Zar" panose="00000400000000000000" pitchFamily="2" charset="-78"/>
+                        </a:rPr>
+                        <a:t>کمی نرم افزار موجود </a:t>
+                      </a:r>
+                      <a:r>
+                        <a:rPr lang="fa-IR" dirty="0" smtClean="0">
+                          <a:effectLst/>
+                          <a:cs typeface="B Zar" panose="00000400000000000000" pitchFamily="2" charset="-78"/>
+                        </a:rPr>
+                        <a:t>است )</a:t>
+                      </a:r>
+                      <a:endParaRPr lang="fa-IR" dirty="0">
+                        <a:effectLst/>
+                        <a:cs typeface="B Zar" panose="00000400000000000000" pitchFamily="2" charset="-78"/>
+                      </a:endParaRPr>
+                    </a:p>
+                  </a:txBody>
+                  <a:tcPr marL="38100" marR="38100" marT="38100" marB="38100" anchor="ctr"/>
+                </a:tc>
+                <a:tc hMerge="1">
+                  <a:txBody>
+                    <a:bodyPr/>
+                    <a:lstStyle/>
+                    <a:p>
+                      <a:pPr rtl="1"/>
+                      <a:endParaRPr lang="fa-IR" dirty="0"/>
+                    </a:p>
+                  </a:txBody>
+                  <a:tcPr/>
+                </a:tc>
+              </a:tr>
+            </a:tbl>
+          </a:graphicData>
+        </a:graphic>
+      </p:graphicFrame>
+      <p:sp>
+        <p:nvSpPr>
+          <p:cNvPr id="4" name="Footer Placeholder 3"/>
+          <p:cNvSpPr>
+            <a:spLocks noGrp="1"/>
+          </p:cNvSpPr>
+          <p:nvPr>
+            <p:ph type="ftr" sz="quarter" idx="11"/>
+          </p:nvPr>
+        </p:nvSpPr>
+        <p:spPr/>
+        <p:txBody>
+          <a:bodyPr/>
+          <a:lstStyle/>
+          <a:p>
+            <a:pPr>
+              <a:defRPr/>
+            </a:pPr>
+            <a:r>
+              <a:rPr lang="fa-IR" altLang="fa-IR" smtClean="0"/>
+              <a:t>دانشگاه صنعتی اصفهان – دانشکده کامپیوتر</a:t>
+            </a:r>
+            <a:endParaRPr lang="es-ES" altLang="fa-IR" dirty="0"/>
+          </a:p>
+        </p:txBody>
+      </p:sp>
+      <p:sp>
+        <p:nvSpPr>
+          <p:cNvPr id="5" name="Slide Number Placeholder 4"/>
+          <p:cNvSpPr>
+            <a:spLocks noGrp="1"/>
+          </p:cNvSpPr>
+          <p:nvPr>
+            <p:ph type="sldNum" sz="quarter" idx="12"/>
+          </p:nvPr>
+        </p:nvSpPr>
+        <p:spPr/>
+        <p:txBody>
+          <a:bodyPr/>
+          <a:lstStyle/>
+          <a:p>
+            <a:pPr>
+              <a:defRPr/>
+            </a:pPr>
+            <a:fld id="{C5303A1E-C0C3-4A75-A42D-959ACBF920C8}" type="slidenum">
+              <a:rPr lang="es-ES" altLang="fa-IR" smtClean="0"/>
+              <a:pPr>
+                <a:defRPr/>
+              </a:pPr>
+              <a:t>18</a:t>
+            </a:fld>
+            <a:endParaRPr lang="es-ES" altLang="fa-IR" dirty="0"/>
+          </a:p>
+        </p:txBody>
+      </p:sp>
+    </p:spTree>
+    <p:extLst>
+      <p:ext uri="{BB962C8B-B14F-4D97-AF65-F5344CB8AC3E}">
+        <p14:creationId xmlns:p14="http://schemas.microsoft.com/office/powerpoint/2010/main" val="3869099544"/>
+      </p:ext>
+    </p:extLst>
+  </p:cSld>
+  <p:clrMapOvr>
+    <a:masterClrMapping/>
+  </p:clrMapOvr>
+  <mc:AlternateContent xmlns:mc="http://schemas.openxmlformats.org/markup-compatibility/2006" xmlns:p14="http://schemas.microsoft.com/office/powerpoint/2010/main">
+    <mc:Choice Requires="p14">
+      <p:transition spd="slow" p14:dur="800">
+        <p:diamond/>
+      </p:transition>
+    </mc:Choice>
+    <mc:Fallback xmlns="">
+      <p:transition spd="slow">
+        <p:diamond/>
+      </p:transition>
+    </mc:Fallback>
+  </mc:AlternateContent>
+  <p:timing>
+    <p:tnLst>
+      <p:par>
+        <p:cTn id="1" dur="indefinite" restart="never" nodeType="tmRoot"/>
+      </p:par>
+    </p:tnLst>
+  </p:timing>
+</p:sld>
+</file>
+
+<file path=ppt/slides/slide19.xml><?xml version="1.0" encoding="utf-8"?>
+<p:sld xmlns:a="http://schemas.openxmlformats.org/drawingml/2006/main" xmlns:r="http://schemas.openxmlformats.org/officeDocument/2006/relationships" xmlns:p="http://schemas.openxmlformats.org/presentationml/2006/main">
+  <p:cSld>
+    <p:spTree>
+      <p:nvGrpSpPr>
+        <p:cNvPr id="1" name=""/>
+        <p:cNvGrpSpPr/>
+        <p:nvPr/>
+      </p:nvGrpSpPr>
+      <p:grpSpPr>
+        <a:xfrm>
+          <a:off x="0" y="0"/>
+          <a:ext cx="0" cy="0"/>
+          <a:chOff x="0" y="0"/>
+          <a:chExt cx="0" cy="0"/>
+        </a:xfrm>
+      </p:grpSpPr>
+      <p:sp>
+        <p:nvSpPr>
+          <p:cNvPr id="2" name="Title 1"/>
+          <p:cNvSpPr>
+            <a:spLocks noGrp="1"/>
+          </p:cNvSpPr>
+          <p:nvPr>
+            <p:ph type="title"/>
+          </p:nvPr>
+        </p:nvSpPr>
+        <p:spPr/>
+        <p:txBody>
+          <a:bodyPr/>
+          <a:lstStyle/>
+          <a:p>
+            <a:r>
+              <a:rPr lang="fa-IR" dirty="0" smtClean="0"/>
+              <a:t>فایده ها و مضرات </a:t>
+            </a:r>
+            <a:endParaRPr lang="fa-IR" dirty="0"/>
+          </a:p>
+        </p:txBody>
+      </p:sp>
+      <p:sp>
+        <p:nvSpPr>
+          <p:cNvPr id="3" name="Content Placeholder 2"/>
+          <p:cNvSpPr>
+            <a:spLocks noGrp="1"/>
+          </p:cNvSpPr>
+          <p:nvPr>
+            <p:ph idx="1"/>
+          </p:nvPr>
+        </p:nvSpPr>
+        <p:spPr/>
+        <p:txBody>
+          <a:bodyPr/>
+          <a:lstStyle/>
+          <a:p>
+            <a:pPr lvl="0"/>
+            <a:r>
+              <a:rPr lang="fa-IR" dirty="0"/>
+              <a:t>فهمیدن </a:t>
+            </a:r>
+            <a:r>
+              <a:rPr lang="fa-IR" dirty="0" smtClean="0"/>
+              <a:t>اینکه چگونه </a:t>
+            </a:r>
+            <a:r>
+              <a:rPr lang="fa-IR" dirty="0"/>
+              <a:t>به به هر وضعیتی واکنش نشان دهیم </a:t>
+            </a:r>
+            <a:r>
+              <a:rPr lang="fa-IR" dirty="0" smtClean="0"/>
+              <a:t>، </a:t>
+            </a:r>
+            <a:r>
+              <a:rPr lang="fa-IR" dirty="0"/>
+              <a:t>به خصوص وضعیت زندگی یا مرگ </a:t>
+            </a:r>
+            <a:endParaRPr lang="en-US" dirty="0"/>
+          </a:p>
+          <a:p>
+            <a:endParaRPr lang="fa-IR" dirty="0"/>
+          </a:p>
+        </p:txBody>
+      </p:sp>
+      <p:sp>
+        <p:nvSpPr>
+          <p:cNvPr id="4" name="Footer Placeholder 3"/>
+          <p:cNvSpPr>
+            <a:spLocks noGrp="1"/>
+          </p:cNvSpPr>
+          <p:nvPr>
+            <p:ph type="ftr" sz="quarter" idx="11"/>
+          </p:nvPr>
+        </p:nvSpPr>
+        <p:spPr/>
+        <p:txBody>
+          <a:bodyPr/>
+          <a:lstStyle/>
+          <a:p>
+            <a:pPr>
+              <a:defRPr/>
+            </a:pPr>
+            <a:r>
+              <a:rPr lang="fa-IR" altLang="fa-IR" smtClean="0"/>
+              <a:t>دانشگاه صنعتی اصفهان – دانشکده کامپیوتر</a:t>
+            </a:r>
+            <a:endParaRPr lang="es-ES" altLang="fa-IR" dirty="0"/>
+          </a:p>
+        </p:txBody>
+      </p:sp>
+      <p:sp>
+        <p:nvSpPr>
+          <p:cNvPr id="5" name="Slide Number Placeholder 4"/>
+          <p:cNvSpPr>
+            <a:spLocks noGrp="1"/>
+          </p:cNvSpPr>
+          <p:nvPr>
+            <p:ph type="sldNum" sz="quarter" idx="12"/>
+          </p:nvPr>
+        </p:nvSpPr>
+        <p:spPr/>
+        <p:txBody>
+          <a:bodyPr/>
+          <a:lstStyle/>
+          <a:p>
+            <a:pPr>
+              <a:defRPr/>
+            </a:pPr>
+            <a:fld id="{C5303A1E-C0C3-4A75-A42D-959ACBF920C8}" type="slidenum">
+              <a:rPr lang="es-ES" altLang="fa-IR" smtClean="0"/>
+              <a:pPr>
+                <a:defRPr/>
+              </a:pPr>
+              <a:t>19</a:t>
+            </a:fld>
+            <a:endParaRPr lang="es-ES" altLang="fa-IR" dirty="0"/>
+          </a:p>
+        </p:txBody>
+      </p:sp>
+    </p:spTree>
+    <p:extLst>
+      <p:ext uri="{BB962C8B-B14F-4D97-AF65-F5344CB8AC3E}">
+        <p14:creationId xmlns:p14="http://schemas.microsoft.com/office/powerpoint/2010/main" val="19483741"/>
       </p:ext>
     </p:extLst>
   </p:cSld>
@@ -6759,8 +9887,31 @@
           <a:p>
             <a:r>
               <a:rPr lang="fa-IR" dirty="0" smtClean="0"/>
+              <a:t>تعریف و معنای لفظی</a:t>
+            </a:r>
+          </a:p>
+          <a:p>
+            <a:r>
+              <a:rPr lang="fa-IR" dirty="0" smtClean="0"/>
               <a:t>چیستی واقعیت مجازی</a:t>
             </a:r>
+          </a:p>
+          <a:p>
+            <a:r>
+              <a:rPr lang="fa-IR" dirty="0" smtClean="0"/>
+              <a:t>ویژگی ها</a:t>
+            </a:r>
+          </a:p>
+          <a:p>
+            <a:r>
+              <a:rPr lang="ar-SA" dirty="0"/>
+              <a:t>تفاوت واقعیت مجازی و واقعیت </a:t>
+            </a:r>
+            <a:r>
+              <a:rPr lang="ar-SA" dirty="0" smtClean="0"/>
+              <a:t>افزوده</a:t>
+            </a:r>
+            <a:endParaRPr lang="fa-IR" dirty="0" smtClean="0"/>
           </a:p>
           <a:p>
             <a:r>
@@ -6865,6 +10016,1178 @@
         </p:txBody>
       </p:sp>
     </p:spTree>
+  </p:cSld>
+  <p:clrMapOvr>
+    <a:masterClrMapping/>
+  </p:clrMapOvr>
+  <mc:AlternateContent xmlns:mc="http://schemas.openxmlformats.org/markup-compatibility/2006" xmlns:p14="http://schemas.microsoft.com/office/powerpoint/2010/main">
+    <mc:Choice Requires="p14">
+      <p:transition spd="slow" p14:dur="800">
+        <p:diamond/>
+      </p:transition>
+    </mc:Choice>
+    <mc:Fallback xmlns="">
+      <p:transition spd="slow">
+        <p:diamond/>
+      </p:transition>
+    </mc:Fallback>
+  </mc:AlternateContent>
+  <p:timing>
+    <p:tnLst>
+      <p:par>
+        <p:cTn id="1" dur="indefinite" restart="never" nodeType="tmRoot"/>
+      </p:par>
+    </p:tnLst>
+  </p:timing>
+</p:sld>
+</file>
+
+<file path=ppt/slides/slide20.xml><?xml version="1.0" encoding="utf-8"?>
+<p:sld xmlns:a="http://schemas.openxmlformats.org/drawingml/2006/main" xmlns:r="http://schemas.openxmlformats.org/officeDocument/2006/relationships" xmlns:p="http://schemas.openxmlformats.org/presentationml/2006/main">
+  <p:cSld>
+    <p:spTree>
+      <p:nvGrpSpPr>
+        <p:cNvPr id="1" name=""/>
+        <p:cNvGrpSpPr/>
+        <p:nvPr/>
+      </p:nvGrpSpPr>
+      <p:grpSpPr>
+        <a:xfrm>
+          <a:off x="0" y="0"/>
+          <a:ext cx="0" cy="0"/>
+          <a:chOff x="0" y="0"/>
+          <a:chExt cx="0" cy="0"/>
+        </a:xfrm>
+      </p:grpSpPr>
+      <p:sp>
+        <p:nvSpPr>
+          <p:cNvPr id="2" name="Title 1"/>
+          <p:cNvSpPr>
+            <a:spLocks noGrp="1"/>
+          </p:cNvSpPr>
+          <p:nvPr>
+            <p:ph type="title"/>
+          </p:nvPr>
+        </p:nvSpPr>
+        <p:spPr/>
+        <p:txBody>
+          <a:bodyPr/>
+          <a:lstStyle/>
+          <a:p>
+            <a:r>
+              <a:rPr lang="fa-IR" dirty="0" smtClean="0"/>
+              <a:t>واقعیت مجازی در ایران</a:t>
+            </a:r>
+            <a:endParaRPr lang="fa-IR" dirty="0"/>
+          </a:p>
+        </p:txBody>
+      </p:sp>
+      <p:sp>
+        <p:nvSpPr>
+          <p:cNvPr id="3" name="Content Placeholder 2"/>
+          <p:cNvSpPr>
+            <a:spLocks noGrp="1"/>
+          </p:cNvSpPr>
+          <p:nvPr>
+            <p:ph idx="1"/>
+          </p:nvPr>
+        </p:nvSpPr>
+        <p:spPr>
+          <a:xfrm>
+            <a:off x="1547664" y="1412776"/>
+            <a:ext cx="7139136" cy="4713387"/>
+          </a:xfrm>
+        </p:spPr>
+        <p:txBody>
+          <a:bodyPr/>
+          <a:lstStyle/>
+          <a:p>
+            <a:r>
+              <a:rPr lang="fa-IR" dirty="0" smtClean="0">
+                <a:solidFill>
+                  <a:srgbClr val="00B0F0"/>
+                </a:solidFill>
+              </a:rPr>
+              <a:t>مؤسسه رسانه پرداز آمیتیس </a:t>
+            </a:r>
+            <a:r>
+              <a:rPr lang="fa-IR" dirty="0" smtClean="0"/>
+              <a:t>سازنده بازی رایانه‌ای « مبارزه در خلیج عدن » در تاریخ ۲۲ دی ماه سال ۱۳۹۳ برای اولین بار از دستاورد خود در حوزه واقعیت مجازی رونمایی کرد . تبدیل انواع هدست‌های نمایشگر سه بعدی ( </a:t>
+            </a:r>
+            <a:r>
+              <a:rPr lang="en-US" dirty="0" smtClean="0">
+                <a:latin typeface="Comic Sans MS" panose="030F0702030302020204" pitchFamily="66" charset="0"/>
+              </a:rPr>
+              <a:t>3D Viewer</a:t>
+            </a:r>
+            <a:r>
+              <a:rPr lang="fa-IR" dirty="0"/>
+              <a:t> ) به هدست واقعیت مجازی ، توسعه و گسترش این تکنولوژی به منظور بهره‌برداری در شهربازی‌ها و مباحث شبیه‌ساز تنها بخشی از فعالیت‌های استودیو آمیتیس در این زمینه است . لازم است ذکر شود این محصول تحت عنوان </a:t>
+            </a:r>
+            <a:r>
+              <a:rPr lang="en-US" dirty="0" err="1">
+                <a:latin typeface="Comic Sans MS" panose="030F0702030302020204" pitchFamily="66" charset="0"/>
+              </a:rPr>
+              <a:t>Amytech</a:t>
+            </a:r>
+            <a:r>
+              <a:rPr lang="en-US" dirty="0">
+                <a:latin typeface="Comic Sans MS" panose="030F0702030302020204" pitchFamily="66" charset="0"/>
+              </a:rPr>
+              <a:t> </a:t>
+            </a:r>
+            <a:r>
+              <a:rPr lang="en-US" dirty="0" smtClean="0">
+                <a:latin typeface="Comic Sans MS" panose="030F0702030302020204" pitchFamily="66" charset="0"/>
+              </a:rPr>
+              <a:t>1</a:t>
+            </a:r>
+            <a:r>
+              <a:rPr lang="fa-IR" dirty="0" smtClean="0"/>
+              <a:t> اولین </a:t>
+            </a:r>
+            <a:r>
+              <a:rPr lang="fa-IR" dirty="0"/>
+              <a:t>هدست واقعیت مجازی مبتنی بر کامپیوتر ایرانی در چهارمین دوره نمایشگاه شهر بازی و اوقات فراغت رونمایی </a:t>
+            </a:r>
+            <a:r>
+              <a:rPr lang="fa-IR" dirty="0" smtClean="0"/>
+              <a:t>گردید .</a:t>
+            </a:r>
+            <a:endParaRPr lang="fa-IR" dirty="0"/>
+          </a:p>
+        </p:txBody>
+      </p:sp>
+      <p:sp>
+        <p:nvSpPr>
+          <p:cNvPr id="4" name="Footer Placeholder 3"/>
+          <p:cNvSpPr>
+            <a:spLocks noGrp="1"/>
+          </p:cNvSpPr>
+          <p:nvPr>
+            <p:ph type="ftr" sz="quarter" idx="11"/>
+          </p:nvPr>
+        </p:nvSpPr>
+        <p:spPr/>
+        <p:txBody>
+          <a:bodyPr/>
+          <a:lstStyle/>
+          <a:p>
+            <a:pPr>
+              <a:defRPr/>
+            </a:pPr>
+            <a:r>
+              <a:rPr lang="fa-IR" altLang="fa-IR" smtClean="0"/>
+              <a:t>دانشگاه صنعتی اصفهان – دانشکده کامپیوتر</a:t>
+            </a:r>
+            <a:endParaRPr lang="es-ES" altLang="fa-IR" dirty="0"/>
+          </a:p>
+        </p:txBody>
+      </p:sp>
+      <p:sp>
+        <p:nvSpPr>
+          <p:cNvPr id="5" name="Slide Number Placeholder 4"/>
+          <p:cNvSpPr>
+            <a:spLocks noGrp="1"/>
+          </p:cNvSpPr>
+          <p:nvPr>
+            <p:ph type="sldNum" sz="quarter" idx="12"/>
+          </p:nvPr>
+        </p:nvSpPr>
+        <p:spPr/>
+        <p:txBody>
+          <a:bodyPr/>
+          <a:lstStyle/>
+          <a:p>
+            <a:pPr>
+              <a:defRPr/>
+            </a:pPr>
+            <a:fld id="{C5303A1E-C0C3-4A75-A42D-959ACBF920C8}" type="slidenum">
+              <a:rPr lang="es-ES" altLang="fa-IR" smtClean="0"/>
+              <a:pPr>
+                <a:defRPr/>
+              </a:pPr>
+              <a:t>20</a:t>
+            </a:fld>
+            <a:endParaRPr lang="es-ES" altLang="fa-IR" dirty="0"/>
+          </a:p>
+        </p:txBody>
+      </p:sp>
+      <p:pic>
+        <p:nvPicPr>
+          <p:cNvPr id="6" name="Picture 5"/>
+          <p:cNvPicPr>
+            <a:picLocks noChangeAspect="1"/>
+          </p:cNvPicPr>
+          <p:nvPr/>
+        </p:nvPicPr>
+        <p:blipFill>
+          <a:blip r:embed="rId2" cstate="print">
+            <a:extLst>
+              <a:ext uri="{28A0092B-C50C-407E-A947-70E740481C1C}">
+                <a14:useLocalDpi xmlns:a14="http://schemas.microsoft.com/office/drawing/2010/main" val="0"/>
+              </a:ext>
+            </a:extLst>
+          </a:blip>
+          <a:stretch>
+            <a:fillRect/>
+          </a:stretch>
+        </p:blipFill>
+        <p:spPr>
+          <a:xfrm>
+            <a:off x="6084168" y="4509120"/>
+            <a:ext cx="1872206" cy="1616324"/>
+          </a:xfrm>
+          <a:prstGeom prst="rect">
+            <a:avLst/>
+          </a:prstGeom>
+          <a:ln>
+            <a:noFill/>
+          </a:ln>
+          <a:effectLst>
+            <a:softEdge rad="112500"/>
+          </a:effectLst>
+        </p:spPr>
+      </p:pic>
+    </p:spTree>
+    <p:extLst>
+      <p:ext uri="{BB962C8B-B14F-4D97-AF65-F5344CB8AC3E}">
+        <p14:creationId xmlns:p14="http://schemas.microsoft.com/office/powerpoint/2010/main" val="1841642188"/>
+      </p:ext>
+    </p:extLst>
+  </p:cSld>
+  <p:clrMapOvr>
+    <a:masterClrMapping/>
+  </p:clrMapOvr>
+  <mc:AlternateContent xmlns:mc="http://schemas.openxmlformats.org/markup-compatibility/2006" xmlns:p14="http://schemas.microsoft.com/office/powerpoint/2010/main">
+    <mc:Choice Requires="p14">
+      <p:transition spd="slow" p14:dur="800">
+        <p:diamond/>
+      </p:transition>
+    </mc:Choice>
+    <mc:Fallback xmlns="">
+      <p:transition spd="slow">
+        <p:diamond/>
+      </p:transition>
+    </mc:Fallback>
+  </mc:AlternateContent>
+  <p:timing>
+    <p:tnLst>
+      <p:par>
+        <p:cTn id="1" dur="indefinite" restart="never" nodeType="tmRoot">
+          <p:childTnLst>
+            <p:seq concurrent="1" nextAc="seek">
+              <p:cTn id="2" dur="indefinite" nodeType="mainSeq">
+                <p:childTnLst>
+                  <p:par>
+                    <p:cTn id="3" fill="hold">
+                      <p:stCondLst>
+                        <p:cond delay="indefinite"/>
+                        <p:cond evt="onBegin" delay="0">
+                          <p:tn val="2"/>
+                        </p:cond>
+                      </p:stCondLst>
+                      <p:childTnLst>
+                        <p:par>
+                          <p:cTn id="4" fill="hold">
+                            <p:stCondLst>
+                              <p:cond delay="0"/>
+                            </p:stCondLst>
+                            <p:childTnLst>
+                              <p:par>
+                                <p:cTn id="5" presetID="2" presetClass="entr" presetSubtype="6" fill="hold" nodeType="afterEffect">
+                                  <p:stCondLst>
+                                    <p:cond delay="1000"/>
+                                  </p:stCondLst>
+                                  <p:childTnLst>
+                                    <p:set>
+                                      <p:cBhvr>
+                                        <p:cTn id="6" dur="1" fill="hold">
+                                          <p:stCondLst>
+                                            <p:cond delay="0"/>
+                                          </p:stCondLst>
+                                        </p:cTn>
+                                        <p:tgtEl>
+                                          <p:spTgt spid="6"/>
+                                        </p:tgtEl>
+                                        <p:attrNameLst>
+                                          <p:attrName>style.visibility</p:attrName>
+                                        </p:attrNameLst>
+                                      </p:cBhvr>
+                                      <p:to>
+                                        <p:strVal val="visible"/>
+                                      </p:to>
+                                    </p:set>
+                                    <p:anim calcmode="lin" valueType="num">
+                                      <p:cBhvr additive="base">
+                                        <p:cTn id="7" dur="750" fill="hold"/>
+                                        <p:tgtEl>
+                                          <p:spTgt spid="6"/>
+                                        </p:tgtEl>
+                                        <p:attrNameLst>
+                                          <p:attrName>ppt_x</p:attrName>
+                                        </p:attrNameLst>
+                                      </p:cBhvr>
+                                      <p:tavLst>
+                                        <p:tav tm="0">
+                                          <p:val>
+                                            <p:strVal val="1+#ppt_w/2"/>
+                                          </p:val>
+                                        </p:tav>
+                                        <p:tav tm="100000">
+                                          <p:val>
+                                            <p:strVal val="#ppt_x"/>
+                                          </p:val>
+                                        </p:tav>
+                                      </p:tavLst>
+                                    </p:anim>
+                                    <p:anim calcmode="lin" valueType="num">
+                                      <p:cBhvr additive="base">
+                                        <p:cTn id="8" dur="750" fill="hold"/>
+                                        <p:tgtEl>
+                                          <p:spTgt spid="6"/>
+                                        </p:tgtEl>
+                                        <p:attrNameLst>
+                                          <p:attrName>ppt_y</p:attrName>
+                                        </p:attrNameLst>
+                                      </p:cBhvr>
+                                      <p:tavLst>
+                                        <p:tav tm="0">
+                                          <p:val>
+                                            <p:strVal val="1+#ppt_h/2"/>
+                                          </p:val>
+                                        </p:tav>
+                                        <p:tav tm="100000">
+                                          <p:val>
+                                            <p:strVal val="#ppt_y"/>
+                                          </p:val>
+                                        </p:tav>
+                                      </p:tavLst>
+                                    </p:anim>
+                                  </p:childTnLst>
+                                </p:cTn>
+                              </p:par>
+                            </p:childTnLst>
+                          </p:cTn>
+                        </p:par>
+                      </p:childTnLst>
+                    </p:cTn>
+                  </p:par>
+                </p:childTnLst>
+              </p:cTn>
+              <p:prevCondLst>
+                <p:cond evt="onPrev" delay="0">
+                  <p:tgtEl>
+                    <p:sldTgt/>
+                  </p:tgtEl>
+                </p:cond>
+              </p:prevCondLst>
+              <p:nextCondLst>
+                <p:cond evt="onNext" delay="0">
+                  <p:tgtEl>
+                    <p:sldTgt/>
+                  </p:tgtEl>
+                </p:cond>
+              </p:nextCondLst>
+            </p:seq>
+          </p:childTnLst>
+        </p:cTn>
+      </p:par>
+    </p:tnLst>
+  </p:timing>
+</p:sld>
+</file>
+
+<file path=ppt/slides/slide21.xml><?xml version="1.0" encoding="utf-8"?>
+<p:sld xmlns:a="http://schemas.openxmlformats.org/drawingml/2006/main" xmlns:r="http://schemas.openxmlformats.org/officeDocument/2006/relationships" xmlns:p="http://schemas.openxmlformats.org/presentationml/2006/main">
+  <p:cSld>
+    <p:spTree>
+      <p:nvGrpSpPr>
+        <p:cNvPr id="1" name=""/>
+        <p:cNvGrpSpPr/>
+        <p:nvPr/>
+      </p:nvGrpSpPr>
+      <p:grpSpPr>
+        <a:xfrm>
+          <a:off x="0" y="0"/>
+          <a:ext cx="0" cy="0"/>
+          <a:chOff x="0" y="0"/>
+          <a:chExt cx="0" cy="0"/>
+        </a:xfrm>
+      </p:grpSpPr>
+      <p:sp>
+        <p:nvSpPr>
+          <p:cNvPr id="2" name="Title 1"/>
+          <p:cNvSpPr>
+            <a:spLocks noGrp="1"/>
+          </p:cNvSpPr>
+          <p:nvPr>
+            <p:ph type="title"/>
+          </p:nvPr>
+        </p:nvSpPr>
+        <p:spPr/>
+        <p:txBody>
+          <a:bodyPr/>
+          <a:lstStyle/>
+          <a:p>
+            <a:endParaRPr lang="fa-IR" dirty="0"/>
+          </a:p>
+        </p:txBody>
+      </p:sp>
+      <p:sp>
+        <p:nvSpPr>
+          <p:cNvPr id="3" name="Content Placeholder 2"/>
+          <p:cNvSpPr>
+            <a:spLocks noGrp="1"/>
+          </p:cNvSpPr>
+          <p:nvPr>
+            <p:ph idx="1"/>
+          </p:nvPr>
+        </p:nvSpPr>
+        <p:spPr/>
+        <p:txBody>
+          <a:bodyPr/>
+          <a:lstStyle/>
+          <a:p>
+            <a:r>
+              <a:rPr lang="fa-IR" dirty="0">
+                <a:solidFill>
+                  <a:srgbClr val="00B0F0"/>
+                </a:solidFill>
+              </a:rPr>
+              <a:t>هدست واقعیت مجازی آمی سِت </a:t>
+            </a:r>
+            <a:r>
+              <a:rPr lang="en-US" dirty="0" smtClean="0">
+                <a:solidFill>
+                  <a:srgbClr val="00B0F0"/>
+                </a:solidFill>
+                <a:latin typeface="Comic Sans MS" panose="030F0702030302020204" pitchFamily="66" charset="0"/>
+              </a:rPr>
+              <a:t>(</a:t>
+            </a:r>
+            <a:r>
+              <a:rPr lang="en-US" dirty="0" err="1">
+                <a:solidFill>
+                  <a:srgbClr val="00B0F0"/>
+                </a:solidFill>
+                <a:latin typeface="Comic Sans MS" panose="030F0702030302020204" pitchFamily="66" charset="0"/>
+              </a:rPr>
+              <a:t>Amyset</a:t>
+            </a:r>
+            <a:r>
+              <a:rPr lang="en-US" dirty="0" smtClean="0">
+                <a:solidFill>
+                  <a:srgbClr val="00B0F0"/>
+                </a:solidFill>
+                <a:latin typeface="Comic Sans MS" panose="030F0702030302020204" pitchFamily="66" charset="0"/>
+              </a:rPr>
+              <a:t>)</a:t>
+            </a:r>
+            <a:r>
+              <a:rPr lang="fa-IR" dirty="0" smtClean="0">
+                <a:solidFill>
+                  <a:srgbClr val="00B0F0"/>
+                </a:solidFill>
+              </a:rPr>
+              <a:t> </a:t>
+            </a:r>
+            <a:r>
+              <a:rPr lang="fa-IR" dirty="0" smtClean="0"/>
+              <a:t>: مبتنی </a:t>
+            </a:r>
+            <a:r>
+              <a:rPr lang="fa-IR" dirty="0"/>
+              <a:t>بر پلتفرم موبایل نیز توسط استودیو آمیتیس به بازار ایران ارائه گردیده است که علاوه بر قابلیت استفاده به صورت هدست با کمک نصب کش و قرار گرفتن روی سر، با استفاده از لایه‌ای نرم در محل قرار گرفتن بینی و پیشانی به افزایش استفاده کاربری آن افزوده است.</a:t>
+            </a:r>
+          </a:p>
+          <a:p>
+            <a:endParaRPr lang="fa-IR" dirty="0"/>
+          </a:p>
+        </p:txBody>
+      </p:sp>
+      <p:sp>
+        <p:nvSpPr>
+          <p:cNvPr id="4" name="Footer Placeholder 3"/>
+          <p:cNvSpPr>
+            <a:spLocks noGrp="1"/>
+          </p:cNvSpPr>
+          <p:nvPr>
+            <p:ph type="ftr" sz="quarter" idx="11"/>
+          </p:nvPr>
+        </p:nvSpPr>
+        <p:spPr/>
+        <p:txBody>
+          <a:bodyPr/>
+          <a:lstStyle/>
+          <a:p>
+            <a:pPr>
+              <a:defRPr/>
+            </a:pPr>
+            <a:r>
+              <a:rPr lang="fa-IR" altLang="fa-IR" smtClean="0"/>
+              <a:t>دانشگاه صنعتی اصفهان – دانشکده کامپیوتر</a:t>
+            </a:r>
+            <a:endParaRPr lang="es-ES" altLang="fa-IR" dirty="0"/>
+          </a:p>
+        </p:txBody>
+      </p:sp>
+      <p:sp>
+        <p:nvSpPr>
+          <p:cNvPr id="5" name="Slide Number Placeholder 4"/>
+          <p:cNvSpPr>
+            <a:spLocks noGrp="1"/>
+          </p:cNvSpPr>
+          <p:nvPr>
+            <p:ph type="sldNum" sz="quarter" idx="12"/>
+          </p:nvPr>
+        </p:nvSpPr>
+        <p:spPr/>
+        <p:txBody>
+          <a:bodyPr/>
+          <a:lstStyle/>
+          <a:p>
+            <a:pPr>
+              <a:defRPr/>
+            </a:pPr>
+            <a:fld id="{C5303A1E-C0C3-4A75-A42D-959ACBF920C8}" type="slidenum">
+              <a:rPr lang="es-ES" altLang="fa-IR" smtClean="0"/>
+              <a:pPr>
+                <a:defRPr/>
+              </a:pPr>
+              <a:t>21</a:t>
+            </a:fld>
+            <a:endParaRPr lang="es-ES" altLang="fa-IR" dirty="0"/>
+          </a:p>
+        </p:txBody>
+      </p:sp>
+      <p:pic>
+        <p:nvPicPr>
+          <p:cNvPr id="6" name="Picture 5"/>
+          <p:cNvPicPr>
+            <a:picLocks noChangeAspect="1"/>
+          </p:cNvPicPr>
+          <p:nvPr/>
+        </p:nvPicPr>
+        <p:blipFill>
+          <a:blip r:embed="rId2" cstate="print">
+            <a:extLst>
+              <a:ext uri="{28A0092B-C50C-407E-A947-70E740481C1C}">
+                <a14:useLocalDpi xmlns:a14="http://schemas.microsoft.com/office/drawing/2010/main" val="0"/>
+              </a:ext>
+            </a:extLst>
+          </a:blip>
+          <a:stretch>
+            <a:fillRect/>
+          </a:stretch>
+        </p:blipFill>
+        <p:spPr>
+          <a:xfrm>
+            <a:off x="3099083" y="3068960"/>
+            <a:ext cx="2945834" cy="2945832"/>
+          </a:xfrm>
+          <a:prstGeom prst="rect">
+            <a:avLst/>
+          </a:prstGeom>
+        </p:spPr>
+      </p:pic>
+    </p:spTree>
+    <p:extLst>
+      <p:ext uri="{BB962C8B-B14F-4D97-AF65-F5344CB8AC3E}">
+        <p14:creationId xmlns:p14="http://schemas.microsoft.com/office/powerpoint/2010/main" val="3287231435"/>
+      </p:ext>
+    </p:extLst>
+  </p:cSld>
+  <p:clrMapOvr>
+    <a:masterClrMapping/>
+  </p:clrMapOvr>
+  <mc:AlternateContent xmlns:mc="http://schemas.openxmlformats.org/markup-compatibility/2006" xmlns:p14="http://schemas.microsoft.com/office/powerpoint/2010/main">
+    <mc:Choice Requires="p14">
+      <p:transition spd="slow" p14:dur="800">
+        <p:diamond/>
+      </p:transition>
+    </mc:Choice>
+    <mc:Fallback xmlns="">
+      <p:transition spd="slow">
+        <p:diamond/>
+      </p:transition>
+    </mc:Fallback>
+  </mc:AlternateContent>
+  <p:timing>
+    <p:tnLst>
+      <p:par>
+        <p:cTn id="1" dur="indefinite" restart="never" nodeType="tmRoot">
+          <p:childTnLst>
+            <p:seq concurrent="1" nextAc="seek">
+              <p:cTn id="2" dur="indefinite" nodeType="mainSeq">
+                <p:childTnLst>
+                  <p:par>
+                    <p:cTn id="3" fill="hold">
+                      <p:stCondLst>
+                        <p:cond delay="indefinite"/>
+                        <p:cond evt="onBegin" delay="0">
+                          <p:tn val="2"/>
+                        </p:cond>
+                      </p:stCondLst>
+                      <p:childTnLst>
+                        <p:par>
+                          <p:cTn id="4" fill="hold">
+                            <p:stCondLst>
+                              <p:cond delay="0"/>
+                            </p:stCondLst>
+                            <p:childTnLst>
+                              <p:par>
+                                <p:cTn id="5" presetID="2" presetClass="entr" presetSubtype="2" fill="hold" nodeType="afterEffect">
+                                  <p:stCondLst>
+                                    <p:cond delay="1000"/>
+                                  </p:stCondLst>
+                                  <p:childTnLst>
+                                    <p:set>
+                                      <p:cBhvr>
+                                        <p:cTn id="6" dur="1" fill="hold">
+                                          <p:stCondLst>
+                                            <p:cond delay="0"/>
+                                          </p:stCondLst>
+                                        </p:cTn>
+                                        <p:tgtEl>
+                                          <p:spTgt spid="6"/>
+                                        </p:tgtEl>
+                                        <p:attrNameLst>
+                                          <p:attrName>style.visibility</p:attrName>
+                                        </p:attrNameLst>
+                                      </p:cBhvr>
+                                      <p:to>
+                                        <p:strVal val="visible"/>
+                                      </p:to>
+                                    </p:set>
+                                    <p:anim calcmode="lin" valueType="num">
+                                      <p:cBhvr additive="base">
+                                        <p:cTn id="7" dur="1000" fill="hold"/>
+                                        <p:tgtEl>
+                                          <p:spTgt spid="6"/>
+                                        </p:tgtEl>
+                                        <p:attrNameLst>
+                                          <p:attrName>ppt_x</p:attrName>
+                                        </p:attrNameLst>
+                                      </p:cBhvr>
+                                      <p:tavLst>
+                                        <p:tav tm="0">
+                                          <p:val>
+                                            <p:strVal val="1+#ppt_w/2"/>
+                                          </p:val>
+                                        </p:tav>
+                                        <p:tav tm="100000">
+                                          <p:val>
+                                            <p:strVal val="#ppt_x"/>
+                                          </p:val>
+                                        </p:tav>
+                                      </p:tavLst>
+                                    </p:anim>
+                                    <p:anim calcmode="lin" valueType="num">
+                                      <p:cBhvr additive="base">
+                                        <p:cTn id="8" dur="1000" fill="hold"/>
+                                        <p:tgtEl>
+                                          <p:spTgt spid="6"/>
+                                        </p:tgtEl>
+                                        <p:attrNameLst>
+                                          <p:attrName>ppt_y</p:attrName>
+                                        </p:attrNameLst>
+                                      </p:cBhvr>
+                                      <p:tavLst>
+                                        <p:tav tm="0">
+                                          <p:val>
+                                            <p:strVal val="#ppt_y"/>
+                                          </p:val>
+                                        </p:tav>
+                                        <p:tav tm="100000">
+                                          <p:val>
+                                            <p:strVal val="#ppt_y"/>
+                                          </p:val>
+                                        </p:tav>
+                                      </p:tavLst>
+                                    </p:anim>
+                                  </p:childTnLst>
+                                </p:cTn>
+                              </p:par>
+                            </p:childTnLst>
+                          </p:cTn>
+                        </p:par>
+                      </p:childTnLst>
+                    </p:cTn>
+                  </p:par>
+                </p:childTnLst>
+              </p:cTn>
+              <p:prevCondLst>
+                <p:cond evt="onPrev" delay="0">
+                  <p:tgtEl>
+                    <p:sldTgt/>
+                  </p:tgtEl>
+                </p:cond>
+              </p:prevCondLst>
+              <p:nextCondLst>
+                <p:cond evt="onNext" delay="0">
+                  <p:tgtEl>
+                    <p:sldTgt/>
+                  </p:tgtEl>
+                </p:cond>
+              </p:nextCondLst>
+            </p:seq>
+          </p:childTnLst>
+        </p:cTn>
+      </p:par>
+    </p:tnLst>
+  </p:timing>
+</p:sld>
+</file>
+
+<file path=ppt/slides/slide22.xml><?xml version="1.0" encoding="utf-8"?>
+<p:sld xmlns:a="http://schemas.openxmlformats.org/drawingml/2006/main" xmlns:r="http://schemas.openxmlformats.org/officeDocument/2006/relationships" xmlns:p="http://schemas.openxmlformats.org/presentationml/2006/main">
+  <p:cSld>
+    <p:spTree>
+      <p:nvGrpSpPr>
+        <p:cNvPr id="1" name=""/>
+        <p:cNvGrpSpPr/>
+        <p:nvPr/>
+      </p:nvGrpSpPr>
+      <p:grpSpPr>
+        <a:xfrm>
+          <a:off x="0" y="0"/>
+          <a:ext cx="0" cy="0"/>
+          <a:chOff x="0" y="0"/>
+          <a:chExt cx="0" cy="0"/>
+        </a:xfrm>
+      </p:grpSpPr>
+      <p:sp>
+        <p:nvSpPr>
+          <p:cNvPr id="2" name="Title 1"/>
+          <p:cNvSpPr>
+            <a:spLocks noGrp="1"/>
+          </p:cNvSpPr>
+          <p:nvPr>
+            <p:ph type="title"/>
+          </p:nvPr>
+        </p:nvSpPr>
+        <p:spPr/>
+        <p:txBody>
+          <a:bodyPr/>
+          <a:lstStyle/>
+          <a:p>
+            <a:endParaRPr lang="fa-IR"/>
+          </a:p>
+        </p:txBody>
+      </p:sp>
+      <p:sp>
+        <p:nvSpPr>
+          <p:cNvPr id="3" name="Content Placeholder 2"/>
+          <p:cNvSpPr>
+            <a:spLocks noGrp="1"/>
+          </p:cNvSpPr>
+          <p:nvPr>
+            <p:ph idx="1"/>
+          </p:nvPr>
+        </p:nvSpPr>
+        <p:spPr/>
+        <p:txBody>
+          <a:bodyPr/>
+          <a:lstStyle/>
+          <a:p>
+            <a:pPr>
+              <a:lnSpc>
+                <a:spcPct val="150000"/>
+              </a:lnSpc>
+            </a:pPr>
+            <a:r>
+              <a:rPr lang="fa-IR" dirty="0"/>
+              <a:t>در ششم خرداد ماه ۹۴ اولین هدست واقعیت مجازی مبتنی بر پلتفورم موبایل ساخته شده در ایران طی مراسمی در دانشگاه تهران رونمایی </a:t>
+            </a:r>
+            <a:r>
+              <a:rPr lang="fa-IR" dirty="0" smtClean="0"/>
+              <a:t>شد. </a:t>
+            </a:r>
+            <a:r>
+              <a:rPr lang="fa-IR" dirty="0"/>
+              <a:t>این هدست با نام « فونیکس پلاس » دارای تمامی قابلیت‌های لازم برای نمایش تصاویر و اپلیکیشن‌های واقعیت مجازی بوده و امکان تنظیم </a:t>
+            </a:r>
+            <a:r>
+              <a:rPr lang="fa-IR" dirty="0" smtClean="0"/>
+              <a:t>فاصله ی </a:t>
+            </a:r>
+            <a:r>
+              <a:rPr lang="fa-IR" dirty="0"/>
+              <a:t>عدسی‌ها برای سنین مختلف را </a:t>
+            </a:r>
+            <a:r>
+              <a:rPr lang="fa-IR" dirty="0" smtClean="0"/>
+              <a:t>دارد . </a:t>
+            </a:r>
+            <a:r>
+              <a:rPr lang="fa-IR" dirty="0"/>
+              <a:t>علاوه بر آن دارای سیستم هدایت و کنترل نرم‌افزارها از طریق مگنت که در سمت چپ دستگاه تعبیه شده را دارا </a:t>
+            </a:r>
+            <a:r>
+              <a:rPr lang="fa-IR" dirty="0" smtClean="0"/>
+              <a:t>می‌باشد . این </a:t>
+            </a:r>
+            <a:r>
+              <a:rPr lang="fa-IR" dirty="0"/>
+              <a:t>هدست نسخه پلاستیکی هدست گوگل است و تنها تحت پلتفورم موبایل قابل استفاده </a:t>
+            </a:r>
+            <a:r>
+              <a:rPr lang="fa-IR" dirty="0" smtClean="0"/>
+              <a:t>می‌باشد .</a:t>
+            </a:r>
+            <a:endParaRPr lang="fa-IR" dirty="0"/>
+          </a:p>
+        </p:txBody>
+      </p:sp>
+      <p:sp>
+        <p:nvSpPr>
+          <p:cNvPr id="4" name="Footer Placeholder 3"/>
+          <p:cNvSpPr>
+            <a:spLocks noGrp="1"/>
+          </p:cNvSpPr>
+          <p:nvPr>
+            <p:ph type="ftr" sz="quarter" idx="11"/>
+          </p:nvPr>
+        </p:nvSpPr>
+        <p:spPr/>
+        <p:txBody>
+          <a:bodyPr/>
+          <a:lstStyle/>
+          <a:p>
+            <a:pPr>
+              <a:defRPr/>
+            </a:pPr>
+            <a:r>
+              <a:rPr lang="fa-IR" altLang="fa-IR" smtClean="0"/>
+              <a:t>دانشگاه صنعتی اصفهان – دانشکده کامپیوتر</a:t>
+            </a:r>
+            <a:endParaRPr lang="es-ES" altLang="fa-IR" dirty="0"/>
+          </a:p>
+        </p:txBody>
+      </p:sp>
+      <p:sp>
+        <p:nvSpPr>
+          <p:cNvPr id="5" name="Slide Number Placeholder 4"/>
+          <p:cNvSpPr>
+            <a:spLocks noGrp="1"/>
+          </p:cNvSpPr>
+          <p:nvPr>
+            <p:ph type="sldNum" sz="quarter" idx="12"/>
+          </p:nvPr>
+        </p:nvSpPr>
+        <p:spPr/>
+        <p:txBody>
+          <a:bodyPr/>
+          <a:lstStyle/>
+          <a:p>
+            <a:pPr>
+              <a:defRPr/>
+            </a:pPr>
+            <a:fld id="{C5303A1E-C0C3-4A75-A42D-959ACBF920C8}" type="slidenum">
+              <a:rPr lang="es-ES" altLang="fa-IR" smtClean="0"/>
+              <a:pPr>
+                <a:defRPr/>
+              </a:pPr>
+              <a:t>22</a:t>
+            </a:fld>
+            <a:endParaRPr lang="es-ES" altLang="fa-IR" dirty="0"/>
+          </a:p>
+        </p:txBody>
+      </p:sp>
+    </p:spTree>
+    <p:extLst>
+      <p:ext uri="{BB962C8B-B14F-4D97-AF65-F5344CB8AC3E}">
+        <p14:creationId xmlns:p14="http://schemas.microsoft.com/office/powerpoint/2010/main" val="580077082"/>
+      </p:ext>
+    </p:extLst>
+  </p:cSld>
+  <p:clrMapOvr>
+    <a:masterClrMapping/>
+  </p:clrMapOvr>
+  <mc:AlternateContent xmlns:mc="http://schemas.openxmlformats.org/markup-compatibility/2006" xmlns:p14="http://schemas.microsoft.com/office/powerpoint/2010/main">
+    <mc:Choice Requires="p14">
+      <p:transition spd="slow" p14:dur="800">
+        <p:diamond/>
+      </p:transition>
+    </mc:Choice>
+    <mc:Fallback xmlns="">
+      <p:transition spd="slow">
+        <p:diamond/>
+      </p:transition>
+    </mc:Fallback>
+  </mc:AlternateContent>
+  <p:timing>
+    <p:tnLst>
+      <p:par>
+        <p:cTn id="1" dur="indefinite" restart="never" nodeType="tmRoot"/>
+      </p:par>
+    </p:tnLst>
+  </p:timing>
+</p:sld>
+</file>
+
+<file path=ppt/slides/slide23.xml><?xml version="1.0" encoding="utf-8"?>
+<p:sld xmlns:a="http://schemas.openxmlformats.org/drawingml/2006/main" xmlns:r="http://schemas.openxmlformats.org/officeDocument/2006/relationships" xmlns:p="http://schemas.openxmlformats.org/presentationml/2006/main">
+  <p:cSld>
+    <p:spTree>
+      <p:nvGrpSpPr>
+        <p:cNvPr id="1" name=""/>
+        <p:cNvGrpSpPr/>
+        <p:nvPr/>
+      </p:nvGrpSpPr>
+      <p:grpSpPr>
+        <a:xfrm>
+          <a:off x="0" y="0"/>
+          <a:ext cx="0" cy="0"/>
+          <a:chOff x="0" y="0"/>
+          <a:chExt cx="0" cy="0"/>
+        </a:xfrm>
+      </p:grpSpPr>
+      <p:sp>
+        <p:nvSpPr>
+          <p:cNvPr id="2" name="Title 1"/>
+          <p:cNvSpPr>
+            <a:spLocks noGrp="1"/>
+          </p:cNvSpPr>
+          <p:nvPr>
+            <p:ph type="title"/>
+          </p:nvPr>
+        </p:nvSpPr>
+        <p:spPr/>
+        <p:txBody>
+          <a:bodyPr/>
+          <a:lstStyle/>
+          <a:p>
+            <a:endParaRPr lang="fa-IR"/>
+          </a:p>
+        </p:txBody>
+      </p:sp>
+      <p:sp>
+        <p:nvSpPr>
+          <p:cNvPr id="3" name="Content Placeholder 2"/>
+          <p:cNvSpPr>
+            <a:spLocks noGrp="1"/>
+          </p:cNvSpPr>
+          <p:nvPr>
+            <p:ph idx="1"/>
+          </p:nvPr>
+        </p:nvSpPr>
+        <p:spPr/>
+        <p:txBody>
+          <a:bodyPr/>
+          <a:lstStyle/>
+          <a:p>
+            <a:r>
+              <a:rPr lang="fa-IR" dirty="0">
+                <a:solidFill>
+                  <a:srgbClr val="00B0F0"/>
+                </a:solidFill>
+              </a:rPr>
+              <a:t>واقعیت </a:t>
+            </a:r>
+            <a:r>
+              <a:rPr lang="fa-IR" dirty="0" smtClean="0">
+                <a:solidFill>
+                  <a:srgbClr val="00B0F0"/>
+                </a:solidFill>
+              </a:rPr>
+              <a:t>مجازی</a:t>
+            </a:r>
+            <a:r>
+              <a:rPr lang="en-US" dirty="0" smtClean="0">
+                <a:solidFill>
+                  <a:srgbClr val="00B0F0"/>
+                </a:solidFill>
+              </a:rPr>
+              <a:t> </a:t>
+            </a:r>
+            <a:r>
+              <a:rPr lang="en-US" dirty="0" smtClean="0">
+                <a:solidFill>
+                  <a:srgbClr val="00B0F0"/>
+                </a:solidFill>
+                <a:latin typeface="Comic Sans MS" panose="030F0702030302020204" pitchFamily="66" charset="0"/>
+              </a:rPr>
+              <a:t>SM </a:t>
+            </a:r>
+            <a:r>
+              <a:rPr lang="en-US" dirty="0">
+                <a:solidFill>
+                  <a:srgbClr val="00B0F0"/>
+                </a:solidFill>
+                <a:latin typeface="Comic Sans MS" panose="030F0702030302020204" pitchFamily="66" charset="0"/>
+              </a:rPr>
+              <a:t>VR </a:t>
+            </a:r>
+            <a:r>
+              <a:rPr lang="fa-IR" dirty="0"/>
+              <a:t>سازنده عینک مقوایی واقعیت مجازی (الهام گرفته شده از گوگل کاردبرد) در ایران می‌باشد که اولین سری از محصولات خود را شهریور ماه سال ۹۴ وارد بازار ایران نموده </a:t>
+            </a:r>
+            <a:r>
+              <a:rPr lang="fa-IR" dirty="0" smtClean="0"/>
+              <a:t>است ، </a:t>
+            </a:r>
+            <a:r>
+              <a:rPr lang="fa-IR" dirty="0"/>
+              <a:t>که مجهز به تگ </a:t>
+            </a:r>
+            <a:r>
+              <a:rPr lang="en-US" dirty="0" smtClean="0"/>
+              <a:t> </a:t>
+            </a:r>
+            <a:r>
+              <a:rPr lang="en-US" dirty="0" smtClean="0">
+                <a:latin typeface="Comic Sans MS" panose="030F0702030302020204" pitchFamily="66" charset="0"/>
+              </a:rPr>
+              <a:t>NFC</a:t>
+            </a:r>
+            <a:r>
+              <a:rPr lang="fa-IR" dirty="0" smtClean="0"/>
+              <a:t>نیز می‌باشد .</a:t>
+            </a:r>
+          </a:p>
+          <a:p>
+            <a:endParaRPr lang="fa-IR" dirty="0" smtClean="0"/>
+          </a:p>
+          <a:p>
+            <a:r>
+              <a:rPr lang="fa-IR" dirty="0" smtClean="0">
+                <a:solidFill>
+                  <a:srgbClr val="00B0F0"/>
+                </a:solidFill>
+              </a:rPr>
+              <a:t>شرکت کدکم ایران ( </a:t>
+            </a:r>
+            <a:r>
+              <a:rPr lang="en-US" dirty="0" err="1">
+                <a:solidFill>
+                  <a:srgbClr val="00B0F0"/>
+                </a:solidFill>
+                <a:latin typeface="Comic Sans MS" panose="030F0702030302020204" pitchFamily="66" charset="0"/>
+              </a:rPr>
+              <a:t>CadCam</a:t>
+            </a:r>
+            <a:r>
+              <a:rPr lang="en-US" dirty="0">
+                <a:solidFill>
+                  <a:srgbClr val="00B0F0"/>
+                </a:solidFill>
+                <a:latin typeface="Comic Sans MS" panose="030F0702030302020204" pitchFamily="66" charset="0"/>
+              </a:rPr>
+              <a:t> </a:t>
+            </a:r>
+            <a:r>
+              <a:rPr lang="en-US" dirty="0" smtClean="0">
+                <a:solidFill>
+                  <a:srgbClr val="00B0F0"/>
+                </a:solidFill>
+                <a:latin typeface="Comic Sans MS" panose="030F0702030302020204" pitchFamily="66" charset="0"/>
+              </a:rPr>
+              <a:t>Iran</a:t>
+            </a:r>
+            <a:r>
+              <a:rPr lang="fa-IR" dirty="0" smtClean="0">
+                <a:solidFill>
+                  <a:srgbClr val="00B0F0"/>
+                </a:solidFill>
+                <a:latin typeface="Comic Sans MS" panose="030F0702030302020204" pitchFamily="66" charset="0"/>
+              </a:rPr>
+              <a:t> ) </a:t>
+            </a:r>
+            <a:r>
+              <a:rPr lang="fa-IR" dirty="0" smtClean="0"/>
+              <a:t>در </a:t>
+            </a:r>
+            <a:r>
+              <a:rPr lang="fa-IR" dirty="0"/>
+              <a:t>سال ۱۳۸۹ اولین مرکز واقعیت مجازی ایران را در مدیریت اکتشاف </a:t>
+            </a:r>
+            <a:r>
+              <a:rPr lang="fa-IR" dirty="0" smtClean="0"/>
+              <a:t>- شرکت </a:t>
+            </a:r>
+            <a:r>
+              <a:rPr lang="fa-IR" dirty="0"/>
+              <a:t>ملی نفت ایران طراحی و پیاده‌سازی </a:t>
+            </a:r>
+            <a:r>
+              <a:rPr lang="fa-IR" dirty="0" smtClean="0"/>
+              <a:t>نمود . </a:t>
+            </a:r>
+            <a:r>
+              <a:rPr lang="fa-IR" dirty="0"/>
+              <a:t>این شرکت در حال حاضر (۱۳۹۴) سرگرم ایجاد چنین مرکزی در مرکز تحقیقات و نوآوری صنایع خودرو سایپا </a:t>
+            </a:r>
+            <a:r>
+              <a:rPr lang="fa-IR" dirty="0" smtClean="0"/>
+              <a:t>می‌باشد . </a:t>
+            </a:r>
+            <a:endParaRPr lang="fa-IR" dirty="0"/>
+          </a:p>
+        </p:txBody>
+      </p:sp>
+      <p:sp>
+        <p:nvSpPr>
+          <p:cNvPr id="4" name="Footer Placeholder 3"/>
+          <p:cNvSpPr>
+            <a:spLocks noGrp="1"/>
+          </p:cNvSpPr>
+          <p:nvPr>
+            <p:ph type="ftr" sz="quarter" idx="11"/>
+          </p:nvPr>
+        </p:nvSpPr>
+        <p:spPr/>
+        <p:txBody>
+          <a:bodyPr/>
+          <a:lstStyle/>
+          <a:p>
+            <a:pPr>
+              <a:defRPr/>
+            </a:pPr>
+            <a:r>
+              <a:rPr lang="fa-IR" altLang="fa-IR" smtClean="0"/>
+              <a:t>دانشگاه صنعتی اصفهان – دانشکده کامپیوتر</a:t>
+            </a:r>
+            <a:endParaRPr lang="es-ES" altLang="fa-IR" dirty="0"/>
+          </a:p>
+        </p:txBody>
+      </p:sp>
+      <p:sp>
+        <p:nvSpPr>
+          <p:cNvPr id="5" name="Slide Number Placeholder 4"/>
+          <p:cNvSpPr>
+            <a:spLocks noGrp="1"/>
+          </p:cNvSpPr>
+          <p:nvPr>
+            <p:ph type="sldNum" sz="quarter" idx="12"/>
+          </p:nvPr>
+        </p:nvSpPr>
+        <p:spPr/>
+        <p:txBody>
+          <a:bodyPr/>
+          <a:lstStyle/>
+          <a:p>
+            <a:pPr>
+              <a:defRPr/>
+            </a:pPr>
+            <a:fld id="{C5303A1E-C0C3-4A75-A42D-959ACBF920C8}" type="slidenum">
+              <a:rPr lang="es-ES" altLang="fa-IR" smtClean="0"/>
+              <a:pPr>
+                <a:defRPr/>
+              </a:pPr>
+              <a:t>23</a:t>
+            </a:fld>
+            <a:endParaRPr lang="es-ES" altLang="fa-IR" dirty="0"/>
+          </a:p>
+        </p:txBody>
+      </p:sp>
+    </p:spTree>
+    <p:extLst>
+      <p:ext uri="{BB962C8B-B14F-4D97-AF65-F5344CB8AC3E}">
+        <p14:creationId xmlns:p14="http://schemas.microsoft.com/office/powerpoint/2010/main" val="142985503"/>
+      </p:ext>
+    </p:extLst>
   </p:cSld>
   <p:clrMapOvr>
     <a:masterClrMapping/>
@@ -7312,41 +11635,35 @@
       </p:grpSpPr>
       <p:sp>
         <p:nvSpPr>
-          <p:cNvPr id="5122" name="Rectangle 2"/>
-          <p:cNvSpPr>
-            <a:spLocks noGrp="1" noChangeArrowheads="1"/>
+          <p:cNvPr id="2" name="Title 1"/>
+          <p:cNvSpPr>
+            <a:spLocks noGrp="1"/>
           </p:cNvSpPr>
           <p:nvPr>
             <p:ph type="title"/>
           </p:nvPr>
         </p:nvSpPr>
-        <p:spPr>
-          <a:xfrm>
-            <a:off x="395288" y="188913"/>
-            <a:ext cx="8229600" cy="981075"/>
-          </a:xfrm>
-        </p:spPr>
+        <p:spPr/>
         <p:txBody>
           <a:bodyPr/>
           <a:lstStyle/>
           <a:p>
-            <a:pPr eaLnBrk="1" hangingPunct="1"/>
             <a:r>
               <a:rPr lang="fa-IR" dirty="0" smtClean="0"/>
-              <a:t>چیستی واقعیت مجازی</a:t>
-            </a:r>
-            <a:endParaRPr lang="fa-IR" altLang="fa-IR" dirty="0" smtClean="0"/>
-          </a:p>
-        </p:txBody>
-      </p:sp>
-      <p:sp>
-        <p:nvSpPr>
-          <p:cNvPr id="5123" name="Rectangle 3"/>
-          <p:cNvSpPr>
-            <a:spLocks noGrp="1" noChangeArrowheads="1"/>
-          </p:cNvSpPr>
-          <p:nvPr>
-            <p:ph type="body" idx="1"/>
+              <a:t>تعریف و معنای لفظی</a:t>
+            </a:r>
+            <a:endParaRPr lang="fa-IR" dirty="0"/>
+          </a:p>
+        </p:txBody>
+      </p:sp>
+      <p:sp>
+        <p:nvSpPr>
+          <p:cNvPr id="3" name="Content Placeholder 2"/>
+          <p:cNvSpPr>
+            <a:spLocks noGrp="1"/>
+          </p:cNvSpPr>
+          <p:nvPr>
+            <p:ph idx="1"/>
           </p:nvPr>
         </p:nvSpPr>
         <p:spPr/>
@@ -7355,8 +11672,62 @@
           <a:lstStyle/>
           <a:p>
             <a:r>
+              <a:rPr lang="fa-IR" dirty="0"/>
+              <a:t>معنای </a:t>
+            </a:r>
+            <a:r>
               <a:rPr lang="fa-IR" dirty="0" smtClean="0"/>
-              <a:t>واقعیت مجازی یک تکنولوژی و فناوری نوین است که به کاربر امکان می‌دهد تا با یک محیط شبیه‌سازی رایانه‌ای اندرکنش یا تعامل داشته باشد. </a:t>
+              <a:t>« واقعیت مجازی » </a:t>
+            </a:r>
+            <a:r>
+              <a:rPr lang="fa-IR" dirty="0"/>
+              <a:t>همانطور که پیداست از دو کلمه </a:t>
+            </a:r>
+            <a:r>
+              <a:rPr lang="fa-IR" dirty="0" smtClean="0"/>
+              <a:t>« واقعیت » </a:t>
+            </a:r>
+            <a:r>
+              <a:rPr lang="fa-IR" dirty="0"/>
+              <a:t>و </a:t>
+            </a:r>
+            <a:r>
+              <a:rPr lang="fa-IR" dirty="0" smtClean="0"/>
+              <a:t>« مجازی » </a:t>
+            </a:r>
+            <a:r>
+              <a:rPr lang="fa-IR" dirty="0"/>
+              <a:t>می </a:t>
+            </a:r>
+            <a:r>
+              <a:rPr lang="fa-IR" dirty="0" smtClean="0"/>
+              <a:t>آید . به </a:t>
+            </a:r>
+            <a:r>
+              <a:rPr lang="fa-IR" dirty="0"/>
+              <a:t>این معنی که به وسیله واقعیت مجازی تجربیات انسانی را که واقعی هستند به صورت مجازی و ملموس برای انسان شبیه سازی می </a:t>
+            </a:r>
+            <a:r>
+              <a:rPr lang="fa-IR" dirty="0" smtClean="0"/>
+              <a:t>شود . </a:t>
+            </a:r>
+          </a:p>
+          <a:p>
+            <a:r>
+              <a:rPr lang="fa-IR" dirty="0"/>
+              <a:t>مریخ </a:t>
+            </a:r>
+            <a:r>
+              <a:rPr lang="fa-IR" dirty="0" smtClean="0"/>
+              <a:t>، </a:t>
+            </a:r>
+            <a:r>
+              <a:rPr lang="fa-IR" dirty="0"/>
+              <a:t>اقیانوس ها همراه دلفین ها </a:t>
+            </a:r>
+            <a:r>
+              <a:rPr lang="fa-IR" dirty="0" smtClean="0"/>
+              <a:t>شنا کردن ...  </a:t>
             </a:r>
           </a:p>
           <a:p>
@@ -7365,27 +11736,65 @@
           <a:p>
             <a:r>
               <a:rPr lang="fa-IR" dirty="0" smtClean="0"/>
-              <a:t>بیشتر محیط‌های واقعیت مجازی تجهیزاتی برای اندرکنش تصویری انسان با رایانه هستند اما گروه محدودی نیز دارای حسگرهایی صوتی یا لمسی برای تعامل با کاربر هستند .... </a:t>
-            </a:r>
-          </a:p>
-          <a:p>
-            <a:endParaRPr lang="fa-IR" dirty="0" smtClean="0"/>
-          </a:p>
-          <a:p>
+              <a:t>با </a:t>
+            </a:r>
             <a:r>
               <a:rPr lang="fa-IR" dirty="0"/>
-              <a:t>نوع دیگری از واقعیت مجازی وجود دارد که توسط تصاویر پانورامای ۳۶۰ درجه ایجاد می‌شود و در واقع واقعیتی از آنچه هستیم را برای دیگران به نمایش </a:t>
+              <a:t>استفاده از اطلاعات از پیش </a:t>
             </a:r>
             <a:r>
               <a:rPr lang="fa-IR" dirty="0" smtClean="0"/>
-              <a:t>می‌گذارد . </a:t>
-            </a:r>
-          </a:p>
-        </p:txBody>
-      </p:sp>
-      <p:sp>
-        <p:nvSpPr>
-          <p:cNvPr id="2" name="Footer Placeholder 1"/>
+              <a:t>تعیین شده و ایجاد کردن احساساتی </a:t>
+            </a:r>
+            <a:r>
+              <a:rPr lang="fa-IR" dirty="0"/>
+              <a:t>قابل پیشبینی </a:t>
+            </a:r>
+            <a:r>
+              <a:rPr lang="fa-IR" dirty="0" smtClean="0"/>
+              <a:t>در انسان ، می توان </a:t>
+            </a:r>
+            <a:r>
+              <a:rPr lang="fa-IR" dirty="0"/>
+              <a:t>یک محیط با شرایط محیطی و احساسی مشخصی را برای انسان شبیه سازی </a:t>
+            </a:r>
+            <a:r>
+              <a:rPr lang="fa-IR" dirty="0" smtClean="0"/>
+              <a:t>کرد . </a:t>
+            </a:r>
+          </a:p>
+          <a:p>
+            <a:endParaRPr lang="fa-IR" dirty="0"/>
+          </a:p>
+          <a:p>
+            <a:r>
+              <a:rPr lang="fa-IR" dirty="0" smtClean="0"/>
+              <a:t>به </a:t>
+            </a:r>
+            <a:r>
+              <a:rPr lang="fa-IR" dirty="0"/>
+              <a:t>طور خلاصه واقعیت مجازی همان کنترل احساسات آدمی به وسیله رایانه برای شبیه سازی یک محیط </a:t>
+            </a:r>
+            <a:r>
+              <a:rPr lang="fa-IR" dirty="0" smtClean="0"/>
+              <a:t>است .</a:t>
+            </a:r>
+            <a:endParaRPr lang="en-US" dirty="0"/>
+          </a:p>
+          <a:p>
+            <a:endParaRPr lang="en-US" dirty="0"/>
+          </a:p>
+          <a:p>
+            <a:endParaRPr lang="en-US" dirty="0"/>
+          </a:p>
+          <a:p>
+            <a:endParaRPr lang="fa-IR" dirty="0"/>
+          </a:p>
+        </p:txBody>
+      </p:sp>
+      <p:sp>
+        <p:nvSpPr>
+          <p:cNvPr id="4" name="Footer Placeholder 3"/>
           <p:cNvSpPr>
             <a:spLocks noGrp="1"/>
           </p:cNvSpPr>
@@ -7411,7 +11820,7 @@
       </p:sp>
       <p:sp>
         <p:nvSpPr>
-          <p:cNvPr id="3" name="Slide Number Placeholder 2"/>
+          <p:cNvPr id="5" name="Slide Number Placeholder 4"/>
           <p:cNvSpPr>
             <a:spLocks noGrp="1"/>
           </p:cNvSpPr>
@@ -7439,6 +11848,11 @@
         </p:txBody>
       </p:sp>
     </p:spTree>
+    <p:extLst>
+      <p:ext uri="{BB962C8B-B14F-4D97-AF65-F5344CB8AC3E}">
+        <p14:creationId xmlns:p14="http://schemas.microsoft.com/office/powerpoint/2010/main" val="173603528"/>
+      </p:ext>
+    </p:extLst>
   </p:cSld>
   <p:clrMapOvr>
     <a:masterClrMapping/>
@@ -7484,31 +11898,41 @@
       </p:grpSpPr>
       <p:sp>
         <p:nvSpPr>
-          <p:cNvPr id="2" name="Title 1"/>
-          <p:cNvSpPr>
-            <a:spLocks noGrp="1"/>
+          <p:cNvPr id="5122" name="Rectangle 2"/>
+          <p:cNvSpPr>
+            <a:spLocks noGrp="1" noChangeArrowheads="1"/>
           </p:cNvSpPr>
           <p:nvPr>
             <p:ph type="title"/>
           </p:nvPr>
         </p:nvSpPr>
-        <p:spPr/>
+        <p:spPr>
+          <a:xfrm>
+            <a:off x="395288" y="188913"/>
+            <a:ext cx="8229600" cy="981075"/>
+          </a:xfrm>
+        </p:spPr>
         <p:txBody>
           <a:bodyPr/>
           <a:lstStyle/>
           <a:p>
-            <a:endParaRPr lang="fa-IR"/>
-          </a:p>
-        </p:txBody>
-      </p:sp>
-      <p:sp>
-        <p:nvSpPr>
-          <p:cNvPr id="3" name="Content Placeholder 2"/>
-          <p:cNvSpPr>
-            <a:spLocks noGrp="1"/>
-          </p:cNvSpPr>
-          <p:nvPr>
-            <p:ph idx="1"/>
+            <a:pPr eaLnBrk="1" hangingPunct="1"/>
+            <a:r>
+              <a:rPr lang="fa-IR" dirty="0" smtClean="0"/>
+              <a:t>چیستی واقعیت مجازی</a:t>
+            </a:r>
+            <a:endParaRPr lang="fa-IR" altLang="fa-IR" dirty="0" smtClean="0"/>
+          </a:p>
+        </p:txBody>
+      </p:sp>
+      <p:sp>
+        <p:nvSpPr>
+          <p:cNvPr id="5123" name="Rectangle 3"/>
+          <p:cNvSpPr>
+            <a:spLocks noGrp="1" noChangeArrowheads="1"/>
+          </p:cNvSpPr>
+          <p:nvPr>
+            <p:ph type="body" idx="1"/>
           </p:nvPr>
         </p:nvSpPr>
         <p:spPr/>
@@ -7518,7 +11942,7 @@
           <a:p>
             <a:r>
               <a:rPr lang="fa-IR" dirty="0" smtClean="0"/>
-              <a:t>همچنین واقعیت مجازی محیط های ارتباط از راه دور را پوشش می دهد . </a:t>
+              <a:t>واقعیت مجازی یک تکنولوژی و فناوری نوین است که به کاربر امکان می‌دهد تا با یک محیط شبیه‌سازی رایانه‌ای اندرکنش یا تعامل داشته باشد. </a:t>
             </a:r>
           </a:p>
           <a:p>
@@ -7527,7 +11951,7 @@
           <a:p>
             <a:r>
               <a:rPr lang="fa-IR" dirty="0" smtClean="0"/>
-              <a:t>همانند محیط واقعی و یا کاملا متفاوت ... </a:t>
+              <a:t>بیشتر محیط‌های واقعیت مجازی تجهیزاتی برای اندرکنش تصویری انسان با رایانه هستند اما گروه محدودی نیز دارای حسگرهایی صوتی یا لمسی برای تعامل با کاربر هستند .... </a:t>
             </a:r>
           </a:p>
           <a:p>
@@ -7535,21 +11959,19 @@
           </a:p>
           <a:p>
             <a:r>
+              <a:rPr lang="fa-IR" dirty="0"/>
+              <a:t>نوع دیگری از واقعیت مجازی وجود دارد که توسط تصاویر پانورامای ۳۶۰ درجه ایجاد می‌شود و در واقع واقعیتی از آنچه هستیم را برای دیگران به نمایش </a:t>
+            </a:r>
+            <a:r>
               <a:rPr lang="fa-IR" dirty="0" smtClean="0"/>
-              <a:t>تلاش بشر برای برداشتن مرزهای بین فضای واقعی و فضای مجازی : سال هاست که محققین به دنبال راهی برای ادغام کردن فضای مجازی و فضای واقعی هستند ...</a:t>
-            </a:r>
-          </a:p>
-          <a:p>
-            <a:endParaRPr lang="fa-IR" altLang="fa-IR" dirty="0" smtClean="0"/>
-          </a:p>
-          <a:p>
-            <a:endParaRPr lang="fa-IR" dirty="0"/>
-          </a:p>
-        </p:txBody>
-      </p:sp>
-      <p:sp>
-        <p:nvSpPr>
-          <p:cNvPr id="4" name="Footer Placeholder 3"/>
+              <a:t>می‌گذارد . </a:t>
+            </a:r>
+          </a:p>
+        </p:txBody>
+      </p:sp>
+      <p:sp>
+        <p:nvSpPr>
+          <p:cNvPr id="2" name="Footer Placeholder 1"/>
           <p:cNvSpPr>
             <a:spLocks noGrp="1"/>
           </p:cNvSpPr>
@@ -7575,7 +11997,7 @@
       </p:sp>
       <p:sp>
         <p:nvSpPr>
-          <p:cNvPr id="5" name="Slide Number Placeholder 4"/>
+          <p:cNvPr id="3" name="Slide Number Placeholder 2"/>
           <p:cNvSpPr>
             <a:spLocks noGrp="1"/>
           </p:cNvSpPr>
@@ -7597,6 +12019,170 @@
                 <a:defRPr/>
               </a:pPr>
               <a:t>5</a:t>
+            </a:fld>
+            <a:endParaRPr lang="es-ES" altLang="fa-IR" dirty="0"/>
+          </a:p>
+        </p:txBody>
+      </p:sp>
+    </p:spTree>
+  </p:cSld>
+  <p:clrMapOvr>
+    <a:masterClrMapping/>
+  </p:clrMapOvr>
+  <mc:AlternateContent xmlns:mc="http://schemas.openxmlformats.org/markup-compatibility/2006" xmlns:p14="http://schemas.microsoft.com/office/powerpoint/2010/main">
+    <mc:Choice Requires="p14">
+      <p:transition spd="slow" p14:dur="800">
+        <p:diamond/>
+      </p:transition>
+    </mc:Choice>
+    <mc:Fallback xmlns="">
+      <p:transition spd="slow">
+        <p:diamond/>
+      </p:transition>
+    </mc:Fallback>
+  </mc:AlternateContent>
+  <p:timing>
+    <p:tnLst>
+      <p:par>
+        <p:cTn id="1" dur="indefinite" restart="never" nodeType="tmRoot"/>
+      </p:par>
+    </p:tnLst>
+  </p:timing>
+</p:sld>
+</file>
+
+<file path=ppt/slides/slide6.xml><?xml version="1.0" encoding="utf-8"?>
+<p:sld xmlns:a="http://schemas.openxmlformats.org/drawingml/2006/main" xmlns:r="http://schemas.openxmlformats.org/officeDocument/2006/relationships" xmlns:p="http://schemas.openxmlformats.org/presentationml/2006/main">
+  <p:cSld>
+    <p:spTree>
+      <p:nvGrpSpPr>
+        <p:cNvPr id="1" name=""/>
+        <p:cNvGrpSpPr/>
+        <p:nvPr/>
+      </p:nvGrpSpPr>
+      <p:grpSpPr>
+        <a:xfrm>
+          <a:off x="0" y="0"/>
+          <a:ext cx="0" cy="0"/>
+          <a:chOff x="0" y="0"/>
+          <a:chExt cx="0" cy="0"/>
+        </a:xfrm>
+      </p:grpSpPr>
+      <p:sp>
+        <p:nvSpPr>
+          <p:cNvPr id="2" name="Title 1"/>
+          <p:cNvSpPr>
+            <a:spLocks noGrp="1"/>
+          </p:cNvSpPr>
+          <p:nvPr>
+            <p:ph type="title"/>
+          </p:nvPr>
+        </p:nvSpPr>
+        <p:spPr/>
+        <p:txBody>
+          <a:bodyPr/>
+          <a:lstStyle/>
+          <a:p>
+            <a:endParaRPr lang="fa-IR"/>
+          </a:p>
+        </p:txBody>
+      </p:sp>
+      <p:sp>
+        <p:nvSpPr>
+          <p:cNvPr id="3" name="Content Placeholder 2"/>
+          <p:cNvSpPr>
+            <a:spLocks noGrp="1"/>
+          </p:cNvSpPr>
+          <p:nvPr>
+            <p:ph idx="1"/>
+          </p:nvPr>
+        </p:nvSpPr>
+        <p:spPr/>
+        <p:txBody>
+          <a:bodyPr/>
+          <a:lstStyle/>
+          <a:p>
+            <a:r>
+              <a:rPr lang="fa-IR" dirty="0" smtClean="0"/>
+              <a:t>همچنین واقعیت مجازی محیط های ارتباط از راه دور را پوشش می دهد . </a:t>
+            </a:r>
+          </a:p>
+          <a:p>
+            <a:endParaRPr lang="fa-IR" dirty="0" smtClean="0"/>
+          </a:p>
+          <a:p>
+            <a:r>
+              <a:rPr lang="fa-IR" dirty="0" smtClean="0"/>
+              <a:t>همانند محیط واقعی و یا کاملا متفاوت ... </a:t>
+            </a:r>
+          </a:p>
+          <a:p>
+            <a:endParaRPr lang="fa-IR" dirty="0" smtClean="0"/>
+          </a:p>
+          <a:p>
+            <a:r>
+              <a:rPr lang="fa-IR" dirty="0" smtClean="0"/>
+              <a:t>تلاش بشر برای برداشتن مرزهای بین فضای واقعی و فضای مجازی : سال هاست که محققین به دنبال راهی برای ادغام کردن فضای مجازی و فضای واقعی هستند ...</a:t>
+            </a:r>
+          </a:p>
+          <a:p>
+            <a:endParaRPr lang="fa-IR" altLang="fa-IR" dirty="0" smtClean="0"/>
+          </a:p>
+          <a:p>
+            <a:endParaRPr lang="fa-IR" dirty="0"/>
+          </a:p>
+        </p:txBody>
+      </p:sp>
+      <p:sp>
+        <p:nvSpPr>
+          <p:cNvPr id="4" name="Footer Placeholder 3"/>
+          <p:cNvSpPr>
+            <a:spLocks noGrp="1"/>
+          </p:cNvSpPr>
+          <p:nvPr>
+            <p:ph type="ftr" sz="quarter" idx="11"/>
+          </p:nvPr>
+        </p:nvSpPr>
+        <p:spPr/>
+        <p:txBody>
+          <a:bodyPr/>
+          <a:lstStyle/>
+          <a:p>
+            <a:pPr>
+              <a:defRPr/>
+            </a:pPr>
+            <a:r>
+              <a:rPr lang="fa-IR" altLang="fa-IR" smtClean="0"/>
+              <a:t>دانشگاه صنعتی اصفهان – دانشکده کامپیوتر</a:t>
+            </a:r>
+            <a:endParaRPr lang="es-ES" altLang="fa-IR" dirty="0"/>
+          </a:p>
+        </p:txBody>
+      </p:sp>
+      <p:sp>
+        <p:nvSpPr>
+          <p:cNvPr id="5" name="Slide Number Placeholder 4"/>
+          <p:cNvSpPr>
+            <a:spLocks noGrp="1"/>
+          </p:cNvSpPr>
+          <p:nvPr>
+            <p:ph type="sldNum" sz="quarter" idx="12"/>
+          </p:nvPr>
+        </p:nvSpPr>
+        <p:spPr/>
+        <p:txBody>
+          <a:bodyPr/>
+          <a:lstStyle/>
+          <a:p>
+            <a:pPr>
+              <a:defRPr/>
+            </a:pPr>
+            <a:fld id="{C5303A1E-C0C3-4A75-A42D-959ACBF920C8}" type="slidenum">
+              <a:rPr lang="es-ES" altLang="fa-IR" smtClean="0"/>
+              <a:pPr>
+                <a:defRPr/>
+              </a:pPr>
+              <a:t>6</a:t>
             </a:fld>
             <a:endParaRPr lang="es-ES" altLang="fa-IR" dirty="0"/>
           </a:p>
@@ -7634,7 +12220,7 @@
 </p:sld>
 </file>
 
-<file path=ppt/slides/slide6.xml><?xml version="1.0" encoding="utf-8"?>
+<file path=ppt/slides/slide7.xml><?xml version="1.0" encoding="utf-8"?>
 <p:sld xmlns:a="http://schemas.openxmlformats.org/drawingml/2006/main" xmlns:r="http://schemas.openxmlformats.org/officeDocument/2006/relationships" xmlns:p="http://schemas.openxmlformats.org/presentationml/2006/main">
   <p:cSld>
     <p:spTree>
@@ -7804,7 +12390,7 @@
               <a:pPr>
                 <a:defRPr/>
               </a:pPr>
-              <a:t>6</a:t>
+              <a:t>7</a:t>
             </a:fld>
             <a:endParaRPr lang="es-ES" altLang="fa-IR" dirty="0"/>
           </a:p>
@@ -7967,7 +12553,7 @@
 </p:sld>
 </file>
 
-<file path=ppt/slides/slide7.xml><?xml version="1.0" encoding="utf-8"?>
+<file path=ppt/slides/slide8.xml><?xml version="1.0" encoding="utf-8"?>
 <p:sld xmlns:a="http://schemas.openxmlformats.org/drawingml/2006/main" xmlns:r="http://schemas.openxmlformats.org/officeDocument/2006/relationships" xmlns:p="http://schemas.openxmlformats.org/presentationml/2006/main">
   <p:cSld>
     <p:spTree>
@@ -8001,7 +12587,7 @@
           <a:p>
             <a:r>
               <a:rPr lang="fa-IR" dirty="0" smtClean="0"/>
-              <a:t>نرم افزار های واقعیت مجازی</a:t>
+              <a:t>ویژگی ها</a:t>
             </a:r>
             <a:endParaRPr lang="fa-IR" dirty="0"/>
           </a:p>
@@ -8023,26 +12609,44 @@
           <a:lstStyle/>
           <a:p>
             <a:r>
-              <a:rPr lang="fa-IR" dirty="0"/>
-              <a:t>تا ماه ژوئیه ۲۰۱۴ بیش از ۵۰۰ اپلیکیشن برای سیستم عامل اندروید و بیش از ۸۰ اپلیکیشن </a:t>
-            </a:r>
-            <a:r>
-              <a:rPr lang="en-US" dirty="0" smtClean="0">
-                <a:latin typeface="Comic Sans MS" panose="030F0702030302020204" pitchFamily="66" charset="0"/>
-              </a:rPr>
-              <a:t>iOS</a:t>
-            </a:r>
-            <a:r>
               <a:rPr lang="fa-IR" dirty="0" smtClean="0"/>
-              <a:t> برای </a:t>
-            </a:r>
-            <a:r>
-              <a:rPr lang="fa-IR" dirty="0"/>
-              <a:t>استفاده در هدست‌های واقعیت مجازی تولید و عرضه شده‌اند که از طریق مارکت‌های معتبر و قابل دانلود </a:t>
-            </a:r>
+              <a:t>قابل باور است .</a:t>
+            </a:r>
+          </a:p>
+          <a:p>
+            <a:endParaRPr lang="fa-IR" dirty="0"/>
+          </a:p>
+          <a:p>
             <a:r>
               <a:rPr lang="fa-IR" dirty="0" smtClean="0"/>
-              <a:t>می‌باشند .</a:t>
+              <a:t>با کاربر در تعامل است .</a:t>
+            </a:r>
+          </a:p>
+          <a:p>
+            <a:endParaRPr lang="fa-IR" dirty="0"/>
+          </a:p>
+          <a:p>
+            <a:r>
+              <a:rPr lang="fa-IR" dirty="0" smtClean="0"/>
+              <a:t>ساختة رایانه است .</a:t>
+            </a:r>
+          </a:p>
+          <a:p>
+            <a:endParaRPr lang="fa-IR" dirty="0"/>
+          </a:p>
+          <a:p>
+            <a:r>
+              <a:rPr lang="fa-IR" dirty="0" smtClean="0"/>
+              <a:t>قابل کاوش است ؛ جامع و جزئیات قوی</a:t>
+            </a:r>
+          </a:p>
+          <a:p>
+            <a:endParaRPr lang="fa-IR" dirty="0"/>
+          </a:p>
+          <a:p>
+            <a:r>
+              <a:rPr lang="fa-IR" dirty="0" smtClean="0"/>
+              <a:t>همه جانبه باشد .</a:t>
             </a:r>
             <a:endParaRPr lang="fa-IR" dirty="0"/>
           </a:p>
@@ -8097,7 +12701,7 @@
               <a:pPr>
                 <a:defRPr/>
               </a:pPr>
-              <a:t>7</a:t>
+              <a:t>8</a:t>
             </a:fld>
             <a:endParaRPr lang="es-ES" altLang="fa-IR" dirty="0"/>
           </a:p>
@@ -8106,7 +12710,220 @@
     </p:spTree>
     <p:extLst>
       <p:ext uri="{BB962C8B-B14F-4D97-AF65-F5344CB8AC3E}">
-        <p14:creationId xmlns:p14="http://schemas.microsoft.com/office/powerpoint/2010/main" val="573298909"/>
+        <p14:creationId xmlns:p14="http://schemas.microsoft.com/office/powerpoint/2010/main" val="2186390521"/>
+      </p:ext>
+    </p:extLst>
+  </p:cSld>
+  <p:clrMapOvr>
+    <a:masterClrMapping/>
+  </p:clrMapOvr>
+  <mc:AlternateContent xmlns:mc="http://schemas.openxmlformats.org/markup-compatibility/2006" xmlns:p14="http://schemas.microsoft.com/office/powerpoint/2010/main">
+    <mc:Choice Requires="p14">
+      <p:transition spd="slow" p14:dur="800">
+        <p:diamond/>
+      </p:transition>
+    </mc:Choice>
+    <mc:Fallback xmlns="">
+      <p:transition spd="slow">
+        <p:diamond/>
+      </p:transition>
+    </mc:Fallback>
+  </mc:AlternateContent>
+</p:sld>
+</file>
+
+<file path=ppt/slides/slide9.xml><?xml version="1.0" encoding="utf-8"?>
+<p:sld xmlns:a="http://schemas.openxmlformats.org/drawingml/2006/main" xmlns:r="http://schemas.openxmlformats.org/officeDocument/2006/relationships" xmlns:p="http://schemas.openxmlformats.org/presentationml/2006/main">
+  <p:cSld>
+    <p:spTree>
+      <p:nvGrpSpPr>
+        <p:cNvPr id="1" name=""/>
+        <p:cNvGrpSpPr/>
+        <p:nvPr/>
+      </p:nvGrpSpPr>
+      <p:grpSpPr>
+        <a:xfrm>
+          <a:off x="0" y="0"/>
+          <a:ext cx="0" cy="0"/>
+          <a:chOff x="0" y="0"/>
+          <a:chExt cx="0" cy="0"/>
+        </a:xfrm>
+      </p:grpSpPr>
+      <p:sp>
+        <p:nvSpPr>
+          <p:cNvPr id="2" name="Title 1"/>
+          <p:cNvSpPr>
+            <a:spLocks noGrp="1"/>
+          </p:cNvSpPr>
+          <p:nvPr>
+            <p:ph type="title"/>
+          </p:nvPr>
+        </p:nvSpPr>
+        <p:spPr/>
+        <p:txBody>
+          <a:bodyPr/>
+          <a:lstStyle/>
+          <a:p>
+            <a:r>
+              <a:rPr lang="fa-IR" b="1" dirty="0" smtClean="0"/>
+              <a:t>جذابیت های واقعیت مجازی</a:t>
+            </a:r>
+            <a:endParaRPr lang="fa-IR" dirty="0"/>
+          </a:p>
+        </p:txBody>
+      </p:sp>
+      <p:sp>
+        <p:nvSpPr>
+          <p:cNvPr id="3" name="Content Placeholder 2"/>
+          <p:cNvSpPr>
+            <a:spLocks noGrp="1"/>
+          </p:cNvSpPr>
+          <p:nvPr>
+            <p:ph idx="1"/>
+          </p:nvPr>
+        </p:nvSpPr>
+        <p:spPr/>
+        <p:txBody>
+          <a:bodyPr/>
+          <a:lstStyle/>
+          <a:p>
+            <a:r>
+              <a:rPr lang="ar-SA" dirty="0" smtClean="0"/>
+              <a:t>واقعیت </a:t>
+            </a:r>
+            <a:r>
+              <a:rPr lang="ar-SA" dirty="0"/>
+              <a:t>مجازی یکی از قدیمی ترین و مهمترین پارادایم های حک شده در ذهن ما را می </a:t>
+            </a:r>
+            <a:r>
+              <a:rPr lang="ar-SA" dirty="0" smtClean="0"/>
+              <a:t>شکند</a:t>
+            </a:r>
+            <a:r>
+              <a:rPr lang="fa-IR" dirty="0" smtClean="0"/>
+              <a:t> </a:t>
+            </a:r>
+            <a:r>
+              <a:rPr lang="ar-SA" dirty="0" smtClean="0"/>
+              <a:t>.</a:t>
+            </a:r>
+            <a:endParaRPr lang="fa-IR" dirty="0" smtClean="0"/>
+          </a:p>
+          <a:p>
+            <a:endParaRPr lang="fa-IR" dirty="0"/>
+          </a:p>
+          <a:p>
+            <a:r>
+              <a:rPr lang="fa-IR" dirty="0" smtClean="0"/>
+              <a:t> </a:t>
+            </a:r>
+            <a:r>
+              <a:rPr lang="ar-SA" dirty="0"/>
+              <a:t>در فناوری واقعیت مجازی، زمانی که هدست واقعیت مجازی را بر روی سرمان قرار داده </a:t>
+            </a:r>
+            <a:r>
+              <a:rPr lang="ar-SA" dirty="0" smtClean="0"/>
+              <a:t>ایم</a:t>
+            </a:r>
+            <a:r>
+              <a:rPr lang="fa-IR" dirty="0" smtClean="0"/>
+              <a:t> </a:t>
+            </a:r>
+            <a:r>
+              <a:rPr lang="ar-SA" dirty="0" smtClean="0"/>
+              <a:t>، </a:t>
+            </a:r>
+            <a:r>
+              <a:rPr lang="ar-SA" dirty="0"/>
+              <a:t>هنگامی که سر خود را حرکت دهیم براساس آن </a:t>
+            </a:r>
+            <a:r>
+              <a:rPr lang="ar-SA" dirty="0" smtClean="0"/>
+              <a:t>حرکت</a:t>
+            </a:r>
+            <a:r>
+              <a:rPr lang="fa-IR" dirty="0" smtClean="0"/>
+              <a:t> </a:t>
+            </a:r>
+            <a:r>
+              <a:rPr lang="ar-SA" dirty="0" smtClean="0"/>
+              <a:t>، </a:t>
+            </a:r>
+            <a:r>
+              <a:rPr lang="ar-SA" dirty="0"/>
+              <a:t>تصویر نمایش داده شده نیز تغییر می کند گویی که دقیقاً در آن محیط قرار </a:t>
+            </a:r>
+            <a:r>
+              <a:rPr lang="ar-SA" dirty="0" smtClean="0"/>
+              <a:t>داری</a:t>
+            </a:r>
+            <a:r>
+              <a:rPr lang="fa-IR" dirty="0" smtClean="0"/>
+              <a:t>م . </a:t>
+            </a:r>
+            <a:endParaRPr lang="en-US" dirty="0"/>
+          </a:p>
+        </p:txBody>
+      </p:sp>
+      <p:sp>
+        <p:nvSpPr>
+          <p:cNvPr id="4" name="Footer Placeholder 3"/>
+          <p:cNvSpPr>
+            <a:spLocks noGrp="1"/>
+          </p:cNvSpPr>
+          <p:nvPr>
+            <p:ph type="ftr" sz="quarter" idx="11"/>
+          </p:nvPr>
+        </p:nvSpPr>
+        <p:spPr/>
+        <p:txBody>
+          <a:bodyPr/>
+          <a:lstStyle/>
+          <a:p>
+            <a:pPr>
+              <a:defRPr/>
+            </a:pPr>
+            <a:r>
+              <a:rPr lang="fa-IR" altLang="fa-IR" smtClean="0"/>
+              <a:t>دانشگاه صنعتی اصفهان – دانشکده کامپیوتر</a:t>
+            </a:r>
+            <a:endParaRPr lang="es-ES" altLang="fa-IR" dirty="0"/>
+          </a:p>
+        </p:txBody>
+      </p:sp>
+      <p:sp>
+        <p:nvSpPr>
+          <p:cNvPr id="5" name="Slide Number Placeholder 4"/>
+          <p:cNvSpPr>
+            <a:spLocks noGrp="1"/>
+          </p:cNvSpPr>
+          <p:nvPr>
+            <p:ph type="sldNum" sz="quarter" idx="12"/>
+          </p:nvPr>
+        </p:nvSpPr>
+        <p:spPr/>
+        <p:txBody>
+          <a:bodyPr/>
+          <a:lstStyle/>
+          <a:p>
+            <a:pPr>
+              <a:defRPr/>
+            </a:pPr>
+            <a:fld id="{C5303A1E-C0C3-4A75-A42D-959ACBF920C8}" type="slidenum">
+              <a:rPr lang="es-ES" altLang="fa-IR" smtClean="0"/>
+              <a:pPr>
+                <a:defRPr/>
+              </a:pPr>
+              <a:t>9</a:t>
+            </a:fld>
+            <a:endParaRPr lang="es-ES" altLang="fa-IR" dirty="0"/>
+          </a:p>
+        </p:txBody>
+      </p:sp>
+    </p:spTree>
+    <p:extLst>
+      <p:ext uri="{BB962C8B-B14F-4D97-AF65-F5344CB8AC3E}">
+        <p14:creationId xmlns:p14="http://schemas.microsoft.com/office/powerpoint/2010/main" val="1008695869"/>
       </p:ext>
     </p:extLst>
   </p:cSld>
@@ -8129,704 +12946,6 @@
     <p:tnLst>
       <p:par>
         <p:cTn id="1" dur="indefinite" restart="never" nodeType="tmRoot"/>
-      </p:par>
-    </p:tnLst>
-  </p:timing>
-</p:sld>
-</file>
-
-<file path=ppt/slides/slide8.xml><?xml version="1.0" encoding="utf-8"?>
-<p:sld xmlns:a="http://schemas.openxmlformats.org/drawingml/2006/main" xmlns:r="http://schemas.openxmlformats.org/officeDocument/2006/relationships" xmlns:p="http://schemas.openxmlformats.org/presentationml/2006/main">
-  <p:cSld>
-    <p:spTree>
-      <p:nvGrpSpPr>
-        <p:cNvPr id="1" name=""/>
-        <p:cNvGrpSpPr/>
-        <p:nvPr/>
-      </p:nvGrpSpPr>
-      <p:grpSpPr>
-        <a:xfrm>
-          <a:off x="0" y="0"/>
-          <a:ext cx="0" cy="0"/>
-          <a:chOff x="0" y="0"/>
-          <a:chExt cx="0" cy="0"/>
-        </a:xfrm>
-      </p:grpSpPr>
-      <p:sp>
-        <p:nvSpPr>
-          <p:cNvPr id="2" name="Title 1"/>
-          <p:cNvSpPr>
-            <a:spLocks noGrp="1"/>
-          </p:cNvSpPr>
-          <p:nvPr>
-            <p:ph type="title"/>
-          </p:nvPr>
-        </p:nvSpPr>
-        <p:spPr/>
-        <p:txBody>
-          <a:bodyPr/>
-          <a:lstStyle/>
-          <a:p>
-            <a:r>
-              <a:rPr lang="fa-IR" dirty="0" smtClean="0"/>
-              <a:t>واقعیت مجازی در ایران</a:t>
-            </a:r>
-            <a:endParaRPr lang="fa-IR" dirty="0"/>
-          </a:p>
-        </p:txBody>
-      </p:sp>
-      <p:sp>
-        <p:nvSpPr>
-          <p:cNvPr id="3" name="Content Placeholder 2"/>
-          <p:cNvSpPr>
-            <a:spLocks noGrp="1"/>
-          </p:cNvSpPr>
-          <p:nvPr>
-            <p:ph idx="1"/>
-          </p:nvPr>
-        </p:nvSpPr>
-        <p:spPr>
-          <a:xfrm>
-            <a:off x="1547664" y="1412776"/>
-            <a:ext cx="7139136" cy="4713387"/>
-          </a:xfrm>
-        </p:spPr>
-        <p:txBody>
-          <a:bodyPr/>
-          <a:lstStyle/>
-          <a:p>
-            <a:r>
-              <a:rPr lang="fa-IR" dirty="0" smtClean="0">
-                <a:solidFill>
-                  <a:srgbClr val="00B0F0"/>
-                </a:solidFill>
-              </a:rPr>
-              <a:t>مؤسسه رسانه پرداز آمیتیس </a:t>
-            </a:r>
-            <a:r>
-              <a:rPr lang="fa-IR" dirty="0" smtClean="0"/>
-              <a:t>سازنده بازی رایانه‌ای « مبارزه در خلیج عدن » در تاریخ ۲۲ دی ماه سال ۱۳۹۳ برای اولین بار از دستاورد خود در حوزه واقعیت مجازی رونمایی کرد . تبدیل انواع هدست‌های نمایشگر سه بعدی ( </a:t>
-            </a:r>
-            <a:r>
-              <a:rPr lang="en-US" dirty="0" smtClean="0">
-                <a:latin typeface="Comic Sans MS" panose="030F0702030302020204" pitchFamily="66" charset="0"/>
-              </a:rPr>
-              <a:t>3D Viewer</a:t>
-            </a:r>
-            <a:r>
-              <a:rPr lang="fa-IR" dirty="0"/>
-              <a:t> ) به هدست واقعیت مجازی ، توسعه و گسترش این تکنولوژی به منظور بهره‌برداری در شهربازی‌ها و مباحث شبیه‌ساز تنها بخشی از فعالیت‌های استودیو آمیتیس در این زمینه است . لازم است ذکر شود این محصول تحت عنوان </a:t>
-            </a:r>
-            <a:r>
-              <a:rPr lang="en-US" dirty="0" err="1">
-                <a:latin typeface="Comic Sans MS" panose="030F0702030302020204" pitchFamily="66" charset="0"/>
-              </a:rPr>
-              <a:t>Amytech</a:t>
-            </a:r>
-            <a:r>
-              <a:rPr lang="en-US" dirty="0">
-                <a:latin typeface="Comic Sans MS" panose="030F0702030302020204" pitchFamily="66" charset="0"/>
-              </a:rPr>
-              <a:t> </a:t>
-            </a:r>
-            <a:r>
-              <a:rPr lang="en-US" dirty="0" smtClean="0">
-                <a:latin typeface="Comic Sans MS" panose="030F0702030302020204" pitchFamily="66" charset="0"/>
-              </a:rPr>
-              <a:t>1</a:t>
-            </a:r>
-            <a:r>
-              <a:rPr lang="fa-IR" dirty="0" smtClean="0"/>
-              <a:t> اولین </a:t>
-            </a:r>
-            <a:r>
-              <a:rPr lang="fa-IR" dirty="0"/>
-              <a:t>هدست واقعیت مجازی مبتنی بر کامپیوتر ایرانی در چهارمین دوره نمایشگاه شهر بازی و اوقات فراغت رونمایی </a:t>
-            </a:r>
-            <a:r>
-              <a:rPr lang="fa-IR" dirty="0" smtClean="0"/>
-              <a:t>گردید .</a:t>
-            </a:r>
-            <a:endParaRPr lang="fa-IR" dirty="0"/>
-          </a:p>
-        </p:txBody>
-      </p:sp>
-      <p:sp>
-        <p:nvSpPr>
-          <p:cNvPr id="4" name="Footer Placeholder 3"/>
-          <p:cNvSpPr>
-            <a:spLocks noGrp="1"/>
-          </p:cNvSpPr>
-          <p:nvPr>
-            <p:ph type="ftr" sz="quarter" idx="11"/>
-          </p:nvPr>
-        </p:nvSpPr>
-        <p:spPr/>
-        <p:txBody>
-          <a:bodyPr/>
-          <a:lstStyle/>
-          <a:p>
-            <a:pPr>
-              <a:defRPr/>
-            </a:pPr>
-            <a:r>
-              <a:rPr lang="fa-IR" altLang="fa-IR" smtClean="0"/>
-              <a:t>دانشگاه صنعتی اصفهان – دانشکده کامپیوتر</a:t>
-            </a:r>
-            <a:endParaRPr lang="es-ES" altLang="fa-IR" dirty="0"/>
-          </a:p>
-        </p:txBody>
-      </p:sp>
-      <p:sp>
-        <p:nvSpPr>
-          <p:cNvPr id="5" name="Slide Number Placeholder 4"/>
-          <p:cNvSpPr>
-            <a:spLocks noGrp="1"/>
-          </p:cNvSpPr>
-          <p:nvPr>
-            <p:ph type="sldNum" sz="quarter" idx="12"/>
-          </p:nvPr>
-        </p:nvSpPr>
-        <p:spPr/>
-        <p:txBody>
-          <a:bodyPr/>
-          <a:lstStyle/>
-          <a:p>
-            <a:pPr>
-              <a:defRPr/>
-            </a:pPr>
-            <a:fld id="{C5303A1E-C0C3-4A75-A42D-959ACBF920C8}" type="slidenum">
-              <a:rPr lang="es-ES" altLang="fa-IR" smtClean="0"/>
-              <a:pPr>
-                <a:defRPr/>
-              </a:pPr>
-              <a:t>8</a:t>
-            </a:fld>
-            <a:endParaRPr lang="es-ES" altLang="fa-IR" dirty="0"/>
-          </a:p>
-        </p:txBody>
-      </p:sp>
-      <p:pic>
-        <p:nvPicPr>
-          <p:cNvPr id="6" name="Picture 5"/>
-          <p:cNvPicPr>
-            <a:picLocks noChangeAspect="1"/>
-          </p:cNvPicPr>
-          <p:nvPr/>
-        </p:nvPicPr>
-        <p:blipFill>
-          <a:blip r:embed="rId2" cstate="print">
-            <a:extLst>
-              <a:ext uri="{28A0092B-C50C-407E-A947-70E740481C1C}">
-                <a14:useLocalDpi xmlns:a14="http://schemas.microsoft.com/office/drawing/2010/main" val="0"/>
-              </a:ext>
-            </a:extLst>
-          </a:blip>
-          <a:stretch>
-            <a:fillRect/>
-          </a:stretch>
-        </p:blipFill>
-        <p:spPr>
-          <a:xfrm>
-            <a:off x="6084168" y="4509120"/>
-            <a:ext cx="1872206" cy="1616324"/>
-          </a:xfrm>
-          <a:prstGeom prst="rect">
-            <a:avLst/>
-          </a:prstGeom>
-          <a:ln>
-            <a:noFill/>
-          </a:ln>
-          <a:effectLst>
-            <a:softEdge rad="112500"/>
-          </a:effectLst>
-        </p:spPr>
-      </p:pic>
-    </p:spTree>
-    <p:extLst>
-      <p:ext uri="{BB962C8B-B14F-4D97-AF65-F5344CB8AC3E}">
-        <p14:creationId xmlns:p14="http://schemas.microsoft.com/office/powerpoint/2010/main" val="1841642188"/>
-      </p:ext>
-    </p:extLst>
-  </p:cSld>
-  <p:clrMapOvr>
-    <a:masterClrMapping/>
-  </p:clrMapOvr>
-  <mc:AlternateContent xmlns:mc="http://schemas.openxmlformats.org/markup-compatibility/2006" xmlns:p14="http://schemas.microsoft.com/office/powerpoint/2010/main">
-    <mc:Choice Requires="p14">
-      <p:transition spd="slow" p14:dur="800">
-        <p:diamond/>
-      </p:transition>
-    </mc:Choice>
-    <mc:Fallback xmlns="">
-      <p:transition spd="slow">
-        <p:diamond/>
-      </p:transition>
-    </mc:Fallback>
-  </mc:AlternateContent>
-  <p:timing>
-    <p:tnLst>
-      <p:par>
-        <p:cTn id="1" dur="indefinite" restart="never" nodeType="tmRoot">
-          <p:childTnLst>
-            <p:seq concurrent="1" nextAc="seek">
-              <p:cTn id="2" dur="indefinite" nodeType="mainSeq">
-                <p:childTnLst>
-                  <p:par>
-                    <p:cTn id="3" fill="hold">
-                      <p:stCondLst>
-                        <p:cond delay="indefinite"/>
-                        <p:cond evt="onBegin" delay="0">
-                          <p:tn val="2"/>
-                        </p:cond>
-                      </p:stCondLst>
-                      <p:childTnLst>
-                        <p:par>
-                          <p:cTn id="4" fill="hold">
-                            <p:stCondLst>
-                              <p:cond delay="0"/>
-                            </p:stCondLst>
-                            <p:childTnLst>
-                              <p:par>
-                                <p:cTn id="5" presetID="2" presetClass="entr" presetSubtype="6" fill="hold" nodeType="afterEffect">
-                                  <p:stCondLst>
-                                    <p:cond delay="1000"/>
-                                  </p:stCondLst>
-                                  <p:childTnLst>
-                                    <p:set>
-                                      <p:cBhvr>
-                                        <p:cTn id="6" dur="1" fill="hold">
-                                          <p:stCondLst>
-                                            <p:cond delay="0"/>
-                                          </p:stCondLst>
-                                        </p:cTn>
-                                        <p:tgtEl>
-                                          <p:spTgt spid="6"/>
-                                        </p:tgtEl>
-                                        <p:attrNameLst>
-                                          <p:attrName>style.visibility</p:attrName>
-                                        </p:attrNameLst>
-                                      </p:cBhvr>
-                                      <p:to>
-                                        <p:strVal val="visible"/>
-                                      </p:to>
-                                    </p:set>
-                                    <p:anim calcmode="lin" valueType="num">
-                                      <p:cBhvr additive="base">
-                                        <p:cTn id="7" dur="750" fill="hold"/>
-                                        <p:tgtEl>
-                                          <p:spTgt spid="6"/>
-                                        </p:tgtEl>
-                                        <p:attrNameLst>
-                                          <p:attrName>ppt_x</p:attrName>
-                                        </p:attrNameLst>
-                                      </p:cBhvr>
-                                      <p:tavLst>
-                                        <p:tav tm="0">
-                                          <p:val>
-                                            <p:strVal val="1+#ppt_w/2"/>
-                                          </p:val>
-                                        </p:tav>
-                                        <p:tav tm="100000">
-                                          <p:val>
-                                            <p:strVal val="#ppt_x"/>
-                                          </p:val>
-                                        </p:tav>
-                                      </p:tavLst>
-                                    </p:anim>
-                                    <p:anim calcmode="lin" valueType="num">
-                                      <p:cBhvr additive="base">
-                                        <p:cTn id="8" dur="750" fill="hold"/>
-                                        <p:tgtEl>
-                                          <p:spTgt spid="6"/>
-                                        </p:tgtEl>
-                                        <p:attrNameLst>
-                                          <p:attrName>ppt_y</p:attrName>
-                                        </p:attrNameLst>
-                                      </p:cBhvr>
-                                      <p:tavLst>
-                                        <p:tav tm="0">
-                                          <p:val>
-                                            <p:strVal val="1+#ppt_h/2"/>
-                                          </p:val>
-                                        </p:tav>
-                                        <p:tav tm="100000">
-                                          <p:val>
-                                            <p:strVal val="#ppt_y"/>
-                                          </p:val>
-                                        </p:tav>
-                                      </p:tavLst>
-                                    </p:anim>
-                                  </p:childTnLst>
-                                </p:cTn>
-                              </p:par>
-                            </p:childTnLst>
-                          </p:cTn>
-                        </p:par>
-                      </p:childTnLst>
-                    </p:cTn>
-                  </p:par>
-                </p:childTnLst>
-              </p:cTn>
-              <p:prevCondLst>
-                <p:cond evt="onPrev" delay="0">
-                  <p:tgtEl>
-                    <p:sldTgt/>
-                  </p:tgtEl>
-                </p:cond>
-              </p:prevCondLst>
-              <p:nextCondLst>
-                <p:cond evt="onNext" delay="0">
-                  <p:tgtEl>
-                    <p:sldTgt/>
-                  </p:tgtEl>
-                </p:cond>
-              </p:nextCondLst>
-            </p:seq>
-          </p:childTnLst>
-        </p:cTn>
-      </p:par>
-    </p:tnLst>
-  </p:timing>
-</p:sld>
-</file>
-
-<file path=ppt/slides/slide9.xml><?xml version="1.0" encoding="utf-8"?>
-<p:sld xmlns:a="http://schemas.openxmlformats.org/drawingml/2006/main" xmlns:r="http://schemas.openxmlformats.org/officeDocument/2006/relationships" xmlns:p="http://schemas.openxmlformats.org/presentationml/2006/main">
-  <p:cSld>
-    <p:spTree>
-      <p:nvGrpSpPr>
-        <p:cNvPr id="1" name=""/>
-        <p:cNvGrpSpPr/>
-        <p:nvPr/>
-      </p:nvGrpSpPr>
-      <p:grpSpPr>
-        <a:xfrm>
-          <a:off x="0" y="0"/>
-          <a:ext cx="0" cy="0"/>
-          <a:chOff x="0" y="0"/>
-          <a:chExt cx="0" cy="0"/>
-        </a:xfrm>
-      </p:grpSpPr>
-      <p:sp>
-        <p:nvSpPr>
-          <p:cNvPr id="2" name="Title 1"/>
-          <p:cNvSpPr>
-            <a:spLocks noGrp="1"/>
-          </p:cNvSpPr>
-          <p:nvPr>
-            <p:ph type="title"/>
-          </p:nvPr>
-        </p:nvSpPr>
-        <p:spPr/>
-        <p:txBody>
-          <a:bodyPr/>
-          <a:lstStyle/>
-          <a:p>
-            <a:endParaRPr lang="fa-IR" dirty="0"/>
-          </a:p>
-        </p:txBody>
-      </p:sp>
-      <p:sp>
-        <p:nvSpPr>
-          <p:cNvPr id="3" name="Content Placeholder 2"/>
-          <p:cNvSpPr>
-            <a:spLocks noGrp="1"/>
-          </p:cNvSpPr>
-          <p:nvPr>
-            <p:ph idx="1"/>
-          </p:nvPr>
-        </p:nvSpPr>
-        <p:spPr/>
-        <p:txBody>
-          <a:bodyPr/>
-          <a:lstStyle/>
-          <a:p>
-            <a:r>
-              <a:rPr lang="fa-IR" dirty="0">
-                <a:solidFill>
-                  <a:srgbClr val="00B0F0"/>
-                </a:solidFill>
-              </a:rPr>
-              <a:t>هدست واقعیت مجازی آمی سِت </a:t>
-            </a:r>
-            <a:r>
-              <a:rPr lang="en-US" dirty="0" smtClean="0">
-                <a:solidFill>
-                  <a:srgbClr val="00B0F0"/>
-                </a:solidFill>
-                <a:latin typeface="Comic Sans MS" panose="030F0702030302020204" pitchFamily="66" charset="0"/>
-              </a:rPr>
-              <a:t>(</a:t>
-            </a:r>
-            <a:r>
-              <a:rPr lang="en-US" dirty="0" err="1">
-                <a:solidFill>
-                  <a:srgbClr val="00B0F0"/>
-                </a:solidFill>
-                <a:latin typeface="Comic Sans MS" panose="030F0702030302020204" pitchFamily="66" charset="0"/>
-              </a:rPr>
-              <a:t>Amyset</a:t>
-            </a:r>
-            <a:r>
-              <a:rPr lang="en-US" dirty="0" smtClean="0">
-                <a:solidFill>
-                  <a:srgbClr val="00B0F0"/>
-                </a:solidFill>
-                <a:latin typeface="Comic Sans MS" panose="030F0702030302020204" pitchFamily="66" charset="0"/>
-              </a:rPr>
-              <a:t>)</a:t>
-            </a:r>
-            <a:r>
-              <a:rPr lang="fa-IR" dirty="0" smtClean="0">
-                <a:solidFill>
-                  <a:srgbClr val="00B0F0"/>
-                </a:solidFill>
-              </a:rPr>
-              <a:t> </a:t>
-            </a:r>
-            <a:r>
-              <a:rPr lang="fa-IR" dirty="0" smtClean="0"/>
-              <a:t>: مبتنی </a:t>
-            </a:r>
-            <a:r>
-              <a:rPr lang="fa-IR" dirty="0"/>
-              <a:t>بر پلتفرم موبایل نیز توسط استودیو آمیتیس به بازار ایران ارائه گردیده است که علاوه بر قابلیت استفاده به صورت هدست با کمک نصب کش و قرار گرفتن روی سر، با استفاده از لایه‌ای نرم در محل قرار گرفتن بینی و پیشانی به افزایش استفاده کاربری آن افزوده است.</a:t>
-            </a:r>
-          </a:p>
-          <a:p>
-            <a:endParaRPr lang="fa-IR" dirty="0"/>
-          </a:p>
-        </p:txBody>
-      </p:sp>
-      <p:sp>
-        <p:nvSpPr>
-          <p:cNvPr id="4" name="Footer Placeholder 3"/>
-          <p:cNvSpPr>
-            <a:spLocks noGrp="1"/>
-          </p:cNvSpPr>
-          <p:nvPr>
-            <p:ph type="ftr" sz="quarter" idx="11"/>
-          </p:nvPr>
-        </p:nvSpPr>
-        <p:spPr/>
-        <p:txBody>
-          <a:bodyPr/>
-          <a:lstStyle/>
-          <a:p>
-            <a:pPr>
-              <a:defRPr/>
-            </a:pPr>
-            <a:r>
-              <a:rPr lang="fa-IR" altLang="fa-IR" smtClean="0"/>
-              <a:t>دانشگاه صنعتی اصفهان – دانشکده کامپیوتر</a:t>
-            </a:r>
-            <a:endParaRPr lang="es-ES" altLang="fa-IR" dirty="0"/>
-          </a:p>
-        </p:txBody>
-      </p:sp>
-      <p:sp>
-        <p:nvSpPr>
-          <p:cNvPr id="5" name="Slide Number Placeholder 4"/>
-          <p:cNvSpPr>
-            <a:spLocks noGrp="1"/>
-          </p:cNvSpPr>
-          <p:nvPr>
-            <p:ph type="sldNum" sz="quarter" idx="12"/>
-          </p:nvPr>
-        </p:nvSpPr>
-        <p:spPr/>
-        <p:txBody>
-          <a:bodyPr/>
-          <a:lstStyle/>
-          <a:p>
-            <a:pPr>
-              <a:defRPr/>
-            </a:pPr>
-            <a:fld id="{C5303A1E-C0C3-4A75-A42D-959ACBF920C8}" type="slidenum">
-              <a:rPr lang="es-ES" altLang="fa-IR" smtClean="0"/>
-              <a:pPr>
-                <a:defRPr/>
-              </a:pPr>
-              <a:t>9</a:t>
-            </a:fld>
-            <a:endParaRPr lang="es-ES" altLang="fa-IR" dirty="0"/>
-          </a:p>
-        </p:txBody>
-      </p:sp>
-      <p:pic>
-        <p:nvPicPr>
-          <p:cNvPr id="6" name="Picture 5"/>
-          <p:cNvPicPr>
-            <a:picLocks noChangeAspect="1"/>
-          </p:cNvPicPr>
-          <p:nvPr/>
-        </p:nvPicPr>
-        <p:blipFill>
-          <a:blip r:embed="rId2" cstate="print">
-            <a:extLst>
-              <a:ext uri="{28A0092B-C50C-407E-A947-70E740481C1C}">
-                <a14:useLocalDpi xmlns:a14="http://schemas.microsoft.com/office/drawing/2010/main" val="0"/>
-              </a:ext>
-            </a:extLst>
-          </a:blip>
-          <a:stretch>
-            <a:fillRect/>
-          </a:stretch>
-        </p:blipFill>
-        <p:spPr>
-          <a:xfrm>
-            <a:off x="3099083" y="3068960"/>
-            <a:ext cx="2945834" cy="2945832"/>
-          </a:xfrm>
-          <a:prstGeom prst="rect">
-            <a:avLst/>
-          </a:prstGeom>
-        </p:spPr>
-      </p:pic>
-    </p:spTree>
-    <p:extLst>
-      <p:ext uri="{BB962C8B-B14F-4D97-AF65-F5344CB8AC3E}">
-        <p14:creationId xmlns:p14="http://schemas.microsoft.com/office/powerpoint/2010/main" val="3287231435"/>
-      </p:ext>
-    </p:extLst>
-  </p:cSld>
-  <p:clrMapOvr>
-    <a:masterClrMapping/>
-  </p:clrMapOvr>
-  <mc:AlternateContent xmlns:mc="http://schemas.openxmlformats.org/markup-compatibility/2006" xmlns:p14="http://schemas.microsoft.com/office/powerpoint/2010/main">
-    <mc:Choice Requires="p14">
-      <p:transition spd="slow" p14:dur="800">
-        <p:diamond/>
-      </p:transition>
-    </mc:Choice>
-    <mc:Fallback xmlns="">
-      <p:transition spd="slow">
-        <p:diamond/>
-      </p:transition>
-    </mc:Fallback>
-  </mc:AlternateContent>
-  <p:timing>
-    <p:tnLst>
-      <p:par>
-        <p:cTn id="1" dur="indefinite" restart="never" nodeType="tmRoot">
-          <p:childTnLst>
-            <p:seq concurrent="1" nextAc="seek">
-              <p:cTn id="2" dur="indefinite" nodeType="mainSeq">
-                <p:childTnLst>
-                  <p:par>
-                    <p:cTn id="3" fill="hold">
-                      <p:stCondLst>
-                        <p:cond delay="indefinite"/>
-                        <p:cond evt="onBegin" delay="0">
-                          <p:tn val="2"/>
-                        </p:cond>
-                      </p:stCondLst>
-                      <p:childTnLst>
-                        <p:par>
-                          <p:cTn id="4" fill="hold">
-                            <p:stCondLst>
-                              <p:cond delay="0"/>
-                            </p:stCondLst>
-                            <p:childTnLst>
-                              <p:par>
-                                <p:cTn id="5" presetID="2" presetClass="entr" presetSubtype="2" fill="hold" nodeType="afterEffect">
-                                  <p:stCondLst>
-                                    <p:cond delay="1000"/>
-                                  </p:stCondLst>
-                                  <p:childTnLst>
-                                    <p:set>
-                                      <p:cBhvr>
-                                        <p:cTn id="6" dur="1" fill="hold">
-                                          <p:stCondLst>
-                                            <p:cond delay="0"/>
-                                          </p:stCondLst>
-                                        </p:cTn>
-                                        <p:tgtEl>
-                                          <p:spTgt spid="6"/>
-                                        </p:tgtEl>
-                                        <p:attrNameLst>
-                                          <p:attrName>style.visibility</p:attrName>
-                                        </p:attrNameLst>
-                                      </p:cBhvr>
-                                      <p:to>
-                                        <p:strVal val="visible"/>
-                                      </p:to>
-                                    </p:set>
-                                    <p:anim calcmode="lin" valueType="num">
-                                      <p:cBhvr additive="base">
-                                        <p:cTn id="7" dur="1000" fill="hold"/>
-                                        <p:tgtEl>
-                                          <p:spTgt spid="6"/>
-                                        </p:tgtEl>
-                                        <p:attrNameLst>
-                                          <p:attrName>ppt_x</p:attrName>
-                                        </p:attrNameLst>
-                                      </p:cBhvr>
-                                      <p:tavLst>
-                                        <p:tav tm="0">
-                                          <p:val>
-                                            <p:strVal val="1+#ppt_w/2"/>
-                                          </p:val>
-                                        </p:tav>
-                                        <p:tav tm="100000">
-                                          <p:val>
-                                            <p:strVal val="#ppt_x"/>
-                                          </p:val>
-                                        </p:tav>
-                                      </p:tavLst>
-                                    </p:anim>
-                                    <p:anim calcmode="lin" valueType="num">
-                                      <p:cBhvr additive="base">
-                                        <p:cTn id="8" dur="1000" fill="hold"/>
-                                        <p:tgtEl>
-                                          <p:spTgt spid="6"/>
-                                        </p:tgtEl>
-                                        <p:attrNameLst>
-                                          <p:attrName>ppt_y</p:attrName>
-                                        </p:attrNameLst>
-                                      </p:cBhvr>
-                                      <p:tavLst>
-                                        <p:tav tm="0">
-                                          <p:val>
-                                            <p:strVal val="#ppt_y"/>
-                                          </p:val>
-                                        </p:tav>
-                                        <p:tav tm="100000">
-                                          <p:val>
-                                            <p:strVal val="#ppt_y"/>
-                                          </p:val>
-                                        </p:tav>
-                                      </p:tavLst>
-                                    </p:anim>
-                                  </p:childTnLst>
-                                </p:cTn>
-                              </p:par>
-                            </p:childTnLst>
-                          </p:cTn>
-                        </p:par>
-                      </p:childTnLst>
-                    </p:cTn>
-                  </p:par>
-                </p:childTnLst>
-              </p:cTn>
-              <p:prevCondLst>
-                <p:cond evt="onPrev" delay="0">
-                  <p:tgtEl>
-                    <p:sldTgt/>
-                  </p:tgtEl>
-                </p:cond>
-              </p:prevCondLst>
-              <p:nextCondLst>
-                <p:cond evt="onNext" delay="0">
-                  <p:tgtEl>
-                    <p:sldTgt/>
-                  </p:tgtEl>
-                </p:cond>
-              </p:nextCondLst>
-            </p:seq>
-          </p:childTnLst>
-        </p:cTn>
       </p:par>
     </p:tnLst>
   </p:timing>

--- a/واقعیت مجازی ( Virtual Reality ).pptx
+++ b/واقعیت مجازی ( Virtual Reality ).pptx
@@ -5,7 +5,7 @@
     <p:sldMasterId id="2147483648" r:id="rId1"/>
   </p:sldMasterIdLst>
   <p:notesMasterIdLst>
-    <p:notesMasterId r:id="rId25"/>
+    <p:notesMasterId r:id="rId27"/>
   </p:notesMasterIdLst>
   <p:sldIdLst>
     <p:sldId id="256" r:id="rId2"/>
@@ -27,10 +27,12 @@
     <p:sldId id="262" r:id="rId18"/>
     <p:sldId id="278" r:id="rId19"/>
     <p:sldId id="277" r:id="rId20"/>
-    <p:sldId id="263" r:id="rId21"/>
-    <p:sldId id="264" r:id="rId22"/>
-    <p:sldId id="265" r:id="rId23"/>
-    <p:sldId id="266" r:id="rId24"/>
+    <p:sldId id="279" r:id="rId21"/>
+    <p:sldId id="263" r:id="rId22"/>
+    <p:sldId id="264" r:id="rId23"/>
+    <p:sldId id="265" r:id="rId24"/>
+    <p:sldId id="266" r:id="rId25"/>
+    <p:sldId id="280" r:id="rId26"/>
   </p:sldIdLst>
   <p:sldSz cx="9144000" cy="6858000" type="screen4x3"/>
   <p:notesSz cx="6858000" cy="9144000"/>
@@ -244,7 +246,7 @@
           <a:p>
             <a:fld id="{9077D2A7-0790-485D-A062-99A142C9CC43}" type="datetimeFigureOut">
               <a:rPr lang="fa-IR" smtClean="0"/>
-              <a:t>17/06/1437</a:t>
+              <a:t>20/06/1437</a:t>
             </a:fld>
             <a:endParaRPr lang="fa-IR"/>
           </a:p>
@@ -5268,57 +5270,66 @@
           <a:p>
             <a:pPr algn="r" rtl="1" eaLnBrk="1" hangingPunct="1"/>
             <a:r>
-              <a:rPr lang="fa-IR" altLang="fa-IR" b="1" smtClean="0">
+              <a:rPr lang="fa-IR" altLang="fa-IR" b="1" dirty="0" smtClean="0">
                 <a:solidFill>
-                  <a:schemeClr val="bg1"/>
+                  <a:srgbClr val="FFFF00"/>
                 </a:solidFill>
               </a:rPr>
               <a:t>	واقعیت مجازی</a:t>
             </a:r>
             <a:br>
-              <a:rPr lang="fa-IR" altLang="fa-IR" b="1" smtClean="0">
+              <a:rPr lang="fa-IR" altLang="fa-IR" b="1" dirty="0" smtClean="0">
                 <a:solidFill>
-                  <a:schemeClr val="bg1"/>
+                  <a:srgbClr val="FFFF00"/>
                 </a:solidFill>
               </a:rPr>
             </a:br>
             <a:r>
-              <a:rPr lang="fa-IR" altLang="fa-IR" b="1" smtClean="0">
+              <a:rPr lang="fa-IR" altLang="fa-IR" b="1" dirty="0" smtClean="0">
                 <a:solidFill>
-                  <a:schemeClr val="bg1"/>
+                  <a:srgbClr val="FFFF00"/>
                 </a:solidFill>
               </a:rPr>
               <a:t> ( </a:t>
             </a:r>
             <a:r>
-              <a:rPr lang="es-ES" altLang="fa-IR" b="1" smtClean="0">
+              <a:rPr lang="es-ES" altLang="fa-IR" b="1" dirty="0" smtClean="0">
                 <a:solidFill>
-                  <a:schemeClr val="bg1"/>
+                  <a:srgbClr val="FFFF00"/>
                 </a:solidFill>
                 <a:latin typeface="Comic Sans MS" pitchFamily="66" charset="0"/>
               </a:rPr>
-              <a:t>Virtual Reality</a:t>
-            </a:r>
-            <a:r>
-              <a:rPr lang="fa-IR" altLang="fa-IR" b="1" smtClean="0">
+              <a:t>Virtual </a:t>
+            </a:r>
+            <a:r>
+              <a:rPr lang="es-ES" altLang="fa-IR" b="1" dirty="0" err="1" smtClean="0">
                 <a:solidFill>
-                  <a:schemeClr val="bg1"/>
+                  <a:srgbClr val="FFFF00"/>
+                </a:solidFill>
+                <a:latin typeface="Comic Sans MS" pitchFamily="66" charset="0"/>
+              </a:rPr>
+              <a:t>Reality</a:t>
+            </a:r>
+            <a:r>
+              <a:rPr lang="fa-IR" altLang="fa-IR" b="1" dirty="0" smtClean="0">
+                <a:solidFill>
+                  <a:srgbClr val="FFFF00"/>
                 </a:solidFill>
                 <a:latin typeface="Comic Sans MS" pitchFamily="66" charset="0"/>
               </a:rPr>
               <a:t> </a:t>
             </a:r>
             <a:r>
-              <a:rPr lang="fa-IR" altLang="fa-IR" b="1" smtClean="0">
+              <a:rPr lang="fa-IR" altLang="fa-IR" b="1" dirty="0" smtClean="0">
                 <a:solidFill>
-                  <a:schemeClr val="bg1"/>
+                  <a:srgbClr val="FFFF00"/>
                 </a:solidFill>
               </a:rPr>
               <a:t>)</a:t>
             </a:r>
-            <a:endParaRPr lang="es-ES" altLang="fa-IR" b="1" smtClean="0">
+            <a:endParaRPr lang="es-ES" altLang="fa-IR" b="1" dirty="0" smtClean="0">
               <a:solidFill>
-                <a:schemeClr val="bg1"/>
+                <a:srgbClr val="FFFF00"/>
               </a:solidFill>
             </a:endParaRPr>
           </a:p>
@@ -5488,7 +5499,7 @@
             <a:r>
               <a:rPr lang="fa-IR" altLang="fa-IR" sz="2200" b="1">
                 <a:solidFill>
-                  <a:schemeClr val="bg1"/>
+                  <a:srgbClr val="FFFF00"/>
                 </a:solidFill>
                 <a:cs typeface="B Lotus" pitchFamily="2" charset="-78"/>
               </a:rPr>
@@ -5500,7 +5511,7 @@
             <a:r>
               <a:rPr lang="fa-IR" altLang="fa-IR" sz="2200" b="1">
                 <a:solidFill>
-                  <a:schemeClr val="bg1"/>
+                  <a:srgbClr val="FFFF00"/>
                 </a:solidFill>
                 <a:cs typeface="B Lotus" pitchFamily="2" charset="-78"/>
               </a:rPr>
@@ -5512,7 +5523,7 @@
             <a:r>
               <a:rPr lang="fa-IR" altLang="fa-IR" sz="2200" b="1">
                 <a:solidFill>
-                  <a:schemeClr val="bg1"/>
+                  <a:srgbClr val="FFFF00"/>
                 </a:solidFill>
                 <a:cs typeface="B Lotus" pitchFamily="2" charset="-78"/>
               </a:rPr>
@@ -5523,7 +5534,7 @@
             <a:pPr algn="ctr" rtl="1" eaLnBrk="1" hangingPunct="1"/>
             <a:endParaRPr lang="fa-IR" altLang="fa-IR" sz="2200" b="1">
               <a:solidFill>
-                <a:schemeClr val="bg1"/>
+                <a:srgbClr val="FFFF00"/>
               </a:solidFill>
               <a:cs typeface="B Lotus" pitchFamily="2" charset="-78"/>
             </a:endParaRPr>
@@ -5533,7 +5544,7 @@
             <a:r>
               <a:rPr lang="fa-IR" altLang="fa-IR" sz="2200" b="1">
                 <a:solidFill>
-                  <a:schemeClr val="bg1"/>
+                  <a:srgbClr val="FFFF00"/>
                 </a:solidFill>
                 <a:cs typeface="B Lotus" pitchFamily="2" charset="-78"/>
               </a:rPr>
@@ -6458,7 +6469,7 @@
           <a:p>
             <a:r>
               <a:rPr lang="fa-IR" dirty="0" smtClean="0"/>
-              <a:t>کاربردها</a:t>
+              <a:t>زمینه های کاربرد</a:t>
             </a:r>
             <a:endParaRPr lang="fa-IR" dirty="0"/>
           </a:p>
@@ -6476,8 +6487,8 @@
         </p:nvSpPr>
         <p:spPr>
           <a:xfrm>
-            <a:off x="1547664" y="1340768"/>
-            <a:ext cx="7139136" cy="4785395"/>
+            <a:off x="1547664" y="1196752"/>
+            <a:ext cx="7139136" cy="4929411"/>
           </a:xfrm>
         </p:spPr>
         <p:txBody>
@@ -6534,6 +6545,12 @@
               <a:rPr lang="fa-IR" dirty="0" smtClean="0"/>
               <a:t> . </a:t>
             </a:r>
+          </a:p>
+          <a:p>
+            <a:pPr marL="0" indent="0">
+              <a:buNone/>
+            </a:pPr>
+            <a:endParaRPr lang="fa-IR" dirty="0" smtClean="0"/>
           </a:p>
           <a:p>
             <a:r>
@@ -6668,7 +6685,7 @@
         </p:blipFill>
         <p:spPr>
           <a:xfrm>
-            <a:off x="2051720" y="3693029"/>
+            <a:off x="2051720" y="3861048"/>
             <a:ext cx="6624736" cy="2208246"/>
           </a:xfrm>
           <a:prstGeom prst="rect">
@@ -7704,34 +7721,20 @@
       </p:grpSpPr>
       <p:sp>
         <p:nvSpPr>
-          <p:cNvPr id="2" name="Title 1"/>
+          <p:cNvPr id="3" name="Content Placeholder 2"/>
           <p:cNvSpPr>
             <a:spLocks noGrp="1"/>
           </p:cNvSpPr>
           <p:nvPr>
-            <p:ph type="title"/>
-          </p:nvPr>
-        </p:nvSpPr>
-        <p:spPr/>
-        <p:txBody>
-          <a:bodyPr/>
-          <a:lstStyle/>
-          <a:p>
-            <a:endParaRPr lang="fa-IR"/>
-          </a:p>
-        </p:txBody>
-      </p:sp>
-      <p:sp>
-        <p:nvSpPr>
-          <p:cNvPr id="3" name="Content Placeholder 2"/>
-          <p:cNvSpPr>
-            <a:spLocks noGrp="1"/>
-          </p:cNvSpPr>
-          <p:nvPr>
             <p:ph idx="1"/>
           </p:nvPr>
         </p:nvSpPr>
-        <p:spPr/>
+        <p:spPr>
+          <a:xfrm>
+            <a:off x="1547664" y="1268760"/>
+            <a:ext cx="7139136" cy="4857403"/>
+          </a:xfrm>
+        </p:spPr>
         <p:txBody>
           <a:bodyPr/>
           <a:lstStyle/>
@@ -7893,8 +7896,8 @@
         </p:blipFill>
         <p:spPr bwMode="auto">
           <a:xfrm>
-            <a:off x="1979712" y="4308024"/>
-            <a:ext cx="2705198" cy="1558194"/>
+            <a:off x="1660574" y="4075098"/>
+            <a:ext cx="3343474" cy="1925842"/>
           </a:xfrm>
           <a:prstGeom prst="rect">
             <a:avLst/>
@@ -7939,8 +7942,8 @@
         </p:blipFill>
         <p:spPr bwMode="auto">
           <a:xfrm>
-            <a:off x="5436096" y="4299316"/>
-            <a:ext cx="2765796" cy="1558194"/>
+            <a:off x="5288854" y="4066390"/>
+            <a:ext cx="3418370" cy="1925842"/>
           </a:xfrm>
           <a:prstGeom prst="rect">
             <a:avLst/>
@@ -7996,6 +7999,9 @@
                     <p:cTn id="3" fill="hold">
                       <p:stCondLst>
                         <p:cond delay="indefinite"/>
+                        <p:cond evt="onBegin" delay="0">
+                          <p:tn val="2"/>
+                        </p:cond>
                       </p:stCondLst>
                       <p:childTnLst>
                         <p:par>
@@ -8005,9 +8011,9 @@
                             </p:stCondLst>
                             <p:childTnLst>
                               <p:par>
-                                <p:cTn id="5" presetID="42" presetClass="entr" presetSubtype="0" fill="hold" nodeType="clickEffect">
+                                <p:cTn id="5" presetID="42" presetClass="entr" presetSubtype="0" fill="hold" nodeType="afterEffect">
                                   <p:stCondLst>
-                                    <p:cond delay="0"/>
+                                    <p:cond delay="500"/>
                                   </p:stCondLst>
                                   <p:childTnLst>
                                     <p:set>
@@ -8085,15 +8091,24 @@
                                   </p:childTnLst>
                                 </p:cTn>
                               </p:par>
+                            </p:childTnLst>
+                          </p:cTn>
+                        </p:par>
+                        <p:par>
+                          <p:cTn id="10" fill="hold">
+                            <p:stCondLst>
+                              <p:cond delay="1500"/>
+                            </p:stCondLst>
+                            <p:childTnLst>
                               <p:par>
-                                <p:cTn id="10" presetID="42" presetClass="entr" presetSubtype="0" fill="hold" nodeType="withEffect">
+                                <p:cTn id="11" presetID="42" presetClass="entr" presetSubtype="0" fill="hold" nodeType="afterEffect">
                                   <p:stCondLst>
-                                    <p:cond delay="0"/>
+                                    <p:cond delay="500"/>
                                   </p:stCondLst>
                                   <p:childTnLst>
                                     <p:set>
                                       <p:cBhvr>
-                                        <p:cTn id="11" dur="1" fill="hold">
+                                        <p:cTn id="12" dur="1" fill="hold">
                                           <p:stCondLst>
                                             <p:cond delay="0"/>
                                           </p:stCondLst>
@@ -8111,7 +8126,7 @@
                                     </p:set>
                                     <p:animEffect transition="in" filter="fade">
                                       <p:cBhvr>
-                                        <p:cTn id="12" dur="1000"/>
+                                        <p:cTn id="13" dur="1000"/>
                                         <p:tgtEl>
                                           <p:spTgt spid="2051"/>
                                         </p:tgtEl>
@@ -8119,7 +8134,7 @@
                                     </p:animEffect>
                                     <p:anim calcmode="lin" valueType="num">
                                       <p:cBhvr>
-                                        <p:cTn id="13" dur="1000" fill="hold"/>
+                                        <p:cTn id="14" dur="1000" fill="hold"/>
                                         <p:tgtEl>
                                           <p:spTgt spid="2051"/>
                                         </p:tgtEl>
@@ -8142,7 +8157,7 @@
                                     </p:anim>
                                     <p:anim calcmode="lin" valueType="num">
                                       <p:cBhvr>
-                                        <p:cTn id="14" dur="1000" fill="hold"/>
+                                        <p:cTn id="15" dur="1000" fill="hold"/>
                                         <p:tgtEl>
                                           <p:spTgt spid="2051"/>
                                         </p:tgtEl>
@@ -8461,8 +8476,8 @@
         </p:blipFill>
         <p:spPr bwMode="auto">
           <a:xfrm>
-            <a:off x="1875700" y="4106490"/>
-            <a:ext cx="3020044" cy="1698774"/>
+            <a:off x="1619671" y="3818458"/>
+            <a:ext cx="3532102" cy="1986806"/>
           </a:xfrm>
           <a:prstGeom prst="rect">
             <a:avLst/>
@@ -8507,8 +8522,8 @@
         </p:blipFill>
         <p:spPr bwMode="auto">
           <a:xfrm>
-            <a:off x="5427446" y="4106490"/>
-            <a:ext cx="3079926" cy="1698774"/>
+            <a:off x="5286871" y="3818458"/>
+            <a:ext cx="3602136" cy="1986806"/>
           </a:xfrm>
           <a:prstGeom prst="rect">
             <a:avLst/>
@@ -8564,6 +8579,9 @@
                     <p:cTn id="3" fill="hold">
                       <p:stCondLst>
                         <p:cond delay="indefinite"/>
+                        <p:cond evt="onBegin" delay="0">
+                          <p:tn val="2"/>
+                        </p:cond>
                       </p:stCondLst>
                       <p:childTnLst>
                         <p:par>
@@ -8573,9 +8591,9 @@
                             </p:stCondLst>
                             <p:childTnLst>
                               <p:par>
-                                <p:cTn id="5" presetID="42" presetClass="entr" presetSubtype="0" fill="hold" nodeType="clickEffect">
+                                <p:cTn id="5" presetID="42" presetClass="entr" presetSubtype="0" fill="hold" nodeType="afterEffect">
                                   <p:stCondLst>
-                                    <p:cond delay="0"/>
+                                    <p:cond delay="500"/>
                                   </p:stCondLst>
                                   <p:childTnLst>
                                     <p:set>
@@ -8653,15 +8671,24 @@
                                   </p:childTnLst>
                                 </p:cTn>
                               </p:par>
+                            </p:childTnLst>
+                          </p:cTn>
+                        </p:par>
+                        <p:par>
+                          <p:cTn id="10" fill="hold">
+                            <p:stCondLst>
+                              <p:cond delay="1500"/>
+                            </p:stCondLst>
+                            <p:childTnLst>
                               <p:par>
-                                <p:cTn id="10" presetID="42" presetClass="entr" presetSubtype="0" fill="hold" nodeType="withEffect">
+                                <p:cTn id="11" presetID="42" presetClass="entr" presetSubtype="0" fill="hold" nodeType="afterEffect">
                                   <p:stCondLst>
-                                    <p:cond delay="0"/>
+                                    <p:cond delay="500"/>
                                   </p:stCondLst>
                                   <p:childTnLst>
                                     <p:set>
                                       <p:cBhvr>
-                                        <p:cTn id="11" dur="1" fill="hold">
+                                        <p:cTn id="12" dur="1" fill="hold">
                                           <p:stCondLst>
                                             <p:cond delay="0"/>
                                           </p:stCondLst>
@@ -8679,7 +8706,7 @@
                                     </p:set>
                                     <p:animEffect transition="in" filter="fade">
                                       <p:cBhvr>
-                                        <p:cTn id="12" dur="1000"/>
+                                        <p:cTn id="13" dur="1000"/>
                                         <p:tgtEl>
                                           <p:spTgt spid="3075"/>
                                         </p:tgtEl>
@@ -8687,7 +8714,7 @@
                                     </p:animEffect>
                                     <p:anim calcmode="lin" valueType="num">
                                       <p:cBhvr>
-                                        <p:cTn id="13" dur="1000" fill="hold"/>
+                                        <p:cTn id="14" dur="1000" fill="hold"/>
                                         <p:tgtEl>
                                           <p:spTgt spid="3075"/>
                                         </p:tgtEl>
@@ -8710,7 +8737,7 @@
                                     </p:anim>
                                     <p:anim calcmode="lin" valueType="num">
                                       <p:cBhvr>
-                                        <p:cTn id="14" dur="1000" fill="hold"/>
+                                        <p:cTn id="15" dur="1000" fill="hold"/>
                                         <p:tgtEl>
                                           <p:spTgt spid="3075"/>
                                         </p:tgtEl>
@@ -8960,7 +8987,12 @@
             <p:ph type="title"/>
           </p:nvPr>
         </p:nvSpPr>
-        <p:spPr/>
+        <p:spPr>
+          <a:xfrm>
+            <a:off x="683568" y="404664"/>
+            <a:ext cx="8229600" cy="1143000"/>
+          </a:xfrm>
+        </p:spPr>
         <p:txBody>
           <a:bodyPr/>
           <a:lstStyle/>
@@ -8969,7 +9001,6 @@
               <a:rPr lang="fa-IR" dirty="0"/>
               <a:t>جدول تطابق پذیری گوشی های موبایل با نرم افزارهای واقعیت مجازی</a:t>
             </a:r>
-            <a:endParaRPr lang="fa-IR" dirty="0"/>
           </a:p>
         </p:txBody>
       </p:sp>
@@ -8983,13 +9014,13 @@
             <p:ph idx="1"/>
             <p:extLst>
               <p:ext uri="{D42A27DB-BD31-4B8C-83A1-F6EECF244321}">
-                <p14:modId xmlns:p14="http://schemas.microsoft.com/office/powerpoint/2010/main" val="1782237186"/>
+                <p14:modId xmlns:p14="http://schemas.microsoft.com/office/powerpoint/2010/main" val="3019304883"/>
               </p:ext>
             </p:extLst>
           </p:nvPr>
         </p:nvGraphicFramePr>
         <p:xfrm>
-          <a:off x="1979712" y="1600200"/>
+          <a:off x="1979712" y="1916832"/>
           <a:ext cx="6707088" cy="4058920"/>
         </p:xfrm>
         <a:graphic>
@@ -9874,7 +9905,12 @@
             <p:ph type="body" idx="1"/>
           </p:nvPr>
         </p:nvSpPr>
-        <p:spPr/>
+        <p:spPr>
+          <a:xfrm>
+            <a:off x="1547664" y="1196752"/>
+            <a:ext cx="7139136" cy="4929411"/>
+          </a:xfrm>
+        </p:spPr>
         <p:txBody>
           <a:bodyPr/>
           <a:lstStyle/>
@@ -9904,6 +9940,12 @@
           </a:p>
           <a:p>
             <a:r>
+              <a:rPr lang="fa-IR" dirty="0" smtClean="0"/>
+              <a:t>جذابیت های واقعیت مجازی</a:t>
+            </a:r>
+          </a:p>
+          <a:p>
+            <a:r>
               <a:rPr lang="ar-SA" dirty="0"/>
               <a:t>تفاوت واقعیت مجازی و واقعیت </a:t>
             </a:r>
@@ -9915,14 +9957,18 @@
           </a:p>
           <a:p>
             <a:r>
+              <a:rPr lang="fa-IR" dirty="0"/>
+              <a:t>زمینه های </a:t>
+            </a:r>
+            <a:r>
+              <a:rPr lang="fa-IR" dirty="0" smtClean="0"/>
+              <a:t>کاربرد</a:t>
+            </a:r>
+          </a:p>
+          <a:p>
+            <a:r>
               <a:rPr lang="fa-IR" dirty="0" smtClean="0"/>
               <a:t>نرم افزار های واقعیت مجازی</a:t>
-            </a:r>
-          </a:p>
-          <a:p>
-            <a:r>
-              <a:rPr lang="fa-IR" dirty="0" smtClean="0"/>
-              <a:t>زمینه های کاربرد</a:t>
             </a:r>
           </a:p>
           <a:p>
@@ -10075,86 +10121,37 @@
           <a:lstStyle/>
           <a:p>
             <a:r>
-              <a:rPr lang="fa-IR" dirty="0" smtClean="0"/>
-              <a:t>واقعیت مجازی در ایران</a:t>
-            </a:r>
-            <a:endParaRPr lang="fa-IR" dirty="0"/>
-          </a:p>
-        </p:txBody>
-      </p:sp>
-      <p:sp>
-        <p:nvSpPr>
-          <p:cNvPr id="3" name="Content Placeholder 2"/>
-          <p:cNvSpPr>
-            <a:spLocks noGrp="1"/>
-          </p:cNvSpPr>
-          <p:nvPr>
-            <p:ph idx="1"/>
-          </p:nvPr>
-        </p:nvSpPr>
-        <p:spPr>
-          <a:xfrm>
-            <a:off x="1547664" y="1412776"/>
-            <a:ext cx="7139136" cy="4713387"/>
-          </a:xfrm>
-        </p:spPr>
-        <p:txBody>
-          <a:bodyPr/>
-          <a:lstStyle/>
-          <a:p>
-            <a:r>
-              <a:rPr lang="fa-IR" dirty="0" smtClean="0">
-                <a:solidFill>
-                  <a:srgbClr val="00B0F0"/>
-                </a:solidFill>
+              <a:rPr lang="en-US" dirty="0">
+                <a:latin typeface="Comic Sans MS" panose="030F0702030302020204" pitchFamily="66" charset="0"/>
               </a:rPr>
-              <a:t>مؤسسه رسانه پرداز آمیتیس </a:t>
-            </a:r>
-            <a:r>
-              <a:rPr lang="fa-IR" dirty="0" smtClean="0"/>
-              <a:t>سازنده بازی رایانه‌ای « مبارزه در خلیج عدن » در تاریخ ۲۲ دی ماه سال ۱۳۹۳ برای اولین بار از دستاورد خود در حوزه واقعیت مجازی رونمایی کرد . تبدیل انواع هدست‌های نمایشگر سه بعدی ( </a:t>
+              <a:t>Ethical </a:t>
             </a:r>
             <a:r>
               <a:rPr lang="en-US" dirty="0" smtClean="0">
                 <a:latin typeface="Comic Sans MS" panose="030F0702030302020204" pitchFamily="66" charset="0"/>
               </a:rPr>
-              <a:t>3D Viewer</a:t>
-            </a:r>
-            <a:r>
-              <a:rPr lang="fa-IR" dirty="0"/>
-              <a:t> ) به هدست واقعیت مجازی ، توسعه و گسترش این تکنولوژی به منظور بهره‌برداری در شهربازی‌ها و مباحث شبیه‌ساز تنها بخشی از فعالیت‌های استودیو آمیتیس در این زمینه است . لازم است ذکر شود این محصول تحت عنوان </a:t>
-            </a:r>
-            <a:r>
-              <a:rPr lang="en-US" dirty="0" err="1">
-                <a:latin typeface="Comic Sans MS" panose="030F0702030302020204" pitchFamily="66" charset="0"/>
-              </a:rPr>
-              <a:t>Amytech</a:t>
-            </a:r>
-            <a:r>
-              <a:rPr lang="en-US" dirty="0">
-                <a:latin typeface="Comic Sans MS" panose="030F0702030302020204" pitchFamily="66" charset="0"/>
-              </a:rPr>
-              <a:t> </a:t>
-            </a:r>
-            <a:r>
-              <a:rPr lang="en-US" dirty="0" smtClean="0">
-                <a:latin typeface="Comic Sans MS" panose="030F0702030302020204" pitchFamily="66" charset="0"/>
-              </a:rPr>
-              <a:t>1</a:t>
-            </a:r>
-            <a:r>
-              <a:rPr lang="fa-IR" dirty="0" smtClean="0"/>
-              <a:t> اولین </a:t>
-            </a:r>
-            <a:r>
-              <a:rPr lang="fa-IR" dirty="0"/>
-              <a:t>هدست واقعیت مجازی مبتنی بر کامپیوتر ایرانی در چهارمین دوره نمایشگاه شهر بازی و اوقات فراغت رونمایی </a:t>
-            </a:r>
-            <a:r>
-              <a:rPr lang="fa-IR" dirty="0" smtClean="0"/>
-              <a:t>گردید .</a:t>
+              <a:t>issues</a:t>
             </a:r>
             <a:endParaRPr lang="fa-IR" dirty="0"/>
+          </a:p>
+        </p:txBody>
+      </p:sp>
+      <p:sp>
+        <p:nvSpPr>
+          <p:cNvPr id="3" name="Content Placeholder 2"/>
+          <p:cNvSpPr>
+            <a:spLocks noGrp="1"/>
+          </p:cNvSpPr>
+          <p:nvPr>
+            <p:ph idx="1"/>
+          </p:nvPr>
+        </p:nvSpPr>
+        <p:spPr/>
+        <p:txBody>
+          <a:bodyPr/>
+          <a:lstStyle/>
+          <a:p>
+            <a:endParaRPr lang="fa-IR"/>
           </a:p>
         </p:txBody>
       </p:sp>
@@ -10208,6 +10205,209 @@
                 <a:defRPr/>
               </a:pPr>
               <a:t>20</a:t>
+            </a:fld>
+            <a:endParaRPr lang="es-ES" altLang="fa-IR" dirty="0"/>
+          </a:p>
+        </p:txBody>
+      </p:sp>
+    </p:spTree>
+    <p:extLst>
+      <p:ext uri="{BB962C8B-B14F-4D97-AF65-F5344CB8AC3E}">
+        <p14:creationId xmlns:p14="http://schemas.microsoft.com/office/powerpoint/2010/main" val="1300548946"/>
+      </p:ext>
+    </p:extLst>
+  </p:cSld>
+  <p:clrMapOvr>
+    <a:masterClrMapping/>
+  </p:clrMapOvr>
+  <mc:AlternateContent xmlns:mc="http://schemas.openxmlformats.org/markup-compatibility/2006" xmlns:p14="http://schemas.microsoft.com/office/powerpoint/2010/main">
+    <mc:Choice Requires="p14">
+      <p:transition spd="slow" p14:dur="800">
+        <p:diamond/>
+      </p:transition>
+    </mc:Choice>
+    <mc:Fallback xmlns="">
+      <p:transition spd="slow">
+        <p:diamond/>
+      </p:transition>
+    </mc:Fallback>
+  </mc:AlternateContent>
+  <p:timing>
+    <p:tnLst>
+      <p:par>
+        <p:cTn id="1" dur="indefinite" restart="never" nodeType="tmRoot"/>
+      </p:par>
+    </p:tnLst>
+  </p:timing>
+</p:sld>
+</file>
+
+<file path=ppt/slides/slide21.xml><?xml version="1.0" encoding="utf-8"?>
+<p:sld xmlns:a="http://schemas.openxmlformats.org/drawingml/2006/main" xmlns:r="http://schemas.openxmlformats.org/officeDocument/2006/relationships" xmlns:p="http://schemas.openxmlformats.org/presentationml/2006/main">
+  <p:cSld>
+    <p:spTree>
+      <p:nvGrpSpPr>
+        <p:cNvPr id="1" name=""/>
+        <p:cNvGrpSpPr/>
+        <p:nvPr/>
+      </p:nvGrpSpPr>
+      <p:grpSpPr>
+        <a:xfrm>
+          <a:off x="0" y="0"/>
+          <a:ext cx="0" cy="0"/>
+          <a:chOff x="0" y="0"/>
+          <a:chExt cx="0" cy="0"/>
+        </a:xfrm>
+      </p:grpSpPr>
+      <p:sp>
+        <p:nvSpPr>
+          <p:cNvPr id="2" name="Title 1"/>
+          <p:cNvSpPr>
+            <a:spLocks noGrp="1"/>
+          </p:cNvSpPr>
+          <p:nvPr>
+            <p:ph type="title"/>
+          </p:nvPr>
+        </p:nvSpPr>
+        <p:spPr/>
+        <p:txBody>
+          <a:bodyPr/>
+          <a:lstStyle/>
+          <a:p>
+            <a:r>
+              <a:rPr lang="fa-IR" dirty="0" smtClean="0"/>
+              <a:t>واقعیت مجازی در ایران</a:t>
+            </a:r>
+            <a:endParaRPr lang="fa-IR" dirty="0"/>
+          </a:p>
+        </p:txBody>
+      </p:sp>
+      <p:sp>
+        <p:nvSpPr>
+          <p:cNvPr id="3" name="Content Placeholder 2"/>
+          <p:cNvSpPr>
+            <a:spLocks noGrp="1"/>
+          </p:cNvSpPr>
+          <p:nvPr>
+            <p:ph idx="1"/>
+          </p:nvPr>
+        </p:nvSpPr>
+        <p:spPr>
+          <a:xfrm>
+            <a:off x="1547664" y="1412776"/>
+            <a:ext cx="7139136" cy="4713387"/>
+          </a:xfrm>
+        </p:spPr>
+        <p:txBody>
+          <a:bodyPr/>
+          <a:lstStyle/>
+          <a:p>
+            <a:r>
+              <a:rPr lang="fa-IR" dirty="0" smtClean="0">
+                <a:solidFill>
+                  <a:srgbClr val="00B0F0"/>
+                </a:solidFill>
+              </a:rPr>
+              <a:t>مؤسسه رسانه پرداز آمیتیس </a:t>
+            </a:r>
+            <a:r>
+              <a:rPr lang="fa-IR" dirty="0" smtClean="0"/>
+              <a:t>سازنده بازی رایانه‌ای « مبارزه در خلیج عدن » در تاریخ ۲۲ دی ماه سال ۱۳۹۳ برای اولین بار از دستاورد خود در حوزه واقعیت مجازی رونمایی کرد . تبدیل انواع هدست‌های نمایشگر سه بعدی ( </a:t>
+            </a:r>
+            <a:r>
+              <a:rPr lang="en-US" dirty="0" smtClean="0">
+                <a:latin typeface="Comic Sans MS" panose="030F0702030302020204" pitchFamily="66" charset="0"/>
+              </a:rPr>
+              <a:t>3D Viewer</a:t>
+            </a:r>
+            <a:r>
+              <a:rPr lang="fa-IR" dirty="0"/>
+              <a:t> ) به هدست واقعیت مجازی ، توسعه و گسترش این تکنولوژی به منظور بهره‌برداری در شهربازی‌ها و مباحث شبیه‌ساز تنها بخشی از فعالیت‌های استودیو آمیتیس در این زمینه است . لازم است ذکر شود این محصول تحت عنوان </a:t>
+            </a:r>
+            <a:r>
+              <a:rPr lang="en-US" dirty="0" err="1">
+                <a:latin typeface="Comic Sans MS" panose="030F0702030302020204" pitchFamily="66" charset="0"/>
+              </a:rPr>
+              <a:t>Amytech</a:t>
+            </a:r>
+            <a:r>
+              <a:rPr lang="en-US" dirty="0">
+                <a:latin typeface="Comic Sans MS" panose="030F0702030302020204" pitchFamily="66" charset="0"/>
+              </a:rPr>
+              <a:t> </a:t>
+            </a:r>
+            <a:r>
+              <a:rPr lang="en-US" dirty="0" smtClean="0">
+                <a:latin typeface="Comic Sans MS" panose="030F0702030302020204" pitchFamily="66" charset="0"/>
+              </a:rPr>
+              <a:t>1</a:t>
+            </a:r>
+            <a:r>
+              <a:rPr lang="fa-IR" dirty="0" smtClean="0"/>
+              <a:t> اولین </a:t>
+            </a:r>
+            <a:r>
+              <a:rPr lang="fa-IR" dirty="0"/>
+              <a:t>هدست واقعیت مجازی مبتنی بر کامپیوتر ایرانی در چهارمین دوره نمایشگاه شهر بازی و اوقات فراغت رونمایی </a:t>
+            </a:r>
+            <a:r>
+              <a:rPr lang="fa-IR" dirty="0" smtClean="0"/>
+              <a:t>گردید .</a:t>
+            </a:r>
+            <a:endParaRPr lang="fa-IR" dirty="0"/>
+          </a:p>
+        </p:txBody>
+      </p:sp>
+      <p:sp>
+        <p:nvSpPr>
+          <p:cNvPr id="4" name="Footer Placeholder 3"/>
+          <p:cNvSpPr>
+            <a:spLocks noGrp="1"/>
+          </p:cNvSpPr>
+          <p:nvPr>
+            <p:ph type="ftr" sz="quarter" idx="11"/>
+          </p:nvPr>
+        </p:nvSpPr>
+        <p:spPr/>
+        <p:txBody>
+          <a:bodyPr/>
+          <a:lstStyle/>
+          <a:p>
+            <a:pPr>
+              <a:defRPr/>
+            </a:pPr>
+            <a:r>
+              <a:rPr lang="fa-IR" altLang="fa-IR" smtClean="0"/>
+              <a:t>دانشگاه صنعتی اصفهان – دانشکده کامپیوتر</a:t>
+            </a:r>
+            <a:endParaRPr lang="es-ES" altLang="fa-IR" dirty="0"/>
+          </a:p>
+        </p:txBody>
+      </p:sp>
+      <p:sp>
+        <p:nvSpPr>
+          <p:cNvPr id="5" name="Slide Number Placeholder 4"/>
+          <p:cNvSpPr>
+            <a:spLocks noGrp="1"/>
+          </p:cNvSpPr>
+          <p:nvPr>
+            <p:ph type="sldNum" sz="quarter" idx="12"/>
+          </p:nvPr>
+        </p:nvSpPr>
+        <p:spPr/>
+        <p:txBody>
+          <a:bodyPr/>
+          <a:lstStyle/>
+          <a:p>
+            <a:pPr>
+              <a:defRPr/>
+            </a:pPr>
+            <a:fld id="{C5303A1E-C0C3-4A75-A42D-959ACBF920C8}" type="slidenum">
+              <a:rPr lang="es-ES" altLang="fa-IR" smtClean="0"/>
+              <a:pPr>
+                <a:defRPr/>
+              </a:pPr>
+              <a:t>21</a:t>
             </a:fld>
             <a:endParaRPr lang="es-ES" altLang="fa-IR" dirty="0"/>
           </a:p>
@@ -10297,7 +10497,7 @@
                               <p:par>
                                 <p:cTn id="5" presetID="2" presetClass="entr" presetSubtype="6" fill="hold" nodeType="afterEffect">
                                   <p:stCondLst>
-                                    <p:cond delay="1000"/>
+                                    <p:cond delay="750"/>
                                   </p:stCondLst>
                                   <p:childTnLst>
                                     <p:set>
@@ -10398,7 +10598,7 @@
 </p:sld>
 </file>
 
-<file path=ppt/slides/slide21.xml><?xml version="1.0" encoding="utf-8"?>
+<file path=ppt/slides/slide22.xml><?xml version="1.0" encoding="utf-8"?>
 <p:sld xmlns:a="http://schemas.openxmlformats.org/drawingml/2006/main" xmlns:r="http://schemas.openxmlformats.org/officeDocument/2006/relationships" xmlns:p="http://schemas.openxmlformats.org/presentationml/2006/main">
   <p:cSld>
     <p:spTree>
@@ -10417,25 +10617,6 @@
       </p:grpSpPr>
       <p:sp>
         <p:nvSpPr>
-          <p:cNvPr id="2" name="Title 1"/>
-          <p:cNvSpPr>
-            <a:spLocks noGrp="1"/>
-          </p:cNvSpPr>
-          <p:nvPr>
-            <p:ph type="title"/>
-          </p:nvPr>
-        </p:nvSpPr>
-        <p:spPr/>
-        <p:txBody>
-          <a:bodyPr/>
-          <a:lstStyle/>
-          <a:p>
-            <a:endParaRPr lang="fa-IR" dirty="0"/>
-          </a:p>
-        </p:txBody>
-      </p:sp>
-      <p:sp>
-        <p:nvSpPr>
           <p:cNvPr id="3" name="Content Placeholder 2"/>
           <p:cNvSpPr>
             <a:spLocks noGrp="1"/>
@@ -10555,7 +10736,7 @@
               <a:pPr>
                 <a:defRPr/>
               </a:pPr>
-              <a:t>21</a:t>
+              <a:t>22</a:t>
             </a:fld>
             <a:endParaRPr lang="es-ES" altLang="fa-IR" dirty="0"/>
           </a:p>
@@ -10639,7 +10820,7 @@
                               <p:par>
                                 <p:cTn id="5" presetID="2" presetClass="entr" presetSubtype="2" fill="hold" nodeType="afterEffect">
                                   <p:stCondLst>
-                                    <p:cond delay="1000"/>
+                                    <p:cond delay="750"/>
                                   </p:stCondLst>
                                   <p:childTnLst>
                                     <p:set>
@@ -10740,7 +10921,7 @@
 </p:sld>
 </file>
 
-<file path=ppt/slides/slide22.xml><?xml version="1.0" encoding="utf-8"?>
+<file path=ppt/slides/slide23.xml><?xml version="1.0" encoding="utf-8"?>
 <p:sld xmlns:a="http://schemas.openxmlformats.org/drawingml/2006/main" xmlns:r="http://schemas.openxmlformats.org/officeDocument/2006/relationships" xmlns:p="http://schemas.openxmlformats.org/presentationml/2006/main">
   <p:cSld>
     <p:spTree>
@@ -10759,25 +10940,6 @@
       </p:grpSpPr>
       <p:sp>
         <p:nvSpPr>
-          <p:cNvPr id="2" name="Title 1"/>
-          <p:cNvSpPr>
-            <a:spLocks noGrp="1"/>
-          </p:cNvSpPr>
-          <p:nvPr>
-            <p:ph type="title"/>
-          </p:nvPr>
-        </p:nvSpPr>
-        <p:spPr/>
-        <p:txBody>
-          <a:bodyPr/>
-          <a:lstStyle/>
-          <a:p>
-            <a:endParaRPr lang="fa-IR"/>
-          </a:p>
-        </p:txBody>
-      </p:sp>
-      <p:sp>
-        <p:nvSpPr>
           <p:cNvPr id="3" name="Content Placeholder 2"/>
           <p:cNvSpPr>
             <a:spLocks noGrp="1"/>
@@ -10889,7 +11051,7 @@
               <a:pPr>
                 <a:defRPr/>
               </a:pPr>
-              <a:t>22</a:t>
+              <a:t>23</a:t>
             </a:fld>
             <a:endParaRPr lang="es-ES" altLang="fa-IR" dirty="0"/>
           </a:p>
@@ -10927,7 +11089,7 @@
 </p:sld>
 </file>
 
-<file path=ppt/slides/slide23.xml><?xml version="1.0" encoding="utf-8"?>
+<file path=ppt/slides/slide24.xml><?xml version="1.0" encoding="utf-8"?>
 <p:sld xmlns:a="http://schemas.openxmlformats.org/drawingml/2006/main" xmlns:r="http://schemas.openxmlformats.org/officeDocument/2006/relationships" xmlns:p="http://schemas.openxmlformats.org/presentationml/2006/main">
   <p:cSld>
     <p:spTree>
@@ -10946,25 +11108,6 @@
       </p:grpSpPr>
       <p:sp>
         <p:nvSpPr>
-          <p:cNvPr id="2" name="Title 1"/>
-          <p:cNvSpPr>
-            <a:spLocks noGrp="1"/>
-          </p:cNvSpPr>
-          <p:nvPr>
-            <p:ph type="title"/>
-          </p:nvPr>
-        </p:nvSpPr>
-        <p:spPr/>
-        <p:txBody>
-          <a:bodyPr/>
-          <a:lstStyle/>
-          <a:p>
-            <a:endParaRPr lang="fa-IR"/>
-          </a:p>
-        </p:txBody>
-      </p:sp>
-      <p:sp>
-        <p:nvSpPr>
           <p:cNvPr id="3" name="Content Placeholder 2"/>
           <p:cNvSpPr>
             <a:spLocks noGrp="1"/>
@@ -11176,7 +11319,7 @@
               <a:pPr>
                 <a:defRPr/>
               </a:pPr>
-              <a:t>23</a:t>
+              <a:t>24</a:t>
             </a:fld>
             <a:endParaRPr lang="es-ES" altLang="fa-IR" dirty="0"/>
           </a:p>
@@ -11208,6 +11351,378 @@
     <p:tnLst>
       <p:par>
         <p:cTn id="1" dur="indefinite" restart="never" nodeType="tmRoot"/>
+      </p:par>
+    </p:tnLst>
+  </p:timing>
+</p:sld>
+</file>
+
+<file path=ppt/slides/slide25.xml><?xml version="1.0" encoding="utf-8"?>
+<p:sld xmlns:a="http://schemas.openxmlformats.org/drawingml/2006/main" xmlns:r="http://schemas.openxmlformats.org/officeDocument/2006/relationships" xmlns:p="http://schemas.openxmlformats.org/presentationml/2006/main">
+  <p:cSld>
+    <p:spTree>
+      <p:nvGrpSpPr>
+        <p:cNvPr id="1" name=""/>
+        <p:cNvGrpSpPr/>
+        <p:nvPr/>
+      </p:nvGrpSpPr>
+      <p:grpSpPr>
+        <a:xfrm>
+          <a:off x="0" y="0"/>
+          <a:ext cx="0" cy="0"/>
+          <a:chOff x="0" y="0"/>
+          <a:chExt cx="0" cy="0"/>
+        </a:xfrm>
+      </p:grpSpPr>
+      <p:sp>
+        <p:nvSpPr>
+          <p:cNvPr id="2" name="Title 1"/>
+          <p:cNvSpPr>
+            <a:spLocks noGrp="1"/>
+          </p:cNvSpPr>
+          <p:nvPr>
+            <p:ph type="title"/>
+          </p:nvPr>
+        </p:nvSpPr>
+        <p:spPr/>
+        <p:txBody>
+          <a:bodyPr/>
+          <a:lstStyle/>
+          <a:p>
+            <a:r>
+              <a:rPr lang="fa-IR" dirty="0" smtClean="0"/>
+              <a:t>پایان</a:t>
+            </a:r>
+            <a:endParaRPr lang="fa-IR" dirty="0"/>
+          </a:p>
+        </p:txBody>
+      </p:sp>
+      <p:sp>
+        <p:nvSpPr>
+          <p:cNvPr id="3" name="Content Placeholder 2"/>
+          <p:cNvSpPr>
+            <a:spLocks noGrp="1"/>
+          </p:cNvSpPr>
+          <p:nvPr>
+            <p:ph idx="1"/>
+          </p:nvPr>
+        </p:nvSpPr>
+        <p:spPr>
+          <a:xfrm>
+            <a:off x="899592" y="1484784"/>
+            <a:ext cx="7787208" cy="4525963"/>
+          </a:xfrm>
+        </p:spPr>
+        <p:txBody>
+          <a:bodyPr/>
+          <a:lstStyle/>
+          <a:p>
+            <a:endParaRPr lang="fa-IR" dirty="0" smtClean="0">
+              <a:solidFill>
+                <a:srgbClr val="00B0F0"/>
+              </a:solidFill>
+              <a:latin typeface="Comic Sans MS" panose="030F0702030302020204" pitchFamily="66" charset="0"/>
+            </a:endParaRPr>
+          </a:p>
+          <a:p>
+            <a:endParaRPr lang="fa-IR" dirty="0">
+              <a:solidFill>
+                <a:srgbClr val="00B0F0"/>
+              </a:solidFill>
+              <a:latin typeface="Comic Sans MS" panose="030F0702030302020204" pitchFamily="66" charset="0"/>
+            </a:endParaRPr>
+          </a:p>
+          <a:p>
+            <a:endParaRPr lang="fa-IR" dirty="0" smtClean="0">
+              <a:solidFill>
+                <a:srgbClr val="00B0F0"/>
+              </a:solidFill>
+              <a:latin typeface="Comic Sans MS" panose="030F0702030302020204" pitchFamily="66" charset="0"/>
+            </a:endParaRPr>
+          </a:p>
+          <a:p>
+            <a:pPr marL="0" indent="0">
+              <a:buNone/>
+            </a:pPr>
+            <a:r>
+              <a:rPr lang="en-US" dirty="0" smtClean="0">
+                <a:solidFill>
+                  <a:srgbClr val="00B0F0"/>
+                </a:solidFill>
+                <a:latin typeface="Comic Sans MS" panose="030F0702030302020204" pitchFamily="66" charset="0"/>
+              </a:rPr>
+              <a:t>https</a:t>
+            </a:r>
+            <a:r>
+              <a:rPr lang="en-US" dirty="0">
+                <a:solidFill>
+                  <a:srgbClr val="00B0F0"/>
+                </a:solidFill>
+                <a:latin typeface="Comic Sans MS" panose="030F0702030302020204" pitchFamily="66" charset="0"/>
+              </a:rPr>
+              <a:t>://github.com/farbodDreamliner/Principles-of-IT</a:t>
+            </a:r>
+            <a:endParaRPr lang="fa-IR" dirty="0">
+              <a:solidFill>
+                <a:srgbClr val="00B0F0"/>
+              </a:solidFill>
+              <a:latin typeface="Comic Sans MS" panose="030F0702030302020204" pitchFamily="66" charset="0"/>
+            </a:endParaRPr>
+          </a:p>
+        </p:txBody>
+      </p:sp>
+      <p:sp>
+        <p:nvSpPr>
+          <p:cNvPr id="4" name="Footer Placeholder 3"/>
+          <p:cNvSpPr>
+            <a:spLocks noGrp="1"/>
+          </p:cNvSpPr>
+          <p:nvPr>
+            <p:ph type="ftr" sz="quarter" idx="11"/>
+          </p:nvPr>
+        </p:nvSpPr>
+        <p:spPr/>
+        <p:txBody>
+          <a:bodyPr/>
+          <a:lstStyle/>
+          <a:p>
+            <a:pPr>
+              <a:defRPr/>
+            </a:pPr>
+            <a:r>
+              <a:rPr lang="fa-IR" altLang="fa-IR" smtClean="0"/>
+              <a:t>دانشگاه صنعتی اصفهان – دانشکده کامپیوتر</a:t>
+            </a:r>
+            <a:endParaRPr lang="es-ES" altLang="fa-IR" dirty="0"/>
+          </a:p>
+        </p:txBody>
+      </p:sp>
+      <p:sp>
+        <p:nvSpPr>
+          <p:cNvPr id="5" name="Slide Number Placeholder 4"/>
+          <p:cNvSpPr>
+            <a:spLocks noGrp="1"/>
+          </p:cNvSpPr>
+          <p:nvPr>
+            <p:ph type="sldNum" sz="quarter" idx="12"/>
+          </p:nvPr>
+        </p:nvSpPr>
+        <p:spPr/>
+        <p:txBody>
+          <a:bodyPr/>
+          <a:lstStyle/>
+          <a:p>
+            <a:pPr>
+              <a:defRPr/>
+            </a:pPr>
+            <a:fld id="{C5303A1E-C0C3-4A75-A42D-959ACBF920C8}" type="slidenum">
+              <a:rPr lang="es-ES" altLang="fa-IR" smtClean="0"/>
+              <a:pPr>
+                <a:defRPr/>
+              </a:pPr>
+              <a:t>25</a:t>
+            </a:fld>
+            <a:endParaRPr lang="es-ES" altLang="fa-IR" dirty="0"/>
+          </a:p>
+        </p:txBody>
+      </p:sp>
+      <p:pic>
+        <p:nvPicPr>
+          <p:cNvPr id="1026" name="Picture 2" descr="C:\Users\asus\Desktop\Farbod.IUT\3941\Linlab2011_1\Sass\github.png"/>
+          <p:cNvPicPr>
+            <a:picLocks noChangeAspect="1" noChangeArrowheads="1"/>
+          </p:cNvPicPr>
+          <p:nvPr/>
+        </p:nvPicPr>
+        <p:blipFill>
+          <a:blip r:embed="rId2" cstate="print">
+            <a:extLst>
+              <a:ext uri="{28A0092B-C50C-407E-A947-70E740481C1C}">
+                <a14:useLocalDpi xmlns:a14="http://schemas.microsoft.com/office/drawing/2010/main" val="0"/>
+              </a:ext>
+            </a:extLst>
+          </a:blip>
+          <a:srcRect/>
+          <a:stretch>
+            <a:fillRect/>
+          </a:stretch>
+        </p:blipFill>
+        <p:spPr bwMode="auto">
+          <a:xfrm>
+            <a:off x="4067944" y="1556792"/>
+            <a:ext cx="1013370" cy="1013370"/>
+          </a:xfrm>
+          <a:prstGeom prst="ellipse">
+            <a:avLst/>
+          </a:prstGeom>
+          <a:ln>
+            <a:noFill/>
+          </a:ln>
+          <a:effectLst>
+            <a:softEdge rad="63500"/>
+          </a:effectLst>
+          <a:extLst>
+            <a:ext uri="{909E8E84-426E-40DD-AFC4-6F175D3DCCD1}">
+              <a14:hiddenFill xmlns:a14="http://schemas.microsoft.com/office/drawing/2010/main">
+                <a:solidFill>
+                  <a:srgbClr val="FFFFFF"/>
+                </a:solidFill>
+              </a14:hiddenFill>
+            </a:ext>
+          </a:extLst>
+        </p:spPr>
+      </p:pic>
+    </p:spTree>
+    <p:extLst>
+      <p:ext uri="{BB962C8B-B14F-4D97-AF65-F5344CB8AC3E}">
+        <p14:creationId xmlns:p14="http://schemas.microsoft.com/office/powerpoint/2010/main" val="1959610985"/>
+      </p:ext>
+    </p:extLst>
+  </p:cSld>
+  <p:clrMapOvr>
+    <a:masterClrMapping/>
+  </p:clrMapOvr>
+  <mc:AlternateContent xmlns:mc="http://schemas.openxmlformats.org/markup-compatibility/2006" xmlns:p14="http://schemas.microsoft.com/office/powerpoint/2010/main">
+    <mc:Choice Requires="p14">
+      <p:transition spd="slow" p14:dur="800">
+        <p:diamond/>
+      </p:transition>
+    </mc:Choice>
+    <mc:Fallback xmlns="">
+      <p:transition spd="slow">
+        <p:diamond/>
+      </p:transition>
+    </mc:Fallback>
+  </mc:AlternateContent>
+  <p:timing>
+    <p:tnLst>
+      <p:par>
+        <p:cTn id="1" dur="indefinite" restart="never" nodeType="tmRoot">
+          <p:childTnLst>
+            <p:seq concurrent="1" nextAc="seek">
+              <p:cTn id="2" dur="indefinite" nodeType="mainSeq">
+                <p:childTnLst>
+                  <p:par>
+                    <p:cTn id="3" fill="hold">
+                      <p:stCondLst>
+                        <p:cond delay="indefinite"/>
+                        <p:cond evt="onBegin" delay="0">
+                          <p:tn val="2"/>
+                        </p:cond>
+                      </p:stCondLst>
+                      <p:childTnLst>
+                        <p:par>
+                          <p:cTn id="4" fill="hold">
+                            <p:stCondLst>
+                              <p:cond delay="0"/>
+                            </p:stCondLst>
+                            <p:childTnLst>
+                              <p:par>
+                                <p:cTn id="5" presetID="42" presetClass="entr" presetSubtype="0" fill="hold" nodeType="withEffect">
+                                  <p:stCondLst>
+                                    <p:cond delay="0"/>
+                                  </p:stCondLst>
+                                  <p:childTnLst>
+                                    <p:set>
+                                      <p:cBhvr>
+                                        <p:cTn id="6" dur="1" fill="hold">
+                                          <p:stCondLst>
+                                            <p:cond delay="0"/>
+                                          </p:stCondLst>
+                                        </p:cTn>
+                                        <p:tgtEl>
+                                          <p:spTgt spid="1026"/>
+                                        </p:tgtEl>
+                                        <p:attrNameLst>
+                                          <p:attrName>style.visibility</p:attrName>
+                                        </p:attrNameLst>
+                                      </p:cBhvr>
+                                      <p:to>
+                                        <p:strVal val="visible"/>
+                                      </p:to>
+                                    </p:set>
+                                    <p:animEffect transition="in" filter="fade">
+                                      <p:cBhvr>
+                                        <p:cTn id="7" dur="1000"/>
+                                        <p:tgtEl>
+                                          <p:spTgt spid="1026"/>
+                                        </p:tgtEl>
+                                      </p:cBhvr>
+                                    </p:animEffect>
+                                    <p:anim calcmode="lin" valueType="num">
+                                      <p:cBhvr>
+                                        <p:cTn id="8" dur="1000" fill="hold"/>
+                                        <p:tgtEl>
+                                          <p:spTgt spid="1026"/>
+                                        </p:tgtEl>
+                                        <p:attrNameLst>
+                                          <p:attrName>ppt_x</p:attrName>
+                                        </p:attrNameLst>
+                                      </p:cBhvr>
+                                      <p:tavLst>
+                                        <p:tav tm="0">
+                                          <p:val>
+                                            <p:strVal val="#ppt_x"/>
+                                          </p:val>
+                                        </p:tav>
+                                        <p:tav tm="100000">
+                                          <p:val>
+                                            <p:strVal val="#ppt_x"/>
+                                          </p:val>
+                                        </p:tav>
+                                      </p:tavLst>
+                                    </p:anim>
+                                    <p:anim calcmode="lin" valueType="num">
+                                      <p:cBhvr>
+                                        <p:cTn id="9" dur="1000" fill="hold"/>
+                                        <p:tgtEl>
+                                          <p:spTgt spid="1026"/>
+                                        </p:tgtEl>
+                                        <p:attrNameLst>
+                                          <p:attrName>ppt_y</p:attrName>
+                                        </p:attrNameLst>
+                                      </p:cBhvr>
+                                      <p:tavLst>
+                                        <p:tav tm="0">
+                                          <p:val>
+                                            <p:strVal val="#ppt_y+.1"/>
+                                          </p:val>
+                                        </p:tav>
+                                        <p:tav tm="100000">
+                                          <p:val>
+                                            <p:strVal val="#ppt_y"/>
+                                          </p:val>
+                                        </p:tav>
+                                      </p:tavLst>
+                                    </p:anim>
+                                  </p:childTnLst>
+                                </p:cTn>
+                              </p:par>
+                            </p:childTnLst>
+                          </p:cTn>
+                        </p:par>
+                      </p:childTnLst>
+                    </p:cTn>
+                  </p:par>
+                </p:childTnLst>
+              </p:cTn>
+              <p:prevCondLst>
+                <p:cond evt="onPrev" delay="0">
+                  <p:tgtEl>
+                    <p:sldTgt/>
+                  </p:tgtEl>
+                </p:cond>
+              </p:prevCondLst>
+              <p:nextCondLst>
+                <p:cond evt="onNext" delay="0">
+                  <p:tgtEl>
+                    <p:sldTgt/>
+                  </p:tgtEl>
+                </p:cond>
+              </p:nextCondLst>
+            </p:seq>
+          </p:childTnLst>
+        </p:cTn>
       </p:par>
     </p:tnLst>
   </p:timing>
@@ -12070,25 +12585,6 @@
       </p:grpSpPr>
       <p:sp>
         <p:nvSpPr>
-          <p:cNvPr id="2" name="Title 1"/>
-          <p:cNvSpPr>
-            <a:spLocks noGrp="1"/>
-          </p:cNvSpPr>
-          <p:nvPr>
-            <p:ph type="title"/>
-          </p:nvPr>
-        </p:nvSpPr>
-        <p:spPr/>
-        <p:txBody>
-          <a:bodyPr/>
-          <a:lstStyle/>
-          <a:p>
-            <a:endParaRPr lang="fa-IR"/>
-          </a:p>
-        </p:txBody>
-      </p:sp>
-      <p:sp>
-        <p:nvSpPr>
           <p:cNvPr id="3" name="Content Placeholder 2"/>
           <p:cNvSpPr>
             <a:spLocks noGrp="1"/>
@@ -12239,25 +12735,6 @@
       </p:grpSpPr>
       <p:sp>
         <p:nvSpPr>
-          <p:cNvPr id="2" name="Title 1"/>
-          <p:cNvSpPr>
-            <a:spLocks noGrp="1"/>
-          </p:cNvSpPr>
-          <p:nvPr>
-            <p:ph type="title"/>
-          </p:nvPr>
-        </p:nvSpPr>
-        <p:spPr/>
-        <p:txBody>
-          <a:bodyPr/>
-          <a:lstStyle/>
-          <a:p>
-            <a:endParaRPr lang="fa-IR" dirty="0"/>
-          </a:p>
-        </p:txBody>
-      </p:sp>
-      <p:sp>
-        <p:nvSpPr>
           <p:cNvPr id="3" name="Content Placeholder 2"/>
           <p:cNvSpPr>
             <a:spLocks noGrp="1"/>
@@ -12318,7 +12795,7 @@
         </p:blipFill>
         <p:spPr bwMode="auto">
           <a:xfrm>
-            <a:off x="3419879" y="4365104"/>
+            <a:off x="3419879" y="4221088"/>
             <a:ext cx="2304250" cy="1728186"/>
           </a:xfrm>
           <a:prstGeom prst="rect">
@@ -12444,7 +12921,7 @@
                               <p:par>
                                 <p:cTn id="5" presetID="53" presetClass="entr" presetSubtype="16" fill="hold" nodeType="afterEffect">
                                   <p:stCondLst>
-                                    <p:cond delay="0"/>
+                                    <p:cond delay="750"/>
                                   </p:stCondLst>
                                   <p:childTnLst>
                                     <p:set>
@@ -12646,7 +13123,7 @@
           <a:p>
             <a:r>
               <a:rPr lang="fa-IR" dirty="0" smtClean="0"/>
-              <a:t>همه جانبه باشد .</a:t>
+              <a:t>همه جانبه است .</a:t>
             </a:r>
             <a:endParaRPr lang="fa-IR" dirty="0"/>
           </a:p>
@@ -12729,6 +13206,13 @@
       </p:transition>
     </mc:Fallback>
   </mc:AlternateContent>
+  <p:timing>
+    <p:tnLst>
+      <p:par>
+        <p:cTn id="1" dur="indefinite" restart="never" nodeType="tmRoot"/>
+      </p:par>
+    </p:tnLst>
+  </p:timing>
 </p:sld>
 </file>
 

--- a/واقعیت مجازی ( Virtual Reality ).pptx
+++ b/واقعیت مجازی ( Virtual Reality ).pptx
@@ -5,7 +5,7 @@
     <p:sldMasterId id="2147483648" r:id="rId1"/>
   </p:sldMasterIdLst>
   <p:notesMasterIdLst>
-    <p:notesMasterId r:id="rId27"/>
+    <p:notesMasterId r:id="rId30"/>
   </p:notesMasterIdLst>
   <p:sldIdLst>
     <p:sldId id="256" r:id="rId2"/>
@@ -25,14 +25,17 @@
     <p:sldId id="275" r:id="rId16"/>
     <p:sldId id="276" r:id="rId17"/>
     <p:sldId id="262" r:id="rId18"/>
-    <p:sldId id="278" r:id="rId19"/>
-    <p:sldId id="277" r:id="rId20"/>
-    <p:sldId id="279" r:id="rId21"/>
-    <p:sldId id="263" r:id="rId22"/>
-    <p:sldId id="264" r:id="rId23"/>
-    <p:sldId id="265" r:id="rId24"/>
-    <p:sldId id="266" r:id="rId25"/>
-    <p:sldId id="280" r:id="rId26"/>
+    <p:sldId id="282" r:id="rId19"/>
+    <p:sldId id="278" r:id="rId20"/>
+    <p:sldId id="277" r:id="rId21"/>
+    <p:sldId id="281" r:id="rId22"/>
+    <p:sldId id="283" r:id="rId23"/>
+    <p:sldId id="279" r:id="rId24"/>
+    <p:sldId id="263" r:id="rId25"/>
+    <p:sldId id="264" r:id="rId26"/>
+    <p:sldId id="265" r:id="rId27"/>
+    <p:sldId id="266" r:id="rId28"/>
+    <p:sldId id="280" r:id="rId29"/>
   </p:sldIdLst>
   <p:sldSz cx="9144000" cy="6858000" type="screen4x3"/>
   <p:notesSz cx="6858000" cy="9144000"/>
@@ -246,7 +249,7 @@
           <a:p>
             <a:fld id="{9077D2A7-0790-485D-A062-99A142C9CC43}" type="datetimeFigureOut">
               <a:rPr lang="fa-IR" smtClean="0"/>
-              <a:t>20/06/1437</a:t>
+              <a:t>21/06/1437</a:t>
             </a:fld>
             <a:endParaRPr lang="fa-IR"/>
           </a:p>
@@ -6258,7 +6261,12 @@
             <p:ph type="title"/>
           </p:nvPr>
         </p:nvSpPr>
-        <p:spPr/>
+        <p:spPr>
+          <a:xfrm>
+            <a:off x="457200" y="188640"/>
+            <a:ext cx="8229600" cy="1228998"/>
+          </a:xfrm>
+        </p:spPr>
         <p:txBody>
           <a:bodyPr/>
           <a:lstStyle/>
@@ -6285,7 +6293,12 @@
             <p:ph idx="1"/>
           </p:nvPr>
         </p:nvSpPr>
-        <p:spPr/>
+        <p:spPr>
+          <a:xfrm>
+            <a:off x="1259632" y="1340768"/>
+            <a:ext cx="7427168" cy="4785395"/>
+          </a:xfrm>
+        </p:spPr>
         <p:txBody>
           <a:bodyPr/>
           <a:lstStyle/>
@@ -6306,6 +6319,14 @@
               <a:rPr lang="ar-SA" dirty="0" smtClean="0"/>
               <a:t>.</a:t>
             </a:r>
+            <a:r>
+              <a:rPr lang="en-US" dirty="0" smtClean="0"/>
+              <a:t> </a:t>
+            </a:r>
+            <a:r>
+              <a:rPr lang="fa-IR" dirty="0" smtClean="0"/>
+              <a:t>( مثال استفاده هیوندا از واقعیت افزوده به جای دفترچه راهنما . )</a:t>
+            </a:r>
             <a:endParaRPr lang="fa-IR" dirty="0" smtClean="0"/>
           </a:p>
           <a:p>
@@ -6323,18 +6344,6 @@
             <a:r>
               <a:rPr lang="ar-SA" dirty="0" smtClean="0"/>
               <a:t>کند</a:t>
-            </a:r>
-            <a:r>
-              <a:rPr lang="fa-IR" dirty="0" smtClean="0"/>
-              <a:t> ، </a:t>
-            </a:r>
-            <a:r>
-              <a:rPr lang="ar-SA" dirty="0"/>
-              <a:t>برخی از اين محیط ها بصورت گرافیک رايانه ای و سه بعدی هستند و برخی ديگر نیز ويدئوها يا تصاويری های واقعی هستند که از قبل فیلمبرداری شده </a:t>
-            </a:r>
-            <a:r>
-              <a:rPr lang="ar-SA" dirty="0" smtClean="0"/>
-              <a:t>اند</a:t>
             </a:r>
             <a:r>
               <a:rPr lang="fa-IR" dirty="0" smtClean="0"/>
@@ -6403,6 +6412,42 @@
           </a:p>
         </p:txBody>
       </p:sp>
+      <p:pic>
+        <p:nvPicPr>
+          <p:cNvPr id="6" name="Picture 5"/>
+          <p:cNvPicPr>
+            <a:picLocks noChangeAspect="1"/>
+          </p:cNvPicPr>
+          <p:nvPr/>
+        </p:nvPicPr>
+        <p:blipFill>
+          <a:blip r:embed="rId2" cstate="print">
+            <a:extLst>
+              <a:ext uri="{28A0092B-C50C-407E-A947-70E740481C1C}">
+                <a14:useLocalDpi xmlns:a14="http://schemas.microsoft.com/office/drawing/2010/main" val="0"/>
+              </a:ext>
+            </a:extLst>
+          </a:blip>
+          <a:stretch>
+            <a:fillRect/>
+          </a:stretch>
+        </p:blipFill>
+        <p:spPr>
+          <a:xfrm>
+            <a:off x="2007648" y="3861048"/>
+            <a:ext cx="5128704" cy="2304254"/>
+          </a:xfrm>
+          <a:prstGeom prst="rect">
+            <a:avLst/>
+          </a:prstGeom>
+          <a:ln>
+            <a:noFill/>
+          </a:ln>
+          <a:effectLst>
+            <a:softEdge rad="112500"/>
+          </a:effectLst>
+        </p:spPr>
+      </p:pic>
     </p:spTree>
     <p:extLst>
       <p:ext uri="{BB962C8B-B14F-4D97-AF65-F5344CB8AC3E}">
@@ -6428,7 +6473,132 @@
   <p:timing>
     <p:tnLst>
       <p:par>
-        <p:cTn id="1" dur="indefinite" restart="never" nodeType="tmRoot"/>
+        <p:cTn id="1" dur="indefinite" restart="never" nodeType="tmRoot">
+          <p:childTnLst>
+            <p:seq concurrent="1" nextAc="seek">
+              <p:cTn id="2" dur="indefinite" nodeType="mainSeq">
+                <p:childTnLst>
+                  <p:par>
+                    <p:cTn id="3" fill="hold">
+                      <p:stCondLst>
+                        <p:cond delay="indefinite"/>
+                        <p:cond evt="onBegin" delay="0">
+                          <p:tn val="2"/>
+                        </p:cond>
+                      </p:stCondLst>
+                      <p:childTnLst>
+                        <p:par>
+                          <p:cTn id="4" fill="hold">
+                            <p:stCondLst>
+                              <p:cond delay="0"/>
+                            </p:stCondLst>
+                            <p:childTnLst>
+                              <p:par>
+                                <p:cTn id="5" presetID="42" presetClass="entr" presetSubtype="0" fill="hold" nodeType="afterEffect">
+                                  <p:stCondLst>
+                                    <p:cond delay="0"/>
+                                  </p:stCondLst>
+                                  <p:childTnLst>
+                                    <p:set>
+                                      <p:cBhvr>
+                                        <p:cTn id="6" dur="1" fill="hold">
+                                          <p:stCondLst>
+                                            <p:cond delay="0"/>
+                                          </p:stCondLst>
+                                        </p:cTn>
+                                        <p:tgtEl>
+                                          <p:spTgt spid="6"/>
+                                        </p:tgtEl>
+                                        <p:attrNameLst>
+                                          <p:attrName>style.visibility</p:attrName>
+                                        </p:attrNameLst>
+                                      </p:cBhvr>
+                                      <p:to>
+                                        <p:strVal val="visible"/>
+                                      </p:to>
+                                    </p:set>
+                                    <p:animEffect transition="in" filter="fade">
+                                      <p:cBhvr>
+                                        <p:cTn id="7" dur="1000"/>
+                                        <p:tgtEl>
+                                          <p:spTgt spid="6"/>
+                                        </p:tgtEl>
+                                      </p:cBhvr>
+                                    </p:animEffect>
+                                    <p:anim calcmode="lin" valueType="num">
+                                      <p:cBhvr>
+                                        <p:cTn id="8" dur="1000" fill="hold"/>
+                                        <p:tgtEl>
+                                          <p:spTgt spid="6"/>
+                                        </p:tgtEl>
+                                        <p:attrNameLst>
+                                          <p:attrName>ppt_x</p:attrName>
+                                        </p:attrNameLst>
+                                      </p:cBhvr>
+                                      <p:tavLst>
+                                        <p:tav tm="0">
+                                          <p:val>
+                                            <p:strVal val="#ppt_x"/>
+                                          </p:val>
+                                        </p:tav>
+                                        <p:tav tm="100000">
+                                          <p:val>
+                                            <p:strVal val="#ppt_x"/>
+                                          </p:val>
+                                        </p:tav>
+                                      </p:tavLst>
+                                    </p:anim>
+                                    <p:anim calcmode="lin" valueType="num">
+                                      <p:cBhvr>
+                                        <p:cTn id="9" dur="1000" fill="hold"/>
+                                        <p:tgtEl>
+                                          <p:spTgt spid="6"/>
+                                        </p:tgtEl>
+                                        <p:attrNameLst>
+                                          <p:attrName>ppt_y</p:attrName>
+                                        </p:attrNameLst>
+                                      </p:cBhvr>
+                                      <p:tavLst>
+                                        <p:tav tm="0">
+                                          <p:val>
+                                            <p:strVal val="#ppt_y+.1"/>
+                                          </p:val>
+                                        </p:tav>
+                                        <p:tav tm="100000">
+                                          <p:val>
+                                            <p:strVal val="#ppt_y"/>
+                                          </p:val>
+                                        </p:tav>
+                                      </p:tavLst>
+                                    </p:anim>
+                                  </p:childTnLst>
+                                </p:cTn>
+                              </p:par>
+                            </p:childTnLst>
+                          </p:cTn>
+                        </p:par>
+                      </p:childTnLst>
+                    </p:cTn>
+                  </p:par>
+                </p:childTnLst>
+              </p:cTn>
+              <p:prevCondLst>
+                <p:cond evt="onPrev" delay="0">
+                  <p:tgtEl>
+                    <p:sldTgt/>
+                  </p:tgtEl>
+                </p:cond>
+              </p:prevCondLst>
+              <p:nextCondLst>
+                <p:cond evt="onNext" delay="0">
+                  <p:tgtEl>
+                    <p:sldTgt/>
+                  </p:tgtEl>
+                </p:cond>
+              </p:nextCondLst>
+            </p:seq>
+          </p:childTnLst>
+        </p:cTn>
       </p:par>
     </p:tnLst>
   </p:timing>
@@ -6885,8 +7055,8 @@
         </p:nvSpPr>
         <p:spPr>
           <a:xfrm>
-            <a:off x="1547664" y="1052736"/>
-            <a:ext cx="7139136" cy="5073427"/>
+            <a:off x="1547664" y="692696"/>
+            <a:ext cx="7139136" cy="5433467"/>
           </a:xfrm>
         </p:spPr>
         <p:txBody>
@@ -7064,6 +7234,13 @@
             </a:endParaRPr>
           </a:p>
           <a:p>
+            <a:pPr marL="0" indent="0">
+              <a:buNone/>
+            </a:pPr>
+            <a:r>
+              <a:rPr lang="fa-IR" dirty="0" smtClean="0"/>
+              <a:t>جراحی از راه دور . </a:t>
+            </a:r>
             <a:endParaRPr lang="fa-IR" dirty="0"/>
           </a:p>
         </p:txBody>
@@ -8928,6 +9105,110 @@
           </a:p>
         </p:txBody>
       </p:sp>
+      <p:pic>
+        <p:nvPicPr>
+          <p:cNvPr id="1028" name="Picture 4" descr="C:\Users\asus\Desktop\logo-apple-store.jpg"/>
+          <p:cNvPicPr>
+            <a:picLocks noChangeAspect="1" noChangeArrowheads="1"/>
+          </p:cNvPicPr>
+          <p:nvPr/>
+        </p:nvPicPr>
+        <p:blipFill rotWithShape="1">
+          <a:blip r:embed="rId2" cstate="print">
+            <a:extLst>
+              <a:ext uri="{28A0092B-C50C-407E-A947-70E740481C1C}">
+                <a14:useLocalDpi xmlns:a14="http://schemas.microsoft.com/office/drawing/2010/main" val="0"/>
+              </a:ext>
+            </a:extLst>
+          </a:blip>
+          <a:srcRect l="7424" t="8607" r="7424" b="8607"/>
+          <a:stretch/>
+        </p:blipFill>
+        <p:spPr bwMode="auto">
+          <a:xfrm>
+            <a:off x="2767183" y="2852936"/>
+            <a:ext cx="3803588" cy="1268476"/>
+          </a:xfrm>
+          <a:prstGeom prst="roundRect">
+            <a:avLst>
+              <a:gd name="adj" fmla="val 8594"/>
+            </a:avLst>
+          </a:prstGeom>
+          <a:solidFill>
+            <a:srgbClr val="FFFFFF">
+              <a:shade val="85000"/>
+            </a:srgbClr>
+          </a:solidFill>
+          <a:ln>
+            <a:noFill/>
+          </a:ln>
+          <a:effectLst>
+            <a:reflection blurRad="12700" stA="38000" endPos="28000" dist="5000" dir="5400000" sy="-100000" algn="bl" rotWithShape="0"/>
+          </a:effectLst>
+          <a:extLst>
+            <a:ext uri="{909E8E84-426E-40DD-AFC4-6F175D3DCCD1}">
+              <a14:hiddenFill xmlns:a14="http://schemas.microsoft.com/office/drawing/2010/main">
+                <a:solidFill>
+                  <a:srgbClr val="FFFFFF"/>
+                </a:solidFill>
+              </a14:hiddenFill>
+            </a:ext>
+          </a:extLst>
+        </p:spPr>
+      </p:pic>
+      <p:pic>
+        <p:nvPicPr>
+          <p:cNvPr id="1029" name="Picture 5" descr="C:\Users\asus\Desktop\google-play-logo.png"/>
+          <p:cNvPicPr>
+            <a:picLocks noChangeAspect="1" noChangeArrowheads="1"/>
+          </p:cNvPicPr>
+          <p:nvPr/>
+        </p:nvPicPr>
+        <p:blipFill>
+          <a:blip r:embed="rId3">
+            <a:extLst>
+              <a:ext uri="{28A0092B-C50C-407E-A947-70E740481C1C}">
+                <a14:useLocalDpi xmlns:a14="http://schemas.microsoft.com/office/drawing/2010/main" val="0"/>
+              </a:ext>
+            </a:extLst>
+          </a:blip>
+          <a:srcRect/>
+          <a:stretch>
+            <a:fillRect/>
+          </a:stretch>
+        </p:blipFill>
+        <p:spPr bwMode="auto">
+          <a:xfrm>
+            <a:off x="2767183" y="4653136"/>
+            <a:ext cx="3803588" cy="1268476"/>
+          </a:xfrm>
+          <a:prstGeom prst="roundRect">
+            <a:avLst>
+              <a:gd name="adj" fmla="val 8594"/>
+            </a:avLst>
+          </a:prstGeom>
+          <a:solidFill>
+            <a:srgbClr val="FFFFFF">
+              <a:shade val="85000"/>
+            </a:srgbClr>
+          </a:solidFill>
+          <a:ln>
+            <a:noFill/>
+          </a:ln>
+          <a:effectLst>
+            <a:reflection blurRad="12700" stA="38000" endPos="28000" dist="5000" dir="5400000" sy="-100000" algn="bl" rotWithShape="0"/>
+          </a:effectLst>
+          <a:extLst>
+            <a:ext uri="{909E8E84-426E-40DD-AFC4-6F175D3DCCD1}">
+              <a14:hiddenFill xmlns:a14="http://schemas.microsoft.com/office/drawing/2010/main">
+                <a:solidFill>
+                  <a:srgbClr val="FFFFFF"/>
+                </a:solidFill>
+              </a14:hiddenFill>
+            </a:ext>
+          </a:extLst>
+        </p:spPr>
+      </p:pic>
     </p:spTree>
     <p:extLst>
       <p:ext uri="{BB962C8B-B14F-4D97-AF65-F5344CB8AC3E}">
@@ -8953,7 +9234,121 @@
   <p:timing>
     <p:tnLst>
       <p:par>
-        <p:cTn id="1" dur="indefinite" restart="never" nodeType="tmRoot"/>
+        <p:cTn id="1" dur="indefinite" restart="never" nodeType="tmRoot">
+          <p:childTnLst>
+            <p:seq concurrent="1" nextAc="seek">
+              <p:cTn id="2" dur="indefinite" nodeType="mainSeq">
+                <p:childTnLst>
+                  <p:par>
+                    <p:cTn id="3" fill="hold">
+                      <p:stCondLst>
+                        <p:cond delay="indefinite"/>
+                        <p:cond evt="onBegin" delay="0">
+                          <p:tn val="2"/>
+                        </p:cond>
+                      </p:stCondLst>
+                      <p:childTnLst>
+                        <p:par>
+                          <p:cTn id="4" fill="hold">
+                            <p:stCondLst>
+                              <p:cond delay="0"/>
+                            </p:stCondLst>
+                            <p:childTnLst>
+                              <p:par>
+                                <p:cTn id="5" presetID="14" presetClass="entr" presetSubtype="10" fill="hold" nodeType="afterEffect">
+                                  <p:stCondLst>
+                                    <p:cond delay="750"/>
+                                  </p:stCondLst>
+                                  <p:childTnLst>
+                                    <p:set>
+                                      <p:cBhvr>
+                                        <p:cTn id="6" dur="1" fill="hold">
+                                          <p:stCondLst>
+                                            <p:cond delay="0"/>
+                                          </p:stCondLst>
+                                        </p:cTn>
+                                        <p:tgtEl>
+                                          <p:spTgt spid="1028"/>
+                                        </p:tgtEl>
+                                        <p:attrNameLst>
+                                          <p:attrName>style.visibility</p:attrName>
+                                        </p:attrNameLst>
+                                      </p:cBhvr>
+                                      <p:to>
+                                        <p:strVal val="visible"/>
+                                      </p:to>
+                                    </p:set>
+                                    <p:animEffect transition="in" filter="randombar(horizontal)">
+                                      <p:cBhvr>
+                                        <p:cTn id="7" dur="500"/>
+                                        <p:tgtEl>
+                                          <p:spTgt spid="1028"/>
+                                        </p:tgtEl>
+                                      </p:cBhvr>
+                                    </p:animEffect>
+                                  </p:childTnLst>
+                                </p:cTn>
+                              </p:par>
+                              <p:par>
+                                <p:cTn id="8" presetID="14" presetClass="entr" presetSubtype="10" fill="hold" nodeType="withEffect">
+                                  <p:stCondLst>
+                                    <p:cond delay="750"/>
+                                  </p:stCondLst>
+                                  <p:childTnLst>
+                                    <p:set>
+                                      <p:cBhvr>
+                                        <p:cTn id="9" dur="1" fill="hold">
+                                          <p:stCondLst>
+                                            <p:cond delay="0"/>
+                                          </p:stCondLst>
+                                        </p:cTn>
+                                        <p:tgtEl>
+                                          <p:spTgt spid="1029"/>
+                                        </p:tgtEl>
+                                        <p:attrNameLst>
+                                          <p:attrName>style.visibility</p:attrName>
+                                        </p:attrNameLst>
+                                      </p:cBhvr>
+                                      <p:to>
+                                        <p:strVal val="visible"/>
+                                      </p:to>
+                                    </p:set>
+                                    <p:animEffect transition="in" filter="randombar(horizontal)">
+                                      <p:cBhvr>
+                                        <p:cTn id="10" dur="500"/>
+                                        <p:tgtEl>
+                                          <p:spTgt spid="1029"/>
+                                        </p:tgtEl>
+                                      </p:cBhvr>
+                                    </p:animEffect>
+                                  </p:childTnLst>
+                                </p:cTn>
+                              </p:par>
+                            </p:childTnLst>
+                          </p:cTn>
+                        </p:par>
+                      </p:childTnLst>
+                    </p:cTn>
+                  </p:par>
+                </p:childTnLst>
+              </p:cTn>
+              <p:prevCondLst>
+                <p:cond evt="onPrev" delay="0">
+                  <p:tgtEl>
+                    <p:sldTgt/>
+                  </p:tgtEl>
+                </p:cond>
+              </p:prevCondLst>
+              <p:nextCondLst>
+                <p:cond evt="onNext" delay="0">
+                  <p:tgtEl>
+                    <p:sldTgt/>
+                  </p:tgtEl>
+                </p:cond>
+              </p:nextCondLst>
+            </p:seq>
+          </p:childTnLst>
+        </p:cTn>
       </p:par>
     </p:tnLst>
   </p:timing>
@@ -8961,6 +9356,458 @@
 </file>
 
 <file path=ppt/slides/slide18.xml><?xml version="1.0" encoding="utf-8"?>
+<p:sld xmlns:a="http://schemas.openxmlformats.org/drawingml/2006/main" xmlns:r="http://schemas.openxmlformats.org/officeDocument/2006/relationships" xmlns:p="http://schemas.openxmlformats.org/presentationml/2006/main">
+  <p:cSld>
+    <p:spTree>
+      <p:nvGrpSpPr>
+        <p:cNvPr id="1" name=""/>
+        <p:cNvGrpSpPr/>
+        <p:nvPr/>
+      </p:nvGrpSpPr>
+      <p:grpSpPr>
+        <a:xfrm>
+          <a:off x="0" y="0"/>
+          <a:ext cx="0" cy="0"/>
+          <a:chOff x="0" y="0"/>
+          <a:chExt cx="0" cy="0"/>
+        </a:xfrm>
+      </p:grpSpPr>
+      <p:sp>
+        <p:nvSpPr>
+          <p:cNvPr id="3" name="Content Placeholder 2"/>
+          <p:cNvSpPr>
+            <a:spLocks noGrp="1"/>
+          </p:cNvSpPr>
+          <p:nvPr>
+            <p:ph idx="1"/>
+          </p:nvPr>
+        </p:nvSpPr>
+        <p:spPr>
+          <a:xfrm>
+            <a:off x="1547664" y="908720"/>
+            <a:ext cx="7139136" cy="5217443"/>
+          </a:xfrm>
+        </p:spPr>
+        <p:txBody>
+          <a:bodyPr/>
+          <a:lstStyle/>
+          <a:p>
+            <a:pPr rtl="0"/>
+            <a:r>
+              <a:rPr lang="en-US" dirty="0" smtClean="0">
+                <a:solidFill>
+                  <a:srgbClr val="FFFF00"/>
+                </a:solidFill>
+                <a:latin typeface="Comic Sans MS" panose="030F0702030302020204" pitchFamily="66" charset="0"/>
+              </a:rPr>
+              <a:t>Google cardboard : </a:t>
+            </a:r>
+          </a:p>
+          <a:p>
+            <a:pPr marL="0" indent="0">
+              <a:buNone/>
+            </a:pPr>
+            <a:r>
+              <a:rPr lang="fa-IR" dirty="0" smtClean="0"/>
+              <a:t>این هد هست از جنس کارتن مقوایی است و در واقع هرکاربری می تواند نمونه مورد نظر خودش را تولید نماید . </a:t>
+            </a:r>
+            <a:endParaRPr lang="fa-IR" dirty="0"/>
+          </a:p>
+        </p:txBody>
+      </p:sp>
+      <p:sp>
+        <p:nvSpPr>
+          <p:cNvPr id="4" name="Footer Placeholder 3"/>
+          <p:cNvSpPr>
+            <a:spLocks noGrp="1"/>
+          </p:cNvSpPr>
+          <p:nvPr>
+            <p:ph type="ftr" sz="quarter" idx="11"/>
+          </p:nvPr>
+        </p:nvSpPr>
+        <p:spPr/>
+        <p:txBody>
+          <a:bodyPr/>
+          <a:lstStyle/>
+          <a:p>
+            <a:pPr>
+              <a:defRPr/>
+            </a:pPr>
+            <a:r>
+              <a:rPr lang="fa-IR" altLang="fa-IR" smtClean="0"/>
+              <a:t>دانشگاه صنعتی اصفهان – دانشکده کامپیوتر</a:t>
+            </a:r>
+            <a:endParaRPr lang="es-ES" altLang="fa-IR" dirty="0"/>
+          </a:p>
+        </p:txBody>
+      </p:sp>
+      <p:sp>
+        <p:nvSpPr>
+          <p:cNvPr id="5" name="Slide Number Placeholder 4"/>
+          <p:cNvSpPr>
+            <a:spLocks noGrp="1"/>
+          </p:cNvSpPr>
+          <p:nvPr>
+            <p:ph type="sldNum" sz="quarter" idx="12"/>
+          </p:nvPr>
+        </p:nvSpPr>
+        <p:spPr/>
+        <p:txBody>
+          <a:bodyPr/>
+          <a:lstStyle/>
+          <a:p>
+            <a:pPr>
+              <a:defRPr/>
+            </a:pPr>
+            <a:fld id="{C5303A1E-C0C3-4A75-A42D-959ACBF920C8}" type="slidenum">
+              <a:rPr lang="es-ES" altLang="fa-IR" smtClean="0"/>
+              <a:pPr>
+                <a:defRPr/>
+              </a:pPr>
+              <a:t>18</a:t>
+            </a:fld>
+            <a:endParaRPr lang="es-ES" altLang="fa-IR" dirty="0"/>
+          </a:p>
+        </p:txBody>
+      </p:sp>
+      <p:pic>
+        <p:nvPicPr>
+          <p:cNvPr id="3074" name="Picture 2" descr="C:\Users\asus\Desktop\Screen_Shot_2014-06-25_at_11.55.52_AM.0_standard_1280.0-w600.jpg"/>
+          <p:cNvPicPr>
+            <a:picLocks noChangeAspect="1" noChangeArrowheads="1"/>
+          </p:cNvPicPr>
+          <p:nvPr/>
+        </p:nvPicPr>
+        <p:blipFill>
+          <a:blip r:embed="rId2">
+            <a:extLst>
+              <a:ext uri="{28A0092B-C50C-407E-A947-70E740481C1C}">
+                <a14:useLocalDpi xmlns:a14="http://schemas.microsoft.com/office/drawing/2010/main" val="0"/>
+              </a:ext>
+            </a:extLst>
+          </a:blip>
+          <a:srcRect/>
+          <a:stretch>
+            <a:fillRect/>
+          </a:stretch>
+        </p:blipFill>
+        <p:spPr bwMode="auto">
+          <a:xfrm>
+            <a:off x="1403648" y="2204864"/>
+            <a:ext cx="3233192" cy="2155462"/>
+          </a:xfrm>
+          <a:prstGeom prst="roundRect">
+            <a:avLst>
+              <a:gd name="adj" fmla="val 8594"/>
+            </a:avLst>
+          </a:prstGeom>
+          <a:solidFill>
+            <a:srgbClr val="FFFFFF">
+              <a:shade val="85000"/>
+            </a:srgbClr>
+          </a:solidFill>
+          <a:ln>
+            <a:noFill/>
+          </a:ln>
+          <a:effectLst>
+            <a:reflection blurRad="12700" stA="38000" endPos="28000" dist="5000" dir="5400000" sy="-100000" algn="bl" rotWithShape="0"/>
+          </a:effectLst>
+          <a:extLst>
+            <a:ext uri="{909E8E84-426E-40DD-AFC4-6F175D3DCCD1}">
+              <a14:hiddenFill xmlns:a14="http://schemas.microsoft.com/office/drawing/2010/main">
+                <a:solidFill>
+                  <a:srgbClr val="FFFFFF"/>
+                </a:solidFill>
+              </a14:hiddenFill>
+            </a:ext>
+          </a:extLst>
+        </p:spPr>
+      </p:pic>
+      <p:pic>
+        <p:nvPicPr>
+          <p:cNvPr id="3075" name="Picture 3" descr="C:\Users\asus\Desktop\ingredients_verge_super_wide-w600.jpg"/>
+          <p:cNvPicPr>
+            <a:picLocks noChangeAspect="1" noChangeArrowheads="1"/>
+          </p:cNvPicPr>
+          <p:nvPr/>
+        </p:nvPicPr>
+        <p:blipFill>
+          <a:blip r:embed="rId3">
+            <a:extLst>
+              <a:ext uri="{28A0092B-C50C-407E-A947-70E740481C1C}">
+                <a14:useLocalDpi xmlns:a14="http://schemas.microsoft.com/office/drawing/2010/main" val="0"/>
+              </a:ext>
+            </a:extLst>
+          </a:blip>
+          <a:srcRect/>
+          <a:stretch>
+            <a:fillRect/>
+          </a:stretch>
+        </p:blipFill>
+        <p:spPr bwMode="auto">
+          <a:xfrm>
+            <a:off x="5004048" y="3717032"/>
+            <a:ext cx="3805434" cy="2155462"/>
+          </a:xfrm>
+          <a:prstGeom prst="roundRect">
+            <a:avLst>
+              <a:gd name="adj" fmla="val 8594"/>
+            </a:avLst>
+          </a:prstGeom>
+          <a:solidFill>
+            <a:srgbClr val="FFFFFF">
+              <a:shade val="85000"/>
+            </a:srgbClr>
+          </a:solidFill>
+          <a:ln>
+            <a:noFill/>
+          </a:ln>
+          <a:effectLst>
+            <a:reflection blurRad="12700" stA="38000" endPos="28000" dist="5000" dir="5400000" sy="-100000" algn="bl" rotWithShape="0"/>
+          </a:effectLst>
+          <a:extLst>
+            <a:ext uri="{909E8E84-426E-40DD-AFC4-6F175D3DCCD1}">
+              <a14:hiddenFill xmlns:a14="http://schemas.microsoft.com/office/drawing/2010/main">
+                <a:solidFill>
+                  <a:srgbClr val="FFFFFF"/>
+                </a:solidFill>
+              </a14:hiddenFill>
+            </a:ext>
+          </a:extLst>
+        </p:spPr>
+      </p:pic>
+    </p:spTree>
+    <p:extLst>
+      <p:ext uri="{BB962C8B-B14F-4D97-AF65-F5344CB8AC3E}">
+        <p14:creationId xmlns:p14="http://schemas.microsoft.com/office/powerpoint/2010/main" val="3671639585"/>
+      </p:ext>
+    </p:extLst>
+  </p:cSld>
+  <p:clrMapOvr>
+    <a:masterClrMapping/>
+  </p:clrMapOvr>
+  <mc:AlternateContent xmlns:mc="http://schemas.openxmlformats.org/markup-compatibility/2006" xmlns:p14="http://schemas.microsoft.com/office/powerpoint/2010/main">
+    <mc:Choice Requires="p14">
+      <p:transition spd="slow" p14:dur="800">
+        <p:diamond/>
+      </p:transition>
+    </mc:Choice>
+    <mc:Fallback xmlns="">
+      <p:transition spd="slow">
+        <p:diamond/>
+      </p:transition>
+    </mc:Fallback>
+  </mc:AlternateContent>
+  <p:timing>
+    <p:tnLst>
+      <p:par>
+        <p:cTn id="1" dur="indefinite" restart="never" nodeType="tmRoot">
+          <p:childTnLst>
+            <p:seq concurrent="1" nextAc="seek">
+              <p:cTn id="2" dur="indefinite" nodeType="mainSeq">
+                <p:childTnLst>
+                  <p:par>
+                    <p:cTn id="3" fill="hold">
+                      <p:stCondLst>
+                        <p:cond delay="indefinite"/>
+                        <p:cond evt="onBegin" delay="0">
+                          <p:tn val="2"/>
+                        </p:cond>
+                      </p:stCondLst>
+                      <p:childTnLst>
+                        <p:par>
+                          <p:cTn id="4" fill="hold">
+                            <p:stCondLst>
+                              <p:cond delay="0"/>
+                            </p:stCondLst>
+                            <p:childTnLst>
+                              <p:par>
+                                <p:cTn id="5" presetID="2" presetClass="entr" presetSubtype="8" fill="hold" nodeType="afterEffect">
+                                  <p:stCondLst>
+                                    <p:cond delay="500"/>
+                                  </p:stCondLst>
+                                  <p:childTnLst>
+                                    <p:set>
+                                      <p:cBhvr>
+                                        <p:cTn id="6" dur="1" fill="hold">
+                                          <p:stCondLst>
+                                            <p:cond delay="0"/>
+                                          </p:stCondLst>
+                                        </p:cTn>
+                                        <p:tgtEl>
+                                          <p:spTgt spid="3074"/>
+                                        </p:tgtEl>
+                                        <p:attrNameLst>
+                                          <p:attrName>style.visibility</p:attrName>
+                                        </p:attrNameLst>
+                                      </p:cBhvr>
+                                      <p:to>
+                                        <p:strVal val="visible"/>
+                                      </p:to>
+                                    </p:set>
+                                    <p:anim calcmode="lin" valueType="num">
+                                      <p:cBhvr additive="base">
+                                        <p:cTn id="7" dur="750" fill="hold"/>
+                                        <p:tgtEl>
+                                          <p:spTgt spid="3074"/>
+                                        </p:tgtEl>
+                                        <p:attrNameLst>
+                                          <p:attrName>ppt_x</p:attrName>
+                                        </p:attrNameLst>
+                                      </p:cBhvr>
+                                      <p:tavLst>
+                                        <p:tav tm="0">
+                                          <p:val>
+                                            <p:strVal val="0-#ppt_w/2"/>
+                                          </p:val>
+                                        </p:tav>
+                                        <p:tav tm="100000">
+                                          <p:val>
+                                            <p:strVal val="#ppt_x"/>
+                                          </p:val>
+                                        </p:tav>
+                                      </p:tavLst>
+                                    </p:anim>
+                                    <p:anim calcmode="lin" valueType="num">
+                                      <p:cBhvr additive="base">
+                                        <p:cTn id="8" dur="750" fill="hold"/>
+                                        <p:tgtEl>
+                                          <p:spTgt spid="3074"/>
+                                        </p:tgtEl>
+                                        <p:attrNameLst>
+                                          <p:attrName>ppt_y</p:attrName>
+                                        </p:attrNameLst>
+                                      </p:cBhvr>
+                                      <p:tavLst>
+                                        <p:tav tm="0">
+                                          <p:val>
+                                            <p:strVal val="#ppt_y"/>
+                                          </p:val>
+                                        </p:tav>
+                                        <p:tav tm="100000">
+                                          <p:val>
+                                            <p:strVal val="#ppt_y"/>
+                                          </p:val>
+                                        </p:tav>
+                                      </p:tavLst>
+                                    </p:anim>
+                                  </p:childTnLst>
+                                </p:cTn>
+                              </p:par>
+                            </p:childTnLst>
+                          </p:cTn>
+                        </p:par>
+                        <p:par>
+                          <p:cTn id="9" fill="hold">
+                            <p:stCondLst>
+                              <p:cond delay="1250"/>
+                            </p:stCondLst>
+                            <p:childTnLst>
+                              <p:par>
+                                <p:cTn id="10" presetID="2" presetClass="entr" presetSubtype="2" fill="hold" nodeType="afterEffect">
+                                  <p:stCondLst>
+                                    <p:cond delay="0"/>
+                                  </p:stCondLst>
+                                  <p:childTnLst>
+                                    <p:set>
+                                      <p:cBhvr>
+                                        <p:cTn id="11" dur="1" fill="hold">
+                                          <p:stCondLst>
+                                            <p:cond delay="0"/>
+                                          </p:stCondLst>
+                                        </p:cTn>
+                                        <p:tgtEl>
+                                          <p:spTgt spid="3075"/>
+                                        </p:tgtEl>
+                                        <p:attrNameLst>
+                                          <p:attrName>style.visibility</p:attrName>
+                                        </p:attrNameLst>
+                                      </p:cBhvr>
+                                      <p:to>
+                                        <p:strVal val="visible"/>
+                                      </p:to>
+                                    </p:set>
+                                    <p:anim calcmode="lin" valueType="num">
+                                      <p:cBhvr additive="base">
+                                        <p:cTn id="12" dur="750" fill="hold"/>
+                                        <p:tgtEl>
+                                          <p:spTgt spid="3075"/>
+                                        </p:tgtEl>
+                                        <p:attrNameLst>
+                                          <p:attrName>ppt_x</p:attrName>
+                                        </p:attrNameLst>
+                                      </p:cBhvr>
+                                      <p:tavLst>
+                                        <p:tav tm="0">
+                                          <p:val>
+                                            <p:strVal val="1+#ppt_w/2"/>
+                                          </p:val>
+                                        </p:tav>
+                                        <p:tav tm="100000">
+                                          <p:val>
+                                            <p:strVal val="#ppt_x"/>
+                                          </p:val>
+                                        </p:tav>
+                                      </p:tavLst>
+                                    </p:anim>
+                                    <p:anim calcmode="lin" valueType="num">
+                                      <p:cBhvr additive="base">
+                                        <p:cTn id="13" dur="750" fill="hold"/>
+                                        <p:tgtEl>
+                                          <p:spTgt spid="3075"/>
+                                        </p:tgtEl>
+                                        <p:attrNameLst>
+                                          <p:attrName>ppt_y</p:attrName>
+                                        </p:attrNameLst>
+                                      </p:cBhvr>
+                                      <p:tavLst>
+                                        <p:tav tm="0">
+                                          <p:val>
+                                            <p:strVal val="#ppt_y"/>
+                                          </p:val>
+                                        </p:tav>
+                                        <p:tav tm="100000">
+                                          <p:val>
+                                            <p:strVal val="#ppt_y"/>
+                                          </p:val>
+                                        </p:tav>
+                                      </p:tavLst>
+                                    </p:anim>
+                                  </p:childTnLst>
+                                </p:cTn>
+                              </p:par>
+                            </p:childTnLst>
+                          </p:cTn>
+                        </p:par>
+                      </p:childTnLst>
+                    </p:cTn>
+                  </p:par>
+                </p:childTnLst>
+              </p:cTn>
+              <p:prevCondLst>
+                <p:cond evt="onPrev" delay="0">
+                  <p:tgtEl>
+                    <p:sldTgt/>
+                  </p:tgtEl>
+                </p:cond>
+              </p:prevCondLst>
+              <p:nextCondLst>
+                <p:cond evt="onNext" delay="0">
+                  <p:tgtEl>
+                    <p:sldTgt/>
+                  </p:tgtEl>
+                </p:cond>
+              </p:nextCondLst>
+            </p:seq>
+          </p:childTnLst>
+        </p:cTn>
+      </p:par>
+    </p:tnLst>
+  </p:timing>
+</p:sld>
+</file>
+
+<file path=ppt/slides/slide19.xml><?xml version="1.0" encoding="utf-8"?>
 <p:sld xmlns:a="http://schemas.openxmlformats.org/drawingml/2006/main" xmlns:r="http://schemas.openxmlformats.org/officeDocument/2006/relationships" xmlns:p="http://schemas.openxmlformats.org/presentationml/2006/main">
   <p:cSld>
     <p:spTree>
@@ -9637,7 +10484,7 @@
               <a:pPr>
                 <a:defRPr/>
               </a:pPr>
-              <a:t>18</a:t>
+              <a:t>19</a:t>
             </a:fld>
             <a:endParaRPr lang="es-ES" altLang="fa-IR" dirty="0"/>
           </a:p>
@@ -9647,176 +10494,6 @@
     <p:extLst>
       <p:ext uri="{BB962C8B-B14F-4D97-AF65-F5344CB8AC3E}">
         <p14:creationId xmlns:p14="http://schemas.microsoft.com/office/powerpoint/2010/main" val="3869099544"/>
-      </p:ext>
-    </p:extLst>
-  </p:cSld>
-  <p:clrMapOvr>
-    <a:masterClrMapping/>
-  </p:clrMapOvr>
-  <mc:AlternateContent xmlns:mc="http://schemas.openxmlformats.org/markup-compatibility/2006" xmlns:p14="http://schemas.microsoft.com/office/powerpoint/2010/main">
-    <mc:Choice Requires="p14">
-      <p:transition spd="slow" p14:dur="800">
-        <p:diamond/>
-      </p:transition>
-    </mc:Choice>
-    <mc:Fallback xmlns="">
-      <p:transition spd="slow">
-        <p:diamond/>
-      </p:transition>
-    </mc:Fallback>
-  </mc:AlternateContent>
-  <p:timing>
-    <p:tnLst>
-      <p:par>
-        <p:cTn id="1" dur="indefinite" restart="never" nodeType="tmRoot"/>
-      </p:par>
-    </p:tnLst>
-  </p:timing>
-</p:sld>
-</file>
-
-<file path=ppt/slides/slide19.xml><?xml version="1.0" encoding="utf-8"?>
-<p:sld xmlns:a="http://schemas.openxmlformats.org/drawingml/2006/main" xmlns:r="http://schemas.openxmlformats.org/officeDocument/2006/relationships" xmlns:p="http://schemas.openxmlformats.org/presentationml/2006/main">
-  <p:cSld>
-    <p:spTree>
-      <p:nvGrpSpPr>
-        <p:cNvPr id="1" name=""/>
-        <p:cNvGrpSpPr/>
-        <p:nvPr/>
-      </p:nvGrpSpPr>
-      <p:grpSpPr>
-        <a:xfrm>
-          <a:off x="0" y="0"/>
-          <a:ext cx="0" cy="0"/>
-          <a:chOff x="0" y="0"/>
-          <a:chExt cx="0" cy="0"/>
-        </a:xfrm>
-      </p:grpSpPr>
-      <p:sp>
-        <p:nvSpPr>
-          <p:cNvPr id="2" name="Title 1"/>
-          <p:cNvSpPr>
-            <a:spLocks noGrp="1"/>
-          </p:cNvSpPr>
-          <p:nvPr>
-            <p:ph type="title"/>
-          </p:nvPr>
-        </p:nvSpPr>
-        <p:spPr/>
-        <p:txBody>
-          <a:bodyPr/>
-          <a:lstStyle/>
-          <a:p>
-            <a:r>
-              <a:rPr lang="fa-IR" dirty="0" smtClean="0"/>
-              <a:t>فایده ها و مضرات </a:t>
-            </a:r>
-            <a:endParaRPr lang="fa-IR" dirty="0"/>
-          </a:p>
-        </p:txBody>
-      </p:sp>
-      <p:sp>
-        <p:nvSpPr>
-          <p:cNvPr id="3" name="Content Placeholder 2"/>
-          <p:cNvSpPr>
-            <a:spLocks noGrp="1"/>
-          </p:cNvSpPr>
-          <p:nvPr>
-            <p:ph idx="1"/>
-          </p:nvPr>
-        </p:nvSpPr>
-        <p:spPr/>
-        <p:txBody>
-          <a:bodyPr/>
-          <a:lstStyle/>
-          <a:p>
-            <a:pPr lvl="0"/>
-            <a:r>
-              <a:rPr lang="fa-IR" dirty="0"/>
-              <a:t>فهمیدن </a:t>
-            </a:r>
-            <a:r>
-              <a:rPr lang="fa-IR" dirty="0" smtClean="0"/>
-              <a:t>اینکه چگونه </a:t>
-            </a:r>
-            <a:r>
-              <a:rPr lang="fa-IR" dirty="0"/>
-              <a:t>به به هر وضعیتی واکنش نشان دهیم </a:t>
-            </a:r>
-            <a:r>
-              <a:rPr lang="fa-IR" dirty="0" smtClean="0"/>
-              <a:t>، </a:t>
-            </a:r>
-            <a:r>
-              <a:rPr lang="fa-IR" dirty="0"/>
-              <a:t>به خصوص وضعیت زندگی یا مرگ </a:t>
-            </a:r>
-            <a:endParaRPr lang="en-US" dirty="0"/>
-          </a:p>
-          <a:p>
-            <a:endParaRPr lang="fa-IR" dirty="0"/>
-          </a:p>
-        </p:txBody>
-      </p:sp>
-      <p:sp>
-        <p:nvSpPr>
-          <p:cNvPr id="4" name="Footer Placeholder 3"/>
-          <p:cNvSpPr>
-            <a:spLocks noGrp="1"/>
-          </p:cNvSpPr>
-          <p:nvPr>
-            <p:ph type="ftr" sz="quarter" idx="11"/>
-          </p:nvPr>
-        </p:nvSpPr>
-        <p:spPr/>
-        <p:txBody>
-          <a:bodyPr/>
-          <a:lstStyle/>
-          <a:p>
-            <a:pPr>
-              <a:defRPr/>
-            </a:pPr>
-            <a:r>
-              <a:rPr lang="fa-IR" altLang="fa-IR" smtClean="0"/>
-              <a:t>دانشگاه صنعتی اصفهان – دانشکده کامپیوتر</a:t>
-            </a:r>
-            <a:endParaRPr lang="es-ES" altLang="fa-IR" dirty="0"/>
-          </a:p>
-        </p:txBody>
-      </p:sp>
-      <p:sp>
-        <p:nvSpPr>
-          <p:cNvPr id="5" name="Slide Number Placeholder 4"/>
-          <p:cNvSpPr>
-            <a:spLocks noGrp="1"/>
-          </p:cNvSpPr>
-          <p:nvPr>
-            <p:ph type="sldNum" sz="quarter" idx="12"/>
-          </p:nvPr>
-        </p:nvSpPr>
-        <p:spPr/>
-        <p:txBody>
-          <a:bodyPr/>
-          <a:lstStyle/>
-          <a:p>
-            <a:pPr>
-              <a:defRPr/>
-            </a:pPr>
-            <a:fld id="{C5303A1E-C0C3-4A75-A42D-959ACBF920C8}" type="slidenum">
-              <a:rPr lang="es-ES" altLang="fa-IR" smtClean="0"/>
-              <a:pPr>
-                <a:defRPr/>
-              </a:pPr>
-              <a:t>19</a:t>
-            </a:fld>
-            <a:endParaRPr lang="es-ES" altLang="fa-IR" dirty="0"/>
-          </a:p>
-        </p:txBody>
-      </p:sp>
-    </p:spTree>
-    <p:extLst>
-      <p:ext uri="{BB962C8B-B14F-4D97-AF65-F5344CB8AC3E}">
-        <p14:creationId xmlns:p14="http://schemas.microsoft.com/office/powerpoint/2010/main" val="19483741"/>
       </p:ext>
     </p:extLst>
   </p:cSld>
@@ -10121,16 +10798,12 @@
           <a:lstStyle/>
           <a:p>
             <a:r>
-              <a:rPr lang="en-US" dirty="0">
-                <a:latin typeface="Comic Sans MS" panose="030F0702030302020204" pitchFamily="66" charset="0"/>
-              </a:rPr>
-              <a:t>Ethical </a:t>
-            </a:r>
-            <a:r>
-              <a:rPr lang="en-US" dirty="0" smtClean="0">
-                <a:latin typeface="Comic Sans MS" panose="030F0702030302020204" pitchFamily="66" charset="0"/>
-              </a:rPr>
-              <a:t>issues</a:t>
+              <a:rPr lang="fa-IR" dirty="0" smtClean="0"/>
+              <a:t>فایده ها و </a:t>
+            </a:r>
+            <a:r>
+              <a:rPr lang="fa-IR" dirty="0" smtClean="0"/>
+              <a:t>مضررات </a:t>
             </a:r>
             <a:endParaRPr lang="fa-IR" dirty="0"/>
           </a:p>
@@ -10146,12 +10819,114 @@
             <p:ph idx="1"/>
           </p:nvPr>
         </p:nvSpPr>
-        <p:spPr/>
+        <p:spPr>
+          <a:xfrm>
+            <a:off x="1547664" y="1412776"/>
+            <a:ext cx="7139136" cy="4713387"/>
+          </a:xfrm>
+        </p:spPr>
         <p:txBody>
           <a:bodyPr/>
           <a:lstStyle/>
           <a:p>
-            <a:endParaRPr lang="fa-IR"/>
+            <a:pPr lvl="0"/>
+            <a:r>
+              <a:rPr lang="fa-IR" dirty="0">
+                <a:solidFill>
+                  <a:srgbClr val="00B050"/>
+                </a:solidFill>
+              </a:rPr>
+              <a:t>فهمیدن</a:t>
+            </a:r>
+            <a:r>
+              <a:rPr lang="fa-IR" dirty="0"/>
+              <a:t> </a:t>
+            </a:r>
+            <a:r>
+              <a:rPr lang="fa-IR" dirty="0" smtClean="0"/>
+              <a:t>اینکه چگونه </a:t>
+            </a:r>
+            <a:r>
+              <a:rPr lang="fa-IR" dirty="0"/>
+              <a:t>به به هر وضعیتی واکنش نشان دهیم </a:t>
+            </a:r>
+            <a:r>
+              <a:rPr lang="fa-IR" dirty="0" smtClean="0"/>
+              <a:t>، </a:t>
+            </a:r>
+            <a:r>
+              <a:rPr lang="fa-IR" dirty="0"/>
+              <a:t>به خصوص وضعیت زندگی یا مرگ </a:t>
+            </a:r>
+            <a:r>
+              <a:rPr lang="fa-IR" dirty="0" smtClean="0"/>
+              <a:t>از فایده هاست . ( تمرینات نظامی )</a:t>
+            </a:r>
+          </a:p>
+          <a:p>
+            <a:pPr lvl="0"/>
+            <a:endParaRPr lang="fa-IR" dirty="0" smtClean="0"/>
+          </a:p>
+          <a:p>
+            <a:pPr lvl="0"/>
+            <a:r>
+              <a:rPr lang="fa-IR" dirty="0" smtClean="0"/>
+              <a:t>از نظر </a:t>
+            </a:r>
+            <a:r>
+              <a:rPr lang="fa-IR" dirty="0" smtClean="0">
+                <a:solidFill>
+                  <a:srgbClr val="FF0000"/>
+                </a:solidFill>
+              </a:rPr>
+              <a:t>هزینه </a:t>
+            </a:r>
+            <a:r>
+              <a:rPr lang="fa-IR" dirty="0" smtClean="0"/>
+              <a:t>هر سیستمی که در تلاش برای فراهم کردن یک تجربه ی همه جانبه است به برخی از صفحه نمایش ها نیاز دارد که سعی در برآورده کردن تمام نیاز های انسان داشته باشند . در نتیجه بسیار پر هزینه هستند و عمدتا به دلیل اینکه افراد کمی از دانش فنی برای تعمیر و نگهداری از آنها برخوردار هسند ، در استفاده مشکل ساز هستند .         ( </a:t>
+            </a:r>
+            <a:r>
+              <a:rPr lang="fa-IR" dirty="0" smtClean="0">
+                <a:solidFill>
+                  <a:srgbClr val="FF0000"/>
+                </a:solidFill>
+              </a:rPr>
+              <a:t>مهمترین نگرانی</a:t>
+            </a:r>
+            <a:r>
+              <a:rPr lang="fa-IR" dirty="0" smtClean="0"/>
+              <a:t> )</a:t>
+            </a:r>
+          </a:p>
+          <a:p>
+            <a:pPr lvl="0"/>
+            <a:endParaRPr lang="fa-IR" dirty="0"/>
+          </a:p>
+          <a:p>
+            <a:pPr lvl="0"/>
+            <a:r>
+              <a:rPr lang="fa-IR" dirty="0" smtClean="0"/>
+              <a:t>یک مورد دیگر از </a:t>
+            </a:r>
+            <a:r>
+              <a:rPr lang="fa-IR" dirty="0" smtClean="0">
+                <a:solidFill>
+                  <a:srgbClr val="FF0000"/>
+                </a:solidFill>
+              </a:rPr>
+              <a:t>مضررات ، از لحاظ اجتماعی </a:t>
+            </a:r>
+            <a:r>
+              <a:rPr lang="fa-IR" dirty="0" smtClean="0"/>
+              <a:t>ایزوله شدن است که در آن کاربر بیشتر به تعاملات رخ داده در دنیای مجازی دل می بندد و تکیه می کند تا آنهایی که در دنیای واقعی است . </a:t>
+            </a:r>
+          </a:p>
+          <a:p>
+            <a:pPr lvl="0"/>
+            <a:endParaRPr lang="en-US" dirty="0"/>
+          </a:p>
+          <a:p>
+            <a:endParaRPr lang="fa-IR" dirty="0"/>
           </a:p>
         </p:txBody>
       </p:sp>
@@ -10213,7 +10988,7 @@
     </p:spTree>
     <p:extLst>
       <p:ext uri="{BB962C8B-B14F-4D97-AF65-F5344CB8AC3E}">
-        <p14:creationId xmlns:p14="http://schemas.microsoft.com/office/powerpoint/2010/main" val="1300548946"/>
+        <p14:creationId xmlns:p14="http://schemas.microsoft.com/office/powerpoint/2010/main" val="19483741"/>
       </p:ext>
     </p:extLst>
   </p:cSld>
@@ -10261,98 +11036,136 @@
       </p:grpSpPr>
       <p:sp>
         <p:nvSpPr>
-          <p:cNvPr id="2" name="Title 1"/>
+          <p:cNvPr id="3" name="Content Placeholder 2"/>
           <p:cNvSpPr>
             <a:spLocks noGrp="1"/>
           </p:cNvSpPr>
           <p:nvPr>
-            <p:ph type="title"/>
-          </p:nvPr>
-        </p:nvSpPr>
-        <p:spPr/>
+            <p:ph idx="1"/>
+          </p:nvPr>
+        </p:nvSpPr>
+        <p:spPr>
+          <a:xfrm>
+            <a:off x="1547664" y="980728"/>
+            <a:ext cx="7139136" cy="5145435"/>
+          </a:xfrm>
+        </p:spPr>
         <p:txBody>
           <a:bodyPr/>
           <a:lstStyle/>
           <a:p>
             <a:r>
+              <a:rPr lang="fa-IR" dirty="0"/>
+              <a:t>ارائه دادن </a:t>
+            </a:r>
+            <a:r>
+              <a:rPr lang="fa-IR" dirty="0">
+                <a:solidFill>
+                  <a:srgbClr val="00B050"/>
+                </a:solidFill>
+              </a:rPr>
+              <a:t>قابلیت </a:t>
+            </a:r>
+            <a:r>
+              <a:rPr lang="fa-IR" dirty="0"/>
+              <a:t>کنکاش و جست و جوی محیط های مختلف . </a:t>
+            </a:r>
+          </a:p>
+          <a:p>
+            <a:endParaRPr lang="fa-IR" dirty="0" smtClean="0"/>
+          </a:p>
+          <a:p>
+            <a:r>
               <a:rPr lang="fa-IR" dirty="0" smtClean="0"/>
-              <a:t>واقعیت مجازی در ایران</a:t>
-            </a:r>
-            <a:endParaRPr lang="fa-IR" dirty="0"/>
-          </a:p>
-        </p:txBody>
-      </p:sp>
-      <p:sp>
-        <p:nvSpPr>
-          <p:cNvPr id="3" name="Content Placeholder 2"/>
-          <p:cNvSpPr>
-            <a:spLocks noGrp="1"/>
-          </p:cNvSpPr>
-          <p:nvPr>
-            <p:ph idx="1"/>
-          </p:nvPr>
-        </p:nvSpPr>
-        <p:spPr>
-          <a:xfrm>
-            <a:off x="1547664" y="1412776"/>
-            <a:ext cx="7139136" cy="4713387"/>
-          </a:xfrm>
-        </p:spPr>
-        <p:txBody>
-          <a:bodyPr/>
-          <a:lstStyle/>
-          <a:p>
+              <a:t>امر آموزش و پرورش را </a:t>
+            </a:r>
             <a:r>
               <a:rPr lang="fa-IR" dirty="0" smtClean="0">
                 <a:solidFill>
-                  <a:srgbClr val="00B0F0"/>
+                  <a:srgbClr val="00B050"/>
                 </a:solidFill>
               </a:rPr>
-              <a:t>مؤسسه رسانه پرداز آمیتیس </a:t>
+              <a:t>تسریع</a:t>
             </a:r>
             <a:r>
               <a:rPr lang="fa-IR" dirty="0" smtClean="0"/>
-              <a:t>سازنده بازی رایانه‌ای « مبارزه در خلیج عدن » در تاریخ ۲۲ دی ماه سال ۱۳۹۳ برای اولین بار از دستاورد خود در حوزه واقعیت مجازی رونمایی کرد . تبدیل انواع هدست‌های نمایشگر سه بعدی ( </a:t>
-            </a:r>
-            <a:r>
-              <a:rPr lang="en-US" dirty="0" smtClean="0">
-                <a:latin typeface="Comic Sans MS" panose="030F0702030302020204" pitchFamily="66" charset="0"/>
+              <a:t> می بخشد . افزایش درصد خلاقیت . </a:t>
+            </a:r>
+          </a:p>
+          <a:p>
+            <a:endParaRPr lang="fa-IR" dirty="0" smtClean="0"/>
+          </a:p>
+          <a:p>
+            <a:r>
+              <a:rPr lang="fa-IR" dirty="0" smtClean="0"/>
+              <a:t>بیشترین </a:t>
+            </a:r>
+            <a:r>
+              <a:rPr lang="fa-IR" dirty="0" smtClean="0">
+                <a:solidFill>
+                  <a:srgbClr val="00B050"/>
+                </a:solidFill>
               </a:rPr>
-              <a:t>3D Viewer</a:t>
-            </a:r>
-            <a:r>
-              <a:rPr lang="fa-IR" dirty="0"/>
-              <a:t> ) به هدست واقعیت مجازی ، توسعه و گسترش این تکنولوژی به منظور بهره‌برداری در شهربازی‌ها و مباحث شبیه‌ساز تنها بخشی از فعالیت‌های استودیو آمیتیس در این زمینه است . لازم است ذکر شود این محصول تحت عنوان </a:t>
-            </a:r>
-            <a:r>
-              <a:rPr lang="en-US" dirty="0" err="1">
-                <a:latin typeface="Comic Sans MS" panose="030F0702030302020204" pitchFamily="66" charset="0"/>
+              <a:t>کاربرد و فایده </a:t>
+            </a:r>
+            <a:r>
+              <a:rPr lang="fa-IR" dirty="0" smtClean="0"/>
+              <a:t>برای افراد معلول و ناتوان . </a:t>
+            </a:r>
+          </a:p>
+          <a:p>
+            <a:endParaRPr lang="fa-IR" dirty="0"/>
+          </a:p>
+          <a:p>
+            <a:r>
+              <a:rPr lang="fa-IR" dirty="0" smtClean="0"/>
+              <a:t>برخلاف دنیای واقعی که در آن می توانیم آزادانه حرکت کنیم ، عموما </a:t>
+            </a:r>
+            <a:r>
+              <a:rPr lang="fa-IR" dirty="0" smtClean="0">
+                <a:solidFill>
+                  <a:srgbClr val="FF0000"/>
+                </a:solidFill>
               </a:rPr>
-              <a:t>Amytech</a:t>
-            </a:r>
-            <a:r>
-              <a:rPr lang="en-US" dirty="0">
-                <a:latin typeface="Comic Sans MS" panose="030F0702030302020204" pitchFamily="66" charset="0"/>
+              <a:t>حرکت ها </a:t>
+            </a:r>
+            <a:r>
+              <a:rPr lang="fa-IR" dirty="0" smtClean="0"/>
+              <a:t>در واقعیت مجازی </a:t>
+            </a:r>
+            <a:r>
+              <a:rPr lang="fa-IR" dirty="0" smtClean="0">
+                <a:solidFill>
+                  <a:srgbClr val="FF0000"/>
+                </a:solidFill>
               </a:rPr>
-              <a:t> </a:t>
-            </a:r>
-            <a:r>
-              <a:rPr lang="en-US" dirty="0" smtClean="0">
-                <a:latin typeface="Comic Sans MS" panose="030F0702030302020204" pitchFamily="66" charset="0"/>
+              <a:t>محدود شده </a:t>
+            </a:r>
+            <a:r>
+              <a:rPr lang="fa-IR" dirty="0" smtClean="0"/>
+              <a:t>هستند . </a:t>
+            </a:r>
+            <a:endParaRPr lang="en-US" dirty="0" smtClean="0"/>
+          </a:p>
+          <a:p>
+            <a:endParaRPr lang="en-US" dirty="0"/>
+          </a:p>
+          <a:p>
+            <a:r>
+              <a:rPr lang="fa-IR" dirty="0" smtClean="0"/>
+              <a:t>یک </a:t>
+            </a:r>
+            <a:r>
+              <a:rPr lang="fa-IR" dirty="0" smtClean="0">
+                <a:solidFill>
+                  <a:srgbClr val="00B050"/>
+                </a:solidFill>
               </a:rPr>
-              <a:t>1</a:t>
+              <a:t>ترازکننده اجتماعی بزرگ </a:t>
             </a:r>
             <a:r>
               <a:rPr lang="fa-IR" dirty="0" smtClean="0"/>
-              <a:t> اولین </a:t>
-            </a:r>
-            <a:r>
-              <a:rPr lang="fa-IR" dirty="0"/>
-              <a:t>هدست واقعیت مجازی مبتنی بر کامپیوتر ایرانی در چهارمین دوره نمایشگاه شهر بازی و اوقات فراغت رونمایی </a:t>
-            </a:r>
-            <a:r>
-              <a:rPr lang="fa-IR" dirty="0" smtClean="0"/>
-              <a:t>گردید .</a:t>
+              <a:t>که ممکن است زمینه های مشترکی در تفاوت های فرهنگی و سنی و زبانی وجود داشته باشد . </a:t>
             </a:r>
             <a:endParaRPr lang="fa-IR" dirty="0"/>
           </a:p>
@@ -10408,6 +11221,641 @@
                 <a:defRPr/>
               </a:pPr>
               <a:t>21</a:t>
+            </a:fld>
+            <a:endParaRPr lang="es-ES" altLang="fa-IR" dirty="0"/>
+          </a:p>
+        </p:txBody>
+      </p:sp>
+    </p:spTree>
+    <p:extLst>
+      <p:ext uri="{BB962C8B-B14F-4D97-AF65-F5344CB8AC3E}">
+        <p14:creationId xmlns:p14="http://schemas.microsoft.com/office/powerpoint/2010/main" val="2848303737"/>
+      </p:ext>
+    </p:extLst>
+  </p:cSld>
+  <p:clrMapOvr>
+    <a:masterClrMapping/>
+  </p:clrMapOvr>
+  <mc:AlternateContent xmlns:mc="http://schemas.openxmlformats.org/markup-compatibility/2006" xmlns:p14="http://schemas.microsoft.com/office/powerpoint/2010/main">
+    <mc:Choice Requires="p14">
+      <p:transition spd="slow" p14:dur="800">
+        <p:diamond/>
+      </p:transition>
+    </mc:Choice>
+    <mc:Fallback xmlns="">
+      <p:transition spd="slow">
+        <p:diamond/>
+      </p:transition>
+    </mc:Fallback>
+  </mc:AlternateContent>
+  <p:timing>
+    <p:tnLst>
+      <p:par>
+        <p:cTn id="1" dur="indefinite" restart="never" nodeType="tmRoot"/>
+      </p:par>
+    </p:tnLst>
+  </p:timing>
+</p:sld>
+</file>
+
+<file path=ppt/slides/slide22.xml><?xml version="1.0" encoding="utf-8"?>
+<p:sld xmlns:a="http://schemas.openxmlformats.org/drawingml/2006/main" xmlns:r="http://schemas.openxmlformats.org/officeDocument/2006/relationships" xmlns:p="http://schemas.openxmlformats.org/presentationml/2006/main">
+  <p:cSld>
+    <p:spTree>
+      <p:nvGrpSpPr>
+        <p:cNvPr id="1" name=""/>
+        <p:cNvGrpSpPr/>
+        <p:nvPr/>
+      </p:nvGrpSpPr>
+      <p:grpSpPr>
+        <a:xfrm>
+          <a:off x="0" y="0"/>
+          <a:ext cx="0" cy="0"/>
+          <a:chOff x="0" y="0"/>
+          <a:chExt cx="0" cy="0"/>
+        </a:xfrm>
+      </p:grpSpPr>
+      <p:sp>
+        <p:nvSpPr>
+          <p:cNvPr id="3" name="Content Placeholder 2"/>
+          <p:cNvSpPr>
+            <a:spLocks noGrp="1"/>
+          </p:cNvSpPr>
+          <p:nvPr>
+            <p:ph idx="1"/>
+          </p:nvPr>
+        </p:nvSpPr>
+        <p:spPr>
+          <a:xfrm>
+            <a:off x="1547664" y="1268760"/>
+            <a:ext cx="7139136" cy="4857403"/>
+          </a:xfrm>
+        </p:spPr>
+        <p:txBody>
+          <a:bodyPr/>
+          <a:lstStyle/>
+          <a:p>
+            <a:r>
+              <a:rPr lang="fa-IR" dirty="0" smtClean="0"/>
+              <a:t>مردم به جای صرفا موقعیت جغرافیایی ، توسط </a:t>
+            </a:r>
+            <a:r>
+              <a:rPr lang="fa-IR" dirty="0" smtClean="0">
+                <a:solidFill>
+                  <a:srgbClr val="00B050"/>
+                </a:solidFill>
+              </a:rPr>
+              <a:t>منافع مشابه </a:t>
+            </a:r>
+            <a:r>
+              <a:rPr lang="fa-IR" dirty="0" smtClean="0"/>
+              <a:t>به سمت یکدیگر </a:t>
+            </a:r>
+            <a:r>
+              <a:rPr lang="fa-IR" dirty="0" smtClean="0">
+                <a:solidFill>
+                  <a:srgbClr val="00B050"/>
+                </a:solidFill>
+              </a:rPr>
+              <a:t>جذب</a:t>
+            </a:r>
+            <a:r>
+              <a:rPr lang="fa-IR" dirty="0" smtClean="0"/>
+              <a:t> می شوند . </a:t>
+            </a:r>
+          </a:p>
+          <a:p>
+            <a:endParaRPr lang="fa-IR" dirty="0"/>
+          </a:p>
+          <a:p>
+            <a:r>
+              <a:rPr lang="fa-IR" dirty="0" smtClean="0"/>
+              <a:t>امکان </a:t>
+            </a:r>
+            <a:r>
+              <a:rPr lang="fa-IR" dirty="0" smtClean="0">
+                <a:solidFill>
+                  <a:srgbClr val="00B050"/>
+                </a:solidFill>
+              </a:rPr>
+              <a:t>حضور از راه دور </a:t>
+            </a:r>
+            <a:r>
+              <a:rPr lang="fa-IR" dirty="0" smtClean="0"/>
+              <a:t>( </a:t>
+            </a:r>
+            <a:r>
+              <a:rPr lang="en-US" dirty="0" smtClean="0"/>
+              <a:t> </a:t>
+            </a:r>
+            <a:r>
+              <a:rPr lang="en-US" dirty="0" smtClean="0">
+                <a:latin typeface="Comic Sans MS" panose="030F0702030302020204" pitchFamily="66" charset="0"/>
+              </a:rPr>
+              <a:t>Telepresence</a:t>
+            </a:r>
+            <a:r>
+              <a:rPr lang="fa-IR" dirty="0" smtClean="0"/>
+              <a:t>) .</a:t>
+            </a:r>
+          </a:p>
+          <a:p>
+            <a:endParaRPr lang="fa-IR" dirty="0"/>
+          </a:p>
+          <a:p>
+            <a:r>
+              <a:rPr lang="fa-IR" dirty="0"/>
+              <a:t>می تواند به </a:t>
+            </a:r>
+            <a:r>
+              <a:rPr lang="fa-IR" dirty="0" smtClean="0">
+                <a:solidFill>
+                  <a:srgbClr val="CC0000"/>
+                </a:solidFill>
+              </a:rPr>
+              <a:t>عزت نفس پایین </a:t>
+            </a:r>
+            <a:r>
+              <a:rPr lang="fa-IR" dirty="0" smtClean="0"/>
+              <a:t>، </a:t>
+            </a:r>
+            <a:r>
+              <a:rPr lang="fa-IR" dirty="0">
+                <a:solidFill>
+                  <a:srgbClr val="CC0000"/>
+                </a:solidFill>
+              </a:rPr>
+              <a:t>احساس بی ارزشی </a:t>
+            </a:r>
+            <a:r>
+              <a:rPr lang="fa-IR" dirty="0"/>
+              <a:t>و </a:t>
+            </a:r>
+            <a:r>
+              <a:rPr lang="fa-IR" dirty="0" smtClean="0"/>
+              <a:t>ناچیزی ، حتی </a:t>
+            </a:r>
+            <a:r>
+              <a:rPr lang="fa-IR" dirty="0" smtClean="0">
+                <a:solidFill>
+                  <a:srgbClr val="CC0000"/>
+                </a:solidFill>
+              </a:rPr>
+              <a:t>اعمال خود </a:t>
+            </a:r>
+            <a:r>
+              <a:rPr lang="fa-IR" dirty="0">
+                <a:solidFill>
+                  <a:srgbClr val="CC0000"/>
+                </a:solidFill>
+              </a:rPr>
+              <a:t>مخرب </a:t>
+            </a:r>
+            <a:r>
+              <a:rPr lang="fa-IR" dirty="0"/>
+              <a:t>منجر </a:t>
+            </a:r>
+            <a:r>
+              <a:rPr lang="fa-IR" dirty="0" smtClean="0"/>
+              <a:t>شود .</a:t>
+            </a:r>
+          </a:p>
+          <a:p>
+            <a:endParaRPr lang="fa-IR" dirty="0"/>
+          </a:p>
+          <a:p>
+            <a:r>
+              <a:rPr lang="fa-IR" dirty="0" smtClean="0"/>
+              <a:t>باعث </a:t>
+            </a:r>
+            <a:r>
+              <a:rPr lang="fa-IR" dirty="0" smtClean="0">
+                <a:solidFill>
+                  <a:srgbClr val="CC0000"/>
+                </a:solidFill>
+              </a:rPr>
+              <a:t>حساسیت زدایی </a:t>
+            </a:r>
+            <a:r>
+              <a:rPr lang="fa-IR" dirty="0" smtClean="0"/>
+              <a:t>می شود . </a:t>
+            </a:r>
+          </a:p>
+          <a:p>
+            <a:endParaRPr lang="fa-IR" dirty="0"/>
+          </a:p>
+          <a:p>
+            <a:endParaRPr lang="fa-IR" dirty="0"/>
+          </a:p>
+        </p:txBody>
+      </p:sp>
+      <p:sp>
+        <p:nvSpPr>
+          <p:cNvPr id="4" name="Footer Placeholder 3"/>
+          <p:cNvSpPr>
+            <a:spLocks noGrp="1"/>
+          </p:cNvSpPr>
+          <p:nvPr>
+            <p:ph type="ftr" sz="quarter" idx="11"/>
+          </p:nvPr>
+        </p:nvSpPr>
+        <p:spPr/>
+        <p:txBody>
+          <a:bodyPr/>
+          <a:lstStyle/>
+          <a:p>
+            <a:pPr>
+              <a:defRPr/>
+            </a:pPr>
+            <a:r>
+              <a:rPr lang="fa-IR" altLang="fa-IR" smtClean="0"/>
+              <a:t>دانشگاه صنعتی اصفهان – دانشکده کامپیوتر</a:t>
+            </a:r>
+            <a:endParaRPr lang="es-ES" altLang="fa-IR" dirty="0"/>
+          </a:p>
+        </p:txBody>
+      </p:sp>
+      <p:sp>
+        <p:nvSpPr>
+          <p:cNvPr id="5" name="Slide Number Placeholder 4"/>
+          <p:cNvSpPr>
+            <a:spLocks noGrp="1"/>
+          </p:cNvSpPr>
+          <p:nvPr>
+            <p:ph type="sldNum" sz="quarter" idx="12"/>
+          </p:nvPr>
+        </p:nvSpPr>
+        <p:spPr/>
+        <p:txBody>
+          <a:bodyPr/>
+          <a:lstStyle/>
+          <a:p>
+            <a:pPr>
+              <a:defRPr/>
+            </a:pPr>
+            <a:fld id="{C5303A1E-C0C3-4A75-A42D-959ACBF920C8}" type="slidenum">
+              <a:rPr lang="es-ES" altLang="fa-IR" smtClean="0"/>
+              <a:pPr>
+                <a:defRPr/>
+              </a:pPr>
+              <a:t>22</a:t>
+            </a:fld>
+            <a:endParaRPr lang="es-ES" altLang="fa-IR" dirty="0"/>
+          </a:p>
+        </p:txBody>
+      </p:sp>
+    </p:spTree>
+    <p:extLst>
+      <p:ext uri="{BB962C8B-B14F-4D97-AF65-F5344CB8AC3E}">
+        <p14:creationId xmlns:p14="http://schemas.microsoft.com/office/powerpoint/2010/main" val="1202320757"/>
+      </p:ext>
+    </p:extLst>
+  </p:cSld>
+  <p:clrMapOvr>
+    <a:masterClrMapping/>
+  </p:clrMapOvr>
+  <mc:AlternateContent xmlns:mc="http://schemas.openxmlformats.org/markup-compatibility/2006" xmlns:p14="http://schemas.microsoft.com/office/powerpoint/2010/main">
+    <mc:Choice Requires="p14">
+      <p:transition spd="slow" p14:dur="800">
+        <p:diamond/>
+      </p:transition>
+    </mc:Choice>
+    <mc:Fallback xmlns="">
+      <p:transition spd="slow">
+        <p:diamond/>
+      </p:transition>
+    </mc:Fallback>
+  </mc:AlternateContent>
+  <p:timing>
+    <p:tnLst>
+      <p:par>
+        <p:cTn id="1" dur="indefinite" restart="never" nodeType="tmRoot"/>
+      </p:par>
+    </p:tnLst>
+  </p:timing>
+</p:sld>
+</file>
+
+<file path=ppt/slides/slide23.xml><?xml version="1.0" encoding="utf-8"?>
+<p:sld xmlns:a="http://schemas.openxmlformats.org/drawingml/2006/main" xmlns:r="http://schemas.openxmlformats.org/officeDocument/2006/relationships" xmlns:p="http://schemas.openxmlformats.org/presentationml/2006/main">
+  <p:cSld>
+    <p:spTree>
+      <p:nvGrpSpPr>
+        <p:cNvPr id="1" name=""/>
+        <p:cNvGrpSpPr/>
+        <p:nvPr/>
+      </p:nvGrpSpPr>
+      <p:grpSpPr>
+        <a:xfrm>
+          <a:off x="0" y="0"/>
+          <a:ext cx="0" cy="0"/>
+          <a:chOff x="0" y="0"/>
+          <a:chExt cx="0" cy="0"/>
+        </a:xfrm>
+      </p:grpSpPr>
+      <p:sp>
+        <p:nvSpPr>
+          <p:cNvPr id="2" name="Title 1"/>
+          <p:cNvSpPr>
+            <a:spLocks noGrp="1"/>
+          </p:cNvSpPr>
+          <p:nvPr>
+            <p:ph type="title"/>
+          </p:nvPr>
+        </p:nvSpPr>
+        <p:spPr/>
+        <p:txBody>
+          <a:bodyPr/>
+          <a:lstStyle/>
+          <a:p>
+            <a:r>
+              <a:rPr lang="en-US" dirty="0">
+                <a:latin typeface="Comic Sans MS" panose="030F0702030302020204" pitchFamily="66" charset="0"/>
+              </a:rPr>
+              <a:t>Ethical </a:t>
+            </a:r>
+            <a:r>
+              <a:rPr lang="en-US" dirty="0" smtClean="0">
+                <a:latin typeface="Comic Sans MS" panose="030F0702030302020204" pitchFamily="66" charset="0"/>
+              </a:rPr>
+              <a:t>issues</a:t>
+            </a:r>
+            <a:endParaRPr lang="fa-IR" dirty="0"/>
+          </a:p>
+        </p:txBody>
+      </p:sp>
+      <p:sp>
+        <p:nvSpPr>
+          <p:cNvPr id="3" name="Content Placeholder 2"/>
+          <p:cNvSpPr>
+            <a:spLocks noGrp="1"/>
+          </p:cNvSpPr>
+          <p:nvPr>
+            <p:ph idx="1"/>
+          </p:nvPr>
+        </p:nvSpPr>
+        <p:spPr/>
+        <p:txBody>
+          <a:bodyPr/>
+          <a:lstStyle/>
+          <a:p>
+            <a:endParaRPr lang="fa-IR"/>
+          </a:p>
+        </p:txBody>
+      </p:sp>
+      <p:sp>
+        <p:nvSpPr>
+          <p:cNvPr id="4" name="Footer Placeholder 3"/>
+          <p:cNvSpPr>
+            <a:spLocks noGrp="1"/>
+          </p:cNvSpPr>
+          <p:nvPr>
+            <p:ph type="ftr" sz="quarter" idx="11"/>
+          </p:nvPr>
+        </p:nvSpPr>
+        <p:spPr/>
+        <p:txBody>
+          <a:bodyPr/>
+          <a:lstStyle/>
+          <a:p>
+            <a:pPr>
+              <a:defRPr/>
+            </a:pPr>
+            <a:r>
+              <a:rPr lang="fa-IR" altLang="fa-IR" smtClean="0"/>
+              <a:t>دانشگاه صنعتی اصفهان – دانشکده کامپیوتر</a:t>
+            </a:r>
+            <a:endParaRPr lang="es-ES" altLang="fa-IR" dirty="0"/>
+          </a:p>
+        </p:txBody>
+      </p:sp>
+      <p:sp>
+        <p:nvSpPr>
+          <p:cNvPr id="5" name="Slide Number Placeholder 4"/>
+          <p:cNvSpPr>
+            <a:spLocks noGrp="1"/>
+          </p:cNvSpPr>
+          <p:nvPr>
+            <p:ph type="sldNum" sz="quarter" idx="12"/>
+          </p:nvPr>
+        </p:nvSpPr>
+        <p:spPr/>
+        <p:txBody>
+          <a:bodyPr/>
+          <a:lstStyle/>
+          <a:p>
+            <a:pPr>
+              <a:defRPr/>
+            </a:pPr>
+            <a:fld id="{C5303A1E-C0C3-4A75-A42D-959ACBF920C8}" type="slidenum">
+              <a:rPr lang="es-ES" altLang="fa-IR" smtClean="0"/>
+              <a:pPr>
+                <a:defRPr/>
+              </a:pPr>
+              <a:t>23</a:t>
+            </a:fld>
+            <a:endParaRPr lang="es-ES" altLang="fa-IR" dirty="0"/>
+          </a:p>
+        </p:txBody>
+      </p:sp>
+    </p:spTree>
+    <p:extLst>
+      <p:ext uri="{BB962C8B-B14F-4D97-AF65-F5344CB8AC3E}">
+        <p14:creationId xmlns:p14="http://schemas.microsoft.com/office/powerpoint/2010/main" val="1300548946"/>
+      </p:ext>
+    </p:extLst>
+  </p:cSld>
+  <p:clrMapOvr>
+    <a:masterClrMapping/>
+  </p:clrMapOvr>
+  <mc:AlternateContent xmlns:mc="http://schemas.openxmlformats.org/markup-compatibility/2006" xmlns:p14="http://schemas.microsoft.com/office/powerpoint/2010/main">
+    <mc:Choice Requires="p14">
+      <p:transition spd="slow" p14:dur="800">
+        <p:diamond/>
+      </p:transition>
+    </mc:Choice>
+    <mc:Fallback xmlns="">
+      <p:transition spd="slow">
+        <p:diamond/>
+      </p:transition>
+    </mc:Fallback>
+  </mc:AlternateContent>
+  <p:timing>
+    <p:tnLst>
+      <p:par>
+        <p:cTn id="1" dur="indefinite" restart="never" nodeType="tmRoot"/>
+      </p:par>
+    </p:tnLst>
+  </p:timing>
+</p:sld>
+</file>
+
+<file path=ppt/slides/slide24.xml><?xml version="1.0" encoding="utf-8"?>
+<p:sld xmlns:a="http://schemas.openxmlformats.org/drawingml/2006/main" xmlns:r="http://schemas.openxmlformats.org/officeDocument/2006/relationships" xmlns:p="http://schemas.openxmlformats.org/presentationml/2006/main">
+  <p:cSld>
+    <p:spTree>
+      <p:nvGrpSpPr>
+        <p:cNvPr id="1" name=""/>
+        <p:cNvGrpSpPr/>
+        <p:nvPr/>
+      </p:nvGrpSpPr>
+      <p:grpSpPr>
+        <a:xfrm>
+          <a:off x="0" y="0"/>
+          <a:ext cx="0" cy="0"/>
+          <a:chOff x="0" y="0"/>
+          <a:chExt cx="0" cy="0"/>
+        </a:xfrm>
+      </p:grpSpPr>
+      <p:sp>
+        <p:nvSpPr>
+          <p:cNvPr id="2" name="Title 1"/>
+          <p:cNvSpPr>
+            <a:spLocks noGrp="1"/>
+          </p:cNvSpPr>
+          <p:nvPr>
+            <p:ph type="title"/>
+          </p:nvPr>
+        </p:nvSpPr>
+        <p:spPr/>
+        <p:txBody>
+          <a:bodyPr/>
+          <a:lstStyle/>
+          <a:p>
+            <a:r>
+              <a:rPr lang="fa-IR" dirty="0" smtClean="0"/>
+              <a:t>واقعیت مجازی در ایران</a:t>
+            </a:r>
+            <a:endParaRPr lang="fa-IR" dirty="0"/>
+          </a:p>
+        </p:txBody>
+      </p:sp>
+      <p:sp>
+        <p:nvSpPr>
+          <p:cNvPr id="3" name="Content Placeholder 2"/>
+          <p:cNvSpPr>
+            <a:spLocks noGrp="1"/>
+          </p:cNvSpPr>
+          <p:nvPr>
+            <p:ph idx="1"/>
+          </p:nvPr>
+        </p:nvSpPr>
+        <p:spPr>
+          <a:xfrm>
+            <a:off x="1547664" y="1412776"/>
+            <a:ext cx="7139136" cy="4713387"/>
+          </a:xfrm>
+        </p:spPr>
+        <p:txBody>
+          <a:bodyPr/>
+          <a:lstStyle/>
+          <a:p>
+            <a:r>
+              <a:rPr lang="fa-IR" dirty="0" smtClean="0">
+                <a:solidFill>
+                  <a:srgbClr val="00B0F0"/>
+                </a:solidFill>
+              </a:rPr>
+              <a:t>مؤسسه رسانه پرداز آمیتیس </a:t>
+            </a:r>
+            <a:r>
+              <a:rPr lang="fa-IR" dirty="0" smtClean="0"/>
+              <a:t>سازنده بازی رایانه‌ای « مبارزه در خلیج عدن » در تاریخ ۲۲ دی ماه سال ۱۳۹۳ برای اولین بار از دستاورد خود در حوزه واقعیت مجازی رونمایی کرد . تبدیل انواع هدست‌های نمایشگر سه بعدی ( </a:t>
+            </a:r>
+            <a:r>
+              <a:rPr lang="en-US" dirty="0" smtClean="0">
+                <a:latin typeface="Comic Sans MS" panose="030F0702030302020204" pitchFamily="66" charset="0"/>
+              </a:rPr>
+              <a:t>3D Viewer</a:t>
+            </a:r>
+            <a:r>
+              <a:rPr lang="fa-IR" dirty="0"/>
+              <a:t> ) به هدست واقعیت مجازی ، توسعه و گسترش این تکنولوژی به منظور بهره‌برداری در شهربازی‌ها و مباحث شبیه‌ساز تنها بخشی از فعالیت‌های استودیو آمیتیس در این زمینه است . لازم است ذکر شود این محصول تحت عنوان </a:t>
+            </a:r>
+            <a:r>
+              <a:rPr lang="en-US" dirty="0" err="1">
+                <a:latin typeface="Comic Sans MS" panose="030F0702030302020204" pitchFamily="66" charset="0"/>
+              </a:rPr>
+              <a:t>Amytech</a:t>
+            </a:r>
+            <a:r>
+              <a:rPr lang="en-US" dirty="0">
+                <a:latin typeface="Comic Sans MS" panose="030F0702030302020204" pitchFamily="66" charset="0"/>
+              </a:rPr>
+              <a:t> </a:t>
+            </a:r>
+            <a:r>
+              <a:rPr lang="en-US" dirty="0" smtClean="0">
+                <a:latin typeface="Comic Sans MS" panose="030F0702030302020204" pitchFamily="66" charset="0"/>
+              </a:rPr>
+              <a:t>1</a:t>
+            </a:r>
+            <a:r>
+              <a:rPr lang="fa-IR" dirty="0" smtClean="0"/>
+              <a:t> اولین </a:t>
+            </a:r>
+            <a:r>
+              <a:rPr lang="fa-IR" dirty="0"/>
+              <a:t>هدست واقعیت مجازی مبتنی بر کامپیوتر ایرانی در چهارمین دوره نمایشگاه شهر بازی و اوقات فراغت رونمایی </a:t>
+            </a:r>
+            <a:r>
+              <a:rPr lang="fa-IR" dirty="0" smtClean="0"/>
+              <a:t>گردید .</a:t>
+            </a:r>
+            <a:endParaRPr lang="fa-IR" dirty="0"/>
+          </a:p>
+        </p:txBody>
+      </p:sp>
+      <p:sp>
+        <p:nvSpPr>
+          <p:cNvPr id="4" name="Footer Placeholder 3"/>
+          <p:cNvSpPr>
+            <a:spLocks noGrp="1"/>
+          </p:cNvSpPr>
+          <p:nvPr>
+            <p:ph type="ftr" sz="quarter" idx="11"/>
+          </p:nvPr>
+        </p:nvSpPr>
+        <p:spPr/>
+        <p:txBody>
+          <a:bodyPr/>
+          <a:lstStyle/>
+          <a:p>
+            <a:pPr>
+              <a:defRPr/>
+            </a:pPr>
+            <a:r>
+              <a:rPr lang="fa-IR" altLang="fa-IR" smtClean="0"/>
+              <a:t>دانشگاه صنعتی اصفهان – دانشکده کامپیوتر</a:t>
+            </a:r>
+            <a:endParaRPr lang="es-ES" altLang="fa-IR" dirty="0"/>
+          </a:p>
+        </p:txBody>
+      </p:sp>
+      <p:sp>
+        <p:nvSpPr>
+          <p:cNvPr id="5" name="Slide Number Placeholder 4"/>
+          <p:cNvSpPr>
+            <a:spLocks noGrp="1"/>
+          </p:cNvSpPr>
+          <p:nvPr>
+            <p:ph type="sldNum" sz="quarter" idx="12"/>
+          </p:nvPr>
+        </p:nvSpPr>
+        <p:spPr/>
+        <p:txBody>
+          <a:bodyPr/>
+          <a:lstStyle/>
+          <a:p>
+            <a:pPr>
+              <a:defRPr/>
+            </a:pPr>
+            <a:fld id="{C5303A1E-C0C3-4A75-A42D-959ACBF920C8}" type="slidenum">
+              <a:rPr lang="es-ES" altLang="fa-IR" smtClean="0"/>
+              <a:pPr>
+                <a:defRPr/>
+              </a:pPr>
+              <a:t>24</a:t>
             </a:fld>
             <a:endParaRPr lang="es-ES" altLang="fa-IR" dirty="0"/>
           </a:p>
@@ -10598,7 +12046,7 @@
 </p:sld>
 </file>
 
-<file path=ppt/slides/slide22.xml><?xml version="1.0" encoding="utf-8"?>
+<file path=ppt/slides/slide25.xml><?xml version="1.0" encoding="utf-8"?>
 <p:sld xmlns:a="http://schemas.openxmlformats.org/drawingml/2006/main" xmlns:r="http://schemas.openxmlformats.org/officeDocument/2006/relationships" xmlns:p="http://schemas.openxmlformats.org/presentationml/2006/main">
   <p:cSld>
     <p:spTree>
@@ -10736,7 +12184,7 @@
               <a:pPr>
                 <a:defRPr/>
               </a:pPr>
-              <a:t>22</a:t>
+              <a:t>25</a:t>
             </a:fld>
             <a:endParaRPr lang="es-ES" altLang="fa-IR" dirty="0"/>
           </a:p>
@@ -10921,7 +12369,7 @@
 </p:sld>
 </file>
 
-<file path=ppt/slides/slide23.xml><?xml version="1.0" encoding="utf-8"?>
+<file path=ppt/slides/slide26.xml><?xml version="1.0" encoding="utf-8"?>
 <p:sld xmlns:a="http://schemas.openxmlformats.org/drawingml/2006/main" xmlns:r="http://schemas.openxmlformats.org/officeDocument/2006/relationships" xmlns:p="http://schemas.openxmlformats.org/presentationml/2006/main">
   <p:cSld>
     <p:spTree>
@@ -11051,7 +12499,7 @@
               <a:pPr>
                 <a:defRPr/>
               </a:pPr>
-              <a:t>23</a:t>
+              <a:t>26</a:t>
             </a:fld>
             <a:endParaRPr lang="es-ES" altLang="fa-IR" dirty="0"/>
           </a:p>
@@ -11089,7 +12537,7 @@
 </p:sld>
 </file>
 
-<file path=ppt/slides/slide24.xml><?xml version="1.0" encoding="utf-8"?>
+<file path=ppt/slides/slide27.xml><?xml version="1.0" encoding="utf-8"?>
 <p:sld xmlns:a="http://schemas.openxmlformats.org/drawingml/2006/main" xmlns:r="http://schemas.openxmlformats.org/officeDocument/2006/relationships" xmlns:p="http://schemas.openxmlformats.org/presentationml/2006/main">
   <p:cSld>
     <p:spTree>
@@ -11319,7 +12767,7 @@
               <a:pPr>
                 <a:defRPr/>
               </a:pPr>
-              <a:t>24</a:t>
+              <a:t>27</a:t>
             </a:fld>
             <a:endParaRPr lang="es-ES" altLang="fa-IR" dirty="0"/>
           </a:p>
@@ -11357,7 +12805,7 @@
 </p:sld>
 </file>
 
-<file path=ppt/slides/slide25.xml><?xml version="1.0" encoding="utf-8"?>
+<file path=ppt/slides/slide28.xml><?xml version="1.0" encoding="utf-8"?>
 <p:sld xmlns:a="http://schemas.openxmlformats.org/drawingml/2006/main" xmlns:r="http://schemas.openxmlformats.org/officeDocument/2006/relationships" xmlns:p="http://schemas.openxmlformats.org/presentationml/2006/main">
   <p:cSld>
     <p:spTree>
@@ -11433,6 +12881,11 @@
             </a:endParaRPr>
           </a:p>
           <a:p>
+            <a:pPr>
+              <a:lnSpc>
+                <a:spcPct val="150000"/>
+              </a:lnSpc>
+            </a:pPr>
             <a:endParaRPr lang="fa-IR" dirty="0" smtClean="0">
               <a:solidFill>
                 <a:srgbClr val="00B0F0"/>
@@ -11460,8 +12913,28 @@
                 </a:solidFill>
                 <a:latin typeface="Comic Sans MS" panose="030F0702030302020204" pitchFamily="66" charset="0"/>
               </a:rPr>
-              <a:t>://github.com/farbodDreamliner/Principles-of-IT</a:t>
-            </a:r>
+              <a:t>://</a:t>
+            </a:r>
+            <a:r>
+              <a:rPr lang="en-US" dirty="0" smtClean="0">
+                <a:solidFill>
+                  <a:srgbClr val="00B0F0"/>
+                </a:solidFill>
+                <a:latin typeface="Comic Sans MS" panose="030F0702030302020204" pitchFamily="66" charset="0"/>
+              </a:rPr>
+              <a:t>github.com/farbodDreamliner/Principles-of-IT</a:t>
+            </a:r>
+            <a:endParaRPr lang="fa-IR" dirty="0" smtClean="0">
+              <a:solidFill>
+                <a:srgbClr val="00B0F0"/>
+              </a:solidFill>
+              <a:latin typeface="Comic Sans MS" panose="030F0702030302020204" pitchFamily="66" charset="0"/>
+            </a:endParaRPr>
+          </a:p>
+          <a:p>
+            <a:pPr marL="0" indent="0">
+              <a:buNone/>
+            </a:pPr>
             <a:endParaRPr lang="fa-IR" dirty="0">
               <a:solidFill>
                 <a:srgbClr val="00B0F0"/>
@@ -11520,7 +12993,7 @@
               <a:pPr>
                 <a:defRPr/>
               </a:pPr>
-              <a:t>25</a:t>
+              <a:t>28</a:t>
             </a:fld>
             <a:endParaRPr lang="es-ES" altLang="fa-IR" dirty="0"/>
           </a:p>
@@ -11572,6 +13045,63 @@
           </a:extLst>
         </p:spPr>
       </p:pic>
+      <p:sp>
+        <p:nvSpPr>
+          <p:cNvPr id="6" name="TextBox 5"/>
+          <p:cNvSpPr txBox="1"/>
+          <p:nvPr/>
+        </p:nvSpPr>
+        <p:spPr>
+          <a:xfrm>
+            <a:off x="2627784" y="3518143"/>
+            <a:ext cx="3888432" cy="738664"/>
+          </a:xfrm>
+          <a:prstGeom prst="rect">
+            <a:avLst/>
+          </a:prstGeom>
+          <a:noFill/>
+        </p:spPr>
+        <p:txBody>
+          <a:bodyPr wrap="square" rtlCol="1">
+            <a:spAutoFit/>
+          </a:bodyPr>
+          <a:lstStyle/>
+          <a:p>
+            <a:pPr lvl="0" algn="just" rtl="1" eaLnBrk="0" hangingPunct="0">
+              <a:spcBef>
+                <a:spcPct val="20000"/>
+              </a:spcBef>
+            </a:pPr>
+            <a:r>
+              <a:rPr lang="fa-IR" sz="2100" b="1" kern="0" dirty="0">
+                <a:solidFill>
+                  <a:srgbClr val="FFFFFF"/>
+                </a:solidFill>
+                <a:latin typeface="Comic Sans MS" panose="030F0702030302020204" pitchFamily="66" charset="0"/>
+                <a:cs typeface="B Zar" panose="00000400000000000000" pitchFamily="2" charset="-78"/>
+              </a:rPr>
+              <a:t>آیا شما واقعا برای زندگی در یک دنیای مجازی دیجیتالی شده </a:t>
+            </a:r>
+            <a:r>
+              <a:rPr lang="fa-IR" sz="2100" b="1" kern="0" dirty="0" smtClean="0">
+                <a:solidFill>
+                  <a:srgbClr val="FFFFFF"/>
+                </a:solidFill>
+                <a:latin typeface="Comic Sans MS" panose="030F0702030302020204" pitchFamily="66" charset="0"/>
+                <a:cs typeface="B Zar" panose="00000400000000000000" pitchFamily="2" charset="-78"/>
+              </a:rPr>
+              <a:t>، آماده هستید ؟! </a:t>
+            </a:r>
+            <a:endParaRPr lang="fa-IR" sz="2100" b="1" kern="0" dirty="0">
+              <a:solidFill>
+                <a:srgbClr val="FFFFFF"/>
+              </a:solidFill>
+              <a:latin typeface="Comic Sans MS" panose="030F0702030302020204" pitchFamily="66" charset="0"/>
+              <a:cs typeface="B Zar" panose="00000400000000000000" pitchFamily="2" charset="-78"/>
+            </a:endParaRPr>
+          </a:p>
+        </p:txBody>
+      </p:sp>
     </p:spTree>
     <p:extLst>
       <p:ext uri="{BB962C8B-B14F-4D97-AF65-F5344CB8AC3E}">
@@ -11698,6 +13228,87 @@
                                   </p:childTnLst>
                                 </p:cTn>
                               </p:par>
+                              <p:par>
+                                <p:cTn id="10" presetID="42" presetClass="entr" presetSubtype="0" fill="hold" grpId="0" nodeType="withEffect">
+                                  <p:stCondLst>
+                                    <p:cond delay="0"/>
+                                  </p:stCondLst>
+                                  <p:childTnLst>
+                                    <p:set>
+                                      <p:cBhvr>
+                                        <p:cTn id="11" dur="1" fill="hold">
+                                          <p:stCondLst>
+                                            <p:cond delay="0"/>
+                                          </p:stCondLst>
+                                        </p:cTn>
+                                        <p:tgtEl>
+                                          <p:spTgt spid="6"/>
+                                        </p:tgtEl>
+                                        <p:attrNameLst>
+                                          <p:attrName>style.visibility</p:attrName>
+                                        </p:attrNameLst>
+                                      </p:cBhvr>
+                                      <p:to>
+                                        <p:strVal val="visible"/>
+                                      </p:to>
+                                    </p:set>
+                                    <p:animEffect transition="in" filter="fade">
+                                      <p:cBhvr>
+                                        <p:cTn id="12" dur="1000"/>
+                                        <p:tgtEl>
+                                          <p:spTgt spid="6"/>
+                                        </p:tgtEl>
+                                      </p:cBhvr>
+                                    </p:animEffect>
+                                    <p:anim calcmode="lin" valueType="num">
+                                      <p:cBhvr>
+                                        <p:cTn id="13" dur="1000" fill="hold"/>
+                                        <p:tgtEl>
+                                          <p:spTgt spid="6"/>
+                                        </p:tgtEl>
+                                        <p:attrNameLst>
+                                          <p:attrName>ppt_x</p:attrName>
+                                        </p:attrNameLst>
+                                      </p:cBhvr>
+                                      <p:tavLst>
+                                        <p:tav tm="0">
+                                          <p:val>
+                                            <p:strVal val="#ppt_x"/>
+                                          </p:val>
+                                        </p:tav>
+                                        <p:tav tm="100000">
+                                          <p:val>
+                                            <p:strVal val="#ppt_x"/>
+                                          </p:val>
+                                        </p:tav>
+                                      </p:tavLst>
+                                    </p:anim>
+                                    <p:anim calcmode="lin" valueType="num">
+                                      <p:cBhvr>
+                                        <p:cTn id="14" dur="1000" fill="hold"/>
+                                        <p:tgtEl>
+                                          <p:spTgt spid="6"/>
+                                        </p:tgtEl>
+                                        <p:attrNameLst>
+                                          <p:attrName>ppt_y</p:attrName>
+                                        </p:attrNameLst>
+                                      </p:cBhvr>
+                                      <p:tavLst>
+                                        <p:tav tm="0">
+                                          <p:val>
+                                            <p:strVal val="#ppt_y+.1"/>
+                                          </p:val>
+                                        </p:tav>
+                                        <p:tav tm="100000">
+                                          <p:val>
+                                            <p:strVal val="#ppt_y"/>
+                                          </p:val>
+                                        </p:tav>
+                                      </p:tavLst>
+                                    </p:anim>
+                                  </p:childTnLst>
+                                </p:cTn>
+                              </p:par>
                             </p:childTnLst>
                           </p:cTn>
                         </p:par>
@@ -11725,6 +13336,9 @@
         </p:cTn>
       </p:par>
     </p:tnLst>
+    <p:bldLst>
+      <p:bldP spid="6" grpId="0"/>
+    </p:bldLst>
   </p:timing>
 </p:sld>
 </file>

--- a/واقعیت مجازی ( Virtual Reality ).pptx
+++ b/واقعیت مجازی ( Virtual Reality ).pptx
@@ -5,7 +5,7 @@
     <p:sldMasterId id="2147483648" r:id="rId1"/>
   </p:sldMasterIdLst>
   <p:notesMasterIdLst>
-    <p:notesMasterId r:id="rId30"/>
+    <p:notesMasterId r:id="rId36"/>
   </p:notesMasterIdLst>
   <p:sldIdLst>
     <p:sldId id="256" r:id="rId2"/>
@@ -31,11 +31,17 @@
     <p:sldId id="281" r:id="rId22"/>
     <p:sldId id="283" r:id="rId23"/>
     <p:sldId id="279" r:id="rId24"/>
-    <p:sldId id="263" r:id="rId25"/>
-    <p:sldId id="264" r:id="rId26"/>
-    <p:sldId id="265" r:id="rId27"/>
-    <p:sldId id="266" r:id="rId28"/>
-    <p:sldId id="280" r:id="rId29"/>
+    <p:sldId id="284" r:id="rId25"/>
+    <p:sldId id="285" r:id="rId26"/>
+    <p:sldId id="286" r:id="rId27"/>
+    <p:sldId id="289" r:id="rId28"/>
+    <p:sldId id="288" r:id="rId29"/>
+    <p:sldId id="287" r:id="rId30"/>
+    <p:sldId id="263" r:id="rId31"/>
+    <p:sldId id="264" r:id="rId32"/>
+    <p:sldId id="265" r:id="rId33"/>
+    <p:sldId id="266" r:id="rId34"/>
+    <p:sldId id="280" r:id="rId35"/>
   </p:sldIdLst>
   <p:sldSz cx="9144000" cy="6858000" type="screen4x3"/>
   <p:notesSz cx="6858000" cy="9144000"/>
@@ -249,7 +255,7 @@
           <a:p>
             <a:fld id="{9077D2A7-0790-485D-A062-99A142C9CC43}" type="datetimeFigureOut">
               <a:rPr lang="fa-IR" smtClean="0"/>
-              <a:t>21/06/1437</a:t>
+              <a:t>22/06/1437</a:t>
             </a:fld>
             <a:endParaRPr lang="fa-IR"/>
           </a:p>
@@ -6327,7 +6333,6 @@
               <a:rPr lang="fa-IR" dirty="0" smtClean="0"/>
               <a:t>( مثال استفاده هیوندا از واقعیت افزوده به جای دفترچه راهنما . )</a:t>
             </a:r>
-            <a:endParaRPr lang="fa-IR" dirty="0" smtClean="0"/>
           </a:p>
           <a:p>
             <a:endParaRPr lang="fa-IR" dirty="0"/>
@@ -9145,15 +9150,7 @@
           <a:effectLst>
             <a:reflection blurRad="12700" stA="38000" endPos="28000" dist="5000" dir="5400000" sy="-100000" algn="bl" rotWithShape="0"/>
           </a:effectLst>
-          <a:extLst>
-            <a:ext uri="{909E8E84-426E-40DD-AFC4-6F175D3DCCD1}">
-              <a14:hiddenFill xmlns:a14="http://schemas.microsoft.com/office/drawing/2010/main">
-                <a:solidFill>
-                  <a:srgbClr val="FFFFFF"/>
-                </a:solidFill>
-              </a14:hiddenFill>
-            </a:ext>
-          </a:extLst>
+          <a:extLst/>
         </p:spPr>
       </p:pic>
       <p:pic>
@@ -9198,15 +9195,7 @@
           <a:effectLst>
             <a:reflection blurRad="12700" stA="38000" endPos="28000" dist="5000" dir="5400000" sy="-100000" algn="bl" rotWithShape="0"/>
           </a:effectLst>
-          <a:extLst>
-            <a:ext uri="{909E8E84-426E-40DD-AFC4-6F175D3DCCD1}">
-              <a14:hiddenFill xmlns:a14="http://schemas.microsoft.com/office/drawing/2010/main">
-                <a:solidFill>
-                  <a:srgbClr val="FFFFFF"/>
-                </a:solidFill>
-              </a14:hiddenFill>
-            </a:ext>
-          </a:extLst>
+          <a:extLst/>
         </p:spPr>
       </p:pic>
     </p:spTree>
@@ -9512,15 +9501,7 @@
           <a:effectLst>
             <a:reflection blurRad="12700" stA="38000" endPos="28000" dist="5000" dir="5400000" sy="-100000" algn="bl" rotWithShape="0"/>
           </a:effectLst>
-          <a:extLst>
-            <a:ext uri="{909E8E84-426E-40DD-AFC4-6F175D3DCCD1}">
-              <a14:hiddenFill xmlns:a14="http://schemas.microsoft.com/office/drawing/2010/main">
-                <a:solidFill>
-                  <a:srgbClr val="FFFFFF"/>
-                </a:solidFill>
-              </a14:hiddenFill>
-            </a:ext>
-          </a:extLst>
+          <a:extLst/>
         </p:spPr>
       </p:pic>
       <p:pic>
@@ -9565,15 +9546,7 @@
           <a:effectLst>
             <a:reflection blurRad="12700" stA="38000" endPos="28000" dist="5000" dir="5400000" sy="-100000" algn="bl" rotWithShape="0"/>
           </a:effectLst>
-          <a:extLst>
-            <a:ext uri="{909E8E84-426E-40DD-AFC4-6F175D3DCCD1}">
-              <a14:hiddenFill xmlns:a14="http://schemas.microsoft.com/office/drawing/2010/main">
-                <a:solidFill>
-                  <a:srgbClr val="FFFFFF"/>
-                </a:solidFill>
-              </a14:hiddenFill>
-            </a:ext>
-          </a:extLst>
+          <a:extLst/>
         </p:spPr>
       </p:pic>
     </p:spTree>
@@ -10799,11 +10772,7 @@
           <a:p>
             <a:r>
               <a:rPr lang="fa-IR" dirty="0" smtClean="0"/>
-              <a:t>فایده ها و </a:t>
-            </a:r>
-            <a:r>
-              <a:rPr lang="fa-IR" dirty="0" smtClean="0"/>
-              <a:t>مضررات </a:t>
+              <a:t>فایده ها و مضررات </a:t>
             </a:r>
             <a:endParaRPr lang="fa-IR" dirty="0"/>
           </a:p>
@@ -11370,7 +11339,7 @@
             <a:r>
               <a:rPr lang="fa-IR" dirty="0" smtClean="0">
                 <a:solidFill>
-                  <a:srgbClr val="CC0000"/>
+                  <a:srgbClr val="FF0000"/>
                 </a:solidFill>
               </a:rPr>
               <a:t>عزت نفس پایین </a:t>
@@ -11382,7 +11351,7 @@
             <a:r>
               <a:rPr lang="fa-IR" dirty="0">
                 <a:solidFill>
-                  <a:srgbClr val="CC0000"/>
+                  <a:srgbClr val="FF0000"/>
                 </a:solidFill>
               </a:rPr>
               <a:t>احساس بی ارزشی </a:t>
@@ -11398,7 +11367,7 @@
             <a:r>
               <a:rPr lang="fa-IR" dirty="0" smtClean="0">
                 <a:solidFill>
-                  <a:srgbClr val="CC0000"/>
+                  <a:srgbClr val="FF0000"/>
                 </a:solidFill>
               </a:rPr>
               <a:t>اعمال خود </a:t>
@@ -11406,7 +11375,7 @@
             <a:r>
               <a:rPr lang="fa-IR" dirty="0">
                 <a:solidFill>
-                  <a:srgbClr val="CC0000"/>
+                  <a:srgbClr val="FF0000"/>
                 </a:solidFill>
               </a:rPr>
               <a:t>مخرب </a:t>
@@ -11431,7 +11400,7 @@
             <a:r>
               <a:rPr lang="fa-IR" dirty="0" smtClean="0">
                 <a:solidFill>
-                  <a:srgbClr val="CC0000"/>
+                  <a:srgbClr val="FF0000"/>
                 </a:solidFill>
               </a:rPr>
               <a:t>حساسیت زدایی </a:t>
@@ -11599,7 +11568,141 @@
           <a:bodyPr/>
           <a:lstStyle/>
           <a:p>
-            <a:endParaRPr lang="fa-IR"/>
+            <a:r>
+              <a:rPr lang="fa-IR" dirty="0"/>
+              <a:t>مشکلات اخلاقی بیشتر از دو مورد زیر نشات </a:t>
+            </a:r>
+            <a:r>
+              <a:rPr lang="fa-IR" dirty="0" smtClean="0"/>
+              <a:t>می گیرد : </a:t>
+            </a:r>
+          </a:p>
+          <a:p>
+            <a:pPr lvl="1">
+              <a:buFont typeface="Wingdings" panose="05000000000000000000" pitchFamily="2" charset="2"/>
+              <a:buChar char="Ø"/>
+            </a:pPr>
+            <a:r>
+              <a:rPr lang="fa-IR" dirty="0" smtClean="0"/>
+              <a:t>نحوه </a:t>
+            </a:r>
+            <a:r>
+              <a:rPr lang="fa-IR" dirty="0"/>
+              <a:t>استفاده </a:t>
+            </a:r>
+            <a:r>
+              <a:rPr lang="fa-IR" dirty="0" smtClean="0"/>
+              <a:t>آنها</a:t>
+            </a:r>
+            <a:endParaRPr lang="en-US" dirty="0"/>
+          </a:p>
+          <a:p>
+            <a:pPr lvl="1">
+              <a:buFont typeface="Wingdings" panose="05000000000000000000" pitchFamily="2" charset="2"/>
+              <a:buChar char="Ø"/>
+            </a:pPr>
+            <a:r>
+              <a:rPr lang="fa-IR" dirty="0" smtClean="0"/>
+              <a:t>محیط </a:t>
+            </a:r>
+            <a:r>
+              <a:rPr lang="fa-IR" dirty="0"/>
+              <a:t>های اپلیکیشن های مورد استفاده </a:t>
+            </a:r>
+            <a:endParaRPr lang="en-US" dirty="0"/>
+          </a:p>
+          <a:p>
+            <a:endParaRPr lang="fa-IR" dirty="0" smtClean="0"/>
+          </a:p>
+          <a:p>
+            <a:endParaRPr lang="fa-IR" dirty="0"/>
+          </a:p>
+          <a:p>
+            <a:r>
+              <a:rPr lang="fa-IR" dirty="0" smtClean="0"/>
+              <a:t>اپلیکیشن </a:t>
+            </a:r>
+            <a:r>
+              <a:rPr lang="fa-IR" dirty="0"/>
+              <a:t>های </a:t>
+            </a:r>
+            <a:r>
+              <a:rPr lang="en-US" dirty="0">
+                <a:latin typeface="Comic Sans MS" panose="030F0702030302020204" pitchFamily="66" charset="0"/>
+              </a:rPr>
+              <a:t>VR</a:t>
+            </a:r>
+            <a:r>
+              <a:rPr lang="fa-IR" dirty="0"/>
+              <a:t> اجازه </a:t>
+            </a:r>
+            <a:r>
+              <a:rPr lang="fa-IR" dirty="0" smtClean="0"/>
+              <a:t>می دهد </a:t>
+            </a:r>
+            <a:r>
+              <a:rPr lang="fa-IR" dirty="0"/>
+              <a:t>که هر گونه عمل فاسدی از جمله </a:t>
+            </a:r>
+            <a:r>
+              <a:rPr lang="fa-IR" dirty="0" smtClean="0"/>
+              <a:t>قتل ، شکنجه</a:t>
+            </a:r>
+            <a:r>
+              <a:rPr lang="fa-IR" dirty="0"/>
+              <a:t> </a:t>
+            </a:r>
+            <a:r>
+              <a:rPr lang="fa-IR" dirty="0" smtClean="0"/>
+              <a:t>، </a:t>
+            </a:r>
+            <a:r>
+              <a:rPr lang="fa-IR" dirty="0"/>
+              <a:t>قطع </a:t>
+            </a:r>
+            <a:r>
+              <a:rPr lang="fa-IR" dirty="0" smtClean="0"/>
+              <a:t>عضو</a:t>
+            </a:r>
+            <a:r>
+              <a:rPr lang="fa-IR" dirty="0"/>
+              <a:t> </a:t>
+            </a:r>
+            <a:r>
+              <a:rPr lang="fa-IR" dirty="0" smtClean="0"/>
+              <a:t>، </a:t>
+            </a:r>
+            <a:r>
+              <a:rPr lang="fa-IR" dirty="0"/>
+              <a:t>دزدی را به نمایش </a:t>
+            </a:r>
+            <a:r>
+              <a:rPr lang="fa-IR" dirty="0" smtClean="0"/>
+              <a:t>بکشد . همچنین </a:t>
+            </a:r>
+            <a:r>
+              <a:rPr lang="fa-IR" dirty="0"/>
+              <a:t>دیگر امکانات این اپلیکیشن ها گذاشتن خود جای شخصیت ها و بازی کردن سناریوی آنها از جمله عملیات تروریستی و </a:t>
+            </a:r>
+            <a:r>
+              <a:rPr lang="fa-IR" dirty="0" smtClean="0"/>
+              <a:t>آمادگی </a:t>
+            </a:r>
+            <a:r>
+              <a:rPr lang="fa-IR" dirty="0"/>
+              <a:t>برای قتل های زنجیره </a:t>
+            </a:r>
+            <a:r>
+              <a:rPr lang="fa-IR" dirty="0" smtClean="0"/>
+              <a:t>ایست . </a:t>
+            </a:r>
+            <a:endParaRPr lang="en-US" dirty="0"/>
+          </a:p>
+          <a:p>
+            <a:endParaRPr lang="en-US" dirty="0"/>
+          </a:p>
+          <a:p>
+            <a:endParaRPr lang="fa-IR" dirty="0"/>
           </a:p>
         </p:txBody>
       </p:sp>
@@ -11709,12 +11812,12 @@
       </p:grpSpPr>
       <p:sp>
         <p:nvSpPr>
-          <p:cNvPr id="2" name="Title 1"/>
+          <p:cNvPr id="3" name="Content Placeholder 2"/>
           <p:cNvSpPr>
             <a:spLocks noGrp="1"/>
           </p:cNvSpPr>
           <p:nvPr>
-            <p:ph type="title"/>
+            <p:ph idx="1"/>
           </p:nvPr>
         </p:nvSpPr>
         <p:spPr/>
@@ -11723,85 +11826,64 @@
           <a:lstStyle/>
           <a:p>
             <a:r>
-              <a:rPr lang="fa-IR" dirty="0" smtClean="0"/>
-              <a:t>واقعیت مجازی در ایران</a:t>
-            </a:r>
-            <a:endParaRPr lang="fa-IR" dirty="0"/>
-          </a:p>
-        </p:txBody>
-      </p:sp>
-      <p:sp>
-        <p:nvSpPr>
-          <p:cNvPr id="3" name="Content Placeholder 2"/>
-          <p:cNvSpPr>
-            <a:spLocks noGrp="1"/>
-          </p:cNvSpPr>
-          <p:nvPr>
-            <p:ph idx="1"/>
-          </p:nvPr>
-        </p:nvSpPr>
-        <p:spPr>
-          <a:xfrm>
-            <a:off x="1547664" y="1412776"/>
-            <a:ext cx="7139136" cy="4713387"/>
-          </a:xfrm>
-        </p:spPr>
-        <p:txBody>
-          <a:bodyPr/>
-          <a:lstStyle/>
-          <a:p>
-            <a:r>
-              <a:rPr lang="fa-IR" dirty="0" smtClean="0">
-                <a:solidFill>
-                  <a:srgbClr val="00B0F0"/>
-                </a:solidFill>
-              </a:rPr>
-              <a:t>مؤسسه رسانه پرداز آمیتیس </a:t>
-            </a:r>
-            <a:r>
-              <a:rPr lang="fa-IR" dirty="0" smtClean="0"/>
-              <a:t>سازنده بازی رایانه‌ای « مبارزه در خلیج عدن » در تاریخ ۲۲ دی ماه سال ۱۳۹۳ برای اولین بار از دستاورد خود در حوزه واقعیت مجازی رونمایی کرد . تبدیل انواع هدست‌های نمایشگر سه بعدی ( </a:t>
-            </a:r>
-            <a:r>
-              <a:rPr lang="en-US" dirty="0" smtClean="0">
-                <a:latin typeface="Comic Sans MS" panose="030F0702030302020204" pitchFamily="66" charset="0"/>
-              </a:rPr>
-              <a:t>3D Viewer</a:t>
-            </a:r>
-            <a:r>
               <a:rPr lang="fa-IR" dirty="0"/>
-              <a:t> ) به هدست واقعیت مجازی ، توسعه و گسترش این تکنولوژی به منظور بهره‌برداری در شهربازی‌ها و مباحث شبیه‌ساز تنها بخشی از فعالیت‌های استودیو آمیتیس در این زمینه است . لازم است ذکر شود این محصول تحت عنوان </a:t>
-            </a:r>
-            <a:r>
-              <a:rPr lang="en-US" dirty="0" err="1">
-                <a:latin typeface="Comic Sans MS" panose="030F0702030302020204" pitchFamily="66" charset="0"/>
-              </a:rPr>
-              <a:t>Amytech</a:t>
-            </a:r>
-            <a:r>
-              <a:rPr lang="en-US" dirty="0">
-                <a:latin typeface="Comic Sans MS" panose="030F0702030302020204" pitchFamily="66" charset="0"/>
-              </a:rPr>
-              <a:t> </a:t>
-            </a:r>
-            <a:r>
-              <a:rPr lang="en-US" dirty="0" smtClean="0">
-                <a:latin typeface="Comic Sans MS" panose="030F0702030302020204" pitchFamily="66" charset="0"/>
-              </a:rPr>
-              <a:t>1</a:t>
-            </a:r>
-            <a:r>
-              <a:rPr lang="fa-IR" dirty="0" smtClean="0"/>
-              <a:t> اولین </a:t>
+              <a:t>این موارد اخلاقی را میتوان از دوجنبه بررسی </a:t>
+            </a:r>
+            <a:r>
+              <a:rPr lang="fa-IR" dirty="0" smtClean="0"/>
+              <a:t>نمود : </a:t>
+            </a:r>
+          </a:p>
+          <a:p>
+            <a:endParaRPr lang="en-US" dirty="0"/>
+          </a:p>
+          <a:p>
+            <a:pPr lvl="2">
+              <a:buFont typeface="Wingdings" panose="05000000000000000000" pitchFamily="2" charset="2"/>
+              <a:buChar char="Ø"/>
+            </a:pPr>
+            <a:r>
+              <a:rPr lang="fa-IR" dirty="0" smtClean="0"/>
+              <a:t>جنبه </a:t>
             </a:r>
             <a:r>
               <a:rPr lang="fa-IR" dirty="0"/>
-              <a:t>هدست واقعیت مجازی مبتنی بر کامپیوتر ایرانی در چهارمین دوره نمایشگاه شهر بازی و اوقات فراغت رونمایی </a:t>
-            </a:r>
-            <a:r>
-              <a:rPr lang="fa-IR" dirty="0" smtClean="0"/>
-              <a:t>گردید .</a:t>
-            </a:r>
+              <a:t>ی </a:t>
+            </a:r>
+            <a:r>
+              <a:rPr lang="fa-IR" dirty="0" smtClean="0"/>
+              <a:t>بازنمودی ( نمایشی )</a:t>
+            </a:r>
+            <a:endParaRPr lang="en-US" dirty="0"/>
+          </a:p>
+          <a:p>
+            <a:pPr lvl="2">
+              <a:buFont typeface="Wingdings" panose="05000000000000000000" pitchFamily="2" charset="2"/>
+              <a:buChar char="Ø"/>
+            </a:pPr>
+            <a:r>
+              <a:rPr lang="fa-IR" dirty="0" smtClean="0"/>
+              <a:t>جنبه </a:t>
+            </a:r>
+            <a:r>
+              <a:rPr lang="fa-IR" dirty="0"/>
+              <a:t>ی </a:t>
+            </a:r>
+            <a:r>
+              <a:rPr lang="fa-IR" dirty="0" smtClean="0"/>
+              <a:t>تعاملی</a:t>
+            </a:r>
+            <a:r>
+              <a:rPr lang="en-US" dirty="0" smtClean="0"/>
+              <a:t> ) </a:t>
+            </a:r>
+            <a:r>
+              <a:rPr lang="fa-IR" dirty="0" smtClean="0"/>
+              <a:t>اخلاقی )</a:t>
+            </a:r>
+            <a:endParaRPr lang="en-US" dirty="0"/>
+          </a:p>
+          <a:p>
             <a:endParaRPr lang="fa-IR" dirty="0"/>
           </a:p>
         </p:txBody>
@@ -11856,6 +11938,2239 @@
                 <a:defRPr/>
               </a:pPr>
               <a:t>24</a:t>
+            </a:fld>
+            <a:endParaRPr lang="es-ES" altLang="fa-IR" dirty="0"/>
+          </a:p>
+        </p:txBody>
+      </p:sp>
+    </p:spTree>
+    <p:extLst>
+      <p:ext uri="{BB962C8B-B14F-4D97-AF65-F5344CB8AC3E}">
+        <p14:creationId xmlns:p14="http://schemas.microsoft.com/office/powerpoint/2010/main" val="2756582654"/>
+      </p:ext>
+    </p:extLst>
+  </p:cSld>
+  <p:clrMapOvr>
+    <a:masterClrMapping/>
+  </p:clrMapOvr>
+  <mc:AlternateContent xmlns:mc="http://schemas.openxmlformats.org/markup-compatibility/2006" xmlns:p14="http://schemas.microsoft.com/office/powerpoint/2010/main">
+    <mc:Choice Requires="p14">
+      <p:transition spd="slow" p14:dur="800">
+        <p:diamond/>
+      </p:transition>
+    </mc:Choice>
+    <mc:Fallback xmlns="">
+      <p:transition spd="slow">
+        <p:diamond/>
+      </p:transition>
+    </mc:Fallback>
+  </mc:AlternateContent>
+  <p:timing>
+    <p:tnLst>
+      <p:par>
+        <p:cTn id="1" dur="indefinite" restart="never" nodeType="tmRoot"/>
+      </p:par>
+    </p:tnLst>
+  </p:timing>
+</p:sld>
+</file>
+
+<file path=ppt/slides/slide25.xml><?xml version="1.0" encoding="utf-8"?>
+<p:sld xmlns:a="http://schemas.openxmlformats.org/drawingml/2006/main" xmlns:r="http://schemas.openxmlformats.org/officeDocument/2006/relationships" xmlns:p="http://schemas.openxmlformats.org/presentationml/2006/main">
+  <p:cSld>
+    <p:spTree>
+      <p:nvGrpSpPr>
+        <p:cNvPr id="1" name=""/>
+        <p:cNvGrpSpPr/>
+        <p:nvPr/>
+      </p:nvGrpSpPr>
+      <p:grpSpPr>
+        <a:xfrm>
+          <a:off x="0" y="0"/>
+          <a:ext cx="0" cy="0"/>
+          <a:chOff x="0" y="0"/>
+          <a:chExt cx="0" cy="0"/>
+        </a:xfrm>
+      </p:grpSpPr>
+      <p:sp>
+        <p:nvSpPr>
+          <p:cNvPr id="2" name="Title 1"/>
+          <p:cNvSpPr>
+            <a:spLocks noGrp="1"/>
+          </p:cNvSpPr>
+          <p:nvPr>
+            <p:ph type="title"/>
+          </p:nvPr>
+        </p:nvSpPr>
+        <p:spPr/>
+        <p:txBody>
+          <a:bodyPr/>
+          <a:lstStyle/>
+          <a:p>
+            <a:r>
+              <a:rPr lang="fa-IR" dirty="0" smtClean="0"/>
+              <a:t>بازنمودی :</a:t>
+            </a:r>
+            <a:endParaRPr lang="fa-IR" dirty="0"/>
+          </a:p>
+        </p:txBody>
+      </p:sp>
+      <p:sp>
+        <p:nvSpPr>
+          <p:cNvPr id="3" name="Content Placeholder 2"/>
+          <p:cNvSpPr>
+            <a:spLocks noGrp="1"/>
+          </p:cNvSpPr>
+          <p:nvPr>
+            <p:ph idx="1"/>
+          </p:nvPr>
+        </p:nvSpPr>
+        <p:spPr/>
+        <p:txBody>
+          <a:bodyPr/>
+          <a:lstStyle/>
+          <a:p>
+            <a:r>
+              <a:rPr lang="fa-IR" dirty="0" smtClean="0"/>
+              <a:t>مشکل </a:t>
+            </a:r>
+            <a:r>
+              <a:rPr lang="fa-IR" dirty="0"/>
+              <a:t>اخلاقی که از نظر عرضه ی این اپ ها سرچشمه </a:t>
+            </a:r>
+            <a:r>
+              <a:rPr lang="fa-IR" dirty="0" smtClean="0"/>
+              <a:t>می گیرد </a:t>
+            </a:r>
+            <a:r>
+              <a:rPr lang="fa-IR" dirty="0"/>
+              <a:t>این </a:t>
+            </a:r>
+            <a:r>
+              <a:rPr lang="fa-IR" dirty="0" smtClean="0"/>
+              <a:t>است ؛ </a:t>
+            </a:r>
+            <a:r>
+              <a:rPr lang="fa-IR" dirty="0"/>
+              <a:t>که هر شی و هر مکان و </a:t>
+            </a:r>
+            <a:r>
+              <a:rPr lang="fa-IR" dirty="0" smtClean="0"/>
+              <a:t>فرد </a:t>
+            </a:r>
+            <a:r>
+              <a:rPr lang="fa-IR" dirty="0"/>
+              <a:t>و هر اتفاقی در نمایش </a:t>
+            </a:r>
+            <a:r>
+              <a:rPr lang="en-US" dirty="0">
+                <a:latin typeface="Comic Sans MS" panose="030F0702030302020204" pitchFamily="66" charset="0"/>
+              </a:rPr>
+              <a:t>VR</a:t>
+            </a:r>
+            <a:r>
+              <a:rPr lang="fa-IR" dirty="0"/>
+              <a:t> </a:t>
+            </a:r>
+            <a:r>
+              <a:rPr lang="fa-IR" dirty="0" smtClean="0"/>
+              <a:t>می تواند </a:t>
+            </a:r>
+            <a:r>
+              <a:rPr lang="fa-IR" dirty="0"/>
+              <a:t>مشکلات اخلاقی ایجاد </a:t>
+            </a:r>
+            <a:r>
+              <a:rPr lang="fa-IR" dirty="0" smtClean="0"/>
+              <a:t>کند !!! </a:t>
+            </a:r>
+          </a:p>
+          <a:p>
+            <a:endParaRPr lang="fa-IR" dirty="0"/>
+          </a:p>
+          <a:p>
+            <a:r>
+              <a:rPr lang="fa-IR" dirty="0"/>
+              <a:t>رابطه ی بین دنیای واقعیت مجازی </a:t>
+            </a:r>
+            <a:r>
+              <a:rPr lang="fa-IR" dirty="0" smtClean="0"/>
+              <a:t>و </a:t>
+            </a:r>
+            <a:r>
+              <a:rPr lang="fa-IR" dirty="0"/>
+              <a:t>دنیای واقعی </a:t>
+            </a:r>
+            <a:r>
+              <a:rPr lang="fa-IR" dirty="0" smtClean="0"/>
+              <a:t>می تواند </a:t>
+            </a:r>
+            <a:r>
+              <a:rPr lang="fa-IR" dirty="0"/>
+              <a:t>کاملا برعکس </a:t>
+            </a:r>
+            <a:r>
+              <a:rPr lang="fa-IR" dirty="0" smtClean="0"/>
+              <a:t>باشد ! </a:t>
+            </a:r>
+            <a:r>
+              <a:rPr lang="fa-IR" dirty="0"/>
+              <a:t>یا کاملا </a:t>
+            </a:r>
+            <a:r>
+              <a:rPr lang="fa-IR" dirty="0" smtClean="0"/>
+              <a:t>مشابه </a:t>
+            </a:r>
+            <a:r>
+              <a:rPr lang="fa-IR" dirty="0"/>
+              <a:t>دنیای واقعی و </a:t>
+            </a:r>
+            <a:r>
+              <a:rPr lang="fa-IR" dirty="0" smtClean="0"/>
+              <a:t>اتفاقاتی </a:t>
+            </a:r>
+            <a:r>
+              <a:rPr lang="fa-IR" dirty="0"/>
+              <a:t>که در آن </a:t>
+            </a:r>
+            <a:r>
+              <a:rPr lang="fa-IR" dirty="0" smtClean="0"/>
+              <a:t>می افتد </a:t>
+            </a:r>
+            <a:r>
+              <a:rPr lang="fa-IR" dirty="0"/>
+              <a:t>و یا کاملا </a:t>
+            </a:r>
+            <a:r>
+              <a:rPr lang="fa-IR" dirty="0" smtClean="0"/>
+              <a:t>تخیلی </a:t>
+            </a:r>
+            <a:r>
+              <a:rPr lang="fa-IR" dirty="0"/>
+              <a:t>و زاده ی </a:t>
+            </a:r>
+            <a:r>
+              <a:rPr lang="fa-IR" dirty="0" smtClean="0"/>
+              <a:t>ذهن . </a:t>
+            </a:r>
+          </a:p>
+          <a:p>
+            <a:endParaRPr lang="fa-IR" dirty="0"/>
+          </a:p>
+          <a:p>
+            <a:r>
+              <a:rPr lang="fa-IR" dirty="0"/>
+              <a:t>حال چرا ممکن است که موارد اخلاقی ایجاد </a:t>
+            </a:r>
+            <a:r>
+              <a:rPr lang="fa-IR" dirty="0" smtClean="0"/>
+              <a:t>شود ؟؟ </a:t>
+            </a:r>
+            <a:r>
+              <a:rPr lang="fa-IR" dirty="0"/>
+              <a:t>اپلیکیشن های </a:t>
+            </a:r>
+            <a:r>
+              <a:rPr lang="en-US" dirty="0">
+                <a:latin typeface="Comic Sans MS" panose="030F0702030302020204" pitchFamily="66" charset="0"/>
+              </a:rPr>
+              <a:t>VR</a:t>
+            </a:r>
+            <a:r>
+              <a:rPr lang="fa-IR" dirty="0"/>
+              <a:t> ممکن است برای هدفی که تعبیه شده اند به میزان کافی دقیق </a:t>
+            </a:r>
+            <a:r>
+              <a:rPr lang="fa-IR" dirty="0" smtClean="0"/>
+              <a:t>نباشند !  . . .</a:t>
+            </a:r>
+            <a:endParaRPr lang="en-US" dirty="0"/>
+          </a:p>
+          <a:p>
+            <a:endParaRPr lang="fa-IR" dirty="0" smtClean="0"/>
+          </a:p>
+        </p:txBody>
+      </p:sp>
+      <p:sp>
+        <p:nvSpPr>
+          <p:cNvPr id="4" name="Footer Placeholder 3"/>
+          <p:cNvSpPr>
+            <a:spLocks noGrp="1"/>
+          </p:cNvSpPr>
+          <p:nvPr>
+            <p:ph type="ftr" sz="quarter" idx="11"/>
+          </p:nvPr>
+        </p:nvSpPr>
+        <p:spPr/>
+        <p:txBody>
+          <a:bodyPr/>
+          <a:lstStyle/>
+          <a:p>
+            <a:pPr>
+              <a:defRPr/>
+            </a:pPr>
+            <a:r>
+              <a:rPr lang="fa-IR" altLang="fa-IR" smtClean="0"/>
+              <a:t>دانشگاه صنعتی اصفهان – دانشکده کامپیوتر</a:t>
+            </a:r>
+            <a:endParaRPr lang="es-ES" altLang="fa-IR" dirty="0"/>
+          </a:p>
+        </p:txBody>
+      </p:sp>
+      <p:sp>
+        <p:nvSpPr>
+          <p:cNvPr id="5" name="Slide Number Placeholder 4"/>
+          <p:cNvSpPr>
+            <a:spLocks noGrp="1"/>
+          </p:cNvSpPr>
+          <p:nvPr>
+            <p:ph type="sldNum" sz="quarter" idx="12"/>
+          </p:nvPr>
+        </p:nvSpPr>
+        <p:spPr/>
+        <p:txBody>
+          <a:bodyPr/>
+          <a:lstStyle/>
+          <a:p>
+            <a:pPr>
+              <a:defRPr/>
+            </a:pPr>
+            <a:fld id="{C5303A1E-C0C3-4A75-A42D-959ACBF920C8}" type="slidenum">
+              <a:rPr lang="es-ES" altLang="fa-IR" smtClean="0"/>
+              <a:pPr>
+                <a:defRPr/>
+              </a:pPr>
+              <a:t>25</a:t>
+            </a:fld>
+            <a:endParaRPr lang="es-ES" altLang="fa-IR" dirty="0"/>
+          </a:p>
+        </p:txBody>
+      </p:sp>
+    </p:spTree>
+    <p:extLst>
+      <p:ext uri="{BB962C8B-B14F-4D97-AF65-F5344CB8AC3E}">
+        <p14:creationId xmlns:p14="http://schemas.microsoft.com/office/powerpoint/2010/main" val="2728720948"/>
+      </p:ext>
+    </p:extLst>
+  </p:cSld>
+  <p:clrMapOvr>
+    <a:masterClrMapping/>
+  </p:clrMapOvr>
+  <mc:AlternateContent xmlns:mc="http://schemas.openxmlformats.org/markup-compatibility/2006" xmlns:p14="http://schemas.microsoft.com/office/powerpoint/2010/main">
+    <mc:Choice Requires="p14">
+      <p:transition spd="slow" p14:dur="800">
+        <p:diamond/>
+      </p:transition>
+    </mc:Choice>
+    <mc:Fallback xmlns="">
+      <p:transition spd="slow">
+        <p:diamond/>
+      </p:transition>
+    </mc:Fallback>
+  </mc:AlternateContent>
+  <p:timing>
+    <p:tnLst>
+      <p:par>
+        <p:cTn id="1" dur="indefinite" restart="never" nodeType="tmRoot"/>
+      </p:par>
+    </p:tnLst>
+  </p:timing>
+</p:sld>
+</file>
+
+<file path=ppt/slides/slide26.xml><?xml version="1.0" encoding="utf-8"?>
+<p:sld xmlns:a="http://schemas.openxmlformats.org/drawingml/2006/main" xmlns:r="http://schemas.openxmlformats.org/officeDocument/2006/relationships" xmlns:p="http://schemas.openxmlformats.org/presentationml/2006/main">
+  <p:cSld>
+    <p:spTree>
+      <p:nvGrpSpPr>
+        <p:cNvPr id="1" name=""/>
+        <p:cNvGrpSpPr/>
+        <p:nvPr/>
+      </p:nvGrpSpPr>
+      <p:grpSpPr>
+        <a:xfrm>
+          <a:off x="0" y="0"/>
+          <a:ext cx="0" cy="0"/>
+          <a:chOff x="0" y="0"/>
+          <a:chExt cx="0" cy="0"/>
+        </a:xfrm>
+      </p:grpSpPr>
+      <p:sp>
+        <p:nvSpPr>
+          <p:cNvPr id="2" name="Title 1"/>
+          <p:cNvSpPr>
+            <a:spLocks noGrp="1"/>
+          </p:cNvSpPr>
+          <p:nvPr>
+            <p:ph type="title"/>
+          </p:nvPr>
+        </p:nvSpPr>
+        <p:spPr/>
+        <p:txBody>
+          <a:bodyPr/>
+          <a:lstStyle/>
+          <a:p>
+            <a:r>
+              <a:rPr lang="fa-IR" dirty="0" smtClean="0"/>
+              <a:t>...</a:t>
+            </a:r>
+            <a:endParaRPr lang="fa-IR" dirty="0"/>
+          </a:p>
+        </p:txBody>
+      </p:sp>
+      <p:sp>
+        <p:nvSpPr>
+          <p:cNvPr id="3" name="Content Placeholder 2"/>
+          <p:cNvSpPr>
+            <a:spLocks noGrp="1"/>
+          </p:cNvSpPr>
+          <p:nvPr>
+            <p:ph idx="1"/>
+          </p:nvPr>
+        </p:nvSpPr>
+        <p:spPr/>
+        <p:txBody>
+          <a:bodyPr/>
+          <a:lstStyle/>
+          <a:p>
+            <a:r>
+              <a:rPr lang="fa-IR" dirty="0"/>
+              <a:t>این دقت باید </a:t>
+            </a:r>
+            <a:r>
+              <a:rPr lang="fa-IR" dirty="0" smtClean="0"/>
+              <a:t>فاکتور </a:t>
+            </a:r>
+            <a:r>
+              <a:rPr lang="fa-IR" dirty="0"/>
+              <a:t>های زیر را در برنامه های </a:t>
+            </a:r>
+            <a:r>
+              <a:rPr lang="en-US" dirty="0">
+                <a:latin typeface="Comic Sans MS" panose="030F0702030302020204" pitchFamily="66" charset="0"/>
+              </a:rPr>
+              <a:t>VR</a:t>
+            </a:r>
+            <a:r>
+              <a:rPr lang="fa-IR" dirty="0"/>
+              <a:t> دارا </a:t>
+            </a:r>
+            <a:r>
+              <a:rPr lang="fa-IR" dirty="0" smtClean="0"/>
+              <a:t>باشد :</a:t>
+            </a:r>
+          </a:p>
+          <a:p>
+            <a:endParaRPr lang="fa-IR" dirty="0"/>
+          </a:p>
+          <a:p>
+            <a:pPr lvl="1"/>
+            <a:r>
+              <a:rPr lang="fa-IR" dirty="0" smtClean="0"/>
+              <a:t>شمول </a:t>
+            </a:r>
+            <a:r>
+              <a:rPr lang="fa-IR" dirty="0"/>
+              <a:t>یا عدم شمول اشیای دنیای واقعی در این شبیه ساز با توجه به هدف تعبیه </a:t>
+            </a:r>
+            <a:r>
+              <a:rPr lang="fa-IR" dirty="0" smtClean="0"/>
+              <a:t>آن</a:t>
+            </a:r>
+          </a:p>
+          <a:p>
+            <a:pPr lvl="1"/>
+            <a:endParaRPr lang="fa-IR" dirty="0"/>
+          </a:p>
+          <a:p>
+            <a:pPr lvl="1"/>
+            <a:r>
+              <a:rPr lang="fa-IR" dirty="0" smtClean="0"/>
+              <a:t>میزان </a:t>
+            </a:r>
+            <a:r>
+              <a:rPr lang="fa-IR" dirty="0"/>
+              <a:t>واقعی نشان دادن جزییات و ویژگی ها با توجه به هدف تعبیه آن </a:t>
+            </a:r>
+            <a:endParaRPr lang="fa-IR" dirty="0"/>
+          </a:p>
+          <a:p>
+            <a:pPr lvl="1"/>
+            <a:endParaRPr lang="fa-IR" dirty="0" smtClean="0"/>
+          </a:p>
+          <a:p>
+            <a:pPr lvl="1"/>
+            <a:r>
+              <a:rPr lang="fa-IR" dirty="0" smtClean="0"/>
+              <a:t>میزان </a:t>
+            </a:r>
+            <a:r>
+              <a:rPr lang="fa-IR" dirty="0"/>
+              <a:t>استفاده ی کلیشه ای از افراد و اشیا در عرضه این </a:t>
+            </a:r>
+            <a:r>
+              <a:rPr lang="fa-IR" dirty="0" smtClean="0"/>
+              <a:t>محصولات</a:t>
+            </a:r>
+          </a:p>
+          <a:p>
+            <a:pPr lvl="1"/>
+            <a:endParaRPr lang="fa-IR" dirty="0"/>
+          </a:p>
+          <a:p>
+            <a:pPr lvl="1"/>
+            <a:r>
+              <a:rPr lang="fa-IR" dirty="0" smtClean="0"/>
+              <a:t>روابط </a:t>
+            </a:r>
+            <a:r>
+              <a:rPr lang="fa-IR" dirty="0"/>
+              <a:t>علت اتفاق و اثر آن </a:t>
+            </a:r>
+            <a:r>
+              <a:rPr lang="fa-IR" dirty="0" smtClean="0"/>
+              <a:t>اتفاق</a:t>
+            </a:r>
+          </a:p>
+        </p:txBody>
+      </p:sp>
+      <p:sp>
+        <p:nvSpPr>
+          <p:cNvPr id="4" name="Footer Placeholder 3"/>
+          <p:cNvSpPr>
+            <a:spLocks noGrp="1"/>
+          </p:cNvSpPr>
+          <p:nvPr>
+            <p:ph type="ftr" sz="quarter" idx="11"/>
+          </p:nvPr>
+        </p:nvSpPr>
+        <p:spPr/>
+        <p:txBody>
+          <a:bodyPr/>
+          <a:lstStyle/>
+          <a:p>
+            <a:pPr>
+              <a:defRPr/>
+            </a:pPr>
+            <a:r>
+              <a:rPr lang="fa-IR" altLang="fa-IR" smtClean="0"/>
+              <a:t>دانشگاه صنعتی اصفهان – دانشکده کامپیوتر</a:t>
+            </a:r>
+            <a:endParaRPr lang="es-ES" altLang="fa-IR" dirty="0"/>
+          </a:p>
+        </p:txBody>
+      </p:sp>
+      <p:sp>
+        <p:nvSpPr>
+          <p:cNvPr id="5" name="Slide Number Placeholder 4"/>
+          <p:cNvSpPr>
+            <a:spLocks noGrp="1"/>
+          </p:cNvSpPr>
+          <p:nvPr>
+            <p:ph type="sldNum" sz="quarter" idx="12"/>
+          </p:nvPr>
+        </p:nvSpPr>
+        <p:spPr/>
+        <p:txBody>
+          <a:bodyPr/>
+          <a:lstStyle/>
+          <a:p>
+            <a:pPr>
+              <a:defRPr/>
+            </a:pPr>
+            <a:fld id="{C5303A1E-C0C3-4A75-A42D-959ACBF920C8}" type="slidenum">
+              <a:rPr lang="es-ES" altLang="fa-IR" smtClean="0"/>
+              <a:pPr>
+                <a:defRPr/>
+              </a:pPr>
+              <a:t>26</a:t>
+            </a:fld>
+            <a:endParaRPr lang="es-ES" altLang="fa-IR" dirty="0"/>
+          </a:p>
+        </p:txBody>
+      </p:sp>
+    </p:spTree>
+    <p:extLst>
+      <p:ext uri="{BB962C8B-B14F-4D97-AF65-F5344CB8AC3E}">
+        <p14:creationId xmlns:p14="http://schemas.microsoft.com/office/powerpoint/2010/main" val="3841314995"/>
+      </p:ext>
+    </p:extLst>
+  </p:cSld>
+  <p:clrMapOvr>
+    <a:masterClrMapping/>
+  </p:clrMapOvr>
+  <mc:AlternateContent xmlns:mc="http://schemas.openxmlformats.org/markup-compatibility/2006" xmlns:p14="http://schemas.microsoft.com/office/powerpoint/2010/main">
+    <mc:Choice Requires="p14">
+      <p:transition spd="slow" p14:dur="800">
+        <p:diamond/>
+      </p:transition>
+    </mc:Choice>
+    <mc:Fallback xmlns="">
+      <p:transition spd="slow">
+        <p:diamond/>
+      </p:transition>
+    </mc:Fallback>
+  </mc:AlternateContent>
+  <p:timing>
+    <p:tnLst>
+      <p:par>
+        <p:cTn id="1" dur="indefinite" restart="never" nodeType="tmRoot">
+          <p:childTnLst>
+            <p:seq concurrent="1" nextAc="seek">
+              <p:cTn id="2" dur="indefinite" nodeType="mainSeq">
+                <p:childTnLst>
+                  <p:par>
+                    <p:cTn id="3" fill="hold">
+                      <p:stCondLst>
+                        <p:cond delay="indefinite"/>
+                      </p:stCondLst>
+                      <p:childTnLst>
+                        <p:par>
+                          <p:cTn id="4" fill="hold">
+                            <p:stCondLst>
+                              <p:cond delay="0"/>
+                            </p:stCondLst>
+                            <p:childTnLst>
+                              <p:par>
+                                <p:cTn id="5" presetID="27" presetClass="emph" presetSubtype="0" fill="remove" nodeType="clickEffect">
+                                  <p:stCondLst>
+                                    <p:cond delay="0"/>
+                                  </p:stCondLst>
+                                  <p:childTnLst>
+                                    <p:animClr clrSpc="rgb" dir="cw">
+                                      <p:cBhvr override="childStyle">
+                                        <p:cTn id="6" dur="1000" autoRev="1" fill="remove"/>
+                                        <p:tgtEl>
+                                          <p:spTgt spid="3">
+                                            <p:txEl>
+                                              <p:pRg st="2" end="2"/>
+                                            </p:txEl>
+                                          </p:spTgt>
+                                        </p:tgtEl>
+                                        <p:attrNameLst>
+                                          <p:attrName>style.color</p:attrName>
+                                        </p:attrNameLst>
+                                      </p:cBhvr>
+                                      <p:to>
+                                        <a:srgbClr val="FFC000"/>
+                                      </p:to>
+                                    </p:animClr>
+                                    <p:animClr clrSpc="rgb" dir="cw">
+                                      <p:cBhvr>
+                                        <p:cTn id="7" dur="1000" autoRev="1" fill="remove"/>
+                                        <p:tgtEl>
+                                          <p:spTgt spid="3">
+                                            <p:txEl>
+                                              <p:pRg st="2" end="2"/>
+                                            </p:txEl>
+                                          </p:spTgt>
+                                        </p:tgtEl>
+                                        <p:attrNameLst>
+                                          <p:attrName>fillcolor</p:attrName>
+                                        </p:attrNameLst>
+                                      </p:cBhvr>
+                                      <p:to>
+                                        <a:srgbClr val="FFC000"/>
+                                      </p:to>
+                                    </p:animClr>
+                                    <p:set>
+                                      <p:cBhvr>
+                                        <p:cTn id="8" dur="1000" autoRev="1" fill="remove"/>
+                                        <p:tgtEl>
+                                          <p:spTgt spid="3">
+                                            <p:txEl>
+                                              <p:pRg st="2" end="2"/>
+                                            </p:txEl>
+                                          </p:spTgt>
+                                        </p:tgtEl>
+                                        <p:attrNameLst>
+                                          <p:attrName>fill.type</p:attrName>
+                                        </p:attrNameLst>
+                                      </p:cBhvr>
+                                      <p:to>
+                                        <p:strVal val="solid"/>
+                                      </p:to>
+                                    </p:set>
+                                    <p:set>
+                                      <p:cBhvr>
+                                        <p:cTn id="9" dur="1000" autoRev="1" fill="remove"/>
+                                        <p:tgtEl>
+                                          <p:spTgt spid="3">
+                                            <p:txEl>
+                                              <p:pRg st="2" end="2"/>
+                                            </p:txEl>
+                                          </p:spTgt>
+                                        </p:tgtEl>
+                                        <p:attrNameLst>
+                                          <p:attrName>fill.on</p:attrName>
+                                        </p:attrNameLst>
+                                      </p:cBhvr>
+                                      <p:to>
+                                        <p:strVal val="true"/>
+                                      </p:to>
+                                    </p:set>
+                                  </p:childTnLst>
+                                </p:cTn>
+                              </p:par>
+                            </p:childTnLst>
+                          </p:cTn>
+                        </p:par>
+                      </p:childTnLst>
+                    </p:cTn>
+                  </p:par>
+                  <p:par>
+                    <p:cTn id="10" fill="hold">
+                      <p:stCondLst>
+                        <p:cond delay="indefinite"/>
+                      </p:stCondLst>
+                      <p:childTnLst>
+                        <p:par>
+                          <p:cTn id="11" fill="hold">
+                            <p:stCondLst>
+                              <p:cond delay="0"/>
+                            </p:stCondLst>
+                            <p:childTnLst>
+                              <p:par>
+                                <p:cTn id="12" presetID="27" presetClass="emph" presetSubtype="0" fill="remove" nodeType="clickEffect">
+                                  <p:stCondLst>
+                                    <p:cond delay="0"/>
+                                  </p:stCondLst>
+                                  <p:childTnLst>
+                                    <p:animClr clrSpc="rgb" dir="cw">
+                                      <p:cBhvr override="childStyle">
+                                        <p:cTn id="13" dur="1000" autoRev="1" fill="remove"/>
+                                        <p:tgtEl>
+                                          <p:spTgt spid="3">
+                                            <p:txEl>
+                                              <p:pRg st="4" end="4"/>
+                                            </p:txEl>
+                                          </p:spTgt>
+                                        </p:tgtEl>
+                                        <p:attrNameLst>
+                                          <p:attrName>style.color</p:attrName>
+                                        </p:attrNameLst>
+                                      </p:cBhvr>
+                                      <p:to>
+                                        <a:srgbClr val="FFC000"/>
+                                      </p:to>
+                                    </p:animClr>
+                                    <p:animClr clrSpc="rgb" dir="cw">
+                                      <p:cBhvr>
+                                        <p:cTn id="14" dur="1000" autoRev="1" fill="remove"/>
+                                        <p:tgtEl>
+                                          <p:spTgt spid="3">
+                                            <p:txEl>
+                                              <p:pRg st="4" end="4"/>
+                                            </p:txEl>
+                                          </p:spTgt>
+                                        </p:tgtEl>
+                                        <p:attrNameLst>
+                                          <p:attrName>fillcolor</p:attrName>
+                                        </p:attrNameLst>
+                                      </p:cBhvr>
+                                      <p:to>
+                                        <a:srgbClr val="FFC000"/>
+                                      </p:to>
+                                    </p:animClr>
+                                    <p:set>
+                                      <p:cBhvr>
+                                        <p:cTn id="15" dur="1000" autoRev="1" fill="remove"/>
+                                        <p:tgtEl>
+                                          <p:spTgt spid="3">
+                                            <p:txEl>
+                                              <p:pRg st="4" end="4"/>
+                                            </p:txEl>
+                                          </p:spTgt>
+                                        </p:tgtEl>
+                                        <p:attrNameLst>
+                                          <p:attrName>fill.type</p:attrName>
+                                        </p:attrNameLst>
+                                      </p:cBhvr>
+                                      <p:to>
+                                        <p:strVal val="solid"/>
+                                      </p:to>
+                                    </p:set>
+                                    <p:set>
+                                      <p:cBhvr>
+                                        <p:cTn id="16" dur="1000" autoRev="1" fill="remove"/>
+                                        <p:tgtEl>
+                                          <p:spTgt spid="3">
+                                            <p:txEl>
+                                              <p:pRg st="4" end="4"/>
+                                            </p:txEl>
+                                          </p:spTgt>
+                                        </p:tgtEl>
+                                        <p:attrNameLst>
+                                          <p:attrName>fill.on</p:attrName>
+                                        </p:attrNameLst>
+                                      </p:cBhvr>
+                                      <p:to>
+                                        <p:strVal val="true"/>
+                                      </p:to>
+                                    </p:set>
+                                  </p:childTnLst>
+                                </p:cTn>
+                              </p:par>
+                            </p:childTnLst>
+                          </p:cTn>
+                        </p:par>
+                      </p:childTnLst>
+                    </p:cTn>
+                  </p:par>
+                  <p:par>
+                    <p:cTn id="17" fill="hold">
+                      <p:stCondLst>
+                        <p:cond delay="indefinite"/>
+                      </p:stCondLst>
+                      <p:childTnLst>
+                        <p:par>
+                          <p:cTn id="18" fill="hold">
+                            <p:stCondLst>
+                              <p:cond delay="0"/>
+                            </p:stCondLst>
+                            <p:childTnLst>
+                              <p:par>
+                                <p:cTn id="19" presetID="27" presetClass="emph" presetSubtype="0" fill="remove" nodeType="clickEffect">
+                                  <p:stCondLst>
+                                    <p:cond delay="0"/>
+                                  </p:stCondLst>
+                                  <p:childTnLst>
+                                    <p:animClr clrSpc="rgb" dir="cw">
+                                      <p:cBhvr override="childStyle">
+                                        <p:cTn id="20" dur="1000" autoRev="1" fill="remove"/>
+                                        <p:tgtEl>
+                                          <p:spTgt spid="3">
+                                            <p:txEl>
+                                              <p:pRg st="6" end="6"/>
+                                            </p:txEl>
+                                          </p:spTgt>
+                                        </p:tgtEl>
+                                        <p:attrNameLst>
+                                          <p:attrName>style.color</p:attrName>
+                                        </p:attrNameLst>
+                                      </p:cBhvr>
+                                      <p:to>
+                                        <a:srgbClr val="FFC000"/>
+                                      </p:to>
+                                    </p:animClr>
+                                    <p:animClr clrSpc="rgb" dir="cw">
+                                      <p:cBhvr>
+                                        <p:cTn id="21" dur="1000" autoRev="1" fill="remove"/>
+                                        <p:tgtEl>
+                                          <p:spTgt spid="3">
+                                            <p:txEl>
+                                              <p:pRg st="6" end="6"/>
+                                            </p:txEl>
+                                          </p:spTgt>
+                                        </p:tgtEl>
+                                        <p:attrNameLst>
+                                          <p:attrName>fillcolor</p:attrName>
+                                        </p:attrNameLst>
+                                      </p:cBhvr>
+                                      <p:to>
+                                        <a:srgbClr val="FFC000"/>
+                                      </p:to>
+                                    </p:animClr>
+                                    <p:set>
+                                      <p:cBhvr>
+                                        <p:cTn id="22" dur="1000" autoRev="1" fill="remove"/>
+                                        <p:tgtEl>
+                                          <p:spTgt spid="3">
+                                            <p:txEl>
+                                              <p:pRg st="6" end="6"/>
+                                            </p:txEl>
+                                          </p:spTgt>
+                                        </p:tgtEl>
+                                        <p:attrNameLst>
+                                          <p:attrName>fill.type</p:attrName>
+                                        </p:attrNameLst>
+                                      </p:cBhvr>
+                                      <p:to>
+                                        <p:strVal val="solid"/>
+                                      </p:to>
+                                    </p:set>
+                                    <p:set>
+                                      <p:cBhvr>
+                                        <p:cTn id="23" dur="1000" autoRev="1" fill="remove"/>
+                                        <p:tgtEl>
+                                          <p:spTgt spid="3">
+                                            <p:txEl>
+                                              <p:pRg st="6" end="6"/>
+                                            </p:txEl>
+                                          </p:spTgt>
+                                        </p:tgtEl>
+                                        <p:attrNameLst>
+                                          <p:attrName>fill.on</p:attrName>
+                                        </p:attrNameLst>
+                                      </p:cBhvr>
+                                      <p:to>
+                                        <p:strVal val="true"/>
+                                      </p:to>
+                                    </p:set>
+                                  </p:childTnLst>
+                                </p:cTn>
+                              </p:par>
+                            </p:childTnLst>
+                          </p:cTn>
+                        </p:par>
+                      </p:childTnLst>
+                    </p:cTn>
+                  </p:par>
+                  <p:par>
+                    <p:cTn id="24" fill="hold">
+                      <p:stCondLst>
+                        <p:cond delay="indefinite"/>
+                      </p:stCondLst>
+                      <p:childTnLst>
+                        <p:par>
+                          <p:cTn id="25" fill="hold">
+                            <p:stCondLst>
+                              <p:cond delay="0"/>
+                            </p:stCondLst>
+                            <p:childTnLst>
+                              <p:par>
+                                <p:cTn id="26" presetID="27" presetClass="emph" presetSubtype="0" fill="remove" nodeType="clickEffect">
+                                  <p:stCondLst>
+                                    <p:cond delay="0"/>
+                                  </p:stCondLst>
+                                  <p:childTnLst>
+                                    <p:animClr clrSpc="rgb" dir="cw">
+                                      <p:cBhvr override="childStyle">
+                                        <p:cTn id="27" dur="1000" autoRev="1" fill="remove"/>
+                                        <p:tgtEl>
+                                          <p:spTgt spid="3">
+                                            <p:txEl>
+                                              <p:pRg st="8" end="8"/>
+                                            </p:txEl>
+                                          </p:spTgt>
+                                        </p:tgtEl>
+                                        <p:attrNameLst>
+                                          <p:attrName>style.color</p:attrName>
+                                        </p:attrNameLst>
+                                      </p:cBhvr>
+                                      <p:to>
+                                        <a:srgbClr val="FFC000"/>
+                                      </p:to>
+                                    </p:animClr>
+                                    <p:animClr clrSpc="rgb" dir="cw">
+                                      <p:cBhvr>
+                                        <p:cTn id="28" dur="1000" autoRev="1" fill="remove"/>
+                                        <p:tgtEl>
+                                          <p:spTgt spid="3">
+                                            <p:txEl>
+                                              <p:pRg st="8" end="8"/>
+                                            </p:txEl>
+                                          </p:spTgt>
+                                        </p:tgtEl>
+                                        <p:attrNameLst>
+                                          <p:attrName>fillcolor</p:attrName>
+                                        </p:attrNameLst>
+                                      </p:cBhvr>
+                                      <p:to>
+                                        <a:srgbClr val="FFC000"/>
+                                      </p:to>
+                                    </p:animClr>
+                                    <p:set>
+                                      <p:cBhvr>
+                                        <p:cTn id="29" dur="1000" autoRev="1" fill="remove"/>
+                                        <p:tgtEl>
+                                          <p:spTgt spid="3">
+                                            <p:txEl>
+                                              <p:pRg st="8" end="8"/>
+                                            </p:txEl>
+                                          </p:spTgt>
+                                        </p:tgtEl>
+                                        <p:attrNameLst>
+                                          <p:attrName>fill.type</p:attrName>
+                                        </p:attrNameLst>
+                                      </p:cBhvr>
+                                      <p:to>
+                                        <p:strVal val="solid"/>
+                                      </p:to>
+                                    </p:set>
+                                    <p:set>
+                                      <p:cBhvr>
+                                        <p:cTn id="30" dur="1000" autoRev="1" fill="remove"/>
+                                        <p:tgtEl>
+                                          <p:spTgt spid="3">
+                                            <p:txEl>
+                                              <p:pRg st="8" end="8"/>
+                                            </p:txEl>
+                                          </p:spTgt>
+                                        </p:tgtEl>
+                                        <p:attrNameLst>
+                                          <p:attrName>fill.on</p:attrName>
+                                        </p:attrNameLst>
+                                      </p:cBhvr>
+                                      <p:to>
+                                        <p:strVal val="true"/>
+                                      </p:to>
+                                    </p:set>
+                                  </p:childTnLst>
+                                </p:cTn>
+                              </p:par>
+                            </p:childTnLst>
+                          </p:cTn>
+                        </p:par>
+                      </p:childTnLst>
+                    </p:cTn>
+                  </p:par>
+                </p:childTnLst>
+              </p:cTn>
+              <p:prevCondLst>
+                <p:cond evt="onPrev" delay="0">
+                  <p:tgtEl>
+                    <p:sldTgt/>
+                  </p:tgtEl>
+                </p:cond>
+              </p:prevCondLst>
+              <p:nextCondLst>
+                <p:cond evt="onNext" delay="0">
+                  <p:tgtEl>
+                    <p:sldTgt/>
+                  </p:tgtEl>
+                </p:cond>
+              </p:nextCondLst>
+            </p:seq>
+          </p:childTnLst>
+        </p:cTn>
+      </p:par>
+    </p:tnLst>
+  </p:timing>
+</p:sld>
+</file>
+
+<file path=ppt/slides/slide27.xml><?xml version="1.0" encoding="utf-8"?>
+<p:sld xmlns:a="http://schemas.openxmlformats.org/drawingml/2006/main" xmlns:r="http://schemas.openxmlformats.org/officeDocument/2006/relationships" xmlns:p="http://schemas.openxmlformats.org/presentationml/2006/main">
+  <p:cSld>
+    <p:spTree>
+      <p:nvGrpSpPr>
+        <p:cNvPr id="1" name=""/>
+        <p:cNvGrpSpPr/>
+        <p:nvPr/>
+      </p:nvGrpSpPr>
+      <p:grpSpPr>
+        <a:xfrm>
+          <a:off x="0" y="0"/>
+          <a:ext cx="0" cy="0"/>
+          <a:chOff x="0" y="0"/>
+          <a:chExt cx="0" cy="0"/>
+        </a:xfrm>
+      </p:grpSpPr>
+      <p:sp>
+        <p:nvSpPr>
+          <p:cNvPr id="2" name="Title 1"/>
+          <p:cNvSpPr>
+            <a:spLocks noGrp="1"/>
+          </p:cNvSpPr>
+          <p:nvPr>
+            <p:ph type="title"/>
+          </p:nvPr>
+        </p:nvSpPr>
+        <p:spPr/>
+        <p:txBody>
+          <a:bodyPr/>
+          <a:lstStyle/>
+          <a:p>
+            <a:r>
+              <a:rPr lang="en-US" dirty="0" smtClean="0">
+                <a:latin typeface="Comic Sans MS" panose="030F0702030302020204" pitchFamily="66" charset="0"/>
+              </a:rPr>
+              <a:t>Case Studies</a:t>
+            </a:r>
+            <a:endParaRPr lang="fa-IR" dirty="0">
+              <a:latin typeface="Comic Sans MS" panose="030F0702030302020204" pitchFamily="66" charset="0"/>
+            </a:endParaRPr>
+          </a:p>
+        </p:txBody>
+      </p:sp>
+      <p:sp>
+        <p:nvSpPr>
+          <p:cNvPr id="3" name="Content Placeholder 2"/>
+          <p:cNvSpPr>
+            <a:spLocks noGrp="1"/>
+          </p:cNvSpPr>
+          <p:nvPr>
+            <p:ph idx="1"/>
+          </p:nvPr>
+        </p:nvSpPr>
+        <p:spPr/>
+        <p:txBody>
+          <a:bodyPr/>
+          <a:lstStyle/>
+          <a:p>
+            <a:r>
+              <a:rPr lang="fa-IR" dirty="0"/>
+              <a:t>بازی </a:t>
+            </a:r>
+            <a:r>
+              <a:rPr lang="fa-IR" dirty="0" smtClean="0"/>
+              <a:t>کامپیوتری</a:t>
+            </a:r>
+            <a:r>
+              <a:rPr lang="en-US" dirty="0" smtClean="0">
+                <a:latin typeface="Comic Sans MS" panose="030F0702030302020204" pitchFamily="66" charset="0"/>
+              </a:rPr>
+              <a:t>Postal </a:t>
+            </a:r>
+            <a:r>
+              <a:rPr lang="fa-IR" dirty="0" smtClean="0">
+                <a:latin typeface="Comic Sans MS" panose="030F0702030302020204" pitchFamily="66" charset="0"/>
+              </a:rPr>
+              <a:t> </a:t>
+            </a:r>
+          </a:p>
+          <a:p>
+            <a:endParaRPr lang="fa-IR" dirty="0">
+              <a:latin typeface="Comic Sans MS" panose="030F0702030302020204" pitchFamily="66" charset="0"/>
+            </a:endParaRPr>
+          </a:p>
+          <a:p>
+            <a:endParaRPr lang="fa-IR" dirty="0">
+              <a:latin typeface="Comic Sans MS" panose="030F0702030302020204" pitchFamily="66" charset="0"/>
+            </a:endParaRPr>
+          </a:p>
+        </p:txBody>
+      </p:sp>
+      <p:sp>
+        <p:nvSpPr>
+          <p:cNvPr id="4" name="Footer Placeholder 3"/>
+          <p:cNvSpPr>
+            <a:spLocks noGrp="1"/>
+          </p:cNvSpPr>
+          <p:nvPr>
+            <p:ph type="ftr" sz="quarter" idx="11"/>
+          </p:nvPr>
+        </p:nvSpPr>
+        <p:spPr/>
+        <p:txBody>
+          <a:bodyPr/>
+          <a:lstStyle/>
+          <a:p>
+            <a:pPr>
+              <a:defRPr/>
+            </a:pPr>
+            <a:r>
+              <a:rPr lang="fa-IR" altLang="fa-IR" smtClean="0"/>
+              <a:t>دانشگاه صنعتی اصفهان – دانشکده کامپیوتر</a:t>
+            </a:r>
+            <a:endParaRPr lang="es-ES" altLang="fa-IR" dirty="0"/>
+          </a:p>
+        </p:txBody>
+      </p:sp>
+      <p:sp>
+        <p:nvSpPr>
+          <p:cNvPr id="5" name="Slide Number Placeholder 4"/>
+          <p:cNvSpPr>
+            <a:spLocks noGrp="1"/>
+          </p:cNvSpPr>
+          <p:nvPr>
+            <p:ph type="sldNum" sz="quarter" idx="12"/>
+          </p:nvPr>
+        </p:nvSpPr>
+        <p:spPr/>
+        <p:txBody>
+          <a:bodyPr/>
+          <a:lstStyle/>
+          <a:p>
+            <a:pPr>
+              <a:defRPr/>
+            </a:pPr>
+            <a:fld id="{C5303A1E-C0C3-4A75-A42D-959ACBF920C8}" type="slidenum">
+              <a:rPr lang="es-ES" altLang="fa-IR" smtClean="0"/>
+              <a:pPr>
+                <a:defRPr/>
+              </a:pPr>
+              <a:t>27</a:t>
+            </a:fld>
+            <a:endParaRPr lang="es-ES" altLang="fa-IR" dirty="0"/>
+          </a:p>
+        </p:txBody>
+      </p:sp>
+    </p:spTree>
+    <p:extLst>
+      <p:ext uri="{BB962C8B-B14F-4D97-AF65-F5344CB8AC3E}">
+        <p14:creationId xmlns:p14="http://schemas.microsoft.com/office/powerpoint/2010/main" val="914991530"/>
+      </p:ext>
+    </p:extLst>
+  </p:cSld>
+  <p:clrMapOvr>
+    <a:masterClrMapping/>
+  </p:clrMapOvr>
+  <mc:AlternateContent xmlns:mc="http://schemas.openxmlformats.org/markup-compatibility/2006" xmlns:p14="http://schemas.microsoft.com/office/powerpoint/2010/main">
+    <mc:Choice Requires="p14">
+      <p:transition spd="slow" p14:dur="800">
+        <p:diamond/>
+      </p:transition>
+    </mc:Choice>
+    <mc:Fallback xmlns="">
+      <p:transition spd="slow">
+        <p:diamond/>
+      </p:transition>
+    </mc:Fallback>
+  </mc:AlternateContent>
+  <p:timing>
+    <p:tnLst>
+      <p:par>
+        <p:cTn id="1" dur="indefinite" restart="never" nodeType="tmRoot"/>
+      </p:par>
+    </p:tnLst>
+  </p:timing>
+</p:sld>
+</file>
+
+<file path=ppt/slides/slide28.xml><?xml version="1.0" encoding="utf-8"?>
+<p:sld xmlns:a="http://schemas.openxmlformats.org/drawingml/2006/main" xmlns:r="http://schemas.openxmlformats.org/officeDocument/2006/relationships" xmlns:p="http://schemas.openxmlformats.org/presentationml/2006/main">
+  <p:cSld>
+    <p:spTree>
+      <p:nvGrpSpPr>
+        <p:cNvPr id="1" name=""/>
+        <p:cNvGrpSpPr/>
+        <p:nvPr/>
+      </p:nvGrpSpPr>
+      <p:grpSpPr>
+        <a:xfrm>
+          <a:off x="0" y="0"/>
+          <a:ext cx="0" cy="0"/>
+          <a:chOff x="0" y="0"/>
+          <a:chExt cx="0" cy="0"/>
+        </a:xfrm>
+      </p:grpSpPr>
+      <p:sp>
+        <p:nvSpPr>
+          <p:cNvPr id="2" name="Title 1"/>
+          <p:cNvSpPr>
+            <a:spLocks noGrp="1"/>
+          </p:cNvSpPr>
+          <p:nvPr>
+            <p:ph type="title"/>
+          </p:nvPr>
+        </p:nvSpPr>
+        <p:spPr/>
+        <p:txBody>
+          <a:bodyPr/>
+          <a:lstStyle/>
+          <a:p>
+            <a:r>
+              <a:rPr lang="fa-IR" dirty="0" smtClean="0"/>
+              <a:t>اخلاقی</a:t>
+            </a:r>
+            <a:endParaRPr lang="fa-IR" dirty="0"/>
+          </a:p>
+        </p:txBody>
+      </p:sp>
+      <p:sp>
+        <p:nvSpPr>
+          <p:cNvPr id="3" name="Content Placeholder 2"/>
+          <p:cNvSpPr>
+            <a:spLocks noGrp="1"/>
+          </p:cNvSpPr>
+          <p:nvPr>
+            <p:ph idx="1"/>
+          </p:nvPr>
+        </p:nvSpPr>
+        <p:spPr/>
+        <p:txBody>
+          <a:bodyPr/>
+          <a:lstStyle/>
+          <a:p>
+            <a:r>
+              <a:rPr lang="fa-IR" dirty="0"/>
+              <a:t>در حال حاضر هیچ اپلیکیشنی اجازه انجام کار های خطرناک و فاسد را به کاربرانش </a:t>
+            </a:r>
+            <a:r>
+              <a:rPr lang="fa-IR" dirty="0" smtClean="0"/>
+              <a:t>نمی دهد . </a:t>
+            </a:r>
+            <a:r>
+              <a:rPr lang="fa-IR" dirty="0"/>
+              <a:t>بجز برخی اپ های ارتشی و برخی اپ </a:t>
+            </a:r>
+            <a:r>
+              <a:rPr lang="fa-IR" dirty="0" smtClean="0"/>
+              <a:t>ها </a:t>
+            </a:r>
+            <a:r>
+              <a:rPr lang="fa-IR" dirty="0"/>
+              <a:t>در دامنه ی </a:t>
+            </a:r>
+            <a:r>
+              <a:rPr lang="fa-IR" dirty="0" smtClean="0"/>
+              <a:t>پزشکی – درمانی . </a:t>
+            </a:r>
+            <a:endParaRPr lang="en-US" dirty="0"/>
+          </a:p>
+          <a:p>
+            <a:endParaRPr lang="fa-IR" dirty="0" smtClean="0"/>
+          </a:p>
+          <a:p>
+            <a:r>
+              <a:rPr lang="fa-IR" dirty="0">
+                <a:solidFill>
+                  <a:srgbClr val="FF0000"/>
+                </a:solidFill>
+              </a:rPr>
+              <a:t>اما چه کسی </a:t>
+            </a:r>
+            <a:r>
+              <a:rPr lang="fa-IR" dirty="0" smtClean="0">
+                <a:solidFill>
+                  <a:srgbClr val="FF0000"/>
+                </a:solidFill>
+              </a:rPr>
+              <a:t>می داند ؟ </a:t>
+            </a:r>
+            <a:r>
+              <a:rPr lang="fa-IR" dirty="0">
+                <a:solidFill>
+                  <a:srgbClr val="FF0000"/>
+                </a:solidFill>
+              </a:rPr>
+              <a:t>ممکن است در </a:t>
+            </a:r>
+            <a:r>
+              <a:rPr lang="fa-IR" dirty="0" smtClean="0">
+                <a:solidFill>
+                  <a:srgbClr val="FF0000"/>
+                </a:solidFill>
+              </a:rPr>
+              <a:t>آینده </a:t>
+            </a:r>
+            <a:r>
+              <a:rPr lang="fa-IR" dirty="0">
+                <a:solidFill>
+                  <a:srgbClr val="FF0000"/>
+                </a:solidFill>
+              </a:rPr>
+              <a:t>این اتفاق ناگوار </a:t>
+            </a:r>
+            <a:r>
+              <a:rPr lang="fa-IR" dirty="0" smtClean="0">
+                <a:solidFill>
+                  <a:srgbClr val="FF0000"/>
+                </a:solidFill>
+              </a:rPr>
+              <a:t>بیفتد. </a:t>
+            </a:r>
+            <a:r>
+              <a:rPr lang="fa-IR" dirty="0" smtClean="0"/>
+              <a:t>پس </a:t>
+            </a:r>
+            <a:r>
+              <a:rPr lang="fa-IR" dirty="0"/>
+              <a:t>مشکل اخلاقی آن بروز پیدا </a:t>
+            </a:r>
+            <a:r>
+              <a:rPr lang="fa-IR" dirty="0" smtClean="0"/>
+              <a:t>می کند . در </a:t>
+            </a:r>
+            <a:r>
+              <a:rPr lang="fa-IR" dirty="0"/>
+              <a:t>زمینه </a:t>
+            </a:r>
+            <a:r>
+              <a:rPr lang="fa-IR" dirty="0" smtClean="0"/>
+              <a:t>ی</a:t>
+            </a:r>
+            <a:r>
+              <a:rPr lang="en-US" dirty="0" smtClean="0">
+                <a:latin typeface="Comic Sans MS" panose="030F0702030302020204" pitchFamily="66" charset="0"/>
+              </a:rPr>
+              <a:t>gaming</a:t>
+            </a:r>
+            <a:r>
+              <a:rPr lang="en-US" dirty="0" smtClean="0"/>
+              <a:t> </a:t>
+            </a:r>
+            <a:r>
+              <a:rPr lang="fa-IR" dirty="0" smtClean="0"/>
+              <a:t> این </a:t>
+            </a:r>
+            <a:r>
+              <a:rPr lang="fa-IR" dirty="0"/>
+              <a:t>احتمال بیشتر </a:t>
+            </a:r>
+            <a:r>
+              <a:rPr lang="fa-IR" dirty="0" smtClean="0"/>
+              <a:t>است ! </a:t>
+            </a:r>
+            <a:endParaRPr lang="en-US" dirty="0"/>
+          </a:p>
+          <a:p>
+            <a:endParaRPr lang="fa-IR" dirty="0" smtClean="0"/>
+          </a:p>
+          <a:p>
+            <a:r>
+              <a:rPr lang="fa-IR" dirty="0" smtClean="0"/>
+              <a:t>تبدیل بازی های سه بعدی به بازی هایی در محیط واقعیت مجازی !!</a:t>
+            </a:r>
+            <a:endParaRPr lang="fa-IR" dirty="0"/>
+          </a:p>
+        </p:txBody>
+      </p:sp>
+      <p:sp>
+        <p:nvSpPr>
+          <p:cNvPr id="4" name="Footer Placeholder 3"/>
+          <p:cNvSpPr>
+            <a:spLocks noGrp="1"/>
+          </p:cNvSpPr>
+          <p:nvPr>
+            <p:ph type="ftr" sz="quarter" idx="11"/>
+          </p:nvPr>
+        </p:nvSpPr>
+        <p:spPr/>
+        <p:txBody>
+          <a:bodyPr/>
+          <a:lstStyle/>
+          <a:p>
+            <a:pPr>
+              <a:defRPr/>
+            </a:pPr>
+            <a:r>
+              <a:rPr lang="fa-IR" altLang="fa-IR" smtClean="0"/>
+              <a:t>دانشگاه صنعتی اصفهان – دانشکده کامپیوتر</a:t>
+            </a:r>
+            <a:endParaRPr lang="es-ES" altLang="fa-IR" dirty="0"/>
+          </a:p>
+        </p:txBody>
+      </p:sp>
+      <p:sp>
+        <p:nvSpPr>
+          <p:cNvPr id="5" name="Slide Number Placeholder 4"/>
+          <p:cNvSpPr>
+            <a:spLocks noGrp="1"/>
+          </p:cNvSpPr>
+          <p:nvPr>
+            <p:ph type="sldNum" sz="quarter" idx="12"/>
+          </p:nvPr>
+        </p:nvSpPr>
+        <p:spPr/>
+        <p:txBody>
+          <a:bodyPr/>
+          <a:lstStyle/>
+          <a:p>
+            <a:pPr>
+              <a:defRPr/>
+            </a:pPr>
+            <a:fld id="{C5303A1E-C0C3-4A75-A42D-959ACBF920C8}" type="slidenum">
+              <a:rPr lang="es-ES" altLang="fa-IR" smtClean="0"/>
+              <a:pPr>
+                <a:defRPr/>
+              </a:pPr>
+              <a:t>28</a:t>
+            </a:fld>
+            <a:endParaRPr lang="es-ES" altLang="fa-IR" dirty="0"/>
+          </a:p>
+        </p:txBody>
+      </p:sp>
+    </p:spTree>
+    <p:extLst>
+      <p:ext uri="{BB962C8B-B14F-4D97-AF65-F5344CB8AC3E}">
+        <p14:creationId xmlns:p14="http://schemas.microsoft.com/office/powerpoint/2010/main" val="1459189353"/>
+      </p:ext>
+    </p:extLst>
+  </p:cSld>
+  <p:clrMapOvr>
+    <a:masterClrMapping/>
+  </p:clrMapOvr>
+  <mc:AlternateContent xmlns:mc="http://schemas.openxmlformats.org/markup-compatibility/2006" xmlns:p14="http://schemas.microsoft.com/office/powerpoint/2010/main">
+    <mc:Choice Requires="p14">
+      <p:transition spd="slow" p14:dur="800">
+        <p:diamond/>
+      </p:transition>
+    </mc:Choice>
+    <mc:Fallback xmlns="">
+      <p:transition spd="slow">
+        <p:diamond/>
+      </p:transition>
+    </mc:Fallback>
+  </mc:AlternateContent>
+  <p:timing>
+    <p:tnLst>
+      <p:par>
+        <p:cTn id="1" dur="indefinite" restart="never" nodeType="tmRoot"/>
+      </p:par>
+    </p:tnLst>
+  </p:timing>
+</p:sld>
+</file>
+
+<file path=ppt/slides/slide29.xml><?xml version="1.0" encoding="utf-8"?>
+<p:sld xmlns:a="http://schemas.openxmlformats.org/drawingml/2006/main" xmlns:r="http://schemas.openxmlformats.org/officeDocument/2006/relationships" xmlns:p="http://schemas.openxmlformats.org/presentationml/2006/main">
+  <p:cSld>
+    <p:spTree>
+      <p:nvGrpSpPr>
+        <p:cNvPr id="1" name=""/>
+        <p:cNvGrpSpPr/>
+        <p:nvPr/>
+      </p:nvGrpSpPr>
+      <p:grpSpPr>
+        <a:xfrm>
+          <a:off x="0" y="0"/>
+          <a:ext cx="0" cy="0"/>
+          <a:chOff x="0" y="0"/>
+          <a:chExt cx="0" cy="0"/>
+        </a:xfrm>
+      </p:grpSpPr>
+      <p:sp>
+        <p:nvSpPr>
+          <p:cNvPr id="2" name="Title 1"/>
+          <p:cNvSpPr>
+            <a:spLocks noGrp="1"/>
+          </p:cNvSpPr>
+          <p:nvPr>
+            <p:ph type="title"/>
+          </p:nvPr>
+        </p:nvSpPr>
+        <p:spPr/>
+        <p:txBody>
+          <a:bodyPr/>
+          <a:lstStyle/>
+          <a:p>
+            <a:r>
+              <a:rPr lang="fa-IR" dirty="0" smtClean="0"/>
+              <a:t>نتیجه اخلاقی</a:t>
+            </a:r>
+            <a:endParaRPr lang="fa-IR" dirty="0"/>
+          </a:p>
+        </p:txBody>
+      </p:sp>
+      <p:sp>
+        <p:nvSpPr>
+          <p:cNvPr id="3" name="Content Placeholder 2"/>
+          <p:cNvSpPr>
+            <a:spLocks noGrp="1"/>
+          </p:cNvSpPr>
+          <p:nvPr>
+            <p:ph idx="1"/>
+          </p:nvPr>
+        </p:nvSpPr>
+        <p:spPr/>
+        <p:txBody>
+          <a:bodyPr/>
+          <a:lstStyle/>
+          <a:p>
+            <a:r>
+              <a:rPr lang="fa-IR" dirty="0"/>
+              <a:t>امکانات تعاملی بسیاری که در برنامه های واقعیت مجازی وجود </a:t>
+            </a:r>
+            <a:r>
+              <a:rPr lang="fa-IR" dirty="0" smtClean="0"/>
+              <a:t>دارند ، </a:t>
+            </a:r>
+            <a:r>
+              <a:rPr lang="fa-IR" dirty="0"/>
+              <a:t>استدلال شده اند که باعث بروز </a:t>
+            </a:r>
+            <a:r>
+              <a:rPr lang="fa-IR" dirty="0" smtClean="0"/>
+              <a:t>یک سری </a:t>
+            </a:r>
+            <a:r>
+              <a:rPr lang="fa-IR" dirty="0"/>
+              <a:t>ابهامات اخلاقی می </a:t>
+            </a:r>
+            <a:r>
+              <a:rPr lang="fa-IR" dirty="0" smtClean="0"/>
+              <a:t>شوند .   ( برنامه </a:t>
+            </a:r>
+            <a:r>
+              <a:rPr lang="fa-IR" dirty="0"/>
+              <a:t>ی های واقعیت مجازی مخصوصا آن هایی که هدفشان شبیه سازی واقعیعت است</a:t>
+            </a:r>
+            <a:r>
+              <a:rPr lang="fa-IR" dirty="0" smtClean="0"/>
+              <a:t> )</a:t>
+            </a:r>
+          </a:p>
+          <a:p>
+            <a:endParaRPr lang="fa-IR" dirty="0"/>
+          </a:p>
+          <a:p>
+            <a:r>
+              <a:rPr lang="fa-IR" dirty="0"/>
+              <a:t>رفتار در واقعیت مجازی هم به عنوان یکی از عوامل ایجاد مشکلات اخلاقی در این رشته مورد بحث </a:t>
+            </a:r>
+            <a:r>
+              <a:rPr lang="fa-IR" dirty="0" smtClean="0"/>
+              <a:t>است .</a:t>
+            </a:r>
+          </a:p>
+          <a:p>
+            <a:endParaRPr lang="fa-IR" dirty="0"/>
+          </a:p>
+          <a:p>
+            <a:r>
+              <a:rPr lang="fa-IR" dirty="0" smtClean="0"/>
+              <a:t>اخلاق در واقعیت مجازی به دلیل اینکه قشر عظیمی </a:t>
+            </a:r>
+            <a:r>
+              <a:rPr lang="fa-IR" dirty="0"/>
+              <a:t>از کودکان و بزرگسالان </a:t>
+            </a:r>
+            <a:r>
+              <a:rPr lang="fa-IR" dirty="0" smtClean="0"/>
+              <a:t>مخاطب آن هستند بسیار موضوع مهمی است . </a:t>
+            </a:r>
+            <a:endParaRPr lang="fa-IR" dirty="0"/>
+          </a:p>
+        </p:txBody>
+      </p:sp>
+      <p:sp>
+        <p:nvSpPr>
+          <p:cNvPr id="4" name="Footer Placeholder 3"/>
+          <p:cNvSpPr>
+            <a:spLocks noGrp="1"/>
+          </p:cNvSpPr>
+          <p:nvPr>
+            <p:ph type="ftr" sz="quarter" idx="11"/>
+          </p:nvPr>
+        </p:nvSpPr>
+        <p:spPr/>
+        <p:txBody>
+          <a:bodyPr/>
+          <a:lstStyle/>
+          <a:p>
+            <a:pPr>
+              <a:defRPr/>
+            </a:pPr>
+            <a:r>
+              <a:rPr lang="fa-IR" altLang="fa-IR" smtClean="0"/>
+              <a:t>دانشگاه صنعتی اصفهان – دانشکده کامپیوتر</a:t>
+            </a:r>
+            <a:endParaRPr lang="es-ES" altLang="fa-IR" dirty="0"/>
+          </a:p>
+        </p:txBody>
+      </p:sp>
+      <p:sp>
+        <p:nvSpPr>
+          <p:cNvPr id="5" name="Slide Number Placeholder 4"/>
+          <p:cNvSpPr>
+            <a:spLocks noGrp="1"/>
+          </p:cNvSpPr>
+          <p:nvPr>
+            <p:ph type="sldNum" sz="quarter" idx="12"/>
+          </p:nvPr>
+        </p:nvSpPr>
+        <p:spPr/>
+        <p:txBody>
+          <a:bodyPr/>
+          <a:lstStyle/>
+          <a:p>
+            <a:pPr>
+              <a:defRPr/>
+            </a:pPr>
+            <a:fld id="{C5303A1E-C0C3-4A75-A42D-959ACBF920C8}" type="slidenum">
+              <a:rPr lang="es-ES" altLang="fa-IR" smtClean="0"/>
+              <a:pPr>
+                <a:defRPr/>
+              </a:pPr>
+              <a:t>29</a:t>
+            </a:fld>
+            <a:endParaRPr lang="es-ES" altLang="fa-IR" dirty="0"/>
+          </a:p>
+        </p:txBody>
+      </p:sp>
+    </p:spTree>
+    <p:extLst>
+      <p:ext uri="{BB962C8B-B14F-4D97-AF65-F5344CB8AC3E}">
+        <p14:creationId xmlns:p14="http://schemas.microsoft.com/office/powerpoint/2010/main" val="543918719"/>
+      </p:ext>
+    </p:extLst>
+  </p:cSld>
+  <p:clrMapOvr>
+    <a:masterClrMapping/>
+  </p:clrMapOvr>
+  <mc:AlternateContent xmlns:mc="http://schemas.openxmlformats.org/markup-compatibility/2006" xmlns:p14="http://schemas.microsoft.com/office/powerpoint/2010/main">
+    <mc:Choice Requires="p14">
+      <p:transition spd="slow" p14:dur="800">
+        <p:diamond/>
+      </p:transition>
+    </mc:Choice>
+    <mc:Fallback xmlns="">
+      <p:transition spd="slow">
+        <p:diamond/>
+      </p:transition>
+    </mc:Fallback>
+  </mc:AlternateContent>
+  <p:timing>
+    <p:tnLst>
+      <p:par>
+        <p:cTn id="1" dur="indefinite" restart="never" nodeType="tmRoot"/>
+      </p:par>
+    </p:tnLst>
+  </p:timing>
+</p:sld>
+</file>
+
+<file path=ppt/slides/slide3.xml><?xml version="1.0" encoding="utf-8"?>
+<p:sld xmlns:a="http://schemas.openxmlformats.org/drawingml/2006/main" xmlns:r="http://schemas.openxmlformats.org/officeDocument/2006/relationships" xmlns:p="http://schemas.openxmlformats.org/presentationml/2006/main">
+  <p:cSld>
+    <p:spTree>
+      <p:nvGrpSpPr>
+        <p:cNvPr id="1" name=""/>
+        <p:cNvGrpSpPr/>
+        <p:nvPr/>
+      </p:nvGrpSpPr>
+      <p:grpSpPr>
+        <a:xfrm>
+          <a:off x="0" y="0"/>
+          <a:ext cx="0" cy="0"/>
+          <a:chOff x="0" y="0"/>
+          <a:chExt cx="0" cy="0"/>
+        </a:xfrm>
+      </p:grpSpPr>
+      <p:sp>
+        <p:nvSpPr>
+          <p:cNvPr id="4098" name="Rectangle 2"/>
+          <p:cNvSpPr>
+            <a:spLocks noGrp="1" noChangeArrowheads="1"/>
+          </p:cNvSpPr>
+          <p:nvPr>
+            <p:ph type="title"/>
+          </p:nvPr>
+        </p:nvSpPr>
+        <p:spPr>
+          <a:xfrm>
+            <a:off x="395288" y="188913"/>
+            <a:ext cx="8229600" cy="981075"/>
+          </a:xfrm>
+        </p:spPr>
+        <p:txBody>
+          <a:bodyPr/>
+          <a:lstStyle/>
+          <a:p>
+            <a:pPr eaLnBrk="1" hangingPunct="1"/>
+            <a:r>
+              <a:rPr lang="fa-IR" dirty="0" smtClean="0"/>
+              <a:t>مقدمه</a:t>
+            </a:r>
+            <a:endParaRPr lang="fa-IR" altLang="fa-IR" dirty="0" smtClean="0"/>
+          </a:p>
+        </p:txBody>
+      </p:sp>
+      <p:sp>
+        <p:nvSpPr>
+          <p:cNvPr id="4099" name="Rectangle 3"/>
+          <p:cNvSpPr>
+            <a:spLocks noGrp="1" noChangeArrowheads="1"/>
+          </p:cNvSpPr>
+          <p:nvPr>
+            <p:ph type="body" idx="1"/>
+          </p:nvPr>
+        </p:nvSpPr>
+        <p:spPr/>
+        <p:txBody>
+          <a:bodyPr/>
+          <a:lstStyle/>
+          <a:p>
+            <a:pPr eaLnBrk="1" hangingPunct="1"/>
+            <a:r>
+              <a:rPr lang="fa-IR" dirty="0" smtClean="0"/>
+              <a:t>واقعیت مجازی یا واقعیت شبیه سازی شده به وسیله کامپیوتر یا به انگلیسی</a:t>
+            </a:r>
+            <a:r>
+              <a:rPr lang="en-US" dirty="0" smtClean="0"/>
+              <a:t> </a:t>
+            </a:r>
+            <a:r>
+              <a:rPr lang="en-US" dirty="0" smtClean="0">
+                <a:latin typeface="Comic Sans MS" panose="030F0702030302020204" pitchFamily="66" charset="0"/>
+              </a:rPr>
+              <a:t>Virtual Reality </a:t>
+            </a:r>
+            <a:r>
+              <a:rPr lang="fa-IR" dirty="0" smtClean="0"/>
+              <a:t>که به اختصار با حروف</a:t>
+            </a:r>
+            <a:r>
+              <a:rPr lang="en-US" dirty="0" smtClean="0">
+                <a:latin typeface="Comic Sans MS" panose="030F0702030302020204" pitchFamily="66" charset="0"/>
+              </a:rPr>
+              <a:t>VR</a:t>
+            </a:r>
+            <a:r>
+              <a:rPr lang="en-US" dirty="0" smtClean="0"/>
+              <a:t> </a:t>
+            </a:r>
+            <a:r>
+              <a:rPr lang="fa-IR" dirty="0" smtClean="0"/>
+              <a:t> نمایش داده می‌شوند عبارتند از </a:t>
+            </a:r>
+            <a:r>
+              <a:rPr lang="fa-IR" dirty="0"/>
+              <a:t>محیط چند رسانه‌ای همه‌جانبه که یک محیط شبیه‌سازی کامپیوتری می‌باشد که می‌تواند حضور فیزیکی را در یک محل و در یک دنیای واقعی </a:t>
+            </a:r>
+            <a:r>
+              <a:rPr lang="fa-IR" dirty="0" smtClean="0"/>
+              <a:t>و </a:t>
+            </a:r>
+            <a:r>
+              <a:rPr lang="fa-IR" dirty="0"/>
+              <a:t>یا یک دنیای مجازی شبیه‌سازی کند که به کاربر اجازه ی تعامل در آن فضا </a:t>
+            </a:r>
+            <a:r>
+              <a:rPr lang="fa-IR" dirty="0" smtClean="0"/>
+              <a:t>را </a:t>
+            </a:r>
+            <a:r>
+              <a:rPr lang="fa-IR" dirty="0"/>
+              <a:t>می دهد .</a:t>
+            </a:r>
+            <a:endParaRPr lang="en-US" dirty="0"/>
+          </a:p>
+          <a:p>
+            <a:pPr eaLnBrk="1" hangingPunct="1"/>
+            <a:endParaRPr lang="fa-IR" dirty="0" smtClean="0"/>
+          </a:p>
+          <a:p>
+            <a:pPr eaLnBrk="1" hangingPunct="1"/>
+            <a:endParaRPr lang="fa-IR" altLang="fa-IR" dirty="0" smtClean="0"/>
+          </a:p>
+        </p:txBody>
+      </p:sp>
+      <p:pic>
+        <p:nvPicPr>
+          <p:cNvPr id="5" name="Picture 2" descr="C:\Users\asus\Desktop\450px-VR-Helm.jpg"/>
+          <p:cNvPicPr>
+            <a:picLocks noChangeAspect="1" noChangeArrowheads="1"/>
+          </p:cNvPicPr>
+          <p:nvPr/>
+        </p:nvPicPr>
+        <p:blipFill>
+          <a:blip r:embed="rId2">
+            <a:extLst>
+              <a:ext uri="{28A0092B-C50C-407E-A947-70E740481C1C}">
+                <a14:useLocalDpi xmlns:a14="http://schemas.microsoft.com/office/drawing/2010/main" val="0"/>
+              </a:ext>
+            </a:extLst>
+          </a:blip>
+          <a:srcRect/>
+          <a:stretch>
+            <a:fillRect/>
+          </a:stretch>
+        </p:blipFill>
+        <p:spPr bwMode="auto">
+          <a:xfrm>
+            <a:off x="3143153" y="4077072"/>
+            <a:ext cx="2857699" cy="1862138"/>
+          </a:xfrm>
+          <a:prstGeom prst="ellipse">
+            <a:avLst/>
+          </a:prstGeom>
+          <a:ln>
+            <a:noFill/>
+          </a:ln>
+          <a:effectLst>
+            <a:softEdge rad="112500"/>
+          </a:effectLst>
+          <a:extLst>
+            <a:ext uri="{909E8E84-426E-40DD-AFC4-6F175D3DCCD1}">
+              <a14:hiddenFill xmlns:a14="http://schemas.microsoft.com/office/drawing/2010/main">
+                <a:solidFill>
+                  <a:srgbClr val="FFFFFF"/>
+                </a:solidFill>
+              </a14:hiddenFill>
+            </a:ext>
+          </a:extLst>
+        </p:spPr>
+      </p:pic>
+      <p:sp>
+        <p:nvSpPr>
+          <p:cNvPr id="2" name="Footer Placeholder 1"/>
+          <p:cNvSpPr>
+            <a:spLocks noGrp="1"/>
+          </p:cNvSpPr>
+          <p:nvPr>
+            <p:ph type="ftr" sz="quarter" idx="11"/>
+          </p:nvPr>
+        </p:nvSpPr>
+        <p:spPr/>
+        <p:txBody>
+          <a:bodyPr/>
+          <a:lstStyle/>
+          <a:p>
+            <a:pPr>
+              <a:defRPr/>
+            </a:pPr>
+            <a:r>
+              <a:rPr lang="fa-IR" altLang="fa-IR" smtClean="0"/>
+              <a:t>دانشگاه صنعتی اصفهان – دانشکده کامپیوتر</a:t>
+            </a:r>
+            <a:endParaRPr lang="es-ES" altLang="fa-IR" dirty="0"/>
+          </a:p>
+        </p:txBody>
+      </p:sp>
+      <p:sp>
+        <p:nvSpPr>
+          <p:cNvPr id="3" name="Slide Number Placeholder 2"/>
+          <p:cNvSpPr>
+            <a:spLocks noGrp="1"/>
+          </p:cNvSpPr>
+          <p:nvPr>
+            <p:ph type="sldNum" sz="quarter" idx="12"/>
+          </p:nvPr>
+        </p:nvSpPr>
+        <p:spPr/>
+        <p:txBody>
+          <a:bodyPr/>
+          <a:lstStyle/>
+          <a:p>
+            <a:pPr>
+              <a:defRPr/>
+            </a:pPr>
+            <a:fld id="{C5303A1E-C0C3-4A75-A42D-959ACBF920C8}" type="slidenum">
+              <a:rPr lang="es-ES" altLang="fa-IR" smtClean="0"/>
+              <a:pPr>
+                <a:defRPr/>
+              </a:pPr>
+              <a:t>3</a:t>
+            </a:fld>
+            <a:endParaRPr lang="es-ES" altLang="fa-IR" dirty="0"/>
+          </a:p>
+        </p:txBody>
+      </p:sp>
+    </p:spTree>
+  </p:cSld>
+  <p:clrMapOvr>
+    <a:masterClrMapping/>
+  </p:clrMapOvr>
+  <mc:AlternateContent xmlns:mc="http://schemas.openxmlformats.org/markup-compatibility/2006" xmlns:p14="http://schemas.microsoft.com/office/powerpoint/2010/main">
+    <mc:Choice Requires="p14">
+      <p:transition spd="slow" p14:dur="800">
+        <p:diamond/>
+      </p:transition>
+    </mc:Choice>
+    <mc:Fallback xmlns="">
+      <p:transition spd="slow">
+        <p:diamond/>
+      </p:transition>
+    </mc:Fallback>
+  </mc:AlternateContent>
+  <p:timing>
+    <p:tnLst>
+      <p:par>
+        <p:cTn id="1" dur="indefinite" restart="never" nodeType="tmRoot">
+          <p:childTnLst>
+            <p:seq concurrent="1" nextAc="seek">
+              <p:cTn id="2" dur="indefinite" nodeType="mainSeq">
+                <p:childTnLst>
+                  <p:par>
+                    <p:cTn id="3" fill="hold">
+                      <p:stCondLst>
+                        <p:cond delay="indefinite"/>
+                        <p:cond evt="onBegin" delay="0">
+                          <p:tn val="2"/>
+                        </p:cond>
+                      </p:stCondLst>
+                      <p:childTnLst>
+                        <p:par>
+                          <p:cTn id="4" fill="hold">
+                            <p:stCondLst>
+                              <p:cond delay="0"/>
+                            </p:stCondLst>
+                            <p:childTnLst>
+                              <p:par>
+                                <p:cTn id="5" presetID="31" presetClass="entr" presetSubtype="0" fill="hold" nodeType="afterEffect">
+                                  <p:stCondLst>
+                                    <p:cond delay="0"/>
+                                  </p:stCondLst>
+                                  <p:childTnLst>
+                                    <p:set>
+                                      <p:cBhvr>
+                                        <p:cTn id="6" dur="1" fill="hold">
+                                          <p:stCondLst>
+                                            <p:cond delay="0"/>
+                                          </p:stCondLst>
+                                        </p:cTn>
+                                        <p:tgtEl>
+                                          <p:spTgt spid="5"/>
+                                        </p:tgtEl>
+                                        <p:attrNameLst>
+                                          <p:attrName>style.visibility</p:attrName>
+                                        </p:attrNameLst>
+                                      </p:cBhvr>
+                                      <p:to>
+                                        <p:strVal val="visible"/>
+                                      </p:to>
+                                    </p:set>
+                                    <p:anim calcmode="lin" valueType="num">
+                                      <p:cBhvr>
+                                        <p:cTn id="7" dur="1000" fill="hold"/>
+                                        <p:tgtEl>
+                                          <p:spTgt spid="5"/>
+                                        </p:tgtEl>
+                                        <p:attrNameLst>
+                                          <p:attrName>ppt_w</p:attrName>
+                                        </p:attrNameLst>
+                                      </p:cBhvr>
+                                      <p:tavLst>
+                                        <p:tav tm="0">
+                                          <p:val>
+                                            <p:fltVal val="0"/>
+                                          </p:val>
+                                        </p:tav>
+                                        <p:tav tm="100000">
+                                          <p:val>
+                                            <p:strVal val="#ppt_w"/>
+                                          </p:val>
+                                        </p:tav>
+                                      </p:tavLst>
+                                    </p:anim>
+                                    <p:anim calcmode="lin" valueType="num">
+                                      <p:cBhvr>
+                                        <p:cTn id="8" dur="1000" fill="hold"/>
+                                        <p:tgtEl>
+                                          <p:spTgt spid="5"/>
+                                        </p:tgtEl>
+                                        <p:attrNameLst>
+                                          <p:attrName>ppt_h</p:attrName>
+                                        </p:attrNameLst>
+                                      </p:cBhvr>
+                                      <p:tavLst>
+                                        <p:tav tm="0">
+                                          <p:val>
+                                            <p:fltVal val="0"/>
+                                          </p:val>
+                                        </p:tav>
+                                        <p:tav tm="100000">
+                                          <p:val>
+                                            <p:strVal val="#ppt_h"/>
+                                          </p:val>
+                                        </p:tav>
+                                      </p:tavLst>
+                                    </p:anim>
+                                    <p:anim calcmode="lin" valueType="num">
+                                      <p:cBhvr>
+                                        <p:cTn id="9" dur="1000" fill="hold"/>
+                                        <p:tgtEl>
+                                          <p:spTgt spid="5"/>
+                                        </p:tgtEl>
+                                        <p:attrNameLst>
+                                          <p:attrName>style.rotation</p:attrName>
+                                        </p:attrNameLst>
+                                      </p:cBhvr>
+                                      <p:tavLst>
+                                        <p:tav tm="0">
+                                          <p:val>
+                                            <p:fltVal val="90"/>
+                                          </p:val>
+                                        </p:tav>
+                                        <p:tav tm="100000">
+                                          <p:val>
+                                            <p:fltVal val="0"/>
+                                          </p:val>
+                                        </p:tav>
+                                      </p:tavLst>
+                                    </p:anim>
+                                    <p:animEffect transition="in" filter="fade">
+                                      <p:cBhvr>
+                                        <p:cTn id="10" dur="1000"/>
+                                        <p:tgtEl>
+                                          <p:spTgt spid="5"/>
+                                        </p:tgtEl>
+                                      </p:cBhvr>
+                                    </p:animEffect>
+                                  </p:childTnLst>
+                                </p:cTn>
+                              </p:par>
+                            </p:childTnLst>
+                          </p:cTn>
+                        </p:par>
+                      </p:childTnLst>
+                    </p:cTn>
+                  </p:par>
+                </p:childTnLst>
+              </p:cTn>
+              <p:prevCondLst>
+                <p:cond evt="onPrev" delay="0">
+                  <p:tgtEl>
+                    <p:sldTgt/>
+                  </p:tgtEl>
+                </p:cond>
+              </p:prevCondLst>
+              <p:nextCondLst>
+                <p:cond evt="onNext" delay="0">
+                  <p:tgtEl>
+                    <p:sldTgt/>
+                  </p:tgtEl>
+                </p:cond>
+              </p:nextCondLst>
+            </p:seq>
+          </p:childTnLst>
+        </p:cTn>
+      </p:par>
+    </p:tnLst>
+  </p:timing>
+</p:sld>
+</file>
+
+<file path=ppt/slides/slide30.xml><?xml version="1.0" encoding="utf-8"?>
+<p:sld xmlns:a="http://schemas.openxmlformats.org/drawingml/2006/main" xmlns:r="http://schemas.openxmlformats.org/officeDocument/2006/relationships" xmlns:p="http://schemas.openxmlformats.org/presentationml/2006/main">
+  <p:cSld>
+    <p:spTree>
+      <p:nvGrpSpPr>
+        <p:cNvPr id="1" name=""/>
+        <p:cNvGrpSpPr/>
+        <p:nvPr/>
+      </p:nvGrpSpPr>
+      <p:grpSpPr>
+        <a:xfrm>
+          <a:off x="0" y="0"/>
+          <a:ext cx="0" cy="0"/>
+          <a:chOff x="0" y="0"/>
+          <a:chExt cx="0" cy="0"/>
+        </a:xfrm>
+      </p:grpSpPr>
+      <p:sp>
+        <p:nvSpPr>
+          <p:cNvPr id="2" name="Title 1"/>
+          <p:cNvSpPr>
+            <a:spLocks noGrp="1"/>
+          </p:cNvSpPr>
+          <p:nvPr>
+            <p:ph type="title"/>
+          </p:nvPr>
+        </p:nvSpPr>
+        <p:spPr/>
+        <p:txBody>
+          <a:bodyPr/>
+          <a:lstStyle/>
+          <a:p>
+            <a:r>
+              <a:rPr lang="fa-IR" dirty="0" smtClean="0"/>
+              <a:t>واقعیت مجازی در ایران</a:t>
+            </a:r>
+            <a:endParaRPr lang="fa-IR" dirty="0"/>
+          </a:p>
+        </p:txBody>
+      </p:sp>
+      <p:sp>
+        <p:nvSpPr>
+          <p:cNvPr id="3" name="Content Placeholder 2"/>
+          <p:cNvSpPr>
+            <a:spLocks noGrp="1"/>
+          </p:cNvSpPr>
+          <p:nvPr>
+            <p:ph idx="1"/>
+          </p:nvPr>
+        </p:nvSpPr>
+        <p:spPr>
+          <a:xfrm>
+            <a:off x="1547664" y="1412776"/>
+            <a:ext cx="7139136" cy="4713387"/>
+          </a:xfrm>
+        </p:spPr>
+        <p:txBody>
+          <a:bodyPr/>
+          <a:lstStyle/>
+          <a:p>
+            <a:r>
+              <a:rPr lang="fa-IR" dirty="0" smtClean="0">
+                <a:solidFill>
+                  <a:srgbClr val="00B0F0"/>
+                </a:solidFill>
+              </a:rPr>
+              <a:t>مؤسسه رسانه پرداز آمیتیس </a:t>
+            </a:r>
+            <a:r>
+              <a:rPr lang="fa-IR" dirty="0" smtClean="0"/>
+              <a:t>سازنده بازی رایانه‌ای « مبارزه در خلیج عدن » در تاریخ ۲۲ دی ماه سال ۱۳۹۳ برای اولین بار از دستاورد خود در حوزه واقعیت مجازی رونمایی کرد . تبدیل انواع هدست‌های نمایشگر سه بعدی ( </a:t>
+            </a:r>
+            <a:r>
+              <a:rPr lang="en-US" dirty="0" smtClean="0">
+                <a:latin typeface="Comic Sans MS" panose="030F0702030302020204" pitchFamily="66" charset="0"/>
+              </a:rPr>
+              <a:t>3D Viewer</a:t>
+            </a:r>
+            <a:r>
+              <a:rPr lang="fa-IR" dirty="0"/>
+              <a:t> ) به هدست واقعیت مجازی ، توسعه و گسترش این تکنولوژی به منظور بهره‌برداری در شهربازی‌ها و مباحث شبیه‌ساز تنها بخشی از فعالیت‌های استودیو آمیتیس در این زمینه است . لازم است ذکر شود این محصول تحت عنوان </a:t>
+            </a:r>
+            <a:r>
+              <a:rPr lang="en-US" dirty="0" err="1">
+                <a:latin typeface="Comic Sans MS" panose="030F0702030302020204" pitchFamily="66" charset="0"/>
+              </a:rPr>
+              <a:t>Amytech</a:t>
+            </a:r>
+            <a:r>
+              <a:rPr lang="en-US" dirty="0">
+                <a:latin typeface="Comic Sans MS" panose="030F0702030302020204" pitchFamily="66" charset="0"/>
+              </a:rPr>
+              <a:t> </a:t>
+            </a:r>
+            <a:r>
+              <a:rPr lang="en-US" dirty="0" smtClean="0">
+                <a:latin typeface="Comic Sans MS" panose="030F0702030302020204" pitchFamily="66" charset="0"/>
+              </a:rPr>
+              <a:t>1</a:t>
+            </a:r>
+            <a:r>
+              <a:rPr lang="fa-IR" dirty="0" smtClean="0"/>
+              <a:t> اولین </a:t>
+            </a:r>
+            <a:r>
+              <a:rPr lang="fa-IR" dirty="0"/>
+              <a:t>هدست واقعیت مجازی مبتنی بر کامپیوتر ایرانی در چهارمین دوره نمایشگاه شهر بازی و اوقات فراغت رونمایی </a:t>
+            </a:r>
+            <a:r>
+              <a:rPr lang="fa-IR" dirty="0" smtClean="0"/>
+              <a:t>گردید .</a:t>
+            </a:r>
+            <a:endParaRPr lang="fa-IR" dirty="0"/>
+          </a:p>
+        </p:txBody>
+      </p:sp>
+      <p:sp>
+        <p:nvSpPr>
+          <p:cNvPr id="4" name="Footer Placeholder 3"/>
+          <p:cNvSpPr>
+            <a:spLocks noGrp="1"/>
+          </p:cNvSpPr>
+          <p:nvPr>
+            <p:ph type="ftr" sz="quarter" idx="11"/>
+          </p:nvPr>
+        </p:nvSpPr>
+        <p:spPr/>
+        <p:txBody>
+          <a:bodyPr/>
+          <a:lstStyle/>
+          <a:p>
+            <a:pPr>
+              <a:defRPr/>
+            </a:pPr>
+            <a:r>
+              <a:rPr lang="fa-IR" altLang="fa-IR" smtClean="0"/>
+              <a:t>دانشگاه صنعتی اصفهان – دانشکده کامپیوتر</a:t>
+            </a:r>
+            <a:endParaRPr lang="es-ES" altLang="fa-IR" dirty="0"/>
+          </a:p>
+        </p:txBody>
+      </p:sp>
+      <p:sp>
+        <p:nvSpPr>
+          <p:cNvPr id="5" name="Slide Number Placeholder 4"/>
+          <p:cNvSpPr>
+            <a:spLocks noGrp="1"/>
+          </p:cNvSpPr>
+          <p:nvPr>
+            <p:ph type="sldNum" sz="quarter" idx="12"/>
+          </p:nvPr>
+        </p:nvSpPr>
+        <p:spPr/>
+        <p:txBody>
+          <a:bodyPr/>
+          <a:lstStyle/>
+          <a:p>
+            <a:pPr>
+              <a:defRPr/>
+            </a:pPr>
+            <a:fld id="{C5303A1E-C0C3-4A75-A42D-959ACBF920C8}" type="slidenum">
+              <a:rPr lang="es-ES" altLang="fa-IR" smtClean="0"/>
+              <a:pPr>
+                <a:defRPr/>
+              </a:pPr>
+              <a:t>30</a:t>
             </a:fld>
             <a:endParaRPr lang="es-ES" altLang="fa-IR" dirty="0"/>
           </a:p>
@@ -12046,7 +14361,7 @@
 </p:sld>
 </file>
 
-<file path=ppt/slides/slide25.xml><?xml version="1.0" encoding="utf-8"?>
+<file path=ppt/slides/slide31.xml><?xml version="1.0" encoding="utf-8"?>
 <p:sld xmlns:a="http://schemas.openxmlformats.org/drawingml/2006/main" xmlns:r="http://schemas.openxmlformats.org/officeDocument/2006/relationships" xmlns:p="http://schemas.openxmlformats.org/presentationml/2006/main">
   <p:cSld>
     <p:spTree>
@@ -12184,7 +14499,7 @@
               <a:pPr>
                 <a:defRPr/>
               </a:pPr>
-              <a:t>25</a:t>
+              <a:t>31</a:t>
             </a:fld>
             <a:endParaRPr lang="es-ES" altLang="fa-IR" dirty="0"/>
           </a:p>
@@ -12369,7 +14684,7 @@
 </p:sld>
 </file>
 
-<file path=ppt/slides/slide26.xml><?xml version="1.0" encoding="utf-8"?>
+<file path=ppt/slides/slide32.xml><?xml version="1.0" encoding="utf-8"?>
 <p:sld xmlns:a="http://schemas.openxmlformats.org/drawingml/2006/main" xmlns:r="http://schemas.openxmlformats.org/officeDocument/2006/relationships" xmlns:p="http://schemas.openxmlformats.org/presentationml/2006/main">
   <p:cSld>
     <p:spTree>
@@ -12499,7 +14814,7 @@
               <a:pPr>
                 <a:defRPr/>
               </a:pPr>
-              <a:t>26</a:t>
+              <a:t>32</a:t>
             </a:fld>
             <a:endParaRPr lang="es-ES" altLang="fa-IR" dirty="0"/>
           </a:p>
@@ -12537,7 +14852,7 @@
 </p:sld>
 </file>
 
-<file path=ppt/slides/slide27.xml><?xml version="1.0" encoding="utf-8"?>
+<file path=ppt/slides/slide33.xml><?xml version="1.0" encoding="utf-8"?>
 <p:sld xmlns:a="http://schemas.openxmlformats.org/drawingml/2006/main" xmlns:r="http://schemas.openxmlformats.org/officeDocument/2006/relationships" xmlns:p="http://schemas.openxmlformats.org/presentationml/2006/main">
   <p:cSld>
     <p:spTree>
@@ -12767,7 +15082,7 @@
               <a:pPr>
                 <a:defRPr/>
               </a:pPr>
-              <a:t>27</a:t>
+              <a:t>33</a:t>
             </a:fld>
             <a:endParaRPr lang="es-ES" altLang="fa-IR" dirty="0"/>
           </a:p>
@@ -12805,7 +15120,7 @@
 </p:sld>
 </file>
 
-<file path=ppt/slides/slide28.xml><?xml version="1.0" encoding="utf-8"?>
+<file path=ppt/slides/slide34.xml><?xml version="1.0" encoding="utf-8"?>
 <p:sld xmlns:a="http://schemas.openxmlformats.org/drawingml/2006/main" xmlns:r="http://schemas.openxmlformats.org/officeDocument/2006/relationships" xmlns:p="http://schemas.openxmlformats.org/presentationml/2006/main">
   <p:cSld>
     <p:spTree>
@@ -12993,7 +15308,7 @@
               <a:pPr>
                 <a:defRPr/>
               </a:pPr>
-              <a:t>28</a:t>
+              <a:t>34</a:t>
             </a:fld>
             <a:endParaRPr lang="es-ES" altLang="fa-IR" dirty="0"/>
           </a:p>
@@ -13339,408 +15654,6 @@
     <p:bldLst>
       <p:bldP spid="6" grpId="0"/>
     </p:bldLst>
-  </p:timing>
-</p:sld>
-</file>
-
-<file path=ppt/slides/slide3.xml><?xml version="1.0" encoding="utf-8"?>
-<p:sld xmlns:a="http://schemas.openxmlformats.org/drawingml/2006/main" xmlns:r="http://schemas.openxmlformats.org/officeDocument/2006/relationships" xmlns:p="http://schemas.openxmlformats.org/presentationml/2006/main">
-  <p:cSld>
-    <p:spTree>
-      <p:nvGrpSpPr>
-        <p:cNvPr id="1" name=""/>
-        <p:cNvGrpSpPr/>
-        <p:nvPr/>
-      </p:nvGrpSpPr>
-      <p:grpSpPr>
-        <a:xfrm>
-          <a:off x="0" y="0"/>
-          <a:ext cx="0" cy="0"/>
-          <a:chOff x="0" y="0"/>
-          <a:chExt cx="0" cy="0"/>
-        </a:xfrm>
-      </p:grpSpPr>
-      <p:sp>
-        <p:nvSpPr>
-          <p:cNvPr id="4098" name="Rectangle 2"/>
-          <p:cNvSpPr>
-            <a:spLocks noGrp="1" noChangeArrowheads="1"/>
-          </p:cNvSpPr>
-          <p:nvPr>
-            <p:ph type="title"/>
-          </p:nvPr>
-        </p:nvSpPr>
-        <p:spPr>
-          <a:xfrm>
-            <a:off x="395288" y="188913"/>
-            <a:ext cx="8229600" cy="981075"/>
-          </a:xfrm>
-        </p:spPr>
-        <p:txBody>
-          <a:bodyPr/>
-          <a:lstStyle/>
-          <a:p>
-            <a:pPr eaLnBrk="1" hangingPunct="1"/>
-            <a:r>
-              <a:rPr lang="fa-IR" dirty="0" smtClean="0"/>
-              <a:t>مقدمه</a:t>
-            </a:r>
-            <a:endParaRPr lang="fa-IR" altLang="fa-IR" dirty="0" smtClean="0"/>
-          </a:p>
-        </p:txBody>
-      </p:sp>
-      <p:sp>
-        <p:nvSpPr>
-          <p:cNvPr id="4099" name="Rectangle 3"/>
-          <p:cNvSpPr>
-            <a:spLocks noGrp="1" noChangeArrowheads="1"/>
-          </p:cNvSpPr>
-          <p:nvPr>
-            <p:ph type="body" idx="1"/>
-          </p:nvPr>
-        </p:nvSpPr>
-        <p:spPr/>
-        <p:txBody>
-          <a:bodyPr/>
-          <a:lstStyle/>
-          <a:p>
-            <a:pPr eaLnBrk="1" hangingPunct="1"/>
-            <a:r>
-              <a:rPr lang="fa-IR" dirty="0" smtClean="0"/>
-              <a:t>واقعیت مجازی یا واقعیت شبیه سازی شده به وسیله کامپیوتر یا به انگلیسی</a:t>
-            </a:r>
-            <a:r>
-              <a:rPr lang="en-US" dirty="0" smtClean="0"/>
-              <a:t> </a:t>
-            </a:r>
-            <a:r>
-              <a:rPr lang="en-US" dirty="0" smtClean="0">
-                <a:latin typeface="Comic Sans MS" panose="030F0702030302020204" pitchFamily="66" charset="0"/>
-              </a:rPr>
-              <a:t>Virtual Reality </a:t>
-            </a:r>
-            <a:r>
-              <a:rPr lang="fa-IR" dirty="0" smtClean="0"/>
-              <a:t>که به اختصار با حروف</a:t>
-            </a:r>
-            <a:r>
-              <a:rPr lang="en-US" dirty="0" smtClean="0">
-                <a:latin typeface="Comic Sans MS" panose="030F0702030302020204" pitchFamily="66" charset="0"/>
-              </a:rPr>
-              <a:t>VR</a:t>
-            </a:r>
-            <a:r>
-              <a:rPr lang="en-US" dirty="0" smtClean="0"/>
-              <a:t> </a:t>
-            </a:r>
-            <a:r>
-              <a:rPr lang="fa-IR" dirty="0" smtClean="0"/>
-              <a:t> نمایش داده می‌شوند عبارتند از </a:t>
-            </a:r>
-            <a:r>
-              <a:rPr lang="fa-IR" dirty="0"/>
-              <a:t>محیط چند رسانه‌ای همه‌جانبه که یک محیط شبیه‌سازی کامپیوتری می‌باشد که می‌تواند حضور فیزیکی را در یک محل و در یک دنیای واقعی </a:t>
-            </a:r>
-            <a:r>
-              <a:rPr lang="fa-IR" dirty="0" smtClean="0"/>
-              <a:t>و </a:t>
-            </a:r>
-            <a:r>
-              <a:rPr lang="fa-IR" dirty="0"/>
-              <a:t>یا یک دنیای مجازی شبیه‌سازی کند که به کاربر اجازه ی تعامل در آن فضا </a:t>
-            </a:r>
-            <a:r>
-              <a:rPr lang="fa-IR" dirty="0" smtClean="0"/>
-              <a:t>را </a:t>
-            </a:r>
-            <a:r>
-              <a:rPr lang="fa-IR" dirty="0"/>
-              <a:t>می دهد .</a:t>
-            </a:r>
-            <a:endParaRPr lang="en-US" dirty="0"/>
-          </a:p>
-          <a:p>
-            <a:pPr eaLnBrk="1" hangingPunct="1"/>
-            <a:endParaRPr lang="fa-IR" dirty="0" smtClean="0"/>
-          </a:p>
-          <a:p>
-            <a:pPr eaLnBrk="1" hangingPunct="1"/>
-            <a:endParaRPr lang="fa-IR" altLang="fa-IR" dirty="0" smtClean="0"/>
-          </a:p>
-        </p:txBody>
-      </p:sp>
-      <p:pic>
-        <p:nvPicPr>
-          <p:cNvPr id="5" name="Picture 2" descr="C:\Users\asus\Desktop\450px-VR-Helm.jpg"/>
-          <p:cNvPicPr>
-            <a:picLocks noChangeAspect="1" noChangeArrowheads="1"/>
-          </p:cNvPicPr>
-          <p:nvPr/>
-        </p:nvPicPr>
-        <p:blipFill>
-          <a:blip r:embed="rId2">
-            <a:extLst>
-              <a:ext uri="{28A0092B-C50C-407E-A947-70E740481C1C}">
-                <a14:useLocalDpi xmlns:a14="http://schemas.microsoft.com/office/drawing/2010/main" val="0"/>
-              </a:ext>
-            </a:extLst>
-          </a:blip>
-          <a:srcRect/>
-          <a:stretch>
-            <a:fillRect/>
-          </a:stretch>
-        </p:blipFill>
-        <p:spPr bwMode="auto">
-          <a:xfrm>
-            <a:off x="3143153" y="4077072"/>
-            <a:ext cx="2857699" cy="1862138"/>
-          </a:xfrm>
-          <a:prstGeom prst="ellipse">
-            <a:avLst/>
-          </a:prstGeom>
-          <a:ln>
-            <a:noFill/>
-          </a:ln>
-          <a:effectLst>
-            <a:softEdge rad="112500"/>
-          </a:effectLst>
-          <a:extLst>
-            <a:ext uri="{909E8E84-426E-40DD-AFC4-6F175D3DCCD1}">
-              <a14:hiddenFill xmlns:a14="http://schemas.microsoft.com/office/drawing/2010/main">
-                <a:solidFill>
-                  <a:srgbClr val="FFFFFF"/>
-                </a:solidFill>
-              </a14:hiddenFill>
-            </a:ext>
-          </a:extLst>
-        </p:spPr>
-      </p:pic>
-      <p:sp>
-        <p:nvSpPr>
-          <p:cNvPr id="2" name="Footer Placeholder 1"/>
-          <p:cNvSpPr>
-            <a:spLocks noGrp="1"/>
-          </p:cNvSpPr>
-          <p:nvPr>
-            <p:ph type="ftr" sz="quarter" idx="11"/>
-          </p:nvPr>
-        </p:nvSpPr>
-        <p:spPr/>
-        <p:txBody>
-          <a:bodyPr/>
-          <a:lstStyle/>
-          <a:p>
-            <a:pPr>
-              <a:defRPr/>
-            </a:pPr>
-            <a:r>
-              <a:rPr lang="fa-IR" altLang="fa-IR" smtClean="0"/>
-              <a:t>دانشگاه صنعتی اصفهان – دانشکده کامپیوتر</a:t>
-            </a:r>
-            <a:endParaRPr lang="es-ES" altLang="fa-IR" dirty="0"/>
-          </a:p>
-        </p:txBody>
-      </p:sp>
-      <p:sp>
-        <p:nvSpPr>
-          <p:cNvPr id="3" name="Slide Number Placeholder 2"/>
-          <p:cNvSpPr>
-            <a:spLocks noGrp="1"/>
-          </p:cNvSpPr>
-          <p:nvPr>
-            <p:ph type="sldNum" sz="quarter" idx="12"/>
-          </p:nvPr>
-        </p:nvSpPr>
-        <p:spPr/>
-        <p:txBody>
-          <a:bodyPr/>
-          <a:lstStyle/>
-          <a:p>
-            <a:pPr>
-              <a:defRPr/>
-            </a:pPr>
-            <a:fld id="{C5303A1E-C0C3-4A75-A42D-959ACBF920C8}" type="slidenum">
-              <a:rPr lang="es-ES" altLang="fa-IR" smtClean="0"/>
-              <a:pPr>
-                <a:defRPr/>
-              </a:pPr>
-              <a:t>3</a:t>
-            </a:fld>
-            <a:endParaRPr lang="es-ES" altLang="fa-IR" dirty="0"/>
-          </a:p>
-        </p:txBody>
-      </p:sp>
-    </p:spTree>
-  </p:cSld>
-  <p:clrMapOvr>
-    <a:masterClrMapping/>
-  </p:clrMapOvr>
-  <mc:AlternateContent xmlns:mc="http://schemas.openxmlformats.org/markup-compatibility/2006" xmlns:p14="http://schemas.microsoft.com/office/powerpoint/2010/main">
-    <mc:Choice Requires="p14">
-      <p:transition spd="slow" p14:dur="800">
-        <p:diamond/>
-      </p:transition>
-    </mc:Choice>
-    <mc:Fallback xmlns="">
-      <p:transition spd="slow">
-        <p:diamond/>
-      </p:transition>
-    </mc:Fallback>
-  </mc:AlternateContent>
-  <p:timing>
-    <p:tnLst>
-      <p:par>
-        <p:cTn id="1" dur="indefinite" restart="never" nodeType="tmRoot">
-          <p:childTnLst>
-            <p:seq concurrent="1" nextAc="seek">
-              <p:cTn id="2" dur="indefinite" nodeType="mainSeq">
-                <p:childTnLst>
-                  <p:par>
-                    <p:cTn id="3" fill="hold">
-                      <p:stCondLst>
-                        <p:cond delay="indefinite"/>
-                        <p:cond evt="onBegin" delay="0">
-                          <p:tn val="2"/>
-                        </p:cond>
-                      </p:stCondLst>
-                      <p:childTnLst>
-                        <p:par>
-                          <p:cTn id="4" fill="hold">
-                            <p:stCondLst>
-                              <p:cond delay="0"/>
-                            </p:stCondLst>
-                            <p:childTnLst>
-                              <p:par>
-                                <p:cTn id="5" presetID="31" presetClass="entr" presetSubtype="0" fill="hold" nodeType="afterEffect">
-                                  <p:stCondLst>
-                                    <p:cond delay="0"/>
-                                  </p:stCondLst>
-                                  <p:childTnLst>
-                                    <p:set>
-                                      <p:cBhvr>
-                                        <p:cTn id="6" dur="1" fill="hold">
-                                          <p:stCondLst>
-                                            <p:cond delay="0"/>
-                                          </p:stCondLst>
-                                        </p:cTn>
-                                        <p:tgtEl>
-                                          <p:spTgt spid="5"/>
-                                        </p:tgtEl>
-                                        <p:attrNameLst>
-                                          <p:attrName>style.visibility</p:attrName>
-                                        </p:attrNameLst>
-                                      </p:cBhvr>
-                                      <p:to>
-                                        <p:strVal val="visible"/>
-                                      </p:to>
-                                    </p:set>
-                                    <p:anim calcmode="lin" valueType="num">
-                                      <p:cBhvr>
-                                        <p:cTn id="7" dur="1000" fill="hold"/>
-                                        <p:tgtEl>
-                                          <p:spTgt spid="5"/>
-                                        </p:tgtEl>
-                                        <p:attrNameLst>
-                                          <p:attrName>ppt_w</p:attrName>
-                                        </p:attrNameLst>
-                                      </p:cBhvr>
-                                      <p:tavLst>
-                                        <p:tav tm="0">
-                                          <p:val>
-                                            <p:fltVal val="0"/>
-                                          </p:val>
-                                        </p:tav>
-                                        <p:tav tm="100000">
-                                          <p:val>
-                                            <p:strVal val="#ppt_w"/>
-                                          </p:val>
-                                        </p:tav>
-                                      </p:tavLst>
-                                    </p:anim>
-                                    <p:anim calcmode="lin" valueType="num">
-                                      <p:cBhvr>
-                                        <p:cTn id="8" dur="1000" fill="hold"/>
-                                        <p:tgtEl>
-                                          <p:spTgt spid="5"/>
-                                        </p:tgtEl>
-                                        <p:attrNameLst>
-                                          <p:attrName>ppt_h</p:attrName>
-                                        </p:attrNameLst>
-                                      </p:cBhvr>
-                                      <p:tavLst>
-                                        <p:tav tm="0">
-                                          <p:val>
-                                            <p:fltVal val="0"/>
-                                          </p:val>
-                                        </p:tav>
-                                        <p:tav tm="100000">
-                                          <p:val>
-                                            <p:strVal val="#ppt_h"/>
-                                          </p:val>
-                                        </p:tav>
-                                      </p:tavLst>
-                                    </p:anim>
-                                    <p:anim calcmode="lin" valueType="num">
-                                      <p:cBhvr>
-                                        <p:cTn id="9" dur="1000" fill="hold"/>
-                                        <p:tgtEl>
-                                          <p:spTgt spid="5"/>
-                                        </p:tgtEl>
-                                        <p:attrNameLst>
-                                          <p:attrName>style.rotation</p:attrName>
-                                        </p:attrNameLst>
-                                      </p:cBhvr>
-                                      <p:tavLst>
-                                        <p:tav tm="0">
-                                          <p:val>
-                                            <p:fltVal val="90"/>
-                                          </p:val>
-                                        </p:tav>
-                                        <p:tav tm="100000">
-                                          <p:val>
-                                            <p:fltVal val="0"/>
-                                          </p:val>
-                                        </p:tav>
-                                      </p:tavLst>
-                                    </p:anim>
-                                    <p:animEffect transition="in" filter="fade">
-                                      <p:cBhvr>
-                                        <p:cTn id="10" dur="1000"/>
-                                        <p:tgtEl>
-                                          <p:spTgt spid="5"/>
-                                        </p:tgtEl>
-                                      </p:cBhvr>
-                                    </p:animEffect>
-                                  </p:childTnLst>
-                                </p:cTn>
-                              </p:par>
-                            </p:childTnLst>
-                          </p:cTn>
-                        </p:par>
-                      </p:childTnLst>
-                    </p:cTn>
-                  </p:par>
-                </p:childTnLst>
-              </p:cTn>
-              <p:prevCondLst>
-                <p:cond evt="onPrev" delay="0">
-                  <p:tgtEl>
-                    <p:sldTgt/>
-                  </p:tgtEl>
-                </p:cond>
-              </p:prevCondLst>
-              <p:nextCondLst>
-                <p:cond evt="onNext" delay="0">
-                  <p:tgtEl>
-                    <p:sldTgt/>
-                  </p:tgtEl>
-                </p:cond>
-              </p:nextCondLst>
-            </p:seq>
-          </p:childTnLst>
-        </p:cTn>
-      </p:par>
-    </p:tnLst>
   </p:timing>
 </p:sld>
 </file>
